--- a/main-520-project/CS 520 Data Curation.pptx
+++ b/main-520-project/CS 520 Data Curation.pptx
@@ -1103,7 +1103,7 @@
   <p:cSld>
     <p:spTree>
       <p:nvGrpSpPr>
-        <p:cNvPr id="74" name="Shape 74"/>
+        <p:cNvPr id="75" name="Shape 75"/>
         <p:cNvGrpSpPr/>
         <p:nvPr/>
       </p:nvGrpSpPr>
@@ -1117,7 +1117,7 @@
       </p:grpSpPr>
       <p:sp>
         <p:nvSpPr>
-          <p:cNvPr id="75" name="Google Shape;75;g295a4782ee7_0_20:notes"/>
+          <p:cNvPr id="76" name="Google Shape;76;g295a4782ee7_0_20:notes"/>
           <p:cNvSpPr/>
           <p:nvPr>
             <p:ph idx="2" type="sldImg"/>
@@ -1152,7 +1152,7 @@
       </p:sp>
       <p:sp>
         <p:nvSpPr>
-          <p:cNvPr id="76" name="Google Shape;76;g295a4782ee7_0_20:notes"/>
+          <p:cNvPr id="77" name="Google Shape;77;g295a4782ee7_0_20:notes"/>
           <p:cNvSpPr txBox="1"/>
           <p:nvPr>
             <p:ph idx="1" type="body"/>
@@ -1202,7 +1202,7 @@
   <p:cSld>
     <p:spTree>
       <p:nvGrpSpPr>
-        <p:cNvPr id="80" name="Shape 80"/>
+        <p:cNvPr id="81" name="Shape 81"/>
         <p:cNvGrpSpPr/>
         <p:nvPr/>
       </p:nvGrpSpPr>
@@ -1216,7 +1216,7 @@
       </p:grpSpPr>
       <p:sp>
         <p:nvSpPr>
-          <p:cNvPr id="81" name="Google Shape;81;g295a4782ee7_0_44:notes"/>
+          <p:cNvPr id="82" name="Google Shape;82;g295a4782ee7_0_44:notes"/>
           <p:cNvSpPr/>
           <p:nvPr>
             <p:ph idx="2" type="sldImg"/>
@@ -1251,7 +1251,7 @@
       </p:sp>
       <p:sp>
         <p:nvSpPr>
-          <p:cNvPr id="82" name="Google Shape;82;g295a4782ee7_0_44:notes"/>
+          <p:cNvPr id="83" name="Google Shape;83;g295a4782ee7_0_44:notes"/>
           <p:cNvSpPr txBox="1"/>
           <p:nvPr>
             <p:ph idx="1" type="body"/>
@@ -1301,7 +1301,7 @@
   <p:cSld>
     <p:spTree>
       <p:nvGrpSpPr>
-        <p:cNvPr id="86" name="Shape 86"/>
+        <p:cNvPr id="87" name="Shape 87"/>
         <p:cNvGrpSpPr/>
         <p:nvPr/>
       </p:nvGrpSpPr>
@@ -1315,7 +1315,7 @@
       </p:grpSpPr>
       <p:sp>
         <p:nvSpPr>
-          <p:cNvPr id="87" name="Google Shape;87;g295a4782ee7_0_37:notes"/>
+          <p:cNvPr id="88" name="Google Shape;88;g295a4782ee7_0_37:notes"/>
           <p:cNvSpPr/>
           <p:nvPr>
             <p:ph idx="2" type="sldImg"/>
@@ -1350,7 +1350,7 @@
       </p:sp>
       <p:sp>
         <p:nvSpPr>
-          <p:cNvPr id="88" name="Google Shape;88;g295a4782ee7_0_37:notes"/>
+          <p:cNvPr id="89" name="Google Shape;89;g295a4782ee7_0_37:notes"/>
           <p:cNvSpPr txBox="1"/>
           <p:nvPr>
             <p:ph idx="1" type="body"/>
@@ -1400,7 +1400,7 @@
   <p:cSld>
     <p:spTree>
       <p:nvGrpSpPr>
-        <p:cNvPr id="92" name="Shape 92"/>
+        <p:cNvPr id="93" name="Shape 93"/>
         <p:cNvGrpSpPr/>
         <p:nvPr/>
       </p:nvGrpSpPr>
@@ -1414,7 +1414,7 @@
       </p:grpSpPr>
       <p:sp>
         <p:nvSpPr>
-          <p:cNvPr id="93" name="Google Shape;93;g295a4782ee7_0_55:notes"/>
+          <p:cNvPr id="94" name="Google Shape;94;g295a4782ee7_0_55:notes"/>
           <p:cNvSpPr/>
           <p:nvPr>
             <p:ph idx="2" type="sldImg"/>
@@ -1449,7 +1449,7 @@
       </p:sp>
       <p:sp>
         <p:nvSpPr>
-          <p:cNvPr id="94" name="Google Shape;94;g295a4782ee7_0_55:notes"/>
+          <p:cNvPr id="95" name="Google Shape;95;g295a4782ee7_0_55:notes"/>
           <p:cNvSpPr txBox="1"/>
           <p:nvPr>
             <p:ph idx="1" type="body"/>
@@ -6403,7 +6403,7 @@
             </a:pPr>
             <a:r>
               <a:rPr lang="en"/>
-              <a:t>3 .   Art Institute of Chicago consists 22,000 folders of exhibition records dating from 1929 to 1989 from its registrar and curatorial departments.</a:t>
+              <a:t>3 .   Art Institute of Chicago consists 22,000 folders of exhibition records dating from 1879 to 1989 from its registrar and curatorial departments.</a:t>
             </a:r>
             <a:endParaRPr/>
           </a:p>
@@ -6419,7 +6419,7 @@
             </a:pPr>
             <a:r>
               <a:rPr lang="en"/>
-              <a:t>3.   However, The Data is not Curator approved</a:t>
+              <a:t>3.   However, The Data is not Curator approved!</a:t>
             </a:r>
             <a:endParaRPr/>
           </a:p>
@@ -6484,7 +6484,7 @@
             </a:pPr>
             <a:r>
               <a:rPr lang="en"/>
-              <a:t>Data Curation Issues</a:t>
+              <a:t>Data Curation</a:t>
             </a:r>
             <a:endParaRPr/>
           </a:p>
@@ -6530,7 +6530,7 @@
             <a:endParaRPr/>
           </a:p>
           <a:p>
-            <a:pPr indent="0" lvl="0" marL="457200" rtl="0" algn="l">
+            <a:pPr indent="0" lvl="0" marL="0" rtl="0" algn="l">
               <a:spcBef>
                 <a:spcPts val="1200"/>
               </a:spcBef>
@@ -6694,7 +6694,7 @@
         </p:spPr>
         <p:txBody>
           <a:bodyPr anchorCtr="0" anchor="t" bIns="91425" lIns="91425" spcFirstLastPara="1" rIns="91425" wrap="square" tIns="91425">
-            <a:normAutofit fontScale="92500" lnSpcReduction="20000"/>
+            <a:normAutofit fontScale="85000" lnSpcReduction="20000"/>
           </a:bodyPr>
           <a:lstStyle/>
           <a:p>
@@ -6716,7 +6716,7 @@
                   <a:srgbClr val="FFFFFF"/>
                 </a:highlight>
               </a:rPr>
-              <a:t>It includes basic metadata for each artist, including name, nationality, gender, birth year, death year, Wiki QID, and Getty ULAN ID.</a:t>
+              <a:t>It includes basic metadata for each artist  including name, nationality, gender, birth year, death year, Wiki QID, and Getty ULAN ID.</a:t>
             </a:r>
             <a:endParaRPr sz="1200">
               <a:solidFill>
@@ -6738,7 +6738,7 @@
               <a:buNone/>
             </a:pPr>
             <a:r>
-              <a:rPr lang="en" sz="1200">
+              <a:rPr b="1" lang="en" sz="1200">
                 <a:solidFill>
                   <a:srgbClr val="0E1116"/>
                 </a:solidFill>
@@ -6748,7 +6748,7 @@
               </a:rPr>
               <a:t>Header:</a:t>
             </a:r>
-            <a:endParaRPr sz="1200">
+            <a:endParaRPr b="1" sz="1200">
               <a:solidFill>
                 <a:srgbClr val="0E1116"/>
               </a:solidFill>
@@ -6770,10 +6770,10 @@
             <a:r>
               <a:rPr lang="en" sz="1050">
                 <a:solidFill>
-                  <a:srgbClr val="D5D5D5"/>
+                  <a:schemeClr val="dk1"/>
                 </a:solidFill>
                 <a:highlight>
-                  <a:srgbClr val="383838"/>
+                  <a:srgbClr val="F3F3F3"/>
                 </a:highlight>
                 <a:latin typeface="Courier New"/>
                 <a:ea typeface="Courier New"/>
@@ -6784,10 +6784,10 @@
             </a:r>
             <a:endParaRPr sz="1050">
               <a:solidFill>
-                <a:srgbClr val="D5D5D5"/>
+                <a:schemeClr val="dk1"/>
               </a:solidFill>
               <a:highlight>
-                <a:srgbClr val="383838"/>
+                <a:srgbClr val="F3F3F3"/>
               </a:highlight>
               <a:latin typeface="Courier New"/>
               <a:ea typeface="Courier New"/>
@@ -6803,6 +6803,32 @@
               <a:spcAft>
                 <a:spcPts val="0"/>
               </a:spcAft>
+              <a:buNone/>
+            </a:pPr>
+            <a:r>
+              <a:t/>
+            </a:r>
+            <a:endParaRPr sz="1050">
+              <a:solidFill>
+                <a:schemeClr val="dk1"/>
+              </a:solidFill>
+              <a:highlight>
+                <a:srgbClr val="F3F3F3"/>
+              </a:highlight>
+              <a:latin typeface="Courier New"/>
+              <a:ea typeface="Courier New"/>
+              <a:cs typeface="Courier New"/>
+              <a:sym typeface="Courier New"/>
+            </a:endParaRPr>
+          </a:p>
+          <a:p>
+            <a:pPr indent="0" lvl="0" marL="0" rtl="0" algn="l">
+              <a:spcBef>
+                <a:spcPts val="1200"/>
+              </a:spcBef>
+              <a:spcAft>
+                <a:spcPts val="0"/>
+              </a:spcAft>
               <a:buClr>
                 <a:schemeClr val="dk1"/>
               </a:buClr>
@@ -6813,10 +6839,10 @@
             <a:r>
               <a:rPr lang="en" sz="1050">
                 <a:solidFill>
-                  <a:srgbClr val="D5D5D5"/>
+                  <a:srgbClr val="000000"/>
                 </a:solidFill>
                 <a:highlight>
-                  <a:srgbClr val="383838"/>
+                  <a:srgbClr val="F3F3F3"/>
                 </a:highlight>
                 <a:latin typeface="Courier New"/>
                 <a:ea typeface="Courier New"/>
@@ -6827,10 +6853,10 @@
             </a:r>
             <a:endParaRPr sz="1050">
               <a:solidFill>
-                <a:srgbClr val="D5D5D5"/>
+                <a:srgbClr val="000000"/>
               </a:solidFill>
               <a:highlight>
-                <a:srgbClr val="383838"/>
+                <a:srgbClr val="F3F3F3"/>
               </a:highlight>
               <a:latin typeface="Courier New"/>
               <a:ea typeface="Courier New"/>
@@ -6949,6 +6975,32 @@
           </a:p>
         </p:txBody>
       </p:sp>
+      <p:cxnSp>
+        <p:nvCxnSpPr>
+          <p:cNvPr id="74" name="Google Shape;74;p16"/>
+          <p:cNvCxnSpPr/>
+          <p:nvPr/>
+        </p:nvCxnSpPr>
+        <p:spPr>
+          <a:xfrm flipH="1" rot="10800000">
+            <a:off x="501025" y="2132750"/>
+            <a:ext cx="7942800" cy="55200"/>
+          </a:xfrm>
+          <a:prstGeom prst="straightConnector1">
+            <a:avLst/>
+          </a:prstGeom>
+          <a:noFill/>
+          <a:ln cap="flat" cmpd="sng" w="9525">
+            <a:solidFill>
+              <a:schemeClr val="dk2"/>
+            </a:solidFill>
+            <a:prstDash val="solid"/>
+            <a:round/>
+            <a:headEnd len="med" w="med" type="none"/>
+            <a:tailEnd len="med" w="med" type="none"/>
+          </a:ln>
+        </p:spPr>
+      </p:cxnSp>
     </p:spTree>
   </p:cSld>
   <p:clrMapOvr>
@@ -6962,7 +7014,7 @@
   <p:cSld>
     <p:spTree>
       <p:nvGrpSpPr>
-        <p:cNvPr id="77" name="Shape 77"/>
+        <p:cNvPr id="78" name="Shape 78"/>
         <p:cNvGrpSpPr/>
         <p:nvPr/>
       </p:nvGrpSpPr>
@@ -6976,7 +7028,7 @@
       </p:grpSpPr>
       <p:sp>
         <p:nvSpPr>
-          <p:cNvPr id="78" name="Google Shape;78;p17"/>
+          <p:cNvPr id="79" name="Google Shape;79;p17"/>
           <p:cNvSpPr txBox="1"/>
           <p:nvPr>
             <p:ph type="title"/>
@@ -7016,7 +7068,7 @@
       </p:sp>
       <p:sp>
         <p:nvSpPr>
-          <p:cNvPr id="79" name="Google Shape;79;p17"/>
+          <p:cNvPr id="80" name="Google Shape;80;p17"/>
           <p:cNvSpPr txBox="1"/>
           <p:nvPr>
             <p:ph idx="1" type="body"/>
@@ -7047,7 +7099,7 @@
               <a:buNone/>
             </a:pPr>
             <a:r>
-              <a:rPr lang="en" sz="1200">
+              <a:rPr lang="en" sz="1400">
                 <a:solidFill>
                   <a:srgbClr val="212529"/>
                 </a:solidFill>
@@ -7062,7 +7114,7 @@
               <a:t>1. Multiple artists for a record, delimited by a </a:t>
             </a:r>
             <a:r>
-              <a:rPr lang="en" sz="1200">
+              <a:rPr lang="en" sz="1400">
                 <a:solidFill>
                   <a:srgbClr val="212529"/>
                 </a:solidFill>
@@ -7077,7 +7129,7 @@
               <a:t>separator</a:t>
             </a:r>
             <a:r>
-              <a:rPr lang="en" sz="1200">
+              <a:rPr lang="en" sz="1400">
                 <a:solidFill>
                   <a:srgbClr val="212529"/>
                 </a:solidFill>
@@ -7091,7 +7143,7 @@
               </a:rPr>
               <a:t> and each artist should be accredited to the record. Explode the entries by delimiter.</a:t>
             </a:r>
-            <a:endParaRPr sz="1200">
+            <a:endParaRPr sz="1400">
               <a:solidFill>
                 <a:srgbClr val="212529"/>
               </a:solidFill>
@@ -7115,7 +7167,7 @@
               <a:buNone/>
             </a:pPr>
             <a:r>
-              <a:rPr lang="en" sz="1200">
+              <a:rPr lang="en" sz="1400">
                 <a:solidFill>
                   <a:srgbClr val="212529"/>
                 </a:solidFill>
@@ -7129,7 +7181,7 @@
               </a:rPr>
               <a:t>2. Some of the accession years are not dates so they should be ignored.</a:t>
             </a:r>
-            <a:endParaRPr sz="1200">
+            <a:endParaRPr sz="1400">
               <a:solidFill>
                 <a:srgbClr val="212529"/>
               </a:solidFill>
@@ -7153,7 +7205,7 @@
               <a:buNone/>
             </a:pPr>
             <a:r>
-              <a:rPr lang="en" sz="1200">
+              <a:rPr lang="en" sz="1400">
                 <a:solidFill>
                   <a:srgbClr val="212529"/>
                 </a:solidFill>
@@ -7168,7 +7220,7 @@
               <a:t>3. Some artists are anonymous, unknown or identified by the location rather than an </a:t>
             </a:r>
             <a:r>
-              <a:rPr lang="en" sz="1200">
+              <a:rPr lang="en" sz="1400">
                 <a:solidFill>
                   <a:srgbClr val="212529"/>
                 </a:solidFill>
@@ -7183,7 +7235,7 @@
               <a:t>actual</a:t>
             </a:r>
             <a:r>
-              <a:rPr lang="en" sz="1200">
+              <a:rPr lang="en" sz="1400">
                 <a:solidFill>
                   <a:srgbClr val="212529"/>
                 </a:solidFill>
@@ -7197,7 +7249,7 @@
               </a:rPr>
               <a:t> name so they should befittingly named "anonymous". </a:t>
             </a:r>
-            <a:endParaRPr sz="1200">
+            <a:endParaRPr sz="1400">
               <a:solidFill>
                 <a:srgbClr val="212529"/>
               </a:solidFill>
@@ -7221,7 +7273,7 @@
               <a:buNone/>
             </a:pPr>
             <a:r>
-              <a:rPr lang="en" sz="1200">
+              <a:rPr lang="en" sz="1400">
                 <a:solidFill>
                   <a:srgbClr val="212529"/>
                 </a:solidFill>
@@ -7233,9 +7285,9 @@
                 <a:cs typeface="Roboto"/>
                 <a:sym typeface="Roboto"/>
               </a:rPr>
-              <a:t>4. Certain Begin Dates are before the End date. Certain dates don't specify B.C or A.D and others are 0. Fill such entries with NaN</a:t>
+              <a:t>4. Certain Begin Dates are after the End date. Certain dates don't specify B.C or A.D and others are 0. Fill such entries with NaN</a:t>
             </a:r>
-            <a:endParaRPr sz="1200">
+            <a:endParaRPr sz="1400">
               <a:solidFill>
                 <a:srgbClr val="212529"/>
               </a:solidFill>
@@ -7259,7 +7311,7 @@
               <a:buNone/>
             </a:pPr>
             <a:r>
-              <a:rPr lang="en" sz="1200">
+              <a:rPr lang="en" sz="1400">
                 <a:solidFill>
                   <a:srgbClr val="212529"/>
                 </a:solidFill>
@@ -7271,9 +7323,9 @@
                 <a:cs typeface="Roboto"/>
                 <a:sym typeface="Roboto"/>
               </a:rPr>
-              <a:t>5. The medium column has bother upper case and lower case so standardizing the Artist Name and Medium columns.</a:t>
+              <a:t>5. The medium column has upper case and lower case so standardizing the Artist Name and Medium columns.</a:t>
             </a:r>
-            <a:endParaRPr sz="1200">
+            <a:endParaRPr sz="1400">
               <a:solidFill>
                 <a:srgbClr val="212529"/>
               </a:solidFill>
@@ -7327,7 +7379,7 @@
   <p:cSld>
     <p:spTree>
       <p:nvGrpSpPr>
-        <p:cNvPr id="83" name="Shape 83"/>
+        <p:cNvPr id="84" name="Shape 84"/>
         <p:cNvGrpSpPr/>
         <p:nvPr/>
       </p:nvGrpSpPr>
@@ -7341,7 +7393,7 @@
       </p:grpSpPr>
       <p:sp>
         <p:nvSpPr>
-          <p:cNvPr id="84" name="Google Shape;84;p18"/>
+          <p:cNvPr id="85" name="Google Shape;85;p18"/>
           <p:cNvSpPr txBox="1"/>
           <p:nvPr>
             <p:ph type="title"/>
@@ -7381,7 +7433,7 @@
       </p:sp>
       <p:sp>
         <p:nvSpPr>
-          <p:cNvPr id="85" name="Google Shape;85;p18"/>
+          <p:cNvPr id="86" name="Google Shape;86;p18"/>
           <p:cNvSpPr txBox="1"/>
           <p:nvPr>
             <p:ph idx="1" type="body"/>
@@ -7398,7 +7450,7 @@
         </p:spPr>
         <p:txBody>
           <a:bodyPr anchorCtr="0" anchor="t" bIns="91425" lIns="91425" spcFirstLastPara="1" rIns="91425" wrap="square" tIns="91425">
-            <a:normAutofit/>
+            <a:normAutofit lnSpcReduction="10000"/>
           </a:bodyPr>
           <a:lstStyle/>
           <a:p>
@@ -7413,7 +7465,39 @@
             </a:pPr>
             <a:r>
               <a:rPr lang="en"/>
-              <a:t>Create a common schema that matches across the various sources to answer queries across the various data sets.</a:t>
+              <a:t>1. Create a common schema that matches across the various sources to answer queries across the various data sets.</a:t>
+            </a:r>
+            <a:endParaRPr/>
+          </a:p>
+          <a:p>
+            <a:pPr indent="457200" lvl="0" marL="1371600" rtl="0" algn="l">
+              <a:spcBef>
+                <a:spcPts val="1200"/>
+              </a:spcBef>
+              <a:spcAft>
+                <a:spcPts val="0"/>
+              </a:spcAft>
+              <a:buNone/>
+            </a:pPr>
+            <a:r>
+              <a:rPr lang="en"/>
+              <a:t>Q(Name, birth year, death year, nationality)</a:t>
+            </a:r>
+            <a:endParaRPr/>
+          </a:p>
+          <a:p>
+            <a:pPr indent="0" lvl="0" marL="0" rtl="0" algn="l">
+              <a:spcBef>
+                <a:spcPts val="1200"/>
+              </a:spcBef>
+              <a:spcAft>
+                <a:spcPts val="0"/>
+              </a:spcAft>
+              <a:buNone/>
+            </a:pPr>
+            <a:r>
+              <a:rPr lang="en"/>
+              <a:t>2. Aggregate the data such that a single artist id is generated for all the unique artists by matching ULAN identifiers and matching first name last name by using fuzzy matcher.</a:t>
             </a:r>
             <a:endParaRPr/>
           </a:p>
@@ -7438,44 +7522,17 @@
                 <a:spcPts val="1200"/>
               </a:spcBef>
               <a:spcAft>
-                <a:spcPts val="0"/>
+                <a:spcPts val="1200"/>
               </a:spcAft>
               <a:buNone/>
             </a:pPr>
             <a:r>
               <a:rPr lang="en"/>
-              <a:t>Name, birth year, death year, nationality</a:t>
+              <a:t>3. </a:t>
             </a:r>
-            <a:endParaRPr/>
-          </a:p>
-          <a:p>
-            <a:pPr indent="0" lvl="0" marL="0" rtl="0" algn="l">
-              <a:spcBef>
-                <a:spcPts val="1200"/>
-              </a:spcBef>
-              <a:spcAft>
-                <a:spcPts val="0"/>
-              </a:spcAft>
-              <a:buNone/>
-            </a:pPr>
-            <a:r>
-              <a:t/>
-            </a:r>
-            <a:endParaRPr/>
-          </a:p>
-          <a:p>
-            <a:pPr indent="0" lvl="0" marL="0" rtl="0" algn="l">
-              <a:spcBef>
-                <a:spcPts val="1200"/>
-              </a:spcBef>
-              <a:spcAft>
-                <a:spcPts val="1200"/>
-              </a:spcAft>
-              <a:buNone/>
-            </a:pPr>
             <a:r>
               <a:rPr lang="en"/>
-              <a:t>Aggregate the data such that a single artist id is generated for all the unique artists by matching ULAN identifiers and matching first name last name.</a:t>
+              <a:t>Check for data copying across various museums by using edit distance or Jaccard distance.</a:t>
             </a:r>
             <a:endParaRPr/>
           </a:p>
@@ -7494,7 +7551,7 @@
   <p:cSld>
     <p:spTree>
       <p:nvGrpSpPr>
-        <p:cNvPr id="89" name="Shape 89"/>
+        <p:cNvPr id="90" name="Shape 90"/>
         <p:cNvGrpSpPr/>
         <p:nvPr/>
       </p:nvGrpSpPr>
@@ -7508,7 +7565,7 @@
       </p:grpSpPr>
       <p:sp>
         <p:nvSpPr>
-          <p:cNvPr id="90" name="Google Shape;90;p19"/>
+          <p:cNvPr id="91" name="Google Shape;91;p19"/>
           <p:cNvSpPr txBox="1"/>
           <p:nvPr>
             <p:ph type="title"/>
@@ -7548,7 +7605,7 @@
       </p:sp>
       <p:sp>
         <p:nvSpPr>
-          <p:cNvPr id="91" name="Google Shape;91;p19"/>
+          <p:cNvPr id="92" name="Google Shape;92;p19"/>
           <p:cNvSpPr txBox="1"/>
           <p:nvPr>
             <p:ph idx="1" type="body"/>
@@ -7579,6 +7636,26 @@
               <a:buNone/>
             </a:pPr>
             <a:r>
+              <a:rPr lang="en"/>
+              <a:t>1. P</a:t>
+            </a:r>
+            <a:r>
+              <a:rPr lang="en"/>
+              <a:t>lot the ratio of art accessions from various nationalities across the years or answer and other visualizations from a common collective data source.</a:t>
+            </a:r>
+            <a:endParaRPr/>
+          </a:p>
+          <a:p>
+            <a:pPr indent="0" lvl="0" marL="0" rtl="0" algn="l">
+              <a:spcBef>
+                <a:spcPts val="1200"/>
+              </a:spcBef>
+              <a:spcAft>
+                <a:spcPts val="0"/>
+              </a:spcAft>
+              <a:buNone/>
+            </a:pPr>
+            <a:r>
               <a:t/>
             </a:r>
             <a:endParaRPr/>
@@ -7595,38 +7672,7 @@
             </a:pPr>
             <a:r>
               <a:rPr lang="en"/>
-              <a:t>Once data clearing is performed we may plot the ratio of art accessions from various nationalities across the years or answer and other visualizations</a:t>
-            </a:r>
-            <a:endParaRPr/>
-          </a:p>
-          <a:p>
-            <a:pPr indent="0" lvl="0" marL="0" rtl="0" algn="l">
-              <a:spcBef>
-                <a:spcPts val="1200"/>
-              </a:spcBef>
-              <a:spcAft>
-                <a:spcPts val="0"/>
-              </a:spcAft>
-              <a:buNone/>
-            </a:pPr>
-            <a:r>
-              <a:rPr lang="en"/>
-              <a:t>from a common collective data source.</a:t>
-            </a:r>
-            <a:endParaRPr/>
-          </a:p>
-          <a:p>
-            <a:pPr indent="0" lvl="0" marL="0" rtl="0" algn="l">
-              <a:spcBef>
-                <a:spcPts val="1200"/>
-              </a:spcBef>
-              <a:spcAft>
-                <a:spcPts val="0"/>
-              </a:spcAft>
-              <a:buNone/>
-            </a:pPr>
-            <a:r>
-              <a:t/>
+              <a:t>2. Plot the nationality and medium of the artists by the eras. It could be possible that certain mediums began to wear out with advent of evolving trends in craftsmanship.</a:t>
             </a:r>
             <a:endParaRPr/>
           </a:p>
@@ -7660,7 +7706,7 @@
   <p:cSld>
     <p:spTree>
       <p:nvGrpSpPr>
-        <p:cNvPr id="95" name="Shape 95"/>
+        <p:cNvPr id="96" name="Shape 96"/>
         <p:cNvGrpSpPr/>
         <p:nvPr/>
       </p:nvGrpSpPr>
@@ -7674,7 +7720,7 @@
       </p:grpSpPr>
       <p:sp>
         <p:nvSpPr>
-          <p:cNvPr id="96" name="Google Shape;96;p20"/>
+          <p:cNvPr id="97" name="Google Shape;97;p20"/>
           <p:cNvSpPr txBox="1"/>
           <p:nvPr>
             <p:ph type="title"/>
@@ -7706,7 +7752,7 @@
             </a:pPr>
             <a:r>
               <a:rPr lang="en"/>
-              <a:t>Citations and Questions?</a:t>
+              <a:t>Citations</a:t>
             </a:r>
             <a:endParaRPr/>
           </a:p>
@@ -7714,7 +7760,7 @@
       </p:sp>
       <p:sp>
         <p:nvSpPr>
-          <p:cNvPr id="97" name="Google Shape;97;p20"/>
+          <p:cNvPr id="98" name="Google Shape;98;p20"/>
           <p:cNvSpPr txBox="1"/>
           <p:nvPr>
             <p:ph idx="1" type="body"/>

--- a/main-520-project/CS 520 Data Curation.pptx
+++ b/main-520-project/CS 520 Data Curation.pptx
@@ -16,16 +16,17 @@
     <p:sldId id="261" r:id="rId11"/>
     <p:sldId id="262" r:id="rId12"/>
     <p:sldId id="263" r:id="rId13"/>
+    <p:sldId id="264" r:id="rId14"/>
   </p:sldIdLst>
   <p:sldSz cy="5143500" cx="9144000"/>
   <p:notesSz cx="6858000" cy="9144000"/>
   <p:embeddedFontLst>
     <p:embeddedFont>
       <p:font typeface="Roboto"/>
-      <p:regular r:id="rId14"/>
-      <p:bold r:id="rId15"/>
-      <p:italic r:id="rId16"/>
-      <p:boldItalic r:id="rId17"/>
+      <p:regular r:id="rId15"/>
+      <p:bold r:id="rId16"/>
+      <p:italic r:id="rId17"/>
+      <p:boldItalic r:id="rId18"/>
     </p:embeddedFont>
   </p:embeddedFontLst>
   <p:defaultTextStyle>
@@ -1414,7 +1415,7 @@
       </p:grpSpPr>
       <p:sp>
         <p:nvSpPr>
-          <p:cNvPr id="94" name="Google Shape;94;g295a4782ee7_0_55:notes"/>
+          <p:cNvPr id="94" name="Google Shape;94;g2961ba04e30_0_0:notes"/>
           <p:cNvSpPr/>
           <p:nvPr>
             <p:ph idx="2" type="sldImg"/>
@@ -1449,7 +1450,106 @@
       </p:sp>
       <p:sp>
         <p:nvSpPr>
-          <p:cNvPr id="95" name="Google Shape;95;g295a4782ee7_0_55:notes"/>
+          <p:cNvPr id="95" name="Google Shape;95;g2961ba04e30_0_0:notes"/>
+          <p:cNvSpPr txBox="1"/>
+          <p:nvPr>
+            <p:ph idx="1" type="body"/>
+          </p:nvPr>
+        </p:nvSpPr>
+        <p:spPr>
+          <a:xfrm>
+            <a:off x="685800" y="4343400"/>
+            <a:ext cx="5486400" cy="4114800"/>
+          </a:xfrm>
+          <a:prstGeom prst="rect">
+            <a:avLst/>
+          </a:prstGeom>
+        </p:spPr>
+        <p:txBody>
+          <a:bodyPr anchorCtr="0" anchor="t" bIns="91425" lIns="91425" spcFirstLastPara="1" rIns="91425" wrap="square" tIns="91425">
+            <a:noAutofit/>
+          </a:bodyPr>
+          <a:lstStyle/>
+          <a:p>
+            <a:pPr indent="0" lvl="0" marL="0" rtl="0" algn="l">
+              <a:spcBef>
+                <a:spcPts val="0"/>
+              </a:spcBef>
+              <a:spcAft>
+                <a:spcPts val="0"/>
+              </a:spcAft>
+              <a:buNone/>
+            </a:pPr>
+            <a:r>
+              <a:t/>
+            </a:r>
+            <a:endParaRPr/>
+          </a:p>
+        </p:txBody>
+      </p:sp>
+    </p:spTree>
+  </p:cSld>
+  <p:clrMapOvr>
+    <a:masterClrMapping/>
+  </p:clrMapOvr>
+</p:notes>
+</file>
+
+<file path=ppt/notesSlides/notesSlide9.xml><?xml version="1.0" encoding="utf-8"?>
+<p:notes xmlns:a="http://schemas.openxmlformats.org/drawingml/2006/main" xmlns:r="http://schemas.openxmlformats.org/officeDocument/2006/relationships" xmlns:mc="http://schemas.openxmlformats.org/markup-compatibility/2006" xmlns:mv="urn:schemas-microsoft-com:mac:vml" xmlns:p="http://schemas.openxmlformats.org/presentationml/2006/main" xmlns:c="http://schemas.openxmlformats.org/drawingml/2006/chart" xmlns:dgm="http://schemas.openxmlformats.org/drawingml/2006/diagram" xmlns:o="urn:schemas-microsoft-com:office:office" xmlns:v="urn:schemas-microsoft-com:vml" xmlns:pvml="urn:schemas-microsoft-com:office:powerpoint" xmlns:com="http://schemas.openxmlformats.org/drawingml/2006/compatibility" xmlns:p14="http://schemas.microsoft.com/office/powerpoint/2010/main" xmlns:p15="http://schemas.microsoft.com/office/powerpoint/2012/main" xmlns:ahyp="http://schemas.microsoft.com/office/drawing/2018/hyperlinkcolor" showMasterPhAnim="0" showMasterSp="0">
+  <p:cSld>
+    <p:spTree>
+      <p:nvGrpSpPr>
+        <p:cNvPr id="99" name="Shape 99"/>
+        <p:cNvGrpSpPr/>
+        <p:nvPr/>
+      </p:nvGrpSpPr>
+      <p:grpSpPr>
+        <a:xfrm>
+          <a:off x="0" y="0"/>
+          <a:ext cx="0" cy="0"/>
+          <a:chOff x="0" y="0"/>
+          <a:chExt cx="0" cy="0"/>
+        </a:xfrm>
+      </p:grpSpPr>
+      <p:sp>
+        <p:nvSpPr>
+          <p:cNvPr id="100" name="Google Shape;100;g295a4782ee7_0_55:notes"/>
+          <p:cNvSpPr/>
+          <p:nvPr>
+            <p:ph idx="2" type="sldImg"/>
+          </p:nvPr>
+        </p:nvSpPr>
+        <p:spPr>
+          <a:xfrm>
+            <a:off x="381300" y="685800"/>
+            <a:ext cx="6096000" cy="3429000"/>
+          </a:xfrm>
+          <a:custGeom>
+            <a:rect b="b" l="l" r="r" t="t"/>
+            <a:pathLst>
+              <a:path extrusionOk="0" h="120000" w="120000">
+                <a:moveTo>
+                  <a:pt x="0" y="0"/>
+                </a:moveTo>
+                <a:lnTo>
+                  <a:pt x="120000" y="0"/>
+                </a:lnTo>
+                <a:lnTo>
+                  <a:pt x="120000" y="120000"/>
+                </a:lnTo>
+                <a:lnTo>
+                  <a:pt x="0" y="120000"/>
+                </a:lnTo>
+                <a:close/>
+              </a:path>
+            </a:pathLst>
+          </a:custGeom>
+        </p:spPr>
+      </p:sp>
+      <p:sp>
+        <p:nvSpPr>
+          <p:cNvPr id="101" name="Google Shape;101;g295a4782ee7_0_55:notes"/>
           <p:cNvSpPr txBox="1"/>
           <p:nvPr>
             <p:ph idx="1" type="body"/>
@@ -6314,7 +6414,7 @@
             </a:pPr>
             <a:r>
               <a:rPr lang="en"/>
-              <a:t>Background</a:t>
+              <a:t>Data Background</a:t>
             </a:r>
             <a:endParaRPr/>
           </a:p>
@@ -6530,24 +6630,9 @@
             <a:endParaRPr/>
           </a:p>
           <a:p>
-            <a:pPr indent="0" lvl="0" marL="0" rtl="0" algn="l">
-              <a:spcBef>
-                <a:spcPts val="1200"/>
-              </a:spcBef>
-              <a:spcAft>
-                <a:spcPts val="0"/>
-              </a:spcAft>
-              <a:buNone/>
-            </a:pPr>
-            <a:r>
-              <a:t/>
-            </a:r>
-            <a:endParaRPr/>
-          </a:p>
-          <a:p>
             <a:pPr indent="-342900" lvl="0" marL="457200" rtl="0" algn="l">
               <a:spcBef>
-                <a:spcPts val="1200"/>
+                <a:spcPts val="0"/>
               </a:spcBef>
               <a:spcAft>
                 <a:spcPts val="0"/>
@@ -6562,24 +6647,26 @@
             <a:endParaRPr/>
           </a:p>
           <a:p>
-            <a:pPr indent="0" lvl="0" marL="457200" rtl="0" algn="l">
-              <a:spcBef>
-                <a:spcPts val="1200"/>
-              </a:spcBef>
-              <a:spcAft>
-                <a:spcPts val="0"/>
-              </a:spcAft>
-              <a:buNone/>
+            <a:pPr indent="-342900" lvl="0" marL="457200" rtl="0" algn="l">
+              <a:spcBef>
+                <a:spcPts val="0"/>
+              </a:spcBef>
+              <a:spcAft>
+                <a:spcPts val="0"/>
+              </a:spcAft>
+              <a:buSzPts val="1800"/>
+              <a:buAutoNum type="arabicPeriod"/>
             </a:pPr>
             <a:r>
-              <a:t/>
+              <a:rPr lang="en"/>
+              <a:t>Data Quality and Validation of Data along with missing information. </a:t>
             </a:r>
             <a:endParaRPr/>
           </a:p>
           <a:p>
             <a:pPr indent="-342900" lvl="0" marL="457200" rtl="0" algn="l">
               <a:spcBef>
-                <a:spcPts val="1200"/>
+                <a:spcPts val="0"/>
               </a:spcBef>
               <a:spcAft>
                 <a:spcPts val="0"/>
@@ -6589,12 +6676,29 @@
             </a:pPr>
             <a:r>
               <a:rPr lang="en"/>
-              <a:t>Data Quality and validation of the records. Trust and Provenance of the data.</a:t>
+              <a:t>Trust and Provenance of the data.</a:t>
             </a:r>
             <a:endParaRPr/>
           </a:p>
           <a:p>
-            <a:pPr indent="0" lvl="0" marL="0" rtl="0" algn="l">
+            <a:pPr indent="-342900" lvl="0" marL="457200" rtl="0" algn="l">
+              <a:spcBef>
+                <a:spcPts val="0"/>
+              </a:spcBef>
+              <a:spcAft>
+                <a:spcPts val="0"/>
+              </a:spcAft>
+              <a:buSzPts val="1800"/>
+              <a:buAutoNum type="arabicPeriod"/>
+            </a:pPr>
+            <a:r>
+              <a:rPr lang="en"/>
+              <a:t>Schema Matching and Query Containment on mediated schema</a:t>
+            </a:r>
+            <a:endParaRPr/>
+          </a:p>
+          <a:p>
+            <a:pPr indent="0" lvl="0" marL="457200" rtl="0" algn="l">
               <a:spcBef>
                 <a:spcPts val="1200"/>
               </a:spcBef>
@@ -6669,7 +6773,15 @@
             </a:pPr>
             <a:r>
               <a:rPr lang="en"/>
-              <a:t>Data Format (CSV)</a:t>
+              <a:t>Data Format (</a:t>
+            </a:r>
+            <a:r>
+              <a:rPr lang="en"/>
+              <a:t>CSV to DataFrames</a:t>
+            </a:r>
+            <a:r>
+              <a:rPr lang="en"/>
+              <a:t>)</a:t>
             </a:r>
             <a:endParaRPr/>
           </a:p>
@@ -6983,7 +7095,7 @@
         </p:nvCxnSpPr>
         <p:spPr>
           <a:xfrm flipH="1" rot="10800000">
-            <a:off x="501025" y="2132750"/>
+            <a:off x="311700" y="2132750"/>
             <a:ext cx="7942800" cy="55200"/>
           </a:xfrm>
           <a:prstGeom prst="straightConnector1">
@@ -7085,7 +7197,7 @@
         </p:spPr>
         <p:txBody>
           <a:bodyPr anchorCtr="0" anchor="t" bIns="91425" lIns="91425" spcFirstLastPara="1" rIns="91425" wrap="square" tIns="91425">
-            <a:normAutofit/>
+            <a:normAutofit fontScale="92500" lnSpcReduction="10000"/>
           </a:bodyPr>
           <a:lstStyle/>
           <a:p>
@@ -7328,6 +7440,56 @@
             <a:endParaRPr sz="1400">
               <a:solidFill>
                 <a:srgbClr val="212529"/>
+              </a:solidFill>
+              <a:highlight>
+                <a:srgbClr val="FFFFFF"/>
+              </a:highlight>
+              <a:latin typeface="Roboto"/>
+              <a:ea typeface="Roboto"/>
+              <a:cs typeface="Roboto"/>
+              <a:sym typeface="Roboto"/>
+            </a:endParaRPr>
+          </a:p>
+          <a:p>
+            <a:pPr indent="0" lvl="0" marL="0" rtl="0" algn="l">
+              <a:spcBef>
+                <a:spcPts val="1200"/>
+              </a:spcBef>
+              <a:spcAft>
+                <a:spcPts val="0"/>
+              </a:spcAft>
+              <a:buNone/>
+            </a:pPr>
+            <a:r>
+              <a:rPr lang="en" sz="1400">
+                <a:solidFill>
+                  <a:schemeClr val="dk1"/>
+                </a:solidFill>
+                <a:highlight>
+                  <a:srgbClr val="FFFFFF"/>
+                </a:highlight>
+                <a:latin typeface="Roboto"/>
+                <a:ea typeface="Roboto"/>
+                <a:cs typeface="Roboto"/>
+                <a:sym typeface="Roboto"/>
+              </a:rPr>
+              <a:t>6. </a:t>
+            </a:r>
+            <a:r>
+              <a:rPr lang="en" sz="1350">
+                <a:solidFill>
+                  <a:schemeClr val="dk1"/>
+                </a:solidFill>
+                <a:latin typeface="Roboto"/>
+                <a:ea typeface="Roboto"/>
+                <a:cs typeface="Roboto"/>
+                <a:sym typeface="Roboto"/>
+              </a:rPr>
+              <a:t>Handling missing information by merging information from other data sources on certain columns. Using unsupervised learning techniques such as Hierarchical Clustering techniques.</a:t>
+            </a:r>
+            <a:endParaRPr sz="1350">
+              <a:solidFill>
+                <a:schemeClr val="dk1"/>
               </a:solidFill>
               <a:highlight>
                 <a:srgbClr val="FFFFFF"/>
@@ -7425,7 +7587,7 @@
             </a:pPr>
             <a:r>
               <a:rPr lang="en"/>
-              <a:t>Schema Matching	</a:t>
+              <a:t>Data Preparation	</a:t>
             </a:r>
             <a:endParaRPr/>
           </a:p>
@@ -7465,7 +7627,7 @@
             </a:pPr>
             <a:r>
               <a:rPr lang="en"/>
-              <a:t>1. Create a common schema that matches across the various sources to answer queries across the various data sets.</a:t>
+              <a:t>1. Schema Matching: create a common schema that matches across the various sources to answer queries across the various data sets.</a:t>
             </a:r>
             <a:endParaRPr/>
           </a:p>
@@ -7507,21 +7669,6 @@
                 <a:spcPts val="1200"/>
               </a:spcBef>
               <a:spcAft>
-                <a:spcPts val="0"/>
-              </a:spcAft>
-              <a:buNone/>
-            </a:pPr>
-            <a:r>
-              <a:t/>
-            </a:r>
-            <a:endParaRPr/>
-          </a:p>
-          <a:p>
-            <a:pPr indent="0" lvl="0" marL="0" rtl="0" algn="l">
-              <a:spcBef>
-                <a:spcPts val="1200"/>
-              </a:spcBef>
-              <a:spcAft>
                 <a:spcPts val="1200"/>
               </a:spcAft>
               <a:buNone/>
@@ -7532,7 +7679,7 @@
             </a:r>
             <a:r>
               <a:rPr lang="en"/>
-              <a:t>Check for data copying across various museums by using edit distance or Jaccard distance.</a:t>
+              <a:t>Archives may have been duplicated and the information about certain artists and their nationality, ethnicity could be differing, so majority voting aggregation of such records after identifying copies by using edit distance , Jaccard distance. </a:t>
             </a:r>
             <a:endParaRPr/>
           </a:p>
@@ -7597,7 +7744,7 @@
             </a:pPr>
             <a:r>
               <a:rPr lang="en"/>
-              <a:t>Data Insights</a:t>
+              <a:t>Data Analysis</a:t>
             </a:r>
             <a:endParaRPr/>
           </a:p>
@@ -7656,21 +7803,6 @@
               <a:buNone/>
             </a:pPr>
             <a:r>
-              <a:t/>
-            </a:r>
-            <a:endParaRPr/>
-          </a:p>
-          <a:p>
-            <a:pPr indent="0" lvl="0" marL="0" rtl="0" algn="l">
-              <a:spcBef>
-                <a:spcPts val="1200"/>
-              </a:spcBef>
-              <a:spcAft>
-                <a:spcPts val="0"/>
-              </a:spcAft>
-              <a:buNone/>
-            </a:pPr>
-            <a:r>
               <a:rPr lang="en"/>
               <a:t>2. Plot the nationality and medium of the artists by the eras. It could be possible that certain mediums began to wear out with advent of evolving trends in craftsmanship.</a:t>
             </a:r>
@@ -7682,7 +7814,7 @@
                 <a:spcPts val="1200"/>
               </a:spcBef>
               <a:spcAft>
-                <a:spcPts val="1200"/>
+                <a:spcPts val="0"/>
               </a:spcAft>
               <a:buNone/>
             </a:pPr>
@@ -7690,6 +7822,21 @@
               <a:t/>
             </a:r>
             <a:endParaRPr/>
+          </a:p>
+          <a:p>
+            <a:pPr indent="0" lvl="0" marL="0" rtl="0" algn="l">
+              <a:spcBef>
+                <a:spcPts val="1200"/>
+              </a:spcBef>
+              <a:spcAft>
+                <a:spcPts val="1200"/>
+              </a:spcAft>
+              <a:buNone/>
+            </a:pPr>
+            <a:r>
+              <a:t/>
+            </a:r>
+            <a:endParaRPr b="1"/>
           </a:p>
         </p:txBody>
       </p:sp>
@@ -7752,7 +7899,7 @@
             </a:pPr>
             <a:r>
               <a:rPr lang="en"/>
-              <a:t>Citations</a:t>
+              <a:t>Future Work	</a:t>
             </a:r>
             <a:endParaRPr/>
           </a:p>
@@ -7781,6 +7928,144 @@
           </a:bodyPr>
           <a:lstStyle/>
           <a:p>
+            <a:pPr indent="-342900" lvl="0" marL="457200" rtl="0" algn="l">
+              <a:spcBef>
+                <a:spcPts val="0"/>
+              </a:spcBef>
+              <a:spcAft>
+                <a:spcPts val="0"/>
+              </a:spcAft>
+              <a:buSzPts val="1800"/>
+              <a:buChar char="●"/>
+            </a:pPr>
+            <a:r>
+              <a:rPr lang="en"/>
+              <a:t>Identify denial constraints, FDs, counterfactuals, rules and regression models that can predict for some anonymous art work who could have been the artist!</a:t>
+            </a:r>
+            <a:endParaRPr/>
+          </a:p>
+          <a:p>
+            <a:pPr indent="0" lvl="0" marL="457200" rtl="0" algn="l">
+              <a:spcBef>
+                <a:spcPts val="1200"/>
+              </a:spcBef>
+              <a:spcAft>
+                <a:spcPts val="0"/>
+              </a:spcAft>
+              <a:buNone/>
+            </a:pPr>
+            <a:r>
+              <a:t/>
+            </a:r>
+            <a:endParaRPr/>
+          </a:p>
+          <a:p>
+            <a:pPr indent="-342900" lvl="0" marL="457200" rtl="0" algn="l">
+              <a:spcBef>
+                <a:spcPts val="1200"/>
+              </a:spcBef>
+              <a:spcAft>
+                <a:spcPts val="0"/>
+              </a:spcAft>
+              <a:buSzPts val="1800"/>
+              <a:buChar char="●"/>
+            </a:pPr>
+            <a:r>
+              <a:rPr lang="en"/>
+              <a:t>Using  unsupervised learning algorithms such Latent Dirichlet Allocation to automatically fill missing value, K - means clustering algorithm and re-run analysis experiments.</a:t>
+            </a:r>
+            <a:endParaRPr/>
+          </a:p>
+        </p:txBody>
+      </p:sp>
+    </p:spTree>
+  </p:cSld>
+  <p:clrMapOvr>
+    <a:masterClrMapping/>
+  </p:clrMapOvr>
+</p:sld>
+</file>
+
+<file path=ppt/slides/slide9.xml><?xml version="1.0" encoding="utf-8"?>
+<p:sld xmlns:a="http://schemas.openxmlformats.org/drawingml/2006/main" xmlns:r="http://schemas.openxmlformats.org/officeDocument/2006/relationships" xmlns:mc="http://schemas.openxmlformats.org/markup-compatibility/2006" xmlns:mv="urn:schemas-microsoft-com:mac:vml" xmlns:p="http://schemas.openxmlformats.org/presentationml/2006/main" xmlns:c="http://schemas.openxmlformats.org/drawingml/2006/chart" xmlns:dgm="http://schemas.openxmlformats.org/drawingml/2006/diagram" xmlns:o="urn:schemas-microsoft-com:office:office" xmlns:v="urn:schemas-microsoft-com:vml" xmlns:pvml="urn:schemas-microsoft-com:office:powerpoint" xmlns:com="http://schemas.openxmlformats.org/drawingml/2006/compatibility" xmlns:p14="http://schemas.microsoft.com/office/powerpoint/2010/main" xmlns:p15="http://schemas.microsoft.com/office/powerpoint/2012/main" xmlns:ahyp="http://schemas.microsoft.com/office/drawing/2018/hyperlinkcolor">
+  <p:cSld>
+    <p:spTree>
+      <p:nvGrpSpPr>
+        <p:cNvPr id="102" name="Shape 102"/>
+        <p:cNvGrpSpPr/>
+        <p:nvPr/>
+      </p:nvGrpSpPr>
+      <p:grpSpPr>
+        <a:xfrm>
+          <a:off x="0" y="0"/>
+          <a:ext cx="0" cy="0"/>
+          <a:chOff x="0" y="0"/>
+          <a:chExt cx="0" cy="0"/>
+        </a:xfrm>
+      </p:grpSpPr>
+      <p:sp>
+        <p:nvSpPr>
+          <p:cNvPr id="103" name="Google Shape;103;p21"/>
+          <p:cNvSpPr txBox="1"/>
+          <p:nvPr>
+            <p:ph type="title"/>
+          </p:nvPr>
+        </p:nvSpPr>
+        <p:spPr>
+          <a:xfrm>
+            <a:off x="311700" y="445025"/>
+            <a:ext cx="8520600" cy="572700"/>
+          </a:xfrm>
+          <a:prstGeom prst="rect">
+            <a:avLst/>
+          </a:prstGeom>
+        </p:spPr>
+        <p:txBody>
+          <a:bodyPr anchorCtr="0" anchor="t" bIns="91425" lIns="91425" spcFirstLastPara="1" rIns="91425" wrap="square" tIns="91425">
+            <a:normAutofit fontScale="90000"/>
+          </a:bodyPr>
+          <a:lstStyle/>
+          <a:p>
+            <a:pPr indent="0" lvl="0" marL="0" rtl="0" algn="l">
+              <a:spcBef>
+                <a:spcPts val="0"/>
+              </a:spcBef>
+              <a:spcAft>
+                <a:spcPts val="0"/>
+              </a:spcAft>
+              <a:buNone/>
+            </a:pPr>
+            <a:r>
+              <a:rPr lang="en"/>
+              <a:t>Citations</a:t>
+            </a:r>
+            <a:endParaRPr/>
+          </a:p>
+        </p:txBody>
+      </p:sp>
+      <p:sp>
+        <p:nvSpPr>
+          <p:cNvPr id="104" name="Google Shape;104;p21"/>
+          <p:cNvSpPr txBox="1"/>
+          <p:nvPr>
+            <p:ph idx="1" type="body"/>
+          </p:nvPr>
+        </p:nvSpPr>
+        <p:spPr>
+          <a:xfrm>
+            <a:off x="311700" y="1152475"/>
+            <a:ext cx="8520600" cy="3416400"/>
+          </a:xfrm>
+          <a:prstGeom prst="rect">
+            <a:avLst/>
+          </a:prstGeom>
+        </p:spPr>
+        <p:txBody>
+          <a:bodyPr anchorCtr="0" anchor="t" bIns="91425" lIns="91425" spcFirstLastPara="1" rIns="91425" wrap="square" tIns="91425">
+            <a:normAutofit/>
+          </a:bodyPr>
+          <a:lstStyle/>
+          <a:p>
             <a:pPr indent="0" lvl="0" marL="0" rtl="0" algn="l">
               <a:spcBef>
                 <a:spcPts val="0"/>
@@ -7822,43 +8107,21 @@
                 <a:spcPts val="1200"/>
               </a:spcBef>
               <a:spcAft>
-                <a:spcPts val="0"/>
+                <a:spcPts val="1200"/>
               </a:spcAft>
               <a:buNone/>
             </a:pPr>
             <a:r>
               <a:rPr lang="en"/>
-              <a:t>Data provided by  the Tate, Cooper-Hewitt, Europeana, and the Carnegie Museum of Art under public license on Github Repositories.</a:t>
+              <a:t>We base our work on the data released by these museums. These were chosen because they endorse the CC0 license, </a:t>
             </a:r>
-            <a:endParaRPr/>
-          </a:p>
-          <a:p>
-            <a:pPr indent="0" lvl="0" marL="0" rtl="0" algn="l">
-              <a:spcBef>
-                <a:spcPts val="1200"/>
-              </a:spcBef>
-              <a:spcAft>
-                <a:spcPts val="0"/>
-              </a:spcAft>
-              <a:buNone/>
-            </a:pPr>
             <a:r>
-              <a:t/>
+              <a:rPr lang="en"/>
+              <a:t>allowing a free and unrestricted use of the data.</a:t>
             </a:r>
-            <a:endParaRPr/>
-          </a:p>
-          <a:p>
-            <a:pPr indent="0" lvl="0" marL="0" rtl="0" algn="l">
-              <a:spcBef>
-                <a:spcPts val="1200"/>
-              </a:spcBef>
-              <a:spcAft>
-                <a:spcPts val="1200"/>
-              </a:spcAft>
-              <a:buNone/>
-            </a:pPr>
             <a:r>
-              <a:t/>
+              <a:rPr lang="en"/>
+              <a:t> </a:t>
             </a:r>
             <a:endParaRPr/>
           </a:p>

--- a/main-520-project/CS 520 Data Curation.pptx
+++ b/main-520-project/CS 520 Data Curation.pptx
@@ -17,16 +17,27 @@
     <p:sldId id="262" r:id="rId12"/>
     <p:sldId id="263" r:id="rId13"/>
     <p:sldId id="264" r:id="rId14"/>
+    <p:sldId id="265" r:id="rId15"/>
+    <p:sldId id="266" r:id="rId16"/>
+    <p:sldId id="267" r:id="rId17"/>
+    <p:sldId id="268" r:id="rId18"/>
+    <p:sldId id="269" r:id="rId19"/>
+    <p:sldId id="270" r:id="rId20"/>
+    <p:sldId id="271" r:id="rId21"/>
+    <p:sldId id="272" r:id="rId22"/>
+    <p:sldId id="273" r:id="rId23"/>
+    <p:sldId id="274" r:id="rId24"/>
+    <p:sldId id="275" r:id="rId25"/>
   </p:sldIdLst>
   <p:sldSz cy="5143500" cx="9144000"/>
   <p:notesSz cx="6858000" cy="9144000"/>
   <p:embeddedFontLst>
     <p:embeddedFont>
       <p:font typeface="Roboto"/>
-      <p:regular r:id="rId15"/>
-      <p:bold r:id="rId16"/>
-      <p:italic r:id="rId17"/>
-      <p:boldItalic r:id="rId18"/>
+      <p:regular r:id="rId26"/>
+      <p:bold r:id="rId27"/>
+      <p:italic r:id="rId28"/>
+      <p:boldItalic r:id="rId29"/>
     </p:embeddedFont>
   </p:embeddedFontLst>
   <p:defaultTextStyle>
@@ -802,6 +813,996 @@
 </p:notes>
 </file>
 
+<file path=ppt/notesSlides/notesSlide10.xml><?xml version="1.0" encoding="utf-8"?>
+<p:notes xmlns:a="http://schemas.openxmlformats.org/drawingml/2006/main" xmlns:r="http://schemas.openxmlformats.org/officeDocument/2006/relationships" xmlns:mc="http://schemas.openxmlformats.org/markup-compatibility/2006" xmlns:mv="urn:schemas-microsoft-com:mac:vml" xmlns:p="http://schemas.openxmlformats.org/presentationml/2006/main" xmlns:c="http://schemas.openxmlformats.org/drawingml/2006/chart" xmlns:dgm="http://schemas.openxmlformats.org/drawingml/2006/diagram" xmlns:o="urn:schemas-microsoft-com:office:office" xmlns:v="urn:schemas-microsoft-com:vml" xmlns:pvml="urn:schemas-microsoft-com:office:powerpoint" xmlns:com="http://schemas.openxmlformats.org/drawingml/2006/compatibility" xmlns:p14="http://schemas.microsoft.com/office/powerpoint/2010/main" xmlns:p15="http://schemas.microsoft.com/office/powerpoint/2012/main" xmlns:ahyp="http://schemas.microsoft.com/office/drawing/2018/hyperlinkcolor" showMasterPhAnim="0" showMasterSp="0">
+  <p:cSld>
+    <p:spTree>
+      <p:nvGrpSpPr>
+        <p:cNvPr id="115" name="Shape 115"/>
+        <p:cNvGrpSpPr/>
+        <p:nvPr/>
+      </p:nvGrpSpPr>
+      <p:grpSpPr>
+        <a:xfrm>
+          <a:off x="0" y="0"/>
+          <a:ext cx="0" cy="0"/>
+          <a:chOff x="0" y="0"/>
+          <a:chExt cx="0" cy="0"/>
+        </a:xfrm>
+      </p:grpSpPr>
+      <p:sp>
+        <p:nvSpPr>
+          <p:cNvPr id="116" name="Google Shape;116;g2a0fe4a4a0f_1_42:notes"/>
+          <p:cNvSpPr/>
+          <p:nvPr>
+            <p:ph idx="2" type="sldImg"/>
+          </p:nvPr>
+        </p:nvSpPr>
+        <p:spPr>
+          <a:xfrm>
+            <a:off x="381300" y="685800"/>
+            <a:ext cx="6096000" cy="3429000"/>
+          </a:xfrm>
+          <a:custGeom>
+            <a:rect b="b" l="l" r="r" t="t"/>
+            <a:pathLst>
+              <a:path extrusionOk="0" h="120000" w="120000">
+                <a:moveTo>
+                  <a:pt x="0" y="0"/>
+                </a:moveTo>
+                <a:lnTo>
+                  <a:pt x="120000" y="0"/>
+                </a:lnTo>
+                <a:lnTo>
+                  <a:pt x="120000" y="120000"/>
+                </a:lnTo>
+                <a:lnTo>
+                  <a:pt x="0" y="120000"/>
+                </a:lnTo>
+                <a:close/>
+              </a:path>
+            </a:pathLst>
+          </a:custGeom>
+        </p:spPr>
+      </p:sp>
+      <p:sp>
+        <p:nvSpPr>
+          <p:cNvPr id="117" name="Google Shape;117;g2a0fe4a4a0f_1_42:notes"/>
+          <p:cNvSpPr txBox="1"/>
+          <p:nvPr>
+            <p:ph idx="1" type="body"/>
+          </p:nvPr>
+        </p:nvSpPr>
+        <p:spPr>
+          <a:xfrm>
+            <a:off x="685800" y="4343400"/>
+            <a:ext cx="5486400" cy="4114800"/>
+          </a:xfrm>
+          <a:prstGeom prst="rect">
+            <a:avLst/>
+          </a:prstGeom>
+        </p:spPr>
+        <p:txBody>
+          <a:bodyPr anchorCtr="0" anchor="t" bIns="91425" lIns="91425" spcFirstLastPara="1" rIns="91425" wrap="square" tIns="91425">
+            <a:noAutofit/>
+          </a:bodyPr>
+          <a:lstStyle/>
+          <a:p>
+            <a:pPr indent="0" lvl="0" marL="0" rtl="0" algn="l">
+              <a:spcBef>
+                <a:spcPts val="0"/>
+              </a:spcBef>
+              <a:spcAft>
+                <a:spcPts val="0"/>
+              </a:spcAft>
+              <a:buNone/>
+            </a:pPr>
+            <a:r>
+              <a:t/>
+            </a:r>
+            <a:endParaRPr/>
+          </a:p>
+        </p:txBody>
+      </p:sp>
+    </p:spTree>
+  </p:cSld>
+  <p:clrMapOvr>
+    <a:masterClrMapping/>
+  </p:clrMapOvr>
+</p:notes>
+</file>
+
+<file path=ppt/notesSlides/notesSlide11.xml><?xml version="1.0" encoding="utf-8"?>
+<p:notes xmlns:a="http://schemas.openxmlformats.org/drawingml/2006/main" xmlns:r="http://schemas.openxmlformats.org/officeDocument/2006/relationships" xmlns:mc="http://schemas.openxmlformats.org/markup-compatibility/2006" xmlns:mv="urn:schemas-microsoft-com:mac:vml" xmlns:p="http://schemas.openxmlformats.org/presentationml/2006/main" xmlns:c="http://schemas.openxmlformats.org/drawingml/2006/chart" xmlns:dgm="http://schemas.openxmlformats.org/drawingml/2006/diagram" xmlns:o="urn:schemas-microsoft-com:office:office" xmlns:v="urn:schemas-microsoft-com:vml" xmlns:pvml="urn:schemas-microsoft-com:office:powerpoint" xmlns:com="http://schemas.openxmlformats.org/drawingml/2006/compatibility" xmlns:p14="http://schemas.microsoft.com/office/powerpoint/2010/main" xmlns:p15="http://schemas.microsoft.com/office/powerpoint/2012/main" xmlns:ahyp="http://schemas.microsoft.com/office/drawing/2018/hyperlinkcolor" showMasterPhAnim="0" showMasterSp="0">
+  <p:cSld>
+    <p:spTree>
+      <p:nvGrpSpPr>
+        <p:cNvPr id="121" name="Shape 121"/>
+        <p:cNvGrpSpPr/>
+        <p:nvPr/>
+      </p:nvGrpSpPr>
+      <p:grpSpPr>
+        <a:xfrm>
+          <a:off x="0" y="0"/>
+          <a:ext cx="0" cy="0"/>
+          <a:chOff x="0" y="0"/>
+          <a:chExt cx="0" cy="0"/>
+        </a:xfrm>
+      </p:grpSpPr>
+      <p:sp>
+        <p:nvSpPr>
+          <p:cNvPr id="122" name="Google Shape;122;g2a0fe4a4a0f_1_34:notes"/>
+          <p:cNvSpPr/>
+          <p:nvPr>
+            <p:ph idx="2" type="sldImg"/>
+          </p:nvPr>
+        </p:nvSpPr>
+        <p:spPr>
+          <a:xfrm>
+            <a:off x="381300" y="685800"/>
+            <a:ext cx="6096000" cy="3429000"/>
+          </a:xfrm>
+          <a:custGeom>
+            <a:rect b="b" l="l" r="r" t="t"/>
+            <a:pathLst>
+              <a:path extrusionOk="0" h="120000" w="120000">
+                <a:moveTo>
+                  <a:pt x="0" y="0"/>
+                </a:moveTo>
+                <a:lnTo>
+                  <a:pt x="120000" y="0"/>
+                </a:lnTo>
+                <a:lnTo>
+                  <a:pt x="120000" y="120000"/>
+                </a:lnTo>
+                <a:lnTo>
+                  <a:pt x="0" y="120000"/>
+                </a:lnTo>
+                <a:close/>
+              </a:path>
+            </a:pathLst>
+          </a:custGeom>
+        </p:spPr>
+      </p:sp>
+      <p:sp>
+        <p:nvSpPr>
+          <p:cNvPr id="123" name="Google Shape;123;g2a0fe4a4a0f_1_34:notes"/>
+          <p:cNvSpPr txBox="1"/>
+          <p:nvPr>
+            <p:ph idx="1" type="body"/>
+          </p:nvPr>
+        </p:nvSpPr>
+        <p:spPr>
+          <a:xfrm>
+            <a:off x="685800" y="4343400"/>
+            <a:ext cx="5486400" cy="4114800"/>
+          </a:xfrm>
+          <a:prstGeom prst="rect">
+            <a:avLst/>
+          </a:prstGeom>
+        </p:spPr>
+        <p:txBody>
+          <a:bodyPr anchorCtr="0" anchor="t" bIns="91425" lIns="91425" spcFirstLastPara="1" rIns="91425" wrap="square" tIns="91425">
+            <a:noAutofit/>
+          </a:bodyPr>
+          <a:lstStyle/>
+          <a:p>
+            <a:pPr indent="0" lvl="0" marL="0" rtl="0" algn="l">
+              <a:spcBef>
+                <a:spcPts val="0"/>
+              </a:spcBef>
+              <a:spcAft>
+                <a:spcPts val="0"/>
+              </a:spcAft>
+              <a:buNone/>
+            </a:pPr>
+            <a:r>
+              <a:t/>
+            </a:r>
+            <a:endParaRPr/>
+          </a:p>
+        </p:txBody>
+      </p:sp>
+    </p:spTree>
+  </p:cSld>
+  <p:clrMapOvr>
+    <a:masterClrMapping/>
+  </p:clrMapOvr>
+</p:notes>
+</file>
+
+<file path=ppt/notesSlides/notesSlide12.xml><?xml version="1.0" encoding="utf-8"?>
+<p:notes xmlns:a="http://schemas.openxmlformats.org/drawingml/2006/main" xmlns:r="http://schemas.openxmlformats.org/officeDocument/2006/relationships" xmlns:mc="http://schemas.openxmlformats.org/markup-compatibility/2006" xmlns:mv="urn:schemas-microsoft-com:mac:vml" xmlns:p="http://schemas.openxmlformats.org/presentationml/2006/main" xmlns:c="http://schemas.openxmlformats.org/drawingml/2006/chart" xmlns:dgm="http://schemas.openxmlformats.org/drawingml/2006/diagram" xmlns:o="urn:schemas-microsoft-com:office:office" xmlns:v="urn:schemas-microsoft-com:vml" xmlns:pvml="urn:schemas-microsoft-com:office:powerpoint" xmlns:com="http://schemas.openxmlformats.org/drawingml/2006/compatibility" xmlns:p14="http://schemas.microsoft.com/office/powerpoint/2010/main" xmlns:p15="http://schemas.microsoft.com/office/powerpoint/2012/main" xmlns:ahyp="http://schemas.microsoft.com/office/drawing/2018/hyperlinkcolor" showMasterPhAnim="0" showMasterSp="0">
+  <p:cSld>
+    <p:spTree>
+      <p:nvGrpSpPr>
+        <p:cNvPr id="127" name="Shape 127"/>
+        <p:cNvGrpSpPr/>
+        <p:nvPr/>
+      </p:nvGrpSpPr>
+      <p:grpSpPr>
+        <a:xfrm>
+          <a:off x="0" y="0"/>
+          <a:ext cx="0" cy="0"/>
+          <a:chOff x="0" y="0"/>
+          <a:chExt cx="0" cy="0"/>
+        </a:xfrm>
+      </p:grpSpPr>
+      <p:sp>
+        <p:nvSpPr>
+          <p:cNvPr id="128" name="Google Shape;128;g2a0fe4a4a0f_1_62:notes"/>
+          <p:cNvSpPr/>
+          <p:nvPr>
+            <p:ph idx="2" type="sldImg"/>
+          </p:nvPr>
+        </p:nvSpPr>
+        <p:spPr>
+          <a:xfrm>
+            <a:off x="381300" y="685800"/>
+            <a:ext cx="6096000" cy="3429000"/>
+          </a:xfrm>
+          <a:custGeom>
+            <a:rect b="b" l="l" r="r" t="t"/>
+            <a:pathLst>
+              <a:path extrusionOk="0" h="120000" w="120000">
+                <a:moveTo>
+                  <a:pt x="0" y="0"/>
+                </a:moveTo>
+                <a:lnTo>
+                  <a:pt x="120000" y="0"/>
+                </a:lnTo>
+                <a:lnTo>
+                  <a:pt x="120000" y="120000"/>
+                </a:lnTo>
+                <a:lnTo>
+                  <a:pt x="0" y="120000"/>
+                </a:lnTo>
+                <a:close/>
+              </a:path>
+            </a:pathLst>
+          </a:custGeom>
+        </p:spPr>
+      </p:sp>
+      <p:sp>
+        <p:nvSpPr>
+          <p:cNvPr id="129" name="Google Shape;129;g2a0fe4a4a0f_1_62:notes"/>
+          <p:cNvSpPr txBox="1"/>
+          <p:nvPr>
+            <p:ph idx="1" type="body"/>
+          </p:nvPr>
+        </p:nvSpPr>
+        <p:spPr>
+          <a:xfrm>
+            <a:off x="685800" y="4343400"/>
+            <a:ext cx="5486400" cy="4114800"/>
+          </a:xfrm>
+          <a:prstGeom prst="rect">
+            <a:avLst/>
+          </a:prstGeom>
+        </p:spPr>
+        <p:txBody>
+          <a:bodyPr anchorCtr="0" anchor="t" bIns="91425" lIns="91425" spcFirstLastPara="1" rIns="91425" wrap="square" tIns="91425">
+            <a:noAutofit/>
+          </a:bodyPr>
+          <a:lstStyle/>
+          <a:p>
+            <a:pPr indent="0" lvl="0" marL="0" rtl="0" algn="l">
+              <a:spcBef>
+                <a:spcPts val="0"/>
+              </a:spcBef>
+              <a:spcAft>
+                <a:spcPts val="0"/>
+              </a:spcAft>
+              <a:buNone/>
+            </a:pPr>
+            <a:r>
+              <a:t/>
+            </a:r>
+            <a:endParaRPr/>
+          </a:p>
+        </p:txBody>
+      </p:sp>
+    </p:spTree>
+  </p:cSld>
+  <p:clrMapOvr>
+    <a:masterClrMapping/>
+  </p:clrMapOvr>
+</p:notes>
+</file>
+
+<file path=ppt/notesSlides/notesSlide13.xml><?xml version="1.0" encoding="utf-8"?>
+<p:notes xmlns:a="http://schemas.openxmlformats.org/drawingml/2006/main" xmlns:r="http://schemas.openxmlformats.org/officeDocument/2006/relationships" xmlns:mc="http://schemas.openxmlformats.org/markup-compatibility/2006" xmlns:mv="urn:schemas-microsoft-com:mac:vml" xmlns:p="http://schemas.openxmlformats.org/presentationml/2006/main" xmlns:c="http://schemas.openxmlformats.org/drawingml/2006/chart" xmlns:dgm="http://schemas.openxmlformats.org/drawingml/2006/diagram" xmlns:o="urn:schemas-microsoft-com:office:office" xmlns:v="urn:schemas-microsoft-com:vml" xmlns:pvml="urn:schemas-microsoft-com:office:powerpoint" xmlns:com="http://schemas.openxmlformats.org/drawingml/2006/compatibility" xmlns:p14="http://schemas.microsoft.com/office/powerpoint/2010/main" xmlns:p15="http://schemas.microsoft.com/office/powerpoint/2012/main" xmlns:ahyp="http://schemas.microsoft.com/office/drawing/2018/hyperlinkcolor" showMasterPhAnim="0" showMasterSp="0">
+  <p:cSld>
+    <p:spTree>
+      <p:nvGrpSpPr>
+        <p:cNvPr id="133" name="Shape 133"/>
+        <p:cNvGrpSpPr/>
+        <p:nvPr/>
+      </p:nvGrpSpPr>
+      <p:grpSpPr>
+        <a:xfrm>
+          <a:off x="0" y="0"/>
+          <a:ext cx="0" cy="0"/>
+          <a:chOff x="0" y="0"/>
+          <a:chExt cx="0" cy="0"/>
+        </a:xfrm>
+      </p:grpSpPr>
+      <p:sp>
+        <p:nvSpPr>
+          <p:cNvPr id="134" name="Google Shape;134;g2a0fe4a4a0f_1_50:notes"/>
+          <p:cNvSpPr/>
+          <p:nvPr>
+            <p:ph idx="2" type="sldImg"/>
+          </p:nvPr>
+        </p:nvSpPr>
+        <p:spPr>
+          <a:xfrm>
+            <a:off x="381300" y="685800"/>
+            <a:ext cx="6096000" cy="3429000"/>
+          </a:xfrm>
+          <a:custGeom>
+            <a:rect b="b" l="l" r="r" t="t"/>
+            <a:pathLst>
+              <a:path extrusionOk="0" h="120000" w="120000">
+                <a:moveTo>
+                  <a:pt x="0" y="0"/>
+                </a:moveTo>
+                <a:lnTo>
+                  <a:pt x="120000" y="0"/>
+                </a:lnTo>
+                <a:lnTo>
+                  <a:pt x="120000" y="120000"/>
+                </a:lnTo>
+                <a:lnTo>
+                  <a:pt x="0" y="120000"/>
+                </a:lnTo>
+                <a:close/>
+              </a:path>
+            </a:pathLst>
+          </a:custGeom>
+        </p:spPr>
+      </p:sp>
+      <p:sp>
+        <p:nvSpPr>
+          <p:cNvPr id="135" name="Google Shape;135;g2a0fe4a4a0f_1_50:notes"/>
+          <p:cNvSpPr txBox="1"/>
+          <p:nvPr>
+            <p:ph idx="1" type="body"/>
+          </p:nvPr>
+        </p:nvSpPr>
+        <p:spPr>
+          <a:xfrm>
+            <a:off x="685800" y="4343400"/>
+            <a:ext cx="5486400" cy="4114800"/>
+          </a:xfrm>
+          <a:prstGeom prst="rect">
+            <a:avLst/>
+          </a:prstGeom>
+        </p:spPr>
+        <p:txBody>
+          <a:bodyPr anchorCtr="0" anchor="t" bIns="91425" lIns="91425" spcFirstLastPara="1" rIns="91425" wrap="square" tIns="91425">
+            <a:noAutofit/>
+          </a:bodyPr>
+          <a:lstStyle/>
+          <a:p>
+            <a:pPr indent="0" lvl="0" marL="0" rtl="0" algn="l">
+              <a:spcBef>
+                <a:spcPts val="0"/>
+              </a:spcBef>
+              <a:spcAft>
+                <a:spcPts val="0"/>
+              </a:spcAft>
+              <a:buNone/>
+            </a:pPr>
+            <a:r>
+              <a:t/>
+            </a:r>
+            <a:endParaRPr/>
+          </a:p>
+        </p:txBody>
+      </p:sp>
+    </p:spTree>
+  </p:cSld>
+  <p:clrMapOvr>
+    <a:masterClrMapping/>
+  </p:clrMapOvr>
+</p:notes>
+</file>
+
+<file path=ppt/notesSlides/notesSlide14.xml><?xml version="1.0" encoding="utf-8"?>
+<p:notes xmlns:a="http://schemas.openxmlformats.org/drawingml/2006/main" xmlns:r="http://schemas.openxmlformats.org/officeDocument/2006/relationships" xmlns:mc="http://schemas.openxmlformats.org/markup-compatibility/2006" xmlns:mv="urn:schemas-microsoft-com:mac:vml" xmlns:p="http://schemas.openxmlformats.org/presentationml/2006/main" xmlns:c="http://schemas.openxmlformats.org/drawingml/2006/chart" xmlns:dgm="http://schemas.openxmlformats.org/drawingml/2006/diagram" xmlns:o="urn:schemas-microsoft-com:office:office" xmlns:v="urn:schemas-microsoft-com:vml" xmlns:pvml="urn:schemas-microsoft-com:office:powerpoint" xmlns:com="http://schemas.openxmlformats.org/drawingml/2006/compatibility" xmlns:p14="http://schemas.microsoft.com/office/powerpoint/2010/main" xmlns:p15="http://schemas.microsoft.com/office/powerpoint/2012/main" xmlns:ahyp="http://schemas.microsoft.com/office/drawing/2018/hyperlinkcolor" showMasterPhAnim="0" showMasterSp="0">
+  <p:cSld>
+    <p:spTree>
+      <p:nvGrpSpPr>
+        <p:cNvPr id="139" name="Shape 139"/>
+        <p:cNvGrpSpPr/>
+        <p:nvPr/>
+      </p:nvGrpSpPr>
+      <p:grpSpPr>
+        <a:xfrm>
+          <a:off x="0" y="0"/>
+          <a:ext cx="0" cy="0"/>
+          <a:chOff x="0" y="0"/>
+          <a:chExt cx="0" cy="0"/>
+        </a:xfrm>
+      </p:grpSpPr>
+      <p:sp>
+        <p:nvSpPr>
+          <p:cNvPr id="140" name="Google Shape;140;g2a0fe4a4a0f_1_67:notes"/>
+          <p:cNvSpPr/>
+          <p:nvPr>
+            <p:ph idx="2" type="sldImg"/>
+          </p:nvPr>
+        </p:nvSpPr>
+        <p:spPr>
+          <a:xfrm>
+            <a:off x="381300" y="685800"/>
+            <a:ext cx="6096000" cy="3429000"/>
+          </a:xfrm>
+          <a:custGeom>
+            <a:rect b="b" l="l" r="r" t="t"/>
+            <a:pathLst>
+              <a:path extrusionOk="0" h="120000" w="120000">
+                <a:moveTo>
+                  <a:pt x="0" y="0"/>
+                </a:moveTo>
+                <a:lnTo>
+                  <a:pt x="120000" y="0"/>
+                </a:lnTo>
+                <a:lnTo>
+                  <a:pt x="120000" y="120000"/>
+                </a:lnTo>
+                <a:lnTo>
+                  <a:pt x="0" y="120000"/>
+                </a:lnTo>
+                <a:close/>
+              </a:path>
+            </a:pathLst>
+          </a:custGeom>
+        </p:spPr>
+      </p:sp>
+      <p:sp>
+        <p:nvSpPr>
+          <p:cNvPr id="141" name="Google Shape;141;g2a0fe4a4a0f_1_67:notes"/>
+          <p:cNvSpPr txBox="1"/>
+          <p:nvPr>
+            <p:ph idx="1" type="body"/>
+          </p:nvPr>
+        </p:nvSpPr>
+        <p:spPr>
+          <a:xfrm>
+            <a:off x="685800" y="4343400"/>
+            <a:ext cx="5486400" cy="4114800"/>
+          </a:xfrm>
+          <a:prstGeom prst="rect">
+            <a:avLst/>
+          </a:prstGeom>
+        </p:spPr>
+        <p:txBody>
+          <a:bodyPr anchorCtr="0" anchor="t" bIns="91425" lIns="91425" spcFirstLastPara="1" rIns="91425" wrap="square" tIns="91425">
+            <a:noAutofit/>
+          </a:bodyPr>
+          <a:lstStyle/>
+          <a:p>
+            <a:pPr indent="0" lvl="0" marL="0" rtl="0" algn="l">
+              <a:spcBef>
+                <a:spcPts val="0"/>
+              </a:spcBef>
+              <a:spcAft>
+                <a:spcPts val="0"/>
+              </a:spcAft>
+              <a:buNone/>
+            </a:pPr>
+            <a:r>
+              <a:t/>
+            </a:r>
+            <a:endParaRPr/>
+          </a:p>
+        </p:txBody>
+      </p:sp>
+    </p:spTree>
+  </p:cSld>
+  <p:clrMapOvr>
+    <a:masterClrMapping/>
+  </p:clrMapOvr>
+</p:notes>
+</file>
+
+<file path=ppt/notesSlides/notesSlide15.xml><?xml version="1.0" encoding="utf-8"?>
+<p:notes xmlns:a="http://schemas.openxmlformats.org/drawingml/2006/main" xmlns:r="http://schemas.openxmlformats.org/officeDocument/2006/relationships" xmlns:mc="http://schemas.openxmlformats.org/markup-compatibility/2006" xmlns:mv="urn:schemas-microsoft-com:mac:vml" xmlns:p="http://schemas.openxmlformats.org/presentationml/2006/main" xmlns:c="http://schemas.openxmlformats.org/drawingml/2006/chart" xmlns:dgm="http://schemas.openxmlformats.org/drawingml/2006/diagram" xmlns:o="urn:schemas-microsoft-com:office:office" xmlns:v="urn:schemas-microsoft-com:vml" xmlns:pvml="urn:schemas-microsoft-com:office:powerpoint" xmlns:com="http://schemas.openxmlformats.org/drawingml/2006/compatibility" xmlns:p14="http://schemas.microsoft.com/office/powerpoint/2010/main" xmlns:p15="http://schemas.microsoft.com/office/powerpoint/2012/main" xmlns:ahyp="http://schemas.microsoft.com/office/drawing/2018/hyperlinkcolor" showMasterPhAnim="0" showMasterSp="0">
+  <p:cSld>
+    <p:spTree>
+      <p:nvGrpSpPr>
+        <p:cNvPr id="146" name="Shape 146"/>
+        <p:cNvGrpSpPr/>
+        <p:nvPr/>
+      </p:nvGrpSpPr>
+      <p:grpSpPr>
+        <a:xfrm>
+          <a:off x="0" y="0"/>
+          <a:ext cx="0" cy="0"/>
+          <a:chOff x="0" y="0"/>
+          <a:chExt cx="0" cy="0"/>
+        </a:xfrm>
+      </p:grpSpPr>
+      <p:sp>
+        <p:nvSpPr>
+          <p:cNvPr id="147" name="Google Shape;147;g2a0fe4a4a0f_1_57:notes"/>
+          <p:cNvSpPr/>
+          <p:nvPr>
+            <p:ph idx="2" type="sldImg"/>
+          </p:nvPr>
+        </p:nvSpPr>
+        <p:spPr>
+          <a:xfrm>
+            <a:off x="381300" y="685800"/>
+            <a:ext cx="6096000" cy="3429000"/>
+          </a:xfrm>
+          <a:custGeom>
+            <a:rect b="b" l="l" r="r" t="t"/>
+            <a:pathLst>
+              <a:path extrusionOk="0" h="120000" w="120000">
+                <a:moveTo>
+                  <a:pt x="0" y="0"/>
+                </a:moveTo>
+                <a:lnTo>
+                  <a:pt x="120000" y="0"/>
+                </a:lnTo>
+                <a:lnTo>
+                  <a:pt x="120000" y="120000"/>
+                </a:lnTo>
+                <a:lnTo>
+                  <a:pt x="0" y="120000"/>
+                </a:lnTo>
+                <a:close/>
+              </a:path>
+            </a:pathLst>
+          </a:custGeom>
+        </p:spPr>
+      </p:sp>
+      <p:sp>
+        <p:nvSpPr>
+          <p:cNvPr id="148" name="Google Shape;148;g2a0fe4a4a0f_1_57:notes"/>
+          <p:cNvSpPr txBox="1"/>
+          <p:nvPr>
+            <p:ph idx="1" type="body"/>
+          </p:nvPr>
+        </p:nvSpPr>
+        <p:spPr>
+          <a:xfrm>
+            <a:off x="685800" y="4343400"/>
+            <a:ext cx="5486400" cy="4114800"/>
+          </a:xfrm>
+          <a:prstGeom prst="rect">
+            <a:avLst/>
+          </a:prstGeom>
+        </p:spPr>
+        <p:txBody>
+          <a:bodyPr anchorCtr="0" anchor="t" bIns="91425" lIns="91425" spcFirstLastPara="1" rIns="91425" wrap="square" tIns="91425">
+            <a:noAutofit/>
+          </a:bodyPr>
+          <a:lstStyle/>
+          <a:p>
+            <a:pPr indent="0" lvl="0" marL="0" rtl="0" algn="l">
+              <a:spcBef>
+                <a:spcPts val="0"/>
+              </a:spcBef>
+              <a:spcAft>
+                <a:spcPts val="0"/>
+              </a:spcAft>
+              <a:buNone/>
+            </a:pPr>
+            <a:r>
+              <a:t/>
+            </a:r>
+            <a:endParaRPr/>
+          </a:p>
+        </p:txBody>
+      </p:sp>
+    </p:spTree>
+  </p:cSld>
+  <p:clrMapOvr>
+    <a:masterClrMapping/>
+  </p:clrMapOvr>
+</p:notes>
+</file>
+
+<file path=ppt/notesSlides/notesSlide16.xml><?xml version="1.0" encoding="utf-8"?>
+<p:notes xmlns:a="http://schemas.openxmlformats.org/drawingml/2006/main" xmlns:r="http://schemas.openxmlformats.org/officeDocument/2006/relationships" xmlns:mc="http://schemas.openxmlformats.org/markup-compatibility/2006" xmlns:mv="urn:schemas-microsoft-com:mac:vml" xmlns:p="http://schemas.openxmlformats.org/presentationml/2006/main" xmlns:c="http://schemas.openxmlformats.org/drawingml/2006/chart" xmlns:dgm="http://schemas.openxmlformats.org/drawingml/2006/diagram" xmlns:o="urn:schemas-microsoft-com:office:office" xmlns:v="urn:schemas-microsoft-com:vml" xmlns:pvml="urn:schemas-microsoft-com:office:powerpoint" xmlns:com="http://schemas.openxmlformats.org/drawingml/2006/compatibility" xmlns:p14="http://schemas.microsoft.com/office/powerpoint/2010/main" xmlns:p15="http://schemas.microsoft.com/office/powerpoint/2012/main" xmlns:ahyp="http://schemas.microsoft.com/office/drawing/2018/hyperlinkcolor" showMasterPhAnim="0" showMasterSp="0">
+  <p:cSld>
+    <p:spTree>
+      <p:nvGrpSpPr>
+        <p:cNvPr id="153" name="Shape 153"/>
+        <p:cNvGrpSpPr/>
+        <p:nvPr/>
+      </p:nvGrpSpPr>
+      <p:grpSpPr>
+        <a:xfrm>
+          <a:off x="0" y="0"/>
+          <a:ext cx="0" cy="0"/>
+          <a:chOff x="0" y="0"/>
+          <a:chExt cx="0" cy="0"/>
+        </a:xfrm>
+      </p:grpSpPr>
+      <p:sp>
+        <p:nvSpPr>
+          <p:cNvPr id="154" name="Google Shape;154;g295a4782ee7_0_37:notes"/>
+          <p:cNvSpPr/>
+          <p:nvPr>
+            <p:ph idx="2" type="sldImg"/>
+          </p:nvPr>
+        </p:nvSpPr>
+        <p:spPr>
+          <a:xfrm>
+            <a:off x="381300" y="685800"/>
+            <a:ext cx="6096000" cy="3429000"/>
+          </a:xfrm>
+          <a:custGeom>
+            <a:rect b="b" l="l" r="r" t="t"/>
+            <a:pathLst>
+              <a:path extrusionOk="0" h="120000" w="120000">
+                <a:moveTo>
+                  <a:pt x="0" y="0"/>
+                </a:moveTo>
+                <a:lnTo>
+                  <a:pt x="120000" y="0"/>
+                </a:lnTo>
+                <a:lnTo>
+                  <a:pt x="120000" y="120000"/>
+                </a:lnTo>
+                <a:lnTo>
+                  <a:pt x="0" y="120000"/>
+                </a:lnTo>
+                <a:close/>
+              </a:path>
+            </a:pathLst>
+          </a:custGeom>
+        </p:spPr>
+      </p:sp>
+      <p:sp>
+        <p:nvSpPr>
+          <p:cNvPr id="155" name="Google Shape;155;g295a4782ee7_0_37:notes"/>
+          <p:cNvSpPr txBox="1"/>
+          <p:nvPr>
+            <p:ph idx="1" type="body"/>
+          </p:nvPr>
+        </p:nvSpPr>
+        <p:spPr>
+          <a:xfrm>
+            <a:off x="685800" y="4343400"/>
+            <a:ext cx="5486400" cy="4114800"/>
+          </a:xfrm>
+          <a:prstGeom prst="rect">
+            <a:avLst/>
+          </a:prstGeom>
+        </p:spPr>
+        <p:txBody>
+          <a:bodyPr anchorCtr="0" anchor="t" bIns="91425" lIns="91425" spcFirstLastPara="1" rIns="91425" wrap="square" tIns="91425">
+            <a:noAutofit/>
+          </a:bodyPr>
+          <a:lstStyle/>
+          <a:p>
+            <a:pPr indent="0" lvl="0" marL="0" rtl="0" algn="l">
+              <a:spcBef>
+                <a:spcPts val="0"/>
+              </a:spcBef>
+              <a:spcAft>
+                <a:spcPts val="0"/>
+              </a:spcAft>
+              <a:buNone/>
+            </a:pPr>
+            <a:r>
+              <a:t/>
+            </a:r>
+            <a:endParaRPr/>
+          </a:p>
+        </p:txBody>
+      </p:sp>
+    </p:spTree>
+  </p:cSld>
+  <p:clrMapOvr>
+    <a:masterClrMapping/>
+  </p:clrMapOvr>
+</p:notes>
+</file>
+
+<file path=ppt/notesSlides/notesSlide17.xml><?xml version="1.0" encoding="utf-8"?>
+<p:notes xmlns:a="http://schemas.openxmlformats.org/drawingml/2006/main" xmlns:r="http://schemas.openxmlformats.org/officeDocument/2006/relationships" xmlns:mc="http://schemas.openxmlformats.org/markup-compatibility/2006" xmlns:mv="urn:schemas-microsoft-com:mac:vml" xmlns:p="http://schemas.openxmlformats.org/presentationml/2006/main" xmlns:c="http://schemas.openxmlformats.org/drawingml/2006/chart" xmlns:dgm="http://schemas.openxmlformats.org/drawingml/2006/diagram" xmlns:o="urn:schemas-microsoft-com:office:office" xmlns:v="urn:schemas-microsoft-com:vml" xmlns:pvml="urn:schemas-microsoft-com:office:powerpoint" xmlns:com="http://schemas.openxmlformats.org/drawingml/2006/compatibility" xmlns:p14="http://schemas.microsoft.com/office/powerpoint/2010/main" xmlns:p15="http://schemas.microsoft.com/office/powerpoint/2012/main" xmlns:ahyp="http://schemas.microsoft.com/office/drawing/2018/hyperlinkcolor" showMasterPhAnim="0" showMasterSp="0">
+  <p:cSld>
+    <p:spTree>
+      <p:nvGrpSpPr>
+        <p:cNvPr id="161" name="Shape 161"/>
+        <p:cNvGrpSpPr/>
+        <p:nvPr/>
+      </p:nvGrpSpPr>
+      <p:grpSpPr>
+        <a:xfrm>
+          <a:off x="0" y="0"/>
+          <a:ext cx="0" cy="0"/>
+          <a:chOff x="0" y="0"/>
+          <a:chExt cx="0" cy="0"/>
+        </a:xfrm>
+      </p:grpSpPr>
+      <p:sp>
+        <p:nvSpPr>
+          <p:cNvPr id="162" name="Google Shape;162;g2a0fe4a4a0f_1_78:notes"/>
+          <p:cNvSpPr/>
+          <p:nvPr>
+            <p:ph idx="2" type="sldImg"/>
+          </p:nvPr>
+        </p:nvSpPr>
+        <p:spPr>
+          <a:xfrm>
+            <a:off x="381300" y="685800"/>
+            <a:ext cx="6096000" cy="3429000"/>
+          </a:xfrm>
+          <a:custGeom>
+            <a:rect b="b" l="l" r="r" t="t"/>
+            <a:pathLst>
+              <a:path extrusionOk="0" h="120000" w="120000">
+                <a:moveTo>
+                  <a:pt x="0" y="0"/>
+                </a:moveTo>
+                <a:lnTo>
+                  <a:pt x="120000" y="0"/>
+                </a:lnTo>
+                <a:lnTo>
+                  <a:pt x="120000" y="120000"/>
+                </a:lnTo>
+                <a:lnTo>
+                  <a:pt x="0" y="120000"/>
+                </a:lnTo>
+                <a:close/>
+              </a:path>
+            </a:pathLst>
+          </a:custGeom>
+        </p:spPr>
+      </p:sp>
+      <p:sp>
+        <p:nvSpPr>
+          <p:cNvPr id="163" name="Google Shape;163;g2a0fe4a4a0f_1_78:notes"/>
+          <p:cNvSpPr txBox="1"/>
+          <p:nvPr>
+            <p:ph idx="1" type="body"/>
+          </p:nvPr>
+        </p:nvSpPr>
+        <p:spPr>
+          <a:xfrm>
+            <a:off x="685800" y="4343400"/>
+            <a:ext cx="5486400" cy="4114800"/>
+          </a:xfrm>
+          <a:prstGeom prst="rect">
+            <a:avLst/>
+          </a:prstGeom>
+        </p:spPr>
+        <p:txBody>
+          <a:bodyPr anchorCtr="0" anchor="t" bIns="91425" lIns="91425" spcFirstLastPara="1" rIns="91425" wrap="square" tIns="91425">
+            <a:noAutofit/>
+          </a:bodyPr>
+          <a:lstStyle/>
+          <a:p>
+            <a:pPr indent="0" lvl="0" marL="0" rtl="0" algn="l">
+              <a:spcBef>
+                <a:spcPts val="0"/>
+              </a:spcBef>
+              <a:spcAft>
+                <a:spcPts val="0"/>
+              </a:spcAft>
+              <a:buNone/>
+            </a:pPr>
+            <a:r>
+              <a:t/>
+            </a:r>
+            <a:endParaRPr/>
+          </a:p>
+        </p:txBody>
+      </p:sp>
+    </p:spTree>
+  </p:cSld>
+  <p:clrMapOvr>
+    <a:masterClrMapping/>
+  </p:clrMapOvr>
+</p:notes>
+</file>
+
+<file path=ppt/notesSlides/notesSlide18.xml><?xml version="1.0" encoding="utf-8"?>
+<p:notes xmlns:a="http://schemas.openxmlformats.org/drawingml/2006/main" xmlns:r="http://schemas.openxmlformats.org/officeDocument/2006/relationships" xmlns:mc="http://schemas.openxmlformats.org/markup-compatibility/2006" xmlns:mv="urn:schemas-microsoft-com:mac:vml" xmlns:p="http://schemas.openxmlformats.org/presentationml/2006/main" xmlns:c="http://schemas.openxmlformats.org/drawingml/2006/chart" xmlns:dgm="http://schemas.openxmlformats.org/drawingml/2006/diagram" xmlns:o="urn:schemas-microsoft-com:office:office" xmlns:v="urn:schemas-microsoft-com:vml" xmlns:pvml="urn:schemas-microsoft-com:office:powerpoint" xmlns:com="http://schemas.openxmlformats.org/drawingml/2006/compatibility" xmlns:p14="http://schemas.microsoft.com/office/powerpoint/2010/main" xmlns:p15="http://schemas.microsoft.com/office/powerpoint/2012/main" xmlns:ahyp="http://schemas.microsoft.com/office/drawing/2018/hyperlinkcolor" showMasterPhAnim="0" showMasterSp="0">
+  <p:cSld>
+    <p:spTree>
+      <p:nvGrpSpPr>
+        <p:cNvPr id="169" name="Shape 169"/>
+        <p:cNvGrpSpPr/>
+        <p:nvPr/>
+      </p:nvGrpSpPr>
+      <p:grpSpPr>
+        <a:xfrm>
+          <a:off x="0" y="0"/>
+          <a:ext cx="0" cy="0"/>
+          <a:chOff x="0" y="0"/>
+          <a:chExt cx="0" cy="0"/>
+        </a:xfrm>
+      </p:grpSpPr>
+      <p:sp>
+        <p:nvSpPr>
+          <p:cNvPr id="170" name="Google Shape;170;g295a4782ee7_0_44:notes"/>
+          <p:cNvSpPr/>
+          <p:nvPr>
+            <p:ph idx="2" type="sldImg"/>
+          </p:nvPr>
+        </p:nvSpPr>
+        <p:spPr>
+          <a:xfrm>
+            <a:off x="381300" y="685800"/>
+            <a:ext cx="6096000" cy="3429000"/>
+          </a:xfrm>
+          <a:custGeom>
+            <a:rect b="b" l="l" r="r" t="t"/>
+            <a:pathLst>
+              <a:path extrusionOk="0" h="120000" w="120000">
+                <a:moveTo>
+                  <a:pt x="0" y="0"/>
+                </a:moveTo>
+                <a:lnTo>
+                  <a:pt x="120000" y="0"/>
+                </a:lnTo>
+                <a:lnTo>
+                  <a:pt x="120000" y="120000"/>
+                </a:lnTo>
+                <a:lnTo>
+                  <a:pt x="0" y="120000"/>
+                </a:lnTo>
+                <a:close/>
+              </a:path>
+            </a:pathLst>
+          </a:custGeom>
+        </p:spPr>
+      </p:sp>
+      <p:sp>
+        <p:nvSpPr>
+          <p:cNvPr id="171" name="Google Shape;171;g295a4782ee7_0_44:notes"/>
+          <p:cNvSpPr txBox="1"/>
+          <p:nvPr>
+            <p:ph idx="1" type="body"/>
+          </p:nvPr>
+        </p:nvSpPr>
+        <p:spPr>
+          <a:xfrm>
+            <a:off x="685800" y="4343400"/>
+            <a:ext cx="5486400" cy="4114800"/>
+          </a:xfrm>
+          <a:prstGeom prst="rect">
+            <a:avLst/>
+          </a:prstGeom>
+        </p:spPr>
+        <p:txBody>
+          <a:bodyPr anchorCtr="0" anchor="t" bIns="91425" lIns="91425" spcFirstLastPara="1" rIns="91425" wrap="square" tIns="91425">
+            <a:noAutofit/>
+          </a:bodyPr>
+          <a:lstStyle/>
+          <a:p>
+            <a:pPr indent="0" lvl="0" marL="0" rtl="0" algn="l">
+              <a:spcBef>
+                <a:spcPts val="0"/>
+              </a:spcBef>
+              <a:spcAft>
+                <a:spcPts val="0"/>
+              </a:spcAft>
+              <a:buNone/>
+            </a:pPr>
+            <a:r>
+              <a:t/>
+            </a:r>
+            <a:endParaRPr/>
+          </a:p>
+        </p:txBody>
+      </p:sp>
+    </p:spTree>
+  </p:cSld>
+  <p:clrMapOvr>
+    <a:masterClrMapping/>
+  </p:clrMapOvr>
+</p:notes>
+</file>
+
+<file path=ppt/notesSlides/notesSlide19.xml><?xml version="1.0" encoding="utf-8"?>
+<p:notes xmlns:a="http://schemas.openxmlformats.org/drawingml/2006/main" xmlns:r="http://schemas.openxmlformats.org/officeDocument/2006/relationships" xmlns:mc="http://schemas.openxmlformats.org/markup-compatibility/2006" xmlns:mv="urn:schemas-microsoft-com:mac:vml" xmlns:p="http://schemas.openxmlformats.org/presentationml/2006/main" xmlns:c="http://schemas.openxmlformats.org/drawingml/2006/chart" xmlns:dgm="http://schemas.openxmlformats.org/drawingml/2006/diagram" xmlns:o="urn:schemas-microsoft-com:office:office" xmlns:v="urn:schemas-microsoft-com:vml" xmlns:pvml="urn:schemas-microsoft-com:office:powerpoint" xmlns:com="http://schemas.openxmlformats.org/drawingml/2006/compatibility" xmlns:p14="http://schemas.microsoft.com/office/powerpoint/2010/main" xmlns:p15="http://schemas.microsoft.com/office/powerpoint/2012/main" xmlns:ahyp="http://schemas.microsoft.com/office/drawing/2018/hyperlinkcolor" showMasterPhAnim="0" showMasterSp="0">
+  <p:cSld>
+    <p:spTree>
+      <p:nvGrpSpPr>
+        <p:cNvPr id="175" name="Shape 175"/>
+        <p:cNvGrpSpPr/>
+        <p:nvPr/>
+      </p:nvGrpSpPr>
+      <p:grpSpPr>
+        <a:xfrm>
+          <a:off x="0" y="0"/>
+          <a:ext cx="0" cy="0"/>
+          <a:chOff x="0" y="0"/>
+          <a:chExt cx="0" cy="0"/>
+        </a:xfrm>
+      </p:grpSpPr>
+      <p:sp>
+        <p:nvSpPr>
+          <p:cNvPr id="176" name="Google Shape;176;g2961ba04e30_0_0:notes"/>
+          <p:cNvSpPr/>
+          <p:nvPr>
+            <p:ph idx="2" type="sldImg"/>
+          </p:nvPr>
+        </p:nvSpPr>
+        <p:spPr>
+          <a:xfrm>
+            <a:off x="381300" y="685800"/>
+            <a:ext cx="6096000" cy="3429000"/>
+          </a:xfrm>
+          <a:custGeom>
+            <a:rect b="b" l="l" r="r" t="t"/>
+            <a:pathLst>
+              <a:path extrusionOk="0" h="120000" w="120000">
+                <a:moveTo>
+                  <a:pt x="0" y="0"/>
+                </a:moveTo>
+                <a:lnTo>
+                  <a:pt x="120000" y="0"/>
+                </a:lnTo>
+                <a:lnTo>
+                  <a:pt x="120000" y="120000"/>
+                </a:lnTo>
+                <a:lnTo>
+                  <a:pt x="0" y="120000"/>
+                </a:lnTo>
+                <a:close/>
+              </a:path>
+            </a:pathLst>
+          </a:custGeom>
+        </p:spPr>
+      </p:sp>
+      <p:sp>
+        <p:nvSpPr>
+          <p:cNvPr id="177" name="Google Shape;177;g2961ba04e30_0_0:notes"/>
+          <p:cNvSpPr txBox="1"/>
+          <p:nvPr>
+            <p:ph idx="1" type="body"/>
+          </p:nvPr>
+        </p:nvSpPr>
+        <p:spPr>
+          <a:xfrm>
+            <a:off x="685800" y="4343400"/>
+            <a:ext cx="5486400" cy="4114800"/>
+          </a:xfrm>
+          <a:prstGeom prst="rect">
+            <a:avLst/>
+          </a:prstGeom>
+        </p:spPr>
+        <p:txBody>
+          <a:bodyPr anchorCtr="0" anchor="t" bIns="91425" lIns="91425" spcFirstLastPara="1" rIns="91425" wrap="square" tIns="91425">
+            <a:noAutofit/>
+          </a:bodyPr>
+          <a:lstStyle/>
+          <a:p>
+            <a:pPr indent="0" lvl="0" marL="0" rtl="0" algn="l">
+              <a:spcBef>
+                <a:spcPts val="0"/>
+              </a:spcBef>
+              <a:spcAft>
+                <a:spcPts val="0"/>
+              </a:spcAft>
+              <a:buNone/>
+            </a:pPr>
+            <a:r>
+              <a:t/>
+            </a:r>
+            <a:endParaRPr/>
+          </a:p>
+        </p:txBody>
+      </p:sp>
+    </p:spTree>
+  </p:cSld>
+  <p:clrMapOvr>
+    <a:masterClrMapping/>
+  </p:clrMapOvr>
+</p:notes>
+</file>
+
 <file path=ppt/notesSlides/notesSlide2.xml><?xml version="1.0" encoding="utf-8"?>
 <p:notes xmlns:a="http://schemas.openxmlformats.org/drawingml/2006/main" xmlns:r="http://schemas.openxmlformats.org/officeDocument/2006/relationships" xmlns:mc="http://schemas.openxmlformats.org/markup-compatibility/2006" xmlns:mv="urn:schemas-microsoft-com:mac:vml" xmlns:p="http://schemas.openxmlformats.org/presentationml/2006/main" xmlns:c="http://schemas.openxmlformats.org/drawingml/2006/chart" xmlns:dgm="http://schemas.openxmlformats.org/drawingml/2006/diagram" xmlns:o="urn:schemas-microsoft-com:office:office" xmlns:v="urn:schemas-microsoft-com:vml" xmlns:pvml="urn:schemas-microsoft-com:office:powerpoint" xmlns:com="http://schemas.openxmlformats.org/drawingml/2006/compatibility" xmlns:p14="http://schemas.microsoft.com/office/powerpoint/2010/main" xmlns:p15="http://schemas.microsoft.com/office/powerpoint/2012/main" xmlns:ahyp="http://schemas.microsoft.com/office/drawing/2018/hyperlinkcolor" showMasterPhAnim="0" showMasterSp="0">
   <p:cSld>
@@ -857,6 +1858,105 @@
       <p:sp>
         <p:nvSpPr>
           <p:cNvPr id="58" name="Google Shape;58;g295a4782ee7_0_1:notes"/>
+          <p:cNvSpPr txBox="1"/>
+          <p:nvPr>
+            <p:ph idx="1" type="body"/>
+          </p:nvPr>
+        </p:nvSpPr>
+        <p:spPr>
+          <a:xfrm>
+            <a:off x="685800" y="4343400"/>
+            <a:ext cx="5486400" cy="4114800"/>
+          </a:xfrm>
+          <a:prstGeom prst="rect">
+            <a:avLst/>
+          </a:prstGeom>
+        </p:spPr>
+        <p:txBody>
+          <a:bodyPr anchorCtr="0" anchor="t" bIns="91425" lIns="91425" spcFirstLastPara="1" rIns="91425" wrap="square" tIns="91425">
+            <a:noAutofit/>
+          </a:bodyPr>
+          <a:lstStyle/>
+          <a:p>
+            <a:pPr indent="0" lvl="0" marL="0" rtl="0" algn="l">
+              <a:spcBef>
+                <a:spcPts val="0"/>
+              </a:spcBef>
+              <a:spcAft>
+                <a:spcPts val="0"/>
+              </a:spcAft>
+              <a:buNone/>
+            </a:pPr>
+            <a:r>
+              <a:t/>
+            </a:r>
+            <a:endParaRPr/>
+          </a:p>
+        </p:txBody>
+      </p:sp>
+    </p:spTree>
+  </p:cSld>
+  <p:clrMapOvr>
+    <a:masterClrMapping/>
+  </p:clrMapOvr>
+</p:notes>
+</file>
+
+<file path=ppt/notesSlides/notesSlide20.xml><?xml version="1.0" encoding="utf-8"?>
+<p:notes xmlns:a="http://schemas.openxmlformats.org/drawingml/2006/main" xmlns:r="http://schemas.openxmlformats.org/officeDocument/2006/relationships" xmlns:mc="http://schemas.openxmlformats.org/markup-compatibility/2006" xmlns:mv="urn:schemas-microsoft-com:mac:vml" xmlns:p="http://schemas.openxmlformats.org/presentationml/2006/main" xmlns:c="http://schemas.openxmlformats.org/drawingml/2006/chart" xmlns:dgm="http://schemas.openxmlformats.org/drawingml/2006/diagram" xmlns:o="urn:schemas-microsoft-com:office:office" xmlns:v="urn:schemas-microsoft-com:vml" xmlns:pvml="urn:schemas-microsoft-com:office:powerpoint" xmlns:com="http://schemas.openxmlformats.org/drawingml/2006/compatibility" xmlns:p14="http://schemas.microsoft.com/office/powerpoint/2010/main" xmlns:p15="http://schemas.microsoft.com/office/powerpoint/2012/main" xmlns:ahyp="http://schemas.microsoft.com/office/drawing/2018/hyperlinkcolor" showMasterPhAnim="0" showMasterSp="0">
+  <p:cSld>
+    <p:spTree>
+      <p:nvGrpSpPr>
+        <p:cNvPr id="181" name="Shape 181"/>
+        <p:cNvGrpSpPr/>
+        <p:nvPr/>
+      </p:nvGrpSpPr>
+      <p:grpSpPr>
+        <a:xfrm>
+          <a:off x="0" y="0"/>
+          <a:ext cx="0" cy="0"/>
+          <a:chOff x="0" y="0"/>
+          <a:chExt cx="0" cy="0"/>
+        </a:xfrm>
+      </p:grpSpPr>
+      <p:sp>
+        <p:nvSpPr>
+          <p:cNvPr id="182" name="Google Shape;182;g295a4782ee7_0_55:notes"/>
+          <p:cNvSpPr/>
+          <p:nvPr>
+            <p:ph idx="2" type="sldImg"/>
+          </p:nvPr>
+        </p:nvSpPr>
+        <p:spPr>
+          <a:xfrm>
+            <a:off x="381300" y="685800"/>
+            <a:ext cx="6096000" cy="3429000"/>
+          </a:xfrm>
+          <a:custGeom>
+            <a:rect b="b" l="l" r="r" t="t"/>
+            <a:pathLst>
+              <a:path extrusionOk="0" h="120000" w="120000">
+                <a:moveTo>
+                  <a:pt x="0" y="0"/>
+                </a:moveTo>
+                <a:lnTo>
+                  <a:pt x="120000" y="0"/>
+                </a:lnTo>
+                <a:lnTo>
+                  <a:pt x="120000" y="120000"/>
+                </a:lnTo>
+                <a:lnTo>
+                  <a:pt x="0" y="120000"/>
+                </a:lnTo>
+                <a:close/>
+              </a:path>
+            </a:pathLst>
+          </a:custGeom>
+        </p:spPr>
+      </p:sp>
+      <p:sp>
+        <p:nvSpPr>
+          <p:cNvPr id="183" name="Google Shape;183;g295a4782ee7_0_55:notes"/>
           <p:cNvSpPr txBox="1"/>
           <p:nvPr>
             <p:ph idx="1" type="body"/>
@@ -920,7 +2020,7 @@
       </p:grpSpPr>
       <p:sp>
         <p:nvSpPr>
-          <p:cNvPr id="63" name="Google Shape;63;g295a4782ee7_0_15:notes"/>
+          <p:cNvPr id="63" name="Google Shape;63;g295a4782ee7_0_26:notes"/>
           <p:cNvSpPr/>
           <p:nvPr>
             <p:ph idx="2" type="sldImg"/>
@@ -955,7 +2055,7 @@
       </p:sp>
       <p:sp>
         <p:nvSpPr>
-          <p:cNvPr id="64" name="Google Shape;64;g295a4782ee7_0_15:notes"/>
+          <p:cNvPr id="64" name="Google Shape;64;g295a4782ee7_0_26:notes"/>
           <p:cNvSpPr txBox="1"/>
           <p:nvPr>
             <p:ph idx="1" type="body"/>
@@ -1005,7 +2105,7 @@
   <p:cSld>
     <p:spTree>
       <p:nvGrpSpPr>
-        <p:cNvPr id="68" name="Shape 68"/>
+        <p:cNvPr id="69" name="Shape 69"/>
         <p:cNvGrpSpPr/>
         <p:nvPr/>
       </p:nvGrpSpPr>
@@ -1019,7 +2119,7 @@
       </p:grpSpPr>
       <p:sp>
         <p:nvSpPr>
-          <p:cNvPr id="69" name="Google Shape;69;g295a4782ee7_0_26:notes"/>
+          <p:cNvPr id="70" name="Google Shape;70;g295a4782ee7_0_15:notes"/>
           <p:cNvSpPr/>
           <p:nvPr>
             <p:ph idx="2" type="sldImg"/>
@@ -1054,7 +2154,7 @@
       </p:sp>
       <p:sp>
         <p:nvSpPr>
-          <p:cNvPr id="70" name="Google Shape;70;g295a4782ee7_0_26:notes"/>
+          <p:cNvPr id="71" name="Google Shape;71;g295a4782ee7_0_15:notes"/>
           <p:cNvSpPr txBox="1"/>
           <p:nvPr>
             <p:ph idx="1" type="body"/>
@@ -1118,7 +2218,7 @@
       </p:grpSpPr>
       <p:sp>
         <p:nvSpPr>
-          <p:cNvPr id="76" name="Google Shape;76;g295a4782ee7_0_20:notes"/>
+          <p:cNvPr id="76" name="Google Shape;76;g2a0fe4a4a0f_1_0:notes"/>
           <p:cNvSpPr/>
           <p:nvPr>
             <p:ph idx="2" type="sldImg"/>
@@ -1153,7 +2253,7 @@
       </p:sp>
       <p:sp>
         <p:nvSpPr>
-          <p:cNvPr id="77" name="Google Shape;77;g295a4782ee7_0_20:notes"/>
+          <p:cNvPr id="77" name="Google Shape;77;g2a0fe4a4a0f_1_0:notes"/>
           <p:cNvSpPr txBox="1"/>
           <p:nvPr>
             <p:ph idx="1" type="body"/>
@@ -1203,7 +2303,7 @@
   <p:cSld>
     <p:spTree>
       <p:nvGrpSpPr>
-        <p:cNvPr id="81" name="Shape 81"/>
+        <p:cNvPr id="86" name="Shape 86"/>
         <p:cNvGrpSpPr/>
         <p:nvPr/>
       </p:nvGrpSpPr>
@@ -1217,7 +2317,7 @@
       </p:grpSpPr>
       <p:sp>
         <p:nvSpPr>
-          <p:cNvPr id="82" name="Google Shape;82;g295a4782ee7_0_44:notes"/>
+          <p:cNvPr id="87" name="Google Shape;87;g295a4782ee7_0_20:notes"/>
           <p:cNvSpPr/>
           <p:nvPr>
             <p:ph idx="2" type="sldImg"/>
@@ -1252,7 +2352,7 @@
       </p:sp>
       <p:sp>
         <p:nvSpPr>
-          <p:cNvPr id="83" name="Google Shape;83;g295a4782ee7_0_44:notes"/>
+          <p:cNvPr id="88" name="Google Shape;88;g295a4782ee7_0_20:notes"/>
           <p:cNvSpPr txBox="1"/>
           <p:nvPr>
             <p:ph idx="1" type="body"/>
@@ -1302,7 +2402,7 @@
   <p:cSld>
     <p:spTree>
       <p:nvGrpSpPr>
-        <p:cNvPr id="87" name="Shape 87"/>
+        <p:cNvPr id="92" name="Shape 92"/>
         <p:cNvGrpSpPr/>
         <p:nvPr/>
       </p:nvGrpSpPr>
@@ -1316,7 +2416,7 @@
       </p:grpSpPr>
       <p:sp>
         <p:nvSpPr>
-          <p:cNvPr id="88" name="Google Shape;88;g295a4782ee7_0_37:notes"/>
+          <p:cNvPr id="93" name="Google Shape;93;g2a0fe4a4a0f_0_0:notes"/>
           <p:cNvSpPr/>
           <p:nvPr>
             <p:ph idx="2" type="sldImg"/>
@@ -1351,7 +2451,7 @@
       </p:sp>
       <p:sp>
         <p:nvSpPr>
-          <p:cNvPr id="89" name="Google Shape;89;g295a4782ee7_0_37:notes"/>
+          <p:cNvPr id="94" name="Google Shape;94;g2a0fe4a4a0f_0_0:notes"/>
           <p:cNvSpPr txBox="1"/>
           <p:nvPr>
             <p:ph idx="1" type="body"/>
@@ -1401,7 +2501,7 @@
   <p:cSld>
     <p:spTree>
       <p:nvGrpSpPr>
-        <p:cNvPr id="93" name="Shape 93"/>
+        <p:cNvPr id="100" name="Shape 100"/>
         <p:cNvGrpSpPr/>
         <p:nvPr/>
       </p:nvGrpSpPr>
@@ -1415,7 +2515,7 @@
       </p:grpSpPr>
       <p:sp>
         <p:nvSpPr>
-          <p:cNvPr id="94" name="Google Shape;94;g2961ba04e30_0_0:notes"/>
+          <p:cNvPr id="101" name="Google Shape;101;g2a0fe4a4a0f_1_18:notes"/>
           <p:cNvSpPr/>
           <p:nvPr>
             <p:ph idx="2" type="sldImg"/>
@@ -1450,7 +2550,7 @@
       </p:sp>
       <p:sp>
         <p:nvSpPr>
-          <p:cNvPr id="95" name="Google Shape;95;g2961ba04e30_0_0:notes"/>
+          <p:cNvPr id="102" name="Google Shape;102;g2a0fe4a4a0f_1_18:notes"/>
           <p:cNvSpPr txBox="1"/>
           <p:nvPr>
             <p:ph idx="1" type="body"/>
@@ -1500,7 +2600,7 @@
   <p:cSld>
     <p:spTree>
       <p:nvGrpSpPr>
-        <p:cNvPr id="99" name="Shape 99"/>
+        <p:cNvPr id="108" name="Shape 108"/>
         <p:cNvGrpSpPr/>
         <p:nvPr/>
       </p:nvGrpSpPr>
@@ -1514,7 +2614,7 @@
       </p:grpSpPr>
       <p:sp>
         <p:nvSpPr>
-          <p:cNvPr id="100" name="Google Shape;100;g295a4782ee7_0_55:notes"/>
+          <p:cNvPr id="109" name="Google Shape;109;g2a0fe4a4a0f_1_28:notes"/>
           <p:cNvSpPr/>
           <p:nvPr>
             <p:ph idx="2" type="sldImg"/>
@@ -1549,7 +2649,7 @@
       </p:sp>
       <p:sp>
         <p:nvSpPr>
-          <p:cNvPr id="101" name="Google Shape;101;g295a4782ee7_0_55:notes"/>
+          <p:cNvPr id="110" name="Google Shape;110;g2a0fe4a4a0f_1_28:notes"/>
           <p:cNvSpPr txBox="1"/>
           <p:nvPr>
             <p:ph idx="1" type="body"/>
@@ -6363,6 +7463,1584 @@
 </p:sld>
 </file>
 
+<file path=ppt/slides/slide10.xml><?xml version="1.0" encoding="utf-8"?>
+<p:sld xmlns:a="http://schemas.openxmlformats.org/drawingml/2006/main" xmlns:r="http://schemas.openxmlformats.org/officeDocument/2006/relationships" xmlns:mc="http://schemas.openxmlformats.org/markup-compatibility/2006" xmlns:mv="urn:schemas-microsoft-com:mac:vml" xmlns:p="http://schemas.openxmlformats.org/presentationml/2006/main" xmlns:c="http://schemas.openxmlformats.org/drawingml/2006/chart" xmlns:dgm="http://schemas.openxmlformats.org/drawingml/2006/diagram" xmlns:o="urn:schemas-microsoft-com:office:office" xmlns:v="urn:schemas-microsoft-com:vml" xmlns:pvml="urn:schemas-microsoft-com:office:powerpoint" xmlns:com="http://schemas.openxmlformats.org/drawingml/2006/compatibility" xmlns:p14="http://schemas.microsoft.com/office/powerpoint/2010/main" xmlns:p15="http://schemas.microsoft.com/office/powerpoint/2012/main" xmlns:ahyp="http://schemas.microsoft.com/office/drawing/2018/hyperlinkcolor">
+  <p:cSld>
+    <p:spTree>
+      <p:nvGrpSpPr>
+        <p:cNvPr id="118" name="Shape 118"/>
+        <p:cNvGrpSpPr/>
+        <p:nvPr/>
+      </p:nvGrpSpPr>
+      <p:grpSpPr>
+        <a:xfrm>
+          <a:off x="0" y="0"/>
+          <a:ext cx="0" cy="0"/>
+          <a:chOff x="0" y="0"/>
+          <a:chExt cx="0" cy="0"/>
+        </a:xfrm>
+      </p:grpSpPr>
+      <p:sp>
+        <p:nvSpPr>
+          <p:cNvPr id="119" name="Google Shape;119;p22"/>
+          <p:cNvSpPr txBox="1"/>
+          <p:nvPr>
+            <p:ph type="title"/>
+          </p:nvPr>
+        </p:nvSpPr>
+        <p:spPr>
+          <a:xfrm>
+            <a:off x="311700" y="445025"/>
+            <a:ext cx="8520600" cy="572700"/>
+          </a:xfrm>
+          <a:prstGeom prst="rect">
+            <a:avLst/>
+          </a:prstGeom>
+        </p:spPr>
+        <p:txBody>
+          <a:bodyPr anchorCtr="0" anchor="t" bIns="91425" lIns="91425" spcFirstLastPara="1" rIns="91425" wrap="square" tIns="91425">
+            <a:normAutofit fontScale="90000"/>
+          </a:bodyPr>
+          <a:lstStyle/>
+          <a:p>
+            <a:pPr indent="0" lvl="0" marL="0" rtl="0" algn="l">
+              <a:spcBef>
+                <a:spcPts val="0"/>
+              </a:spcBef>
+              <a:spcAft>
+                <a:spcPts val="0"/>
+              </a:spcAft>
+              <a:buNone/>
+            </a:pPr>
+            <a:r>
+              <a:rPr lang="en"/>
+              <a:t>Exploratory data analysis</a:t>
+            </a:r>
+            <a:endParaRPr/>
+          </a:p>
+        </p:txBody>
+      </p:sp>
+      <p:pic>
+        <p:nvPicPr>
+          <p:cNvPr id="120" name="Google Shape;120;p22"/>
+          <p:cNvPicPr preferRelativeResize="0"/>
+          <p:nvPr/>
+        </p:nvPicPr>
+        <p:blipFill>
+          <a:blip r:embed="rId3">
+            <a:alphaModFix/>
+          </a:blip>
+          <a:stretch>
+            <a:fillRect/>
+          </a:stretch>
+        </p:blipFill>
+        <p:spPr>
+          <a:xfrm>
+            <a:off x="1688025" y="1167525"/>
+            <a:ext cx="5937251" cy="3898225"/>
+          </a:xfrm>
+          <a:prstGeom prst="rect">
+            <a:avLst/>
+          </a:prstGeom>
+          <a:noFill/>
+          <a:ln>
+            <a:noFill/>
+          </a:ln>
+        </p:spPr>
+      </p:pic>
+    </p:spTree>
+  </p:cSld>
+  <p:clrMapOvr>
+    <a:masterClrMapping/>
+  </p:clrMapOvr>
+</p:sld>
+</file>
+
+<file path=ppt/slides/slide11.xml><?xml version="1.0" encoding="utf-8"?>
+<p:sld xmlns:a="http://schemas.openxmlformats.org/drawingml/2006/main" xmlns:r="http://schemas.openxmlformats.org/officeDocument/2006/relationships" xmlns:mc="http://schemas.openxmlformats.org/markup-compatibility/2006" xmlns:mv="urn:schemas-microsoft-com:mac:vml" xmlns:p="http://schemas.openxmlformats.org/presentationml/2006/main" xmlns:c="http://schemas.openxmlformats.org/drawingml/2006/chart" xmlns:dgm="http://schemas.openxmlformats.org/drawingml/2006/diagram" xmlns:o="urn:schemas-microsoft-com:office:office" xmlns:v="urn:schemas-microsoft-com:vml" xmlns:pvml="urn:schemas-microsoft-com:office:powerpoint" xmlns:com="http://schemas.openxmlformats.org/drawingml/2006/compatibility" xmlns:p14="http://schemas.microsoft.com/office/powerpoint/2010/main" xmlns:p15="http://schemas.microsoft.com/office/powerpoint/2012/main" xmlns:ahyp="http://schemas.microsoft.com/office/drawing/2018/hyperlinkcolor">
+  <p:cSld>
+    <p:spTree>
+      <p:nvGrpSpPr>
+        <p:cNvPr id="124" name="Shape 124"/>
+        <p:cNvGrpSpPr/>
+        <p:nvPr/>
+      </p:nvGrpSpPr>
+      <p:grpSpPr>
+        <a:xfrm>
+          <a:off x="0" y="0"/>
+          <a:ext cx="0" cy="0"/>
+          <a:chOff x="0" y="0"/>
+          <a:chExt cx="0" cy="0"/>
+        </a:xfrm>
+      </p:grpSpPr>
+      <p:sp>
+        <p:nvSpPr>
+          <p:cNvPr id="125" name="Google Shape;125;p23"/>
+          <p:cNvSpPr txBox="1"/>
+          <p:nvPr>
+            <p:ph type="title"/>
+          </p:nvPr>
+        </p:nvSpPr>
+        <p:spPr>
+          <a:xfrm>
+            <a:off x="311700" y="445025"/>
+            <a:ext cx="8520600" cy="572700"/>
+          </a:xfrm>
+          <a:prstGeom prst="rect">
+            <a:avLst/>
+          </a:prstGeom>
+        </p:spPr>
+        <p:txBody>
+          <a:bodyPr anchorCtr="0" anchor="t" bIns="91425" lIns="91425" spcFirstLastPara="1" rIns="91425" wrap="square" tIns="91425">
+            <a:normAutofit fontScale="90000"/>
+          </a:bodyPr>
+          <a:lstStyle/>
+          <a:p>
+            <a:pPr indent="0" lvl="0" marL="0" rtl="0" algn="l">
+              <a:spcBef>
+                <a:spcPts val="0"/>
+              </a:spcBef>
+              <a:spcAft>
+                <a:spcPts val="0"/>
+              </a:spcAft>
+              <a:buNone/>
+            </a:pPr>
+            <a:r>
+              <a:rPr lang="en"/>
+              <a:t>Entity Resolution using Sorted Neighborhood</a:t>
+            </a:r>
+            <a:endParaRPr/>
+          </a:p>
+        </p:txBody>
+      </p:sp>
+      <p:pic>
+        <p:nvPicPr>
+          <p:cNvPr id="126" name="Google Shape;126;p23"/>
+          <p:cNvPicPr preferRelativeResize="0"/>
+          <p:nvPr/>
+        </p:nvPicPr>
+        <p:blipFill>
+          <a:blip r:embed="rId3">
+            <a:alphaModFix/>
+          </a:blip>
+          <a:stretch>
+            <a:fillRect/>
+          </a:stretch>
+        </p:blipFill>
+        <p:spPr>
+          <a:xfrm>
+            <a:off x="986349" y="1187375"/>
+            <a:ext cx="8310055" cy="3416399"/>
+          </a:xfrm>
+          <a:prstGeom prst="rect">
+            <a:avLst/>
+          </a:prstGeom>
+          <a:noFill/>
+          <a:ln>
+            <a:noFill/>
+          </a:ln>
+        </p:spPr>
+      </p:pic>
+    </p:spTree>
+  </p:cSld>
+  <p:clrMapOvr>
+    <a:masterClrMapping/>
+  </p:clrMapOvr>
+</p:sld>
+</file>
+
+<file path=ppt/slides/slide12.xml><?xml version="1.0" encoding="utf-8"?>
+<p:sld xmlns:a="http://schemas.openxmlformats.org/drawingml/2006/main" xmlns:r="http://schemas.openxmlformats.org/officeDocument/2006/relationships" xmlns:mc="http://schemas.openxmlformats.org/markup-compatibility/2006" xmlns:mv="urn:schemas-microsoft-com:mac:vml" xmlns:p="http://schemas.openxmlformats.org/presentationml/2006/main" xmlns:c="http://schemas.openxmlformats.org/drawingml/2006/chart" xmlns:dgm="http://schemas.openxmlformats.org/drawingml/2006/diagram" xmlns:o="urn:schemas-microsoft-com:office:office" xmlns:v="urn:schemas-microsoft-com:vml" xmlns:pvml="urn:schemas-microsoft-com:office:powerpoint" xmlns:com="http://schemas.openxmlformats.org/drawingml/2006/compatibility" xmlns:p14="http://schemas.microsoft.com/office/powerpoint/2010/main" xmlns:p15="http://schemas.microsoft.com/office/powerpoint/2012/main" xmlns:ahyp="http://schemas.microsoft.com/office/drawing/2018/hyperlinkcolor">
+  <p:cSld>
+    <p:spTree>
+      <p:nvGrpSpPr>
+        <p:cNvPr id="130" name="Shape 130"/>
+        <p:cNvGrpSpPr/>
+        <p:nvPr/>
+      </p:nvGrpSpPr>
+      <p:grpSpPr>
+        <a:xfrm>
+          <a:off x="0" y="0"/>
+          <a:ext cx="0" cy="0"/>
+          <a:chOff x="0" y="0"/>
+          <a:chExt cx="0" cy="0"/>
+        </a:xfrm>
+      </p:grpSpPr>
+      <p:sp>
+        <p:nvSpPr>
+          <p:cNvPr id="131" name="Google Shape;131;p24"/>
+          <p:cNvSpPr txBox="1"/>
+          <p:nvPr>
+            <p:ph type="title"/>
+          </p:nvPr>
+        </p:nvSpPr>
+        <p:spPr>
+          <a:xfrm>
+            <a:off x="311700" y="445025"/>
+            <a:ext cx="8520600" cy="572700"/>
+          </a:xfrm>
+          <a:prstGeom prst="rect">
+            <a:avLst/>
+          </a:prstGeom>
+        </p:spPr>
+        <p:txBody>
+          <a:bodyPr anchorCtr="0" anchor="t" bIns="91425" lIns="91425" spcFirstLastPara="1" rIns="91425" wrap="square" tIns="91425">
+            <a:normAutofit fontScale="90000"/>
+          </a:bodyPr>
+          <a:lstStyle/>
+          <a:p>
+            <a:pPr indent="0" lvl="0" marL="0" rtl="0" algn="l">
+              <a:spcBef>
+                <a:spcPts val="0"/>
+              </a:spcBef>
+              <a:spcAft>
+                <a:spcPts val="0"/>
+              </a:spcAft>
+              <a:buNone/>
+            </a:pPr>
+            <a:r>
+              <a:rPr lang="en"/>
+              <a:t>Candidate pair scoring</a:t>
+            </a:r>
+            <a:endParaRPr/>
+          </a:p>
+        </p:txBody>
+      </p:sp>
+      <p:sp>
+        <p:nvSpPr>
+          <p:cNvPr id="132" name="Google Shape;132;p24"/>
+          <p:cNvSpPr txBox="1"/>
+          <p:nvPr>
+            <p:ph idx="1" type="body"/>
+          </p:nvPr>
+        </p:nvSpPr>
+        <p:spPr>
+          <a:xfrm>
+            <a:off x="311700" y="1152475"/>
+            <a:ext cx="8520600" cy="3416400"/>
+          </a:xfrm>
+          <a:prstGeom prst="rect">
+            <a:avLst/>
+          </a:prstGeom>
+        </p:spPr>
+        <p:txBody>
+          <a:bodyPr anchorCtr="0" anchor="t" bIns="91425" lIns="91425" spcFirstLastPara="1" rIns="91425" wrap="square" tIns="91425">
+            <a:normAutofit/>
+          </a:bodyPr>
+          <a:lstStyle/>
+          <a:p>
+            <a:pPr indent="0" lvl="0" marL="0" rtl="0" algn="l">
+              <a:spcBef>
+                <a:spcPts val="0"/>
+              </a:spcBef>
+              <a:spcAft>
+                <a:spcPts val="0"/>
+              </a:spcAft>
+              <a:buNone/>
+            </a:pPr>
+            <a:r>
+              <a:rPr lang="en"/>
+              <a:t>The similarity scores for candidates pairs are calculated by various attributes.</a:t>
+            </a:r>
+            <a:endParaRPr/>
+          </a:p>
+          <a:p>
+            <a:pPr indent="0" lvl="0" marL="0" rtl="0" algn="l">
+              <a:spcBef>
+                <a:spcPts val="1200"/>
+              </a:spcBef>
+              <a:spcAft>
+                <a:spcPts val="0"/>
+              </a:spcAft>
+              <a:buNone/>
+            </a:pPr>
+            <a:r>
+              <a:rPr lang="en"/>
+              <a:t>1. </a:t>
+            </a:r>
+            <a:r>
+              <a:rPr lang="en"/>
+              <a:t>Exact matching on full_name</a:t>
+            </a:r>
+            <a:endParaRPr/>
+          </a:p>
+          <a:p>
+            <a:pPr indent="0" lvl="0" marL="0" rtl="0" algn="l">
+              <a:spcBef>
+                <a:spcPts val="1200"/>
+              </a:spcBef>
+              <a:spcAft>
+                <a:spcPts val="0"/>
+              </a:spcAft>
+              <a:buNone/>
+            </a:pPr>
+            <a:r>
+              <a:rPr lang="en"/>
+              <a:t>2. Exact matching on ULAN id </a:t>
+            </a:r>
+            <a:endParaRPr/>
+          </a:p>
+          <a:p>
+            <a:pPr indent="0" lvl="0" marL="0" rtl="0" algn="l">
+              <a:spcBef>
+                <a:spcPts val="1200"/>
+              </a:spcBef>
+              <a:spcAft>
+                <a:spcPts val="0"/>
+              </a:spcAft>
+              <a:buNone/>
+            </a:pPr>
+            <a:r>
+              <a:rPr lang="en"/>
+              <a:t>3. </a:t>
+            </a:r>
+            <a:r>
+              <a:rPr lang="en"/>
+              <a:t>Fuzzy Matching</a:t>
+            </a:r>
+            <a:r>
+              <a:rPr lang="en"/>
+              <a:t> on artist names</a:t>
+            </a:r>
+            <a:endParaRPr/>
+          </a:p>
+          <a:p>
+            <a:pPr indent="0" lvl="0" marL="0" rtl="0" algn="l">
+              <a:spcBef>
+                <a:spcPts val="1200"/>
+              </a:spcBef>
+              <a:spcAft>
+                <a:spcPts val="1200"/>
+              </a:spcAft>
+              <a:buNone/>
+            </a:pPr>
+            <a:r>
+              <a:t/>
+            </a:r>
+            <a:endParaRPr/>
+          </a:p>
+        </p:txBody>
+      </p:sp>
+    </p:spTree>
+  </p:cSld>
+  <p:clrMapOvr>
+    <a:masterClrMapping/>
+  </p:clrMapOvr>
+</p:sld>
+</file>
+
+<file path=ppt/slides/slide13.xml><?xml version="1.0" encoding="utf-8"?>
+<p:sld xmlns:a="http://schemas.openxmlformats.org/drawingml/2006/main" xmlns:r="http://schemas.openxmlformats.org/officeDocument/2006/relationships" xmlns:mc="http://schemas.openxmlformats.org/markup-compatibility/2006" xmlns:mv="urn:schemas-microsoft-com:mac:vml" xmlns:p="http://schemas.openxmlformats.org/presentationml/2006/main" xmlns:c="http://schemas.openxmlformats.org/drawingml/2006/chart" xmlns:dgm="http://schemas.openxmlformats.org/drawingml/2006/diagram" xmlns:o="urn:schemas-microsoft-com:office:office" xmlns:v="urn:schemas-microsoft-com:vml" xmlns:pvml="urn:schemas-microsoft-com:office:powerpoint" xmlns:com="http://schemas.openxmlformats.org/drawingml/2006/compatibility" xmlns:p14="http://schemas.microsoft.com/office/powerpoint/2010/main" xmlns:p15="http://schemas.microsoft.com/office/powerpoint/2012/main" xmlns:ahyp="http://schemas.microsoft.com/office/drawing/2018/hyperlinkcolor">
+  <p:cSld>
+    <p:spTree>
+      <p:nvGrpSpPr>
+        <p:cNvPr id="136" name="Shape 136"/>
+        <p:cNvGrpSpPr/>
+        <p:nvPr/>
+      </p:nvGrpSpPr>
+      <p:grpSpPr>
+        <a:xfrm>
+          <a:off x="0" y="0"/>
+          <a:ext cx="0" cy="0"/>
+          <a:chOff x="0" y="0"/>
+          <a:chExt cx="0" cy="0"/>
+        </a:xfrm>
+      </p:grpSpPr>
+      <p:sp>
+        <p:nvSpPr>
+          <p:cNvPr id="137" name="Google Shape;137;p25"/>
+          <p:cNvSpPr txBox="1"/>
+          <p:nvPr>
+            <p:ph type="title"/>
+          </p:nvPr>
+        </p:nvSpPr>
+        <p:spPr>
+          <a:xfrm>
+            <a:off x="311700" y="445025"/>
+            <a:ext cx="8520600" cy="572700"/>
+          </a:xfrm>
+          <a:prstGeom prst="rect">
+            <a:avLst/>
+          </a:prstGeom>
+        </p:spPr>
+        <p:txBody>
+          <a:bodyPr anchorCtr="0" anchor="t" bIns="91425" lIns="91425" spcFirstLastPara="1" rIns="91425" wrap="square" tIns="91425">
+            <a:normAutofit fontScale="90000"/>
+          </a:bodyPr>
+          <a:lstStyle/>
+          <a:p>
+            <a:pPr indent="0" lvl="0" marL="0" rtl="0" algn="l">
+              <a:spcBef>
+                <a:spcPts val="0"/>
+              </a:spcBef>
+              <a:spcAft>
+                <a:spcPts val="0"/>
+              </a:spcAft>
+              <a:buNone/>
+            </a:pPr>
+            <a:r>
+              <a:rPr lang="en"/>
+              <a:t>Center Clustering</a:t>
+            </a:r>
+            <a:endParaRPr/>
+          </a:p>
+        </p:txBody>
+      </p:sp>
+      <p:pic>
+        <p:nvPicPr>
+          <p:cNvPr id="138" name="Google Shape;138;p25"/>
+          <p:cNvPicPr preferRelativeResize="0"/>
+          <p:nvPr/>
+        </p:nvPicPr>
+        <p:blipFill>
+          <a:blip r:embed="rId3">
+            <a:alphaModFix/>
+          </a:blip>
+          <a:stretch>
+            <a:fillRect/>
+          </a:stretch>
+        </p:blipFill>
+        <p:spPr>
+          <a:xfrm>
+            <a:off x="1035051" y="1017725"/>
+            <a:ext cx="8261347" cy="3821099"/>
+          </a:xfrm>
+          <a:prstGeom prst="rect">
+            <a:avLst/>
+          </a:prstGeom>
+          <a:noFill/>
+          <a:ln>
+            <a:noFill/>
+          </a:ln>
+        </p:spPr>
+      </p:pic>
+    </p:spTree>
+  </p:cSld>
+  <p:clrMapOvr>
+    <a:masterClrMapping/>
+  </p:clrMapOvr>
+</p:sld>
+</file>
+
+<file path=ppt/slides/slide14.xml><?xml version="1.0" encoding="utf-8"?>
+<p:sld xmlns:a="http://schemas.openxmlformats.org/drawingml/2006/main" xmlns:r="http://schemas.openxmlformats.org/officeDocument/2006/relationships" xmlns:mc="http://schemas.openxmlformats.org/markup-compatibility/2006" xmlns:mv="urn:schemas-microsoft-com:mac:vml" xmlns:p="http://schemas.openxmlformats.org/presentationml/2006/main" xmlns:c="http://schemas.openxmlformats.org/drawingml/2006/chart" xmlns:dgm="http://schemas.openxmlformats.org/drawingml/2006/diagram" xmlns:o="urn:schemas-microsoft-com:office:office" xmlns:v="urn:schemas-microsoft-com:vml" xmlns:pvml="urn:schemas-microsoft-com:office:powerpoint" xmlns:com="http://schemas.openxmlformats.org/drawingml/2006/compatibility" xmlns:p14="http://schemas.microsoft.com/office/powerpoint/2010/main" xmlns:p15="http://schemas.microsoft.com/office/powerpoint/2012/main" xmlns:ahyp="http://schemas.microsoft.com/office/drawing/2018/hyperlinkcolor">
+  <p:cSld>
+    <p:spTree>
+      <p:nvGrpSpPr>
+        <p:cNvPr id="142" name="Shape 142"/>
+        <p:cNvGrpSpPr/>
+        <p:nvPr/>
+      </p:nvGrpSpPr>
+      <p:grpSpPr>
+        <a:xfrm>
+          <a:off x="0" y="0"/>
+          <a:ext cx="0" cy="0"/>
+          <a:chOff x="0" y="0"/>
+          <a:chExt cx="0" cy="0"/>
+        </a:xfrm>
+      </p:grpSpPr>
+      <p:sp>
+        <p:nvSpPr>
+          <p:cNvPr id="143" name="Google Shape;143;p26"/>
+          <p:cNvSpPr txBox="1"/>
+          <p:nvPr>
+            <p:ph type="title"/>
+          </p:nvPr>
+        </p:nvSpPr>
+        <p:spPr>
+          <a:xfrm>
+            <a:off x="311700" y="348475"/>
+            <a:ext cx="8520600" cy="572700"/>
+          </a:xfrm>
+          <a:prstGeom prst="rect">
+            <a:avLst/>
+          </a:prstGeom>
+        </p:spPr>
+        <p:txBody>
+          <a:bodyPr anchorCtr="0" anchor="t" bIns="91425" lIns="91425" spcFirstLastPara="1" rIns="91425" wrap="square" tIns="91425">
+            <a:normAutofit fontScale="90000"/>
+          </a:bodyPr>
+          <a:lstStyle/>
+          <a:p>
+            <a:pPr indent="0" lvl="0" marL="0" rtl="0" algn="l">
+              <a:spcBef>
+                <a:spcPts val="0"/>
+              </a:spcBef>
+              <a:spcAft>
+                <a:spcPts val="0"/>
+              </a:spcAft>
+              <a:buNone/>
+            </a:pPr>
+            <a:r>
+              <a:rPr lang="en"/>
+              <a:t>Resulting Dataset</a:t>
+            </a:r>
+            <a:endParaRPr/>
+          </a:p>
+        </p:txBody>
+      </p:sp>
+      <p:pic>
+        <p:nvPicPr>
+          <p:cNvPr id="144" name="Google Shape;144;p26"/>
+          <p:cNvPicPr preferRelativeResize="0"/>
+          <p:nvPr/>
+        </p:nvPicPr>
+        <p:blipFill>
+          <a:blip r:embed="rId3">
+            <a:alphaModFix/>
+          </a:blip>
+          <a:stretch>
+            <a:fillRect/>
+          </a:stretch>
+        </p:blipFill>
+        <p:spPr>
+          <a:xfrm>
+            <a:off x="1066400" y="795700"/>
+            <a:ext cx="6591825" cy="4347801"/>
+          </a:xfrm>
+          <a:prstGeom prst="rect">
+            <a:avLst/>
+          </a:prstGeom>
+          <a:noFill/>
+          <a:ln>
+            <a:noFill/>
+          </a:ln>
+        </p:spPr>
+      </p:pic>
+      <p:sp>
+        <p:nvSpPr>
+          <p:cNvPr id="145" name="Google Shape;145;p26"/>
+          <p:cNvSpPr/>
+          <p:nvPr/>
+        </p:nvSpPr>
+        <p:spPr>
+          <a:xfrm>
+            <a:off x="1562825" y="2160350"/>
+            <a:ext cx="5943300" cy="411300"/>
+          </a:xfrm>
+          <a:prstGeom prst="rect">
+            <a:avLst/>
+          </a:prstGeom>
+          <a:noFill/>
+          <a:ln cap="flat" cmpd="sng" w="9525">
+            <a:solidFill>
+              <a:srgbClr val="FF0000"/>
+            </a:solidFill>
+            <a:prstDash val="solid"/>
+            <a:round/>
+            <a:headEnd len="sm" w="sm" type="none"/>
+            <a:tailEnd len="sm" w="sm" type="none"/>
+          </a:ln>
+        </p:spPr>
+        <p:txBody>
+          <a:bodyPr anchorCtr="0" anchor="ctr" bIns="91425" lIns="91425" spcFirstLastPara="1" rIns="91425" wrap="square" tIns="91425">
+            <a:noAutofit/>
+          </a:bodyPr>
+          <a:lstStyle/>
+          <a:p>
+            <a:pPr indent="0" lvl="0" marL="0" rtl="0" algn="ctr">
+              <a:spcBef>
+                <a:spcPts val="0"/>
+              </a:spcBef>
+              <a:spcAft>
+                <a:spcPts val="0"/>
+              </a:spcAft>
+              <a:buNone/>
+            </a:pPr>
+            <a:r>
+              <a:t/>
+            </a:r>
+            <a:endParaRPr/>
+          </a:p>
+        </p:txBody>
+      </p:sp>
+    </p:spTree>
+  </p:cSld>
+  <p:clrMapOvr>
+    <a:masterClrMapping/>
+  </p:clrMapOvr>
+</p:sld>
+</file>
+
+<file path=ppt/slides/slide15.xml><?xml version="1.0" encoding="utf-8"?>
+<p:sld xmlns:a="http://schemas.openxmlformats.org/drawingml/2006/main" xmlns:r="http://schemas.openxmlformats.org/officeDocument/2006/relationships" xmlns:mc="http://schemas.openxmlformats.org/markup-compatibility/2006" xmlns:mv="urn:schemas-microsoft-com:mac:vml" xmlns:p="http://schemas.openxmlformats.org/presentationml/2006/main" xmlns:c="http://schemas.openxmlformats.org/drawingml/2006/chart" xmlns:dgm="http://schemas.openxmlformats.org/drawingml/2006/diagram" xmlns:o="urn:schemas-microsoft-com:office:office" xmlns:v="urn:schemas-microsoft-com:vml" xmlns:pvml="urn:schemas-microsoft-com:office:powerpoint" xmlns:com="http://schemas.openxmlformats.org/drawingml/2006/compatibility" xmlns:p14="http://schemas.microsoft.com/office/powerpoint/2010/main" xmlns:p15="http://schemas.microsoft.com/office/powerpoint/2012/main" xmlns:ahyp="http://schemas.microsoft.com/office/drawing/2018/hyperlinkcolor">
+  <p:cSld>
+    <p:spTree>
+      <p:nvGrpSpPr>
+        <p:cNvPr id="149" name="Shape 149"/>
+        <p:cNvGrpSpPr/>
+        <p:nvPr/>
+      </p:nvGrpSpPr>
+      <p:grpSpPr>
+        <a:xfrm>
+          <a:off x="0" y="0"/>
+          <a:ext cx="0" cy="0"/>
+          <a:chOff x="0" y="0"/>
+          <a:chExt cx="0" cy="0"/>
+        </a:xfrm>
+      </p:grpSpPr>
+      <p:sp>
+        <p:nvSpPr>
+          <p:cNvPr id="150" name="Google Shape;150;p27"/>
+          <p:cNvSpPr txBox="1"/>
+          <p:nvPr>
+            <p:ph type="title"/>
+          </p:nvPr>
+        </p:nvSpPr>
+        <p:spPr>
+          <a:xfrm>
+            <a:off x="311700" y="445025"/>
+            <a:ext cx="8520600" cy="572700"/>
+          </a:xfrm>
+          <a:prstGeom prst="rect">
+            <a:avLst/>
+          </a:prstGeom>
+        </p:spPr>
+        <p:txBody>
+          <a:bodyPr anchorCtr="0" anchor="t" bIns="91425" lIns="91425" spcFirstLastPara="1" rIns="91425" wrap="square" tIns="91425">
+            <a:normAutofit fontScale="90000"/>
+          </a:bodyPr>
+          <a:lstStyle/>
+          <a:p>
+            <a:pPr indent="0" lvl="0" marL="0" rtl="0" algn="l">
+              <a:spcBef>
+                <a:spcPts val="0"/>
+              </a:spcBef>
+              <a:spcAft>
+                <a:spcPts val="0"/>
+              </a:spcAft>
+              <a:buNone/>
+            </a:pPr>
+            <a:r>
+              <a:rPr lang="en"/>
+              <a:t>Aggregate the clusters</a:t>
+            </a:r>
+            <a:endParaRPr/>
+          </a:p>
+        </p:txBody>
+      </p:sp>
+      <p:sp>
+        <p:nvSpPr>
+          <p:cNvPr id="151" name="Google Shape;151;p27"/>
+          <p:cNvSpPr txBox="1"/>
+          <p:nvPr>
+            <p:ph idx="1" type="body"/>
+          </p:nvPr>
+        </p:nvSpPr>
+        <p:spPr>
+          <a:xfrm>
+            <a:off x="311700" y="1152475"/>
+            <a:ext cx="8520600" cy="3416400"/>
+          </a:xfrm>
+          <a:prstGeom prst="rect">
+            <a:avLst/>
+          </a:prstGeom>
+        </p:spPr>
+        <p:txBody>
+          <a:bodyPr anchorCtr="0" anchor="t" bIns="91425" lIns="91425" spcFirstLastPara="1" rIns="91425" wrap="square" tIns="91425">
+            <a:normAutofit/>
+          </a:bodyPr>
+          <a:lstStyle/>
+          <a:p>
+            <a:pPr indent="0" lvl="0" marL="0" rtl="0" algn="l">
+              <a:spcBef>
+                <a:spcPts val="0"/>
+              </a:spcBef>
+              <a:spcAft>
+                <a:spcPts val="0"/>
+              </a:spcAft>
+              <a:buNone/>
+            </a:pPr>
+            <a:r>
+              <a:rPr lang="en"/>
+              <a:t>1. Cluster id for each record and records in a cluster map to same entity.</a:t>
+            </a:r>
+            <a:endParaRPr/>
+          </a:p>
+          <a:p>
+            <a:pPr indent="0" lvl="0" marL="0" rtl="0" algn="l">
+              <a:spcBef>
+                <a:spcPts val="1200"/>
+              </a:spcBef>
+              <a:spcAft>
+                <a:spcPts val="1200"/>
+              </a:spcAft>
+              <a:buNone/>
+            </a:pPr>
+            <a:r>
+              <a:rPr lang="en"/>
+              <a:t>2. Aggregate values such as gender, nationality, birth_year, death_year and also provide a column for the most popular source provider of this record to create a single record for each artist.</a:t>
+            </a:r>
+            <a:endParaRPr/>
+          </a:p>
+        </p:txBody>
+      </p:sp>
+      <p:pic>
+        <p:nvPicPr>
+          <p:cNvPr id="152" name="Google Shape;152;p27"/>
+          <p:cNvPicPr preferRelativeResize="0"/>
+          <p:nvPr/>
+        </p:nvPicPr>
+        <p:blipFill>
+          <a:blip r:embed="rId3">
+            <a:alphaModFix/>
+          </a:blip>
+          <a:stretch>
+            <a:fillRect/>
+          </a:stretch>
+        </p:blipFill>
+        <p:spPr>
+          <a:xfrm>
+            <a:off x="3521525" y="2882938"/>
+            <a:ext cx="2514600" cy="1685925"/>
+          </a:xfrm>
+          <a:prstGeom prst="rect">
+            <a:avLst/>
+          </a:prstGeom>
+          <a:noFill/>
+          <a:ln>
+            <a:noFill/>
+          </a:ln>
+        </p:spPr>
+      </p:pic>
+    </p:spTree>
+  </p:cSld>
+  <p:clrMapOvr>
+    <a:masterClrMapping/>
+  </p:clrMapOvr>
+</p:sld>
+</file>
+
+<file path=ppt/slides/slide16.xml><?xml version="1.0" encoding="utf-8"?>
+<p:sld xmlns:a="http://schemas.openxmlformats.org/drawingml/2006/main" xmlns:r="http://schemas.openxmlformats.org/officeDocument/2006/relationships" xmlns:mc="http://schemas.openxmlformats.org/markup-compatibility/2006" xmlns:mv="urn:schemas-microsoft-com:mac:vml" xmlns:p="http://schemas.openxmlformats.org/presentationml/2006/main" xmlns:c="http://schemas.openxmlformats.org/drawingml/2006/chart" xmlns:dgm="http://schemas.openxmlformats.org/drawingml/2006/diagram" xmlns:o="urn:schemas-microsoft-com:office:office" xmlns:v="urn:schemas-microsoft-com:vml" xmlns:pvml="urn:schemas-microsoft-com:office:powerpoint" xmlns:com="http://schemas.openxmlformats.org/drawingml/2006/compatibility" xmlns:p14="http://schemas.microsoft.com/office/powerpoint/2010/main" xmlns:p15="http://schemas.microsoft.com/office/powerpoint/2012/main" xmlns:ahyp="http://schemas.microsoft.com/office/drawing/2018/hyperlinkcolor">
+  <p:cSld>
+    <p:spTree>
+      <p:nvGrpSpPr>
+        <p:cNvPr id="156" name="Shape 156"/>
+        <p:cNvGrpSpPr/>
+        <p:nvPr/>
+      </p:nvGrpSpPr>
+      <p:grpSpPr>
+        <a:xfrm>
+          <a:off x="0" y="0"/>
+          <a:ext cx="0" cy="0"/>
+          <a:chOff x="0" y="0"/>
+          <a:chExt cx="0" cy="0"/>
+        </a:xfrm>
+      </p:grpSpPr>
+      <p:sp>
+        <p:nvSpPr>
+          <p:cNvPr id="157" name="Google Shape;157;p28"/>
+          <p:cNvSpPr txBox="1"/>
+          <p:nvPr>
+            <p:ph type="title"/>
+          </p:nvPr>
+        </p:nvSpPr>
+        <p:spPr>
+          <a:xfrm>
+            <a:off x="311700" y="445025"/>
+            <a:ext cx="8520600" cy="572700"/>
+          </a:xfrm>
+          <a:prstGeom prst="rect">
+            <a:avLst/>
+          </a:prstGeom>
+        </p:spPr>
+        <p:txBody>
+          <a:bodyPr anchorCtr="0" anchor="t" bIns="91425" lIns="91425" spcFirstLastPara="1" rIns="91425" wrap="square" tIns="91425">
+            <a:normAutofit fontScale="90000"/>
+          </a:bodyPr>
+          <a:lstStyle/>
+          <a:p>
+            <a:pPr indent="0" lvl="0" marL="0" rtl="0" algn="l">
+              <a:spcBef>
+                <a:spcPts val="0"/>
+              </a:spcBef>
+              <a:spcAft>
+                <a:spcPts val="0"/>
+              </a:spcAft>
+              <a:buNone/>
+            </a:pPr>
+            <a:r>
+              <a:rPr lang="en"/>
+              <a:t>Exploratory Data Analysis on </a:t>
+            </a:r>
+            <a:r>
+              <a:rPr lang="en"/>
+              <a:t>cleaned data</a:t>
+            </a:r>
+            <a:endParaRPr/>
+          </a:p>
+        </p:txBody>
+      </p:sp>
+      <p:sp>
+        <p:nvSpPr>
+          <p:cNvPr id="158" name="Google Shape;158;p28"/>
+          <p:cNvSpPr txBox="1"/>
+          <p:nvPr>
+            <p:ph idx="1" type="body"/>
+          </p:nvPr>
+        </p:nvSpPr>
+        <p:spPr>
+          <a:xfrm>
+            <a:off x="311700" y="1152475"/>
+            <a:ext cx="8520600" cy="3416400"/>
+          </a:xfrm>
+          <a:prstGeom prst="rect">
+            <a:avLst/>
+          </a:prstGeom>
+        </p:spPr>
+        <p:txBody>
+          <a:bodyPr anchorCtr="0" anchor="t" bIns="91425" lIns="91425" spcFirstLastPara="1" rIns="91425" wrap="square" tIns="91425">
+            <a:normAutofit/>
+          </a:bodyPr>
+          <a:lstStyle/>
+          <a:p>
+            <a:pPr indent="0" lvl="0" marL="0" rtl="0" algn="l">
+              <a:spcBef>
+                <a:spcPts val="0"/>
+              </a:spcBef>
+              <a:spcAft>
+                <a:spcPts val="0"/>
+              </a:spcAft>
+              <a:buNone/>
+            </a:pPr>
+            <a:r>
+              <a:rPr lang="en"/>
+              <a:t>1. P</a:t>
+            </a:r>
+            <a:r>
+              <a:rPr lang="en"/>
+              <a:t>lot the ratio of art accessions from various nationalities across the years or answer and other visualizations from a common collective data source.</a:t>
+            </a:r>
+            <a:endParaRPr/>
+          </a:p>
+          <a:p>
+            <a:pPr indent="0" lvl="0" marL="0" rtl="0" algn="l">
+              <a:spcBef>
+                <a:spcPts val="1200"/>
+              </a:spcBef>
+              <a:spcAft>
+                <a:spcPts val="0"/>
+              </a:spcAft>
+              <a:buNone/>
+            </a:pPr>
+            <a:r>
+              <a:t/>
+            </a:r>
+            <a:endParaRPr/>
+          </a:p>
+          <a:p>
+            <a:pPr indent="0" lvl="0" marL="0" rtl="0" algn="l">
+              <a:spcBef>
+                <a:spcPts val="1200"/>
+              </a:spcBef>
+              <a:spcAft>
+                <a:spcPts val="0"/>
+              </a:spcAft>
+              <a:buNone/>
+            </a:pPr>
+            <a:r>
+              <a:t/>
+            </a:r>
+            <a:endParaRPr/>
+          </a:p>
+          <a:p>
+            <a:pPr indent="0" lvl="0" marL="0" rtl="0" algn="l">
+              <a:spcBef>
+                <a:spcPts val="1200"/>
+              </a:spcBef>
+              <a:spcAft>
+                <a:spcPts val="1200"/>
+              </a:spcAft>
+              <a:buNone/>
+            </a:pPr>
+            <a:r>
+              <a:t/>
+            </a:r>
+            <a:endParaRPr b="1"/>
+          </a:p>
+        </p:txBody>
+      </p:sp>
+      <p:pic>
+        <p:nvPicPr>
+          <p:cNvPr id="159" name="Google Shape;159;p28"/>
+          <p:cNvPicPr preferRelativeResize="0"/>
+          <p:nvPr/>
+        </p:nvPicPr>
+        <p:blipFill>
+          <a:blip r:embed="rId3">
+            <a:alphaModFix/>
+          </a:blip>
+          <a:stretch>
+            <a:fillRect/>
+          </a:stretch>
+        </p:blipFill>
+        <p:spPr>
+          <a:xfrm>
+            <a:off x="773550" y="1984175"/>
+            <a:ext cx="6139599" cy="2897475"/>
+          </a:xfrm>
+          <a:prstGeom prst="rect">
+            <a:avLst/>
+          </a:prstGeom>
+          <a:noFill/>
+          <a:ln>
+            <a:noFill/>
+          </a:ln>
+        </p:spPr>
+      </p:pic>
+      <p:sp>
+        <p:nvSpPr>
+          <p:cNvPr id="160" name="Google Shape;160;p28"/>
+          <p:cNvSpPr txBox="1"/>
+          <p:nvPr/>
+        </p:nvSpPr>
+        <p:spPr>
+          <a:xfrm>
+            <a:off x="3713975" y="3470375"/>
+            <a:ext cx="2220000" cy="703200"/>
+          </a:xfrm>
+          <a:prstGeom prst="rect">
+            <a:avLst/>
+          </a:prstGeom>
+          <a:noFill/>
+          <a:ln>
+            <a:noFill/>
+          </a:ln>
+        </p:spPr>
+        <p:txBody>
+          <a:bodyPr anchorCtr="0" anchor="t" bIns="91425" lIns="91425" spcFirstLastPara="1" rIns="91425" wrap="square" tIns="91425">
+            <a:noAutofit/>
+          </a:bodyPr>
+          <a:lstStyle/>
+          <a:p>
+            <a:pPr indent="0" lvl="0" marL="0" rtl="0" algn="l">
+              <a:spcBef>
+                <a:spcPts val="0"/>
+              </a:spcBef>
+              <a:spcAft>
+                <a:spcPts val="0"/>
+              </a:spcAft>
+              <a:buNone/>
+            </a:pPr>
+            <a:r>
+              <a:rPr lang="en" sz="1800">
+                <a:solidFill>
+                  <a:schemeClr val="dk2"/>
+                </a:solidFill>
+              </a:rPr>
+              <a:t>many </a:t>
+            </a:r>
+            <a:r>
+              <a:rPr lang="en" sz="1800">
+                <a:solidFill>
+                  <a:schemeClr val="dk2"/>
+                </a:solidFill>
+              </a:rPr>
+              <a:t>nationalities</a:t>
+            </a:r>
+            <a:r>
+              <a:rPr lang="en" sz="1800">
+                <a:solidFill>
+                  <a:schemeClr val="dk2"/>
+                </a:solidFill>
+              </a:rPr>
+              <a:t> are nan</a:t>
+            </a:r>
+            <a:endParaRPr sz="1800">
+              <a:solidFill>
+                <a:schemeClr val="dk2"/>
+              </a:solidFill>
+            </a:endParaRPr>
+          </a:p>
+        </p:txBody>
+      </p:sp>
+    </p:spTree>
+  </p:cSld>
+  <p:clrMapOvr>
+    <a:masterClrMapping/>
+  </p:clrMapOvr>
+</p:sld>
+</file>
+
+<file path=ppt/slides/slide17.xml><?xml version="1.0" encoding="utf-8"?>
+<p:sld xmlns:a="http://schemas.openxmlformats.org/drawingml/2006/main" xmlns:r="http://schemas.openxmlformats.org/officeDocument/2006/relationships" xmlns:mc="http://schemas.openxmlformats.org/markup-compatibility/2006" xmlns:mv="urn:schemas-microsoft-com:mac:vml" xmlns:p="http://schemas.openxmlformats.org/presentationml/2006/main" xmlns:c="http://schemas.openxmlformats.org/drawingml/2006/chart" xmlns:dgm="http://schemas.openxmlformats.org/drawingml/2006/diagram" xmlns:o="urn:schemas-microsoft-com:office:office" xmlns:v="urn:schemas-microsoft-com:vml" xmlns:pvml="urn:schemas-microsoft-com:office:powerpoint" xmlns:com="http://schemas.openxmlformats.org/drawingml/2006/compatibility" xmlns:p14="http://schemas.microsoft.com/office/powerpoint/2010/main" xmlns:p15="http://schemas.microsoft.com/office/powerpoint/2012/main" xmlns:ahyp="http://schemas.microsoft.com/office/drawing/2018/hyperlinkcolor">
+  <p:cSld>
+    <p:spTree>
+      <p:nvGrpSpPr>
+        <p:cNvPr id="164" name="Shape 164"/>
+        <p:cNvGrpSpPr/>
+        <p:nvPr/>
+      </p:nvGrpSpPr>
+      <p:grpSpPr>
+        <a:xfrm>
+          <a:off x="0" y="0"/>
+          <a:ext cx="0" cy="0"/>
+          <a:chOff x="0" y="0"/>
+          <a:chExt cx="0" cy="0"/>
+        </a:xfrm>
+      </p:grpSpPr>
+      <p:sp>
+        <p:nvSpPr>
+          <p:cNvPr id="165" name="Google Shape;165;p29"/>
+          <p:cNvSpPr txBox="1"/>
+          <p:nvPr>
+            <p:ph type="title"/>
+          </p:nvPr>
+        </p:nvSpPr>
+        <p:spPr>
+          <a:xfrm>
+            <a:off x="311700" y="445025"/>
+            <a:ext cx="8520600" cy="572700"/>
+          </a:xfrm>
+          <a:prstGeom prst="rect">
+            <a:avLst/>
+          </a:prstGeom>
+        </p:spPr>
+        <p:txBody>
+          <a:bodyPr anchorCtr="0" anchor="t" bIns="91425" lIns="91425" spcFirstLastPara="1" rIns="91425" wrap="square" tIns="91425">
+            <a:normAutofit fontScale="90000"/>
+          </a:bodyPr>
+          <a:lstStyle/>
+          <a:p>
+            <a:pPr indent="0" lvl="0" marL="0" rtl="0" algn="l">
+              <a:spcBef>
+                <a:spcPts val="0"/>
+              </a:spcBef>
+              <a:spcAft>
+                <a:spcPts val="0"/>
+              </a:spcAft>
+              <a:buNone/>
+            </a:pPr>
+            <a:r>
+              <a:rPr lang="en"/>
+              <a:t>Impute Missing Values</a:t>
+            </a:r>
+            <a:endParaRPr/>
+          </a:p>
+        </p:txBody>
+      </p:sp>
+      <p:sp>
+        <p:nvSpPr>
+          <p:cNvPr id="166" name="Google Shape;166;p29"/>
+          <p:cNvSpPr txBox="1"/>
+          <p:nvPr>
+            <p:ph idx="1" type="body"/>
+          </p:nvPr>
+        </p:nvSpPr>
+        <p:spPr>
+          <a:xfrm>
+            <a:off x="311700" y="1152475"/>
+            <a:ext cx="2740500" cy="3297000"/>
+          </a:xfrm>
+          <a:prstGeom prst="rect">
+            <a:avLst/>
+          </a:prstGeom>
+        </p:spPr>
+        <p:txBody>
+          <a:bodyPr anchorCtr="0" anchor="t" bIns="91425" lIns="91425" spcFirstLastPara="1" rIns="91425" wrap="square" tIns="91425">
+            <a:normAutofit fontScale="62500" lnSpcReduction="10000"/>
+          </a:bodyPr>
+          <a:lstStyle/>
+          <a:p>
+            <a:pPr indent="0" lvl="0" marL="0" rtl="0" algn="l">
+              <a:spcBef>
+                <a:spcPts val="0"/>
+              </a:spcBef>
+              <a:spcAft>
+                <a:spcPts val="0"/>
+              </a:spcAft>
+              <a:buNone/>
+            </a:pPr>
+            <a:r>
+              <a:rPr lang="en"/>
+              <a:t>Used </a:t>
+            </a:r>
+            <a:r>
+              <a:rPr lang="en"/>
+              <a:t>multilayer</a:t>
+            </a:r>
+            <a:r>
+              <a:rPr lang="en"/>
+              <a:t> perceptron to </a:t>
+            </a:r>
+            <a:r>
+              <a:rPr lang="en"/>
+              <a:t>impute missing nationality values for nationality and evaluate null information on columns.</a:t>
+            </a:r>
+            <a:endParaRPr/>
+          </a:p>
+          <a:p>
+            <a:pPr indent="0" lvl="0" marL="0" rtl="0" algn="l">
+              <a:spcBef>
+                <a:spcPts val="1200"/>
+              </a:spcBef>
+              <a:spcAft>
+                <a:spcPts val="0"/>
+              </a:spcAft>
+              <a:buClr>
+                <a:schemeClr val="dk1"/>
+              </a:buClr>
+              <a:buSzPct val="104761"/>
+              <a:buFont typeface="Arial"/>
+              <a:buNone/>
+            </a:pPr>
+            <a:r>
+              <a:rPr lang="en" sz="1050">
+                <a:solidFill>
+                  <a:schemeClr val="dk1"/>
+                </a:solidFill>
+                <a:highlight>
+                  <a:srgbClr val="FFFFFF"/>
+                </a:highlight>
+                <a:latin typeface="Courier New"/>
+                <a:ea typeface="Courier New"/>
+                <a:cs typeface="Courier New"/>
+                <a:sym typeface="Courier New"/>
+              </a:rPr>
+              <a:t>{'Object_Number': (0, 0.0), 'Object_ID': (0, 0.0), 'Department': (0, 0.0), 'AccessionYear': (168, 0.004882443546746491), 'Object_Name': (110, 0.0031968380365602024), 'Title': (533, 0.015490133395332617), 'Culture': (29364, 0.8533813827777617), 'Period': (33502, 0.9736406172803627), 'Object_Date': (1373, 0.03990235112906507), 'Object_Begin_Date': (0, 0.0), 'Object_End_Date': (0, 0.0), 'Artist_Display_Name': (0, 0.0), 'FirstName': (0, 0.0), 'LastName': (0, 0.0), 'first': (0, 0.0), 'last': (0, 0.0), 'full_name': (0, 0.0), 'nationality': (0, 0.0), 'birth_year': (530, 0.01540294690342643), 'death_year': (1861, 0.054084687145804874), 'gender': (0, 0.0)}</a:t>
+            </a:r>
+            <a:endParaRPr sz="1050">
+              <a:solidFill>
+                <a:schemeClr val="dk1"/>
+              </a:solidFill>
+              <a:highlight>
+                <a:srgbClr val="FFFFFF"/>
+              </a:highlight>
+              <a:latin typeface="Courier New"/>
+              <a:ea typeface="Courier New"/>
+              <a:cs typeface="Courier New"/>
+              <a:sym typeface="Courier New"/>
+            </a:endParaRPr>
+          </a:p>
+          <a:p>
+            <a:pPr indent="0" lvl="0" marL="0" rtl="0" algn="l">
+              <a:spcBef>
+                <a:spcPts val="1200"/>
+              </a:spcBef>
+              <a:spcAft>
+                <a:spcPts val="0"/>
+              </a:spcAft>
+              <a:buClr>
+                <a:schemeClr val="dk1"/>
+              </a:buClr>
+              <a:buSzPct val="104761"/>
+              <a:buFont typeface="Arial"/>
+              <a:buNone/>
+            </a:pPr>
+            <a:r>
+              <a:t/>
+            </a:r>
+            <a:endParaRPr sz="1050">
+              <a:solidFill>
+                <a:schemeClr val="dk1"/>
+              </a:solidFill>
+              <a:highlight>
+                <a:srgbClr val="FFFFFF"/>
+              </a:highlight>
+              <a:latin typeface="Courier New"/>
+              <a:ea typeface="Courier New"/>
+              <a:cs typeface="Courier New"/>
+              <a:sym typeface="Courier New"/>
+            </a:endParaRPr>
+          </a:p>
+          <a:p>
+            <a:pPr indent="0" lvl="0" marL="0" rtl="0" algn="l">
+              <a:spcBef>
+                <a:spcPts val="1200"/>
+              </a:spcBef>
+              <a:spcAft>
+                <a:spcPts val="1200"/>
+              </a:spcAft>
+              <a:buNone/>
+            </a:pPr>
+            <a:r>
+              <a:t/>
+            </a:r>
+            <a:endParaRPr/>
+          </a:p>
+        </p:txBody>
+      </p:sp>
+      <p:pic>
+        <p:nvPicPr>
+          <p:cNvPr id="167" name="Google Shape;167;p29"/>
+          <p:cNvPicPr preferRelativeResize="0"/>
+          <p:nvPr/>
+        </p:nvPicPr>
+        <p:blipFill>
+          <a:blip r:embed="rId3">
+            <a:alphaModFix/>
+          </a:blip>
+          <a:stretch>
+            <a:fillRect/>
+          </a:stretch>
+        </p:blipFill>
+        <p:spPr>
+          <a:xfrm>
+            <a:off x="3509500" y="1225625"/>
+            <a:ext cx="5516901" cy="2692250"/>
+          </a:xfrm>
+          <a:prstGeom prst="rect">
+            <a:avLst/>
+          </a:prstGeom>
+          <a:noFill/>
+          <a:ln>
+            <a:noFill/>
+          </a:ln>
+        </p:spPr>
+      </p:pic>
+      <p:sp>
+        <p:nvSpPr>
+          <p:cNvPr id="168" name="Google Shape;168;p29"/>
+          <p:cNvSpPr/>
+          <p:nvPr/>
+        </p:nvSpPr>
+        <p:spPr>
+          <a:xfrm>
+            <a:off x="321750" y="3373850"/>
+            <a:ext cx="1254900" cy="138000"/>
+          </a:xfrm>
+          <a:prstGeom prst="rect">
+            <a:avLst/>
+          </a:prstGeom>
+          <a:noFill/>
+          <a:ln cap="flat" cmpd="sng" w="9525">
+            <a:solidFill>
+              <a:srgbClr val="FF0000"/>
+            </a:solidFill>
+            <a:prstDash val="solid"/>
+            <a:round/>
+            <a:headEnd len="sm" w="sm" type="none"/>
+            <a:tailEnd len="sm" w="sm" type="none"/>
+          </a:ln>
+        </p:spPr>
+        <p:txBody>
+          <a:bodyPr anchorCtr="0" anchor="ctr" bIns="91425" lIns="91425" spcFirstLastPara="1" rIns="91425" wrap="square" tIns="91425">
+            <a:noAutofit/>
+          </a:bodyPr>
+          <a:lstStyle/>
+          <a:p>
+            <a:pPr indent="0" lvl="0" marL="0" rtl="0" algn="ctr">
+              <a:spcBef>
+                <a:spcPts val="0"/>
+              </a:spcBef>
+              <a:spcAft>
+                <a:spcPts val="0"/>
+              </a:spcAft>
+              <a:buNone/>
+            </a:pPr>
+            <a:r>
+              <a:t/>
+            </a:r>
+            <a:endParaRPr/>
+          </a:p>
+        </p:txBody>
+      </p:sp>
+    </p:spTree>
+  </p:cSld>
+  <p:clrMapOvr>
+    <a:masterClrMapping/>
+  </p:clrMapOvr>
+</p:sld>
+</file>
+
+<file path=ppt/slides/slide18.xml><?xml version="1.0" encoding="utf-8"?>
+<p:sld xmlns:a="http://schemas.openxmlformats.org/drawingml/2006/main" xmlns:r="http://schemas.openxmlformats.org/officeDocument/2006/relationships" xmlns:mc="http://schemas.openxmlformats.org/markup-compatibility/2006" xmlns:mv="urn:schemas-microsoft-com:mac:vml" xmlns:p="http://schemas.openxmlformats.org/presentationml/2006/main" xmlns:c="http://schemas.openxmlformats.org/drawingml/2006/chart" xmlns:dgm="http://schemas.openxmlformats.org/drawingml/2006/diagram" xmlns:o="urn:schemas-microsoft-com:office:office" xmlns:v="urn:schemas-microsoft-com:vml" xmlns:pvml="urn:schemas-microsoft-com:office:powerpoint" xmlns:com="http://schemas.openxmlformats.org/drawingml/2006/compatibility" xmlns:p14="http://schemas.microsoft.com/office/powerpoint/2010/main" xmlns:p15="http://schemas.microsoft.com/office/powerpoint/2012/main" xmlns:ahyp="http://schemas.microsoft.com/office/drawing/2018/hyperlinkcolor">
+  <p:cSld>
+    <p:spTree>
+      <p:nvGrpSpPr>
+        <p:cNvPr id="172" name="Shape 172"/>
+        <p:cNvGrpSpPr/>
+        <p:nvPr/>
+      </p:nvGrpSpPr>
+      <p:grpSpPr>
+        <a:xfrm>
+          <a:off x="0" y="0"/>
+          <a:ext cx="0" cy="0"/>
+          <a:chOff x="0" y="0"/>
+          <a:chExt cx="0" cy="0"/>
+        </a:xfrm>
+      </p:grpSpPr>
+      <p:sp>
+        <p:nvSpPr>
+          <p:cNvPr id="173" name="Google Shape;173;p30"/>
+          <p:cNvSpPr txBox="1"/>
+          <p:nvPr>
+            <p:ph type="title"/>
+          </p:nvPr>
+        </p:nvSpPr>
+        <p:spPr>
+          <a:xfrm>
+            <a:off x="311700" y="445025"/>
+            <a:ext cx="8520600" cy="572700"/>
+          </a:xfrm>
+          <a:prstGeom prst="rect">
+            <a:avLst/>
+          </a:prstGeom>
+        </p:spPr>
+        <p:txBody>
+          <a:bodyPr anchorCtr="0" anchor="t" bIns="91425" lIns="91425" spcFirstLastPara="1" rIns="91425" wrap="square" tIns="91425">
+            <a:normAutofit fontScale="90000"/>
+          </a:bodyPr>
+          <a:lstStyle/>
+          <a:p>
+            <a:pPr indent="0" lvl="0" marL="0" rtl="0" algn="l">
+              <a:spcBef>
+                <a:spcPts val="0"/>
+              </a:spcBef>
+              <a:spcAft>
+                <a:spcPts val="0"/>
+              </a:spcAft>
+              <a:buNone/>
+            </a:pPr>
+            <a:r>
+              <a:rPr lang="en"/>
+              <a:t>Data Curation Overview</a:t>
+            </a:r>
+            <a:endParaRPr/>
+          </a:p>
+        </p:txBody>
+      </p:sp>
+      <p:sp>
+        <p:nvSpPr>
+          <p:cNvPr id="174" name="Google Shape;174;p30"/>
+          <p:cNvSpPr txBox="1"/>
+          <p:nvPr>
+            <p:ph idx="1" type="body"/>
+          </p:nvPr>
+        </p:nvSpPr>
+        <p:spPr>
+          <a:xfrm>
+            <a:off x="311700" y="1095775"/>
+            <a:ext cx="8520600" cy="3416400"/>
+          </a:xfrm>
+          <a:prstGeom prst="rect">
+            <a:avLst/>
+          </a:prstGeom>
+        </p:spPr>
+        <p:txBody>
+          <a:bodyPr anchorCtr="0" anchor="t" bIns="91425" lIns="91425" spcFirstLastPara="1" rIns="91425" wrap="square" tIns="91425">
+            <a:normAutofit lnSpcReduction="10000"/>
+          </a:bodyPr>
+          <a:lstStyle/>
+          <a:p>
+            <a:pPr indent="0" lvl="0" marL="0" rtl="0" algn="l">
+              <a:spcBef>
+                <a:spcPts val="0"/>
+              </a:spcBef>
+              <a:spcAft>
+                <a:spcPts val="0"/>
+              </a:spcAft>
+              <a:buNone/>
+            </a:pPr>
+            <a:r>
+              <a:rPr lang="en"/>
+              <a:t>1. Schema Matching: create a common schema that matches across the various sources to answer queries across the various data sets.</a:t>
+            </a:r>
+            <a:endParaRPr/>
+          </a:p>
+          <a:p>
+            <a:pPr indent="457200" lvl="0" marL="1371600" rtl="0" algn="l">
+              <a:spcBef>
+                <a:spcPts val="1200"/>
+              </a:spcBef>
+              <a:spcAft>
+                <a:spcPts val="0"/>
+              </a:spcAft>
+              <a:buNone/>
+            </a:pPr>
+            <a:r>
+              <a:rPr lang="en"/>
+              <a:t>Q(Name, birth year, death year, nationality)</a:t>
+            </a:r>
+            <a:endParaRPr/>
+          </a:p>
+          <a:p>
+            <a:pPr indent="0" lvl="0" marL="0" rtl="0" algn="l">
+              <a:spcBef>
+                <a:spcPts val="1200"/>
+              </a:spcBef>
+              <a:spcAft>
+                <a:spcPts val="0"/>
+              </a:spcAft>
+              <a:buNone/>
+            </a:pPr>
+            <a:r>
+              <a:rPr lang="en"/>
+              <a:t>2. Aggregate the data such that a single artist id is generated for all the unique artists by matching ULAN identifiers and matching first name last name by using fuzzy matcher.</a:t>
+            </a:r>
+            <a:endParaRPr/>
+          </a:p>
+          <a:p>
+            <a:pPr indent="0" lvl="0" marL="0" rtl="0" algn="l">
+              <a:spcBef>
+                <a:spcPts val="1200"/>
+              </a:spcBef>
+              <a:spcAft>
+                <a:spcPts val="1200"/>
+              </a:spcAft>
+              <a:buNone/>
+            </a:pPr>
+            <a:r>
+              <a:rPr lang="en"/>
+              <a:t>3. </a:t>
+            </a:r>
+            <a:r>
+              <a:rPr lang="en"/>
+              <a:t>Archives may have been duplicated and the information about certain artists and their nationality, ethnicity could be differing, so majority voting aggregation of such records after identifying copies by using edit distance , Jaccard distance. </a:t>
+            </a:r>
+            <a:endParaRPr/>
+          </a:p>
+        </p:txBody>
+      </p:sp>
+    </p:spTree>
+  </p:cSld>
+  <p:clrMapOvr>
+    <a:masterClrMapping/>
+  </p:clrMapOvr>
+</p:sld>
+</file>
+
+<file path=ppt/slides/slide19.xml><?xml version="1.0" encoding="utf-8"?>
+<p:sld xmlns:a="http://schemas.openxmlformats.org/drawingml/2006/main" xmlns:r="http://schemas.openxmlformats.org/officeDocument/2006/relationships" xmlns:mc="http://schemas.openxmlformats.org/markup-compatibility/2006" xmlns:mv="urn:schemas-microsoft-com:mac:vml" xmlns:p="http://schemas.openxmlformats.org/presentationml/2006/main" xmlns:c="http://schemas.openxmlformats.org/drawingml/2006/chart" xmlns:dgm="http://schemas.openxmlformats.org/drawingml/2006/diagram" xmlns:o="urn:schemas-microsoft-com:office:office" xmlns:v="urn:schemas-microsoft-com:vml" xmlns:pvml="urn:schemas-microsoft-com:office:powerpoint" xmlns:com="http://schemas.openxmlformats.org/drawingml/2006/compatibility" xmlns:p14="http://schemas.microsoft.com/office/powerpoint/2010/main" xmlns:p15="http://schemas.microsoft.com/office/powerpoint/2012/main" xmlns:ahyp="http://schemas.microsoft.com/office/drawing/2018/hyperlinkcolor">
+  <p:cSld>
+    <p:spTree>
+      <p:nvGrpSpPr>
+        <p:cNvPr id="178" name="Shape 178"/>
+        <p:cNvGrpSpPr/>
+        <p:nvPr/>
+      </p:nvGrpSpPr>
+      <p:grpSpPr>
+        <a:xfrm>
+          <a:off x="0" y="0"/>
+          <a:ext cx="0" cy="0"/>
+          <a:chOff x="0" y="0"/>
+          <a:chExt cx="0" cy="0"/>
+        </a:xfrm>
+      </p:grpSpPr>
+      <p:sp>
+        <p:nvSpPr>
+          <p:cNvPr id="179" name="Google Shape;179;p31"/>
+          <p:cNvSpPr txBox="1"/>
+          <p:nvPr>
+            <p:ph type="title"/>
+          </p:nvPr>
+        </p:nvSpPr>
+        <p:spPr>
+          <a:xfrm>
+            <a:off x="311700" y="445025"/>
+            <a:ext cx="8520600" cy="572700"/>
+          </a:xfrm>
+          <a:prstGeom prst="rect">
+            <a:avLst/>
+          </a:prstGeom>
+        </p:spPr>
+        <p:txBody>
+          <a:bodyPr anchorCtr="0" anchor="t" bIns="91425" lIns="91425" spcFirstLastPara="1" rIns="91425" wrap="square" tIns="91425">
+            <a:normAutofit fontScale="90000"/>
+          </a:bodyPr>
+          <a:lstStyle/>
+          <a:p>
+            <a:pPr indent="0" lvl="0" marL="0" rtl="0" algn="l">
+              <a:spcBef>
+                <a:spcPts val="0"/>
+              </a:spcBef>
+              <a:spcAft>
+                <a:spcPts val="0"/>
+              </a:spcAft>
+              <a:buNone/>
+            </a:pPr>
+            <a:r>
+              <a:rPr lang="en"/>
+              <a:t>Future Work	</a:t>
+            </a:r>
+            <a:endParaRPr/>
+          </a:p>
+        </p:txBody>
+      </p:sp>
+      <p:sp>
+        <p:nvSpPr>
+          <p:cNvPr id="180" name="Google Shape;180;p31"/>
+          <p:cNvSpPr txBox="1"/>
+          <p:nvPr>
+            <p:ph idx="1" type="body"/>
+          </p:nvPr>
+        </p:nvSpPr>
+        <p:spPr>
+          <a:xfrm>
+            <a:off x="311700" y="1152475"/>
+            <a:ext cx="8520600" cy="3416400"/>
+          </a:xfrm>
+          <a:prstGeom prst="rect">
+            <a:avLst/>
+          </a:prstGeom>
+        </p:spPr>
+        <p:txBody>
+          <a:bodyPr anchorCtr="0" anchor="t" bIns="91425" lIns="91425" spcFirstLastPara="1" rIns="91425" wrap="square" tIns="91425">
+            <a:normAutofit/>
+          </a:bodyPr>
+          <a:lstStyle/>
+          <a:p>
+            <a:pPr indent="-342900" lvl="0" marL="457200" rtl="0" algn="l">
+              <a:spcBef>
+                <a:spcPts val="0"/>
+              </a:spcBef>
+              <a:spcAft>
+                <a:spcPts val="0"/>
+              </a:spcAft>
+              <a:buSzPts val="1800"/>
+              <a:buChar char="●"/>
+            </a:pPr>
+            <a:r>
+              <a:rPr lang="en"/>
+              <a:t>Identify denial constraints, FDs,regression models that can predict for some anonymous art work who could have been the artist!</a:t>
+            </a:r>
+            <a:endParaRPr/>
+          </a:p>
+          <a:p>
+            <a:pPr indent="-342900" lvl="0" marL="457200" rtl="0" algn="l">
+              <a:spcBef>
+                <a:spcPts val="0"/>
+              </a:spcBef>
+              <a:spcAft>
+                <a:spcPts val="0"/>
+              </a:spcAft>
+              <a:buSzPts val="1800"/>
+              <a:buChar char="●"/>
+            </a:pPr>
+            <a:r>
+              <a:rPr lang="en"/>
+              <a:t>Using  unsupervised learning algorithms such Latent Dirichlet Allocation to automatically fill missing value, K - means clustering algorithm and re-run analysis experiments.</a:t>
+            </a:r>
+            <a:endParaRPr/>
+          </a:p>
+          <a:p>
+            <a:pPr indent="-342900" lvl="0" marL="457200" rtl="0" algn="l">
+              <a:spcBef>
+                <a:spcPts val="0"/>
+              </a:spcBef>
+              <a:spcAft>
+                <a:spcPts val="0"/>
+              </a:spcAft>
+              <a:buSzPts val="1800"/>
+              <a:buChar char="●"/>
+            </a:pPr>
+            <a:r>
+              <a:rPr lang="en"/>
+              <a:t>Imputation of missing values was done by multilayer perceptron which is non-interpretable . So counterfactuals and rules could be identified which could explain why a nationality was selected by the black-box classifier.</a:t>
+            </a:r>
+            <a:endParaRPr/>
+          </a:p>
+        </p:txBody>
+      </p:sp>
+    </p:spTree>
+  </p:cSld>
+  <p:clrMapOvr>
+    <a:masterClrMapping/>
+  </p:clrMapOvr>
+</p:sld>
+</file>
+
 <file path=ppt/slides/slide2.xml><?xml version="1.0" encoding="utf-8"?>
 <p:sld xmlns:a="http://schemas.openxmlformats.org/drawingml/2006/main" xmlns:r="http://schemas.openxmlformats.org/officeDocument/2006/relationships" xmlns:mc="http://schemas.openxmlformats.org/markup-compatibility/2006" xmlns:mv="urn:schemas-microsoft-com:mac:vml" xmlns:p="http://schemas.openxmlformats.org/presentationml/2006/main" xmlns:c="http://schemas.openxmlformats.org/drawingml/2006/chart" xmlns:dgm="http://schemas.openxmlformats.org/drawingml/2006/diagram" xmlns:o="urn:schemas-microsoft-com:office:office" xmlns:v="urn:schemas-microsoft-com:vml" xmlns:pvml="urn:schemas-microsoft-com:office:powerpoint" xmlns:com="http://schemas.openxmlformats.org/drawingml/2006/compatibility" xmlns:p14="http://schemas.microsoft.com/office/powerpoint/2010/main" xmlns:p15="http://schemas.microsoft.com/office/powerpoint/2012/main" xmlns:ahyp="http://schemas.microsoft.com/office/drawing/2018/hyperlinkcolor">
   <p:cSld>
@@ -6520,6 +9198,155 @@
             <a:r>
               <a:rPr lang="en"/>
               <a:t>3.   However, The Data is not Curator approved!</a:t>
+            </a:r>
+            <a:endParaRPr/>
+          </a:p>
+        </p:txBody>
+      </p:sp>
+    </p:spTree>
+  </p:cSld>
+  <p:clrMapOvr>
+    <a:masterClrMapping/>
+  </p:clrMapOvr>
+</p:sld>
+</file>
+
+<file path=ppt/slides/slide20.xml><?xml version="1.0" encoding="utf-8"?>
+<p:sld xmlns:a="http://schemas.openxmlformats.org/drawingml/2006/main" xmlns:r="http://schemas.openxmlformats.org/officeDocument/2006/relationships" xmlns:mc="http://schemas.openxmlformats.org/markup-compatibility/2006" xmlns:mv="urn:schemas-microsoft-com:mac:vml" xmlns:p="http://schemas.openxmlformats.org/presentationml/2006/main" xmlns:c="http://schemas.openxmlformats.org/drawingml/2006/chart" xmlns:dgm="http://schemas.openxmlformats.org/drawingml/2006/diagram" xmlns:o="urn:schemas-microsoft-com:office:office" xmlns:v="urn:schemas-microsoft-com:vml" xmlns:pvml="urn:schemas-microsoft-com:office:powerpoint" xmlns:com="http://schemas.openxmlformats.org/drawingml/2006/compatibility" xmlns:p14="http://schemas.microsoft.com/office/powerpoint/2010/main" xmlns:p15="http://schemas.microsoft.com/office/powerpoint/2012/main" xmlns:ahyp="http://schemas.microsoft.com/office/drawing/2018/hyperlinkcolor">
+  <p:cSld>
+    <p:spTree>
+      <p:nvGrpSpPr>
+        <p:cNvPr id="184" name="Shape 184"/>
+        <p:cNvGrpSpPr/>
+        <p:nvPr/>
+      </p:nvGrpSpPr>
+      <p:grpSpPr>
+        <a:xfrm>
+          <a:off x="0" y="0"/>
+          <a:ext cx="0" cy="0"/>
+          <a:chOff x="0" y="0"/>
+          <a:chExt cx="0" cy="0"/>
+        </a:xfrm>
+      </p:grpSpPr>
+      <p:sp>
+        <p:nvSpPr>
+          <p:cNvPr id="185" name="Google Shape;185;p32"/>
+          <p:cNvSpPr txBox="1"/>
+          <p:nvPr>
+            <p:ph type="title"/>
+          </p:nvPr>
+        </p:nvSpPr>
+        <p:spPr>
+          <a:xfrm>
+            <a:off x="311700" y="445025"/>
+            <a:ext cx="8520600" cy="572700"/>
+          </a:xfrm>
+          <a:prstGeom prst="rect">
+            <a:avLst/>
+          </a:prstGeom>
+        </p:spPr>
+        <p:txBody>
+          <a:bodyPr anchorCtr="0" anchor="t" bIns="91425" lIns="91425" spcFirstLastPara="1" rIns="91425" wrap="square" tIns="91425">
+            <a:normAutofit fontScale="90000"/>
+          </a:bodyPr>
+          <a:lstStyle/>
+          <a:p>
+            <a:pPr indent="0" lvl="0" marL="0" rtl="0" algn="l">
+              <a:spcBef>
+                <a:spcPts val="0"/>
+              </a:spcBef>
+              <a:spcAft>
+                <a:spcPts val="0"/>
+              </a:spcAft>
+              <a:buNone/>
+            </a:pPr>
+            <a:r>
+              <a:rPr lang="en"/>
+              <a:t>Citations</a:t>
+            </a:r>
+            <a:endParaRPr/>
+          </a:p>
+        </p:txBody>
+      </p:sp>
+      <p:sp>
+        <p:nvSpPr>
+          <p:cNvPr id="186" name="Google Shape;186;p32"/>
+          <p:cNvSpPr txBox="1"/>
+          <p:nvPr>
+            <p:ph idx="1" type="body"/>
+          </p:nvPr>
+        </p:nvSpPr>
+        <p:spPr>
+          <a:xfrm>
+            <a:off x="311700" y="1152475"/>
+            <a:ext cx="8520600" cy="3416400"/>
+          </a:xfrm>
+          <a:prstGeom prst="rect">
+            <a:avLst/>
+          </a:prstGeom>
+        </p:spPr>
+        <p:txBody>
+          <a:bodyPr anchorCtr="0" anchor="t" bIns="91425" lIns="91425" spcFirstLastPara="1" rIns="91425" wrap="square" tIns="91425">
+            <a:normAutofit/>
+          </a:bodyPr>
+          <a:lstStyle/>
+          <a:p>
+            <a:pPr indent="0" lvl="0" marL="0" rtl="0" algn="l">
+              <a:spcBef>
+                <a:spcPts val="0"/>
+              </a:spcBef>
+              <a:spcAft>
+                <a:spcPts val="0"/>
+              </a:spcAft>
+              <a:buNone/>
+            </a:pPr>
+            <a:r>
+              <a:rPr lang="en" u="sng">
+                <a:solidFill>
+                  <a:schemeClr val="hlink"/>
+                </a:solidFill>
+                <a:hlinkClick r:id="rId3"/>
+              </a:rPr>
+              <a:t>https://github.com/IITTeaching/cs520-f23-group-23/blob/main/main-520-project/data%20curation%20project.txt</a:t>
+            </a:r>
+            <a:endParaRPr/>
+          </a:p>
+          <a:p>
+            <a:pPr indent="0" lvl="0" marL="0" rtl="0" algn="l">
+              <a:spcBef>
+                <a:spcPts val="1200"/>
+              </a:spcBef>
+              <a:spcAft>
+                <a:spcPts val="0"/>
+              </a:spcAft>
+              <a:buNone/>
+            </a:pPr>
+            <a:r>
+              <a:t/>
+            </a:r>
+            <a:endParaRPr/>
+          </a:p>
+          <a:p>
+            <a:pPr indent="0" lvl="0" marL="0" rtl="0" algn="l">
+              <a:spcBef>
+                <a:spcPts val="1200"/>
+              </a:spcBef>
+              <a:spcAft>
+                <a:spcPts val="1200"/>
+              </a:spcAft>
+              <a:buNone/>
+            </a:pPr>
+            <a:r>
+              <a:rPr lang="en"/>
+              <a:t>We base our work on the data released by these museums. These were chosen because they endorse the CC0 license, </a:t>
+            </a:r>
+            <a:r>
+              <a:rPr lang="en"/>
+              <a:t>allowing a free and unrestricted use of the data.</a:t>
+            </a:r>
+            <a:r>
+              <a:rPr lang="en"/>
+              <a:t> </a:t>
             </a:r>
             <a:endParaRPr/>
           </a:p>
@@ -6584,7 +9411,15 @@
             </a:pPr>
             <a:r>
               <a:rPr lang="en"/>
-              <a:t>Data Curation</a:t>
+              <a:t>Data Format (</a:t>
+            </a:r>
+            <a:r>
+              <a:rPr lang="en"/>
+              <a:t>CSV to DataFrames</a:t>
+            </a:r>
+            <a:r>
+              <a:rPr lang="en"/>
+              <a:t>)</a:t>
             </a:r>
             <a:endParaRPr/>
           </a:p>
@@ -6600,8 +9435,8 @@
         </p:nvSpPr>
         <p:spPr>
           <a:xfrm>
-            <a:off x="311700" y="1109950"/>
-            <a:ext cx="8520600" cy="3416400"/>
+            <a:off x="311700" y="860050"/>
+            <a:ext cx="8520600" cy="3708900"/>
           </a:xfrm>
           <a:prstGeom prst="rect">
             <a:avLst/>
@@ -6609,111 +9444,313 @@
         </p:spPr>
         <p:txBody>
           <a:bodyPr anchorCtr="0" anchor="t" bIns="91425" lIns="91425" spcFirstLastPara="1" rIns="91425" wrap="square" tIns="91425">
-            <a:normAutofit/>
+            <a:normAutofit fontScale="85000" lnSpcReduction="20000"/>
           </a:bodyPr>
           <a:lstStyle/>
           <a:p>
-            <a:pPr indent="-342900" lvl="0" marL="457200" rtl="0" algn="l">
-              <a:spcBef>
-                <a:spcPts val="0"/>
-              </a:spcBef>
-              <a:spcAft>
-                <a:spcPts val="0"/>
-              </a:spcAft>
-              <a:buSzPts val="1800"/>
-              <a:buAutoNum type="arabicPeriod"/>
-            </a:pPr>
-            <a:r>
-              <a:rPr lang="en"/>
-              <a:t>Curation at Scale is a challenge with such a large scale and so many records</a:t>
-            </a:r>
-            <a:endParaRPr/>
-          </a:p>
-          <a:p>
-            <a:pPr indent="-342900" lvl="0" marL="457200" rtl="0" algn="l">
-              <a:spcBef>
-                <a:spcPts val="0"/>
-              </a:spcBef>
-              <a:spcAft>
-                <a:spcPts val="0"/>
-              </a:spcAft>
-              <a:buSzPts val="1800"/>
-              <a:buAutoNum type="arabicPeriod"/>
-            </a:pPr>
-            <a:r>
-              <a:rPr lang="en"/>
-              <a:t>Incentivizing the Museums that to share their records publicly.</a:t>
-            </a:r>
-            <a:endParaRPr/>
-          </a:p>
-          <a:p>
-            <a:pPr indent="-342900" lvl="0" marL="457200" rtl="0" algn="l">
-              <a:spcBef>
-                <a:spcPts val="0"/>
-              </a:spcBef>
-              <a:spcAft>
-                <a:spcPts val="0"/>
-              </a:spcAft>
-              <a:buSzPts val="1800"/>
-              <a:buAutoNum type="arabicPeriod"/>
-            </a:pPr>
-            <a:r>
-              <a:rPr lang="en"/>
-              <a:t>Data Quality and Validation of Data along with missing information. </a:t>
-            </a:r>
-            <a:endParaRPr/>
-          </a:p>
-          <a:p>
-            <a:pPr indent="-342900" lvl="0" marL="457200" rtl="0" algn="l">
-              <a:spcBef>
-                <a:spcPts val="0"/>
-              </a:spcBef>
-              <a:spcAft>
-                <a:spcPts val="0"/>
-              </a:spcAft>
-              <a:buSzPts val="1800"/>
-              <a:buAutoNum type="arabicPeriod"/>
-            </a:pPr>
-            <a:r>
-              <a:rPr lang="en"/>
-              <a:t>Trust and Provenance of the data.</a:t>
-            </a:r>
-            <a:endParaRPr/>
-          </a:p>
-          <a:p>
-            <a:pPr indent="-342900" lvl="0" marL="457200" rtl="0" algn="l">
-              <a:spcBef>
-                <a:spcPts val="0"/>
-              </a:spcBef>
-              <a:spcAft>
-                <a:spcPts val="0"/>
-              </a:spcAft>
-              <a:buSzPts val="1800"/>
-              <a:buAutoNum type="arabicPeriod"/>
-            </a:pPr>
-            <a:r>
-              <a:rPr lang="en"/>
-              <a:t>Schema Matching and Query Containment on mediated schema</a:t>
-            </a:r>
-            <a:endParaRPr/>
-          </a:p>
-          <a:p>
-            <a:pPr indent="0" lvl="0" marL="457200" rtl="0" algn="l">
+            <a:pPr indent="0" lvl="0" marL="0" rtl="0" algn="l">
+              <a:spcBef>
+                <a:spcPts val="0"/>
+              </a:spcBef>
+              <a:spcAft>
+                <a:spcPts val="0"/>
+              </a:spcAft>
+              <a:buNone/>
+            </a:pPr>
+            <a:r>
+              <a:rPr lang="en" sz="1200">
+                <a:solidFill>
+                  <a:srgbClr val="0E1116"/>
+                </a:solidFill>
+                <a:highlight>
+                  <a:srgbClr val="FFFFFF"/>
+                </a:highlight>
+              </a:rPr>
+              <a:t>It includes basic metadata for each artist  including name, nationality, gender, birth year, death year, Wiki QID, and Getty ULAN ID.</a:t>
+            </a:r>
+            <a:endParaRPr sz="1200">
+              <a:solidFill>
+                <a:srgbClr val="0E1116"/>
+              </a:solidFill>
+              <a:highlight>
+                <a:srgbClr val="FFFFFF"/>
+              </a:highlight>
+            </a:endParaRPr>
+          </a:p>
+          <a:p>
+            <a:pPr indent="0" lvl="0" marL="0" rtl="0" algn="l">
               <a:spcBef>
                 <a:spcPts val="1200"/>
               </a:spcBef>
               <a:spcAft>
+                <a:spcPts val="0"/>
+              </a:spcAft>
+              <a:buNone/>
+            </a:pPr>
+            <a:r>
+              <a:rPr b="1" lang="en" sz="1200">
+                <a:solidFill>
+                  <a:srgbClr val="0E1116"/>
+                </a:solidFill>
+                <a:highlight>
+                  <a:srgbClr val="FFFFFF"/>
+                </a:highlight>
+              </a:rPr>
+              <a:t>Header:</a:t>
+            </a:r>
+            <a:endParaRPr b="1" sz="1200">
+              <a:solidFill>
+                <a:srgbClr val="0E1116"/>
+              </a:solidFill>
+              <a:highlight>
+                <a:srgbClr val="FFFFFF"/>
+              </a:highlight>
+            </a:endParaRPr>
+          </a:p>
+          <a:p>
+            <a:pPr indent="0" lvl="0" marL="0" rtl="0" algn="l">
+              <a:spcBef>
                 <a:spcPts val="1200"/>
+              </a:spcBef>
+              <a:spcAft>
+                <a:spcPts val="0"/>
+              </a:spcAft>
+              <a:buNone/>
+            </a:pPr>
+            <a:r>
+              <a:rPr lang="en" sz="1050">
+                <a:solidFill>
+                  <a:schemeClr val="dk1"/>
+                </a:solidFill>
+                <a:highlight>
+                  <a:srgbClr val="F3F3F3"/>
+                </a:highlight>
+                <a:latin typeface="Courier New"/>
+                <a:ea typeface="Courier New"/>
+                <a:cs typeface="Courier New"/>
+                <a:sym typeface="Courier New"/>
+              </a:rPr>
+              <a:t>title,creation_date,creation_date_earliest,creation_date_latest,medium,accession_number,id,credit_line,date_acquired,department,physical_location,item_width,item_height,item_depth,item_diameter,web_url,provenance_text,classification,image_url,artist_id,party_type,full_name,cited_name,role,nationality,birth_date,death_date,birth_place,death_place\n</a:t>
+            </a:r>
+            <a:endParaRPr sz="1050">
+              <a:solidFill>
+                <a:schemeClr val="dk1"/>
+              </a:solidFill>
+              <a:highlight>
+                <a:srgbClr val="F3F3F3"/>
+              </a:highlight>
+              <a:latin typeface="Courier New"/>
+              <a:ea typeface="Courier New"/>
+              <a:cs typeface="Courier New"/>
+              <a:sym typeface="Courier New"/>
+            </a:endParaRPr>
+          </a:p>
+          <a:p>
+            <a:pPr indent="0" lvl="0" marL="0" rtl="0" algn="l">
+              <a:spcBef>
+                <a:spcPts val="1200"/>
+              </a:spcBef>
+              <a:spcAft>
+                <a:spcPts val="0"/>
               </a:spcAft>
               <a:buNone/>
             </a:pPr>
             <a:r>
               <a:t/>
             </a:r>
-            <a:endParaRPr/>
+            <a:endParaRPr sz="1050">
+              <a:solidFill>
+                <a:schemeClr val="dk1"/>
+              </a:solidFill>
+              <a:highlight>
+                <a:srgbClr val="F3F3F3"/>
+              </a:highlight>
+              <a:latin typeface="Courier New"/>
+              <a:ea typeface="Courier New"/>
+              <a:cs typeface="Courier New"/>
+              <a:sym typeface="Courier New"/>
+            </a:endParaRPr>
+          </a:p>
+          <a:p>
+            <a:pPr indent="0" lvl="0" marL="0" rtl="0" algn="l">
+              <a:spcBef>
+                <a:spcPts val="1200"/>
+              </a:spcBef>
+              <a:spcAft>
+                <a:spcPts val="0"/>
+              </a:spcAft>
+              <a:buClr>
+                <a:schemeClr val="dk1"/>
+              </a:buClr>
+              <a:buSzPct val="104761"/>
+              <a:buFont typeface="Arial"/>
+              <a:buNone/>
+            </a:pPr>
+            <a:r>
+              <a:rPr lang="en" sz="1050">
+                <a:solidFill>
+                  <a:srgbClr val="000000"/>
+                </a:solidFill>
+                <a:highlight>
+                  <a:srgbClr val="F3F3F3"/>
+                </a:highlight>
+                <a:latin typeface="Courier New"/>
+                <a:ea typeface="Courier New"/>
+                <a:cs typeface="Courier New"/>
+                <a:sym typeface="Courier New"/>
+              </a:rPr>
+              <a:t>1979.486.1,False,False,False,1,,The American Wing,1979,Coin,One-dollar Liberty Head Coin,,,,,,16429,Maker," ",James Barton Longacre,"American, Delaware County, Pennsylvania 1794–1869 Philadelphia, Pennsylvania"," ","Longacre, James Barton",American,1794      ,1869      ,,http://vocab.getty.edu/page/ulan/500011409,https://www.wikidata.org/wiki/Q3806459,1853,1853,1853,Gold,Dimensions unavailable,"Gift of Heinz L. Stoppelmann, 1979",,,,,,,,,,,,,,http://www.metmuseum.org/art/collection/search/1,,,"Metropolitan Museum of Art, New York, NY",,,</a:t>
+            </a:r>
+            <a:endParaRPr sz="1050">
+              <a:solidFill>
+                <a:srgbClr val="000000"/>
+              </a:solidFill>
+              <a:highlight>
+                <a:srgbClr val="F3F3F3"/>
+              </a:highlight>
+              <a:latin typeface="Courier New"/>
+              <a:ea typeface="Courier New"/>
+              <a:cs typeface="Courier New"/>
+              <a:sym typeface="Courier New"/>
+            </a:endParaRPr>
+          </a:p>
+          <a:p>
+            <a:pPr indent="0" lvl="0" marL="0" rtl="0" algn="l">
+              <a:spcBef>
+                <a:spcPts val="1200"/>
+              </a:spcBef>
+              <a:spcAft>
+                <a:spcPts val="0"/>
+              </a:spcAft>
+              <a:buClr>
+                <a:schemeClr val="dk1"/>
+              </a:buClr>
+              <a:buSzPct val="104761"/>
+              <a:buFont typeface="Arial"/>
+              <a:buNone/>
+            </a:pPr>
+            <a:r>
+              <a:t/>
+            </a:r>
+            <a:endParaRPr sz="1050">
+              <a:solidFill>
+                <a:srgbClr val="D5D5D5"/>
+              </a:solidFill>
+              <a:highlight>
+                <a:srgbClr val="383838"/>
+              </a:highlight>
+              <a:latin typeface="Courier New"/>
+              <a:ea typeface="Courier New"/>
+              <a:cs typeface="Courier New"/>
+              <a:sym typeface="Courier New"/>
+            </a:endParaRPr>
+          </a:p>
+          <a:p>
+            <a:pPr indent="0" lvl="0" marL="0" rtl="0" algn="l">
+              <a:spcBef>
+                <a:spcPts val="1200"/>
+              </a:spcBef>
+              <a:spcAft>
+                <a:spcPts val="0"/>
+              </a:spcAft>
+              <a:buNone/>
+            </a:pPr>
+            <a:r>
+              <a:t/>
+            </a:r>
+            <a:endParaRPr sz="1050">
+              <a:solidFill>
+                <a:srgbClr val="D5D5D5"/>
+              </a:solidFill>
+              <a:highlight>
+                <a:srgbClr val="383838"/>
+              </a:highlight>
+              <a:latin typeface="Courier New"/>
+              <a:ea typeface="Courier New"/>
+              <a:cs typeface="Courier New"/>
+              <a:sym typeface="Courier New"/>
+            </a:endParaRPr>
+          </a:p>
+          <a:p>
+            <a:pPr indent="0" lvl="0" marL="0" rtl="0" algn="l">
+              <a:spcBef>
+                <a:spcPts val="1200"/>
+              </a:spcBef>
+              <a:spcAft>
+                <a:spcPts val="0"/>
+              </a:spcAft>
+              <a:buNone/>
+            </a:pPr>
+            <a:r>
+              <a:t/>
+            </a:r>
+            <a:endParaRPr sz="1050">
+              <a:solidFill>
+                <a:srgbClr val="D5D5D5"/>
+              </a:solidFill>
+              <a:highlight>
+                <a:srgbClr val="383838"/>
+              </a:highlight>
+              <a:latin typeface="Courier New"/>
+              <a:ea typeface="Courier New"/>
+              <a:cs typeface="Courier New"/>
+              <a:sym typeface="Courier New"/>
+            </a:endParaRPr>
+          </a:p>
+          <a:p>
+            <a:pPr indent="0" lvl="0" marL="0" rtl="0" algn="l">
+              <a:spcBef>
+                <a:spcPts val="1200"/>
+              </a:spcBef>
+              <a:spcAft>
+                <a:spcPts val="1200"/>
+              </a:spcAft>
+              <a:buNone/>
+            </a:pPr>
+            <a:r>
+              <a:t/>
+            </a:r>
+            <a:endParaRPr sz="1050">
+              <a:solidFill>
+                <a:srgbClr val="D5D5D5"/>
+              </a:solidFill>
+              <a:highlight>
+                <a:srgbClr val="383838"/>
+              </a:highlight>
+              <a:latin typeface="Courier New"/>
+              <a:ea typeface="Courier New"/>
+              <a:cs typeface="Courier New"/>
+              <a:sym typeface="Courier New"/>
+            </a:endParaRPr>
           </a:p>
         </p:txBody>
       </p:sp>
+      <p:cxnSp>
+        <p:nvCxnSpPr>
+          <p:cNvPr id="68" name="Google Shape;68;p15"/>
+          <p:cNvCxnSpPr/>
+          <p:nvPr/>
+        </p:nvCxnSpPr>
+        <p:spPr>
+          <a:xfrm flipH="1" rot="10800000">
+            <a:off x="311700" y="2132750"/>
+            <a:ext cx="7942800" cy="55200"/>
+          </a:xfrm>
+          <a:prstGeom prst="straightConnector1">
+            <a:avLst/>
+          </a:prstGeom>
+          <a:noFill/>
+          <a:ln cap="flat" cmpd="sng" w="9525">
+            <a:solidFill>
+              <a:schemeClr val="dk2"/>
+            </a:solidFill>
+            <a:prstDash val="solid"/>
+            <a:round/>
+            <a:headEnd len="med" w="med" type="none"/>
+            <a:tailEnd len="med" w="med" type="none"/>
+          </a:ln>
+        </p:spPr>
+      </p:cxnSp>
     </p:spTree>
   </p:cSld>
   <p:clrMapOvr>
@@ -6727,7 +9764,7 @@
   <p:cSld>
     <p:spTree>
       <p:nvGrpSpPr>
-        <p:cNvPr id="71" name="Shape 71"/>
+        <p:cNvPr id="72" name="Shape 72"/>
         <p:cNvGrpSpPr/>
         <p:nvPr/>
       </p:nvGrpSpPr>
@@ -6741,7 +9778,7 @@
       </p:grpSpPr>
       <p:sp>
         <p:nvSpPr>
-          <p:cNvPr id="72" name="Google Shape;72;p16"/>
+          <p:cNvPr id="73" name="Google Shape;73;p16"/>
           <p:cNvSpPr txBox="1"/>
           <p:nvPr>
             <p:ph type="title"/>
@@ -6773,15 +9810,7 @@
             </a:pPr>
             <a:r>
               <a:rPr lang="en"/>
-              <a:t>Data Format (</a:t>
-            </a:r>
-            <a:r>
-              <a:rPr lang="en"/>
-              <a:t>CSV to DataFrames</a:t>
-            </a:r>
-            <a:r>
-              <a:rPr lang="en"/>
-              <a:t>)</a:t>
+              <a:t>Data Curation</a:t>
             </a:r>
             <a:endParaRPr/>
           </a:p>
@@ -6789,7 +9818,7 @@
       </p:sp>
       <p:sp>
         <p:nvSpPr>
-          <p:cNvPr id="73" name="Google Shape;73;p16"/>
+          <p:cNvPr id="74" name="Google Shape;74;p16"/>
           <p:cNvSpPr txBox="1"/>
           <p:nvPr>
             <p:ph idx="1" type="body"/>
@@ -6797,8 +9826,8 @@
         </p:nvSpPr>
         <p:spPr>
           <a:xfrm>
-            <a:off x="311700" y="860050"/>
-            <a:ext cx="8520600" cy="3708900"/>
+            <a:off x="311700" y="1109950"/>
+            <a:ext cx="8520600" cy="3416400"/>
           </a:xfrm>
           <a:prstGeom prst="rect">
             <a:avLst/>
@@ -6806,313 +9835,111 @@
         </p:spPr>
         <p:txBody>
           <a:bodyPr anchorCtr="0" anchor="t" bIns="91425" lIns="91425" spcFirstLastPara="1" rIns="91425" wrap="square" tIns="91425">
-            <a:normAutofit fontScale="85000" lnSpcReduction="20000"/>
+            <a:normAutofit/>
           </a:bodyPr>
           <a:lstStyle/>
           <a:p>
-            <a:pPr indent="0" lvl="0" marL="0" rtl="0" algn="l">
-              <a:spcBef>
-                <a:spcPts val="0"/>
-              </a:spcBef>
-              <a:spcAft>
-                <a:spcPts val="0"/>
-              </a:spcAft>
-              <a:buNone/>
-            </a:pPr>
-            <a:r>
-              <a:rPr lang="en" sz="1200">
-                <a:solidFill>
-                  <a:srgbClr val="0E1116"/>
-                </a:solidFill>
-                <a:highlight>
-                  <a:srgbClr val="FFFFFF"/>
-                </a:highlight>
-              </a:rPr>
-              <a:t>It includes basic metadata for each artist  including name, nationality, gender, birth year, death year, Wiki QID, and Getty ULAN ID.</a:t>
-            </a:r>
-            <a:endParaRPr sz="1200">
-              <a:solidFill>
-                <a:srgbClr val="0E1116"/>
-              </a:solidFill>
-              <a:highlight>
-                <a:srgbClr val="FFFFFF"/>
-              </a:highlight>
-            </a:endParaRPr>
-          </a:p>
-          <a:p>
-            <a:pPr indent="0" lvl="0" marL="0" rtl="0" algn="l">
+            <a:pPr indent="-342900" lvl="0" marL="457200" rtl="0" algn="l">
+              <a:spcBef>
+                <a:spcPts val="0"/>
+              </a:spcBef>
+              <a:spcAft>
+                <a:spcPts val="0"/>
+              </a:spcAft>
+              <a:buSzPts val="1800"/>
+              <a:buAutoNum type="arabicPeriod"/>
+            </a:pPr>
+            <a:r>
+              <a:rPr lang="en"/>
+              <a:t>Curation at Scale is a challenge with such a large scale and so many records</a:t>
+            </a:r>
+            <a:endParaRPr/>
+          </a:p>
+          <a:p>
+            <a:pPr indent="-342900" lvl="0" marL="457200" rtl="0" algn="l">
+              <a:spcBef>
+                <a:spcPts val="0"/>
+              </a:spcBef>
+              <a:spcAft>
+                <a:spcPts val="0"/>
+              </a:spcAft>
+              <a:buSzPts val="1800"/>
+              <a:buAutoNum type="arabicPeriod"/>
+            </a:pPr>
+            <a:r>
+              <a:rPr lang="en"/>
+              <a:t>Incentivizing the Museums that to share their records publicly.</a:t>
+            </a:r>
+            <a:endParaRPr/>
+          </a:p>
+          <a:p>
+            <a:pPr indent="-342900" lvl="0" marL="457200" rtl="0" algn="l">
+              <a:spcBef>
+                <a:spcPts val="0"/>
+              </a:spcBef>
+              <a:spcAft>
+                <a:spcPts val="0"/>
+              </a:spcAft>
+              <a:buSzPts val="1800"/>
+              <a:buAutoNum type="arabicPeriod"/>
+            </a:pPr>
+            <a:r>
+              <a:rPr lang="en"/>
+              <a:t>Data Quality and Validation of Data along with missing information. </a:t>
+            </a:r>
+            <a:endParaRPr/>
+          </a:p>
+          <a:p>
+            <a:pPr indent="-342900" lvl="0" marL="457200" rtl="0" algn="l">
+              <a:spcBef>
+                <a:spcPts val="0"/>
+              </a:spcBef>
+              <a:spcAft>
+                <a:spcPts val="0"/>
+              </a:spcAft>
+              <a:buSzPts val="1800"/>
+              <a:buAutoNum type="arabicPeriod"/>
+            </a:pPr>
+            <a:r>
+              <a:rPr lang="en"/>
+              <a:t>Trust and Provenance of the data.</a:t>
+            </a:r>
+            <a:endParaRPr/>
+          </a:p>
+          <a:p>
+            <a:pPr indent="-342900" lvl="0" marL="457200" rtl="0" algn="l">
+              <a:spcBef>
+                <a:spcPts val="0"/>
+              </a:spcBef>
+              <a:spcAft>
+                <a:spcPts val="0"/>
+              </a:spcAft>
+              <a:buSzPts val="1800"/>
+              <a:buAutoNum type="arabicPeriod"/>
+            </a:pPr>
+            <a:r>
+              <a:rPr lang="en"/>
+              <a:t>Schema Matching and Query Containment on mediated schema</a:t>
+            </a:r>
+            <a:endParaRPr/>
+          </a:p>
+          <a:p>
+            <a:pPr indent="0" lvl="0" marL="457200" rtl="0" algn="l">
               <a:spcBef>
                 <a:spcPts val="1200"/>
               </a:spcBef>
               <a:spcAft>
-                <a:spcPts val="0"/>
-              </a:spcAft>
-              <a:buNone/>
-            </a:pPr>
-            <a:r>
-              <a:rPr b="1" lang="en" sz="1200">
-                <a:solidFill>
-                  <a:srgbClr val="0E1116"/>
-                </a:solidFill>
-                <a:highlight>
-                  <a:srgbClr val="FFFFFF"/>
-                </a:highlight>
-              </a:rPr>
-              <a:t>Header:</a:t>
-            </a:r>
-            <a:endParaRPr b="1" sz="1200">
-              <a:solidFill>
-                <a:srgbClr val="0E1116"/>
-              </a:solidFill>
-              <a:highlight>
-                <a:srgbClr val="FFFFFF"/>
-              </a:highlight>
-            </a:endParaRPr>
-          </a:p>
-          <a:p>
-            <a:pPr indent="0" lvl="0" marL="0" rtl="0" algn="l">
-              <a:spcBef>
                 <a:spcPts val="1200"/>
-              </a:spcBef>
-              <a:spcAft>
-                <a:spcPts val="0"/>
-              </a:spcAft>
-              <a:buNone/>
-            </a:pPr>
-            <a:r>
-              <a:rPr lang="en" sz="1050">
-                <a:solidFill>
-                  <a:schemeClr val="dk1"/>
-                </a:solidFill>
-                <a:highlight>
-                  <a:srgbClr val="F3F3F3"/>
-                </a:highlight>
-                <a:latin typeface="Courier New"/>
-                <a:ea typeface="Courier New"/>
-                <a:cs typeface="Courier New"/>
-                <a:sym typeface="Courier New"/>
-              </a:rPr>
-              <a:t>title,creation_date,creation_date_earliest,creation_date_latest,medium,accession_number,id,credit_line,date_acquired,department,physical_location,item_width,item_height,item_depth,item_diameter,web_url,provenance_text,classification,image_url,artist_id,party_type,full_name,cited_name,role,nationality,birth_date,death_date,birth_place,death_place\n</a:t>
-            </a:r>
-            <a:endParaRPr sz="1050">
-              <a:solidFill>
-                <a:schemeClr val="dk1"/>
-              </a:solidFill>
-              <a:highlight>
-                <a:srgbClr val="F3F3F3"/>
-              </a:highlight>
-              <a:latin typeface="Courier New"/>
-              <a:ea typeface="Courier New"/>
-              <a:cs typeface="Courier New"/>
-              <a:sym typeface="Courier New"/>
-            </a:endParaRPr>
-          </a:p>
-          <a:p>
-            <a:pPr indent="0" lvl="0" marL="0" rtl="0" algn="l">
-              <a:spcBef>
-                <a:spcPts val="1200"/>
-              </a:spcBef>
-              <a:spcAft>
-                <a:spcPts val="0"/>
               </a:spcAft>
               <a:buNone/>
             </a:pPr>
             <a:r>
               <a:t/>
             </a:r>
-            <a:endParaRPr sz="1050">
-              <a:solidFill>
-                <a:schemeClr val="dk1"/>
-              </a:solidFill>
-              <a:highlight>
-                <a:srgbClr val="F3F3F3"/>
-              </a:highlight>
-              <a:latin typeface="Courier New"/>
-              <a:ea typeface="Courier New"/>
-              <a:cs typeface="Courier New"/>
-              <a:sym typeface="Courier New"/>
-            </a:endParaRPr>
-          </a:p>
-          <a:p>
-            <a:pPr indent="0" lvl="0" marL="0" rtl="0" algn="l">
-              <a:spcBef>
-                <a:spcPts val="1200"/>
-              </a:spcBef>
-              <a:spcAft>
-                <a:spcPts val="0"/>
-              </a:spcAft>
-              <a:buClr>
-                <a:schemeClr val="dk1"/>
-              </a:buClr>
-              <a:buSzPct val="104761"/>
-              <a:buFont typeface="Arial"/>
-              <a:buNone/>
-            </a:pPr>
-            <a:r>
-              <a:rPr lang="en" sz="1050">
-                <a:solidFill>
-                  <a:srgbClr val="000000"/>
-                </a:solidFill>
-                <a:highlight>
-                  <a:srgbClr val="F3F3F3"/>
-                </a:highlight>
-                <a:latin typeface="Courier New"/>
-                <a:ea typeface="Courier New"/>
-                <a:cs typeface="Courier New"/>
-                <a:sym typeface="Courier New"/>
-              </a:rPr>
-              <a:t>1979.486.1,False,False,False,1,,The American Wing,1979,Coin,One-dollar Liberty Head Coin,,,,,,16429,Maker," ",James Barton Longacre,"American, Delaware County, Pennsylvania 1794–1869 Philadelphia, Pennsylvania"," ","Longacre, James Barton",American,1794      ,1869      ,,http://vocab.getty.edu/page/ulan/500011409,https://www.wikidata.org/wiki/Q3806459,1853,1853,1853,Gold,Dimensions unavailable,"Gift of Heinz L. Stoppelmann, 1979",,,,,,,,,,,,,,http://www.metmuseum.org/art/collection/search/1,,,"Metropolitan Museum of Art, New York, NY",,,</a:t>
-            </a:r>
-            <a:endParaRPr sz="1050">
-              <a:solidFill>
-                <a:srgbClr val="000000"/>
-              </a:solidFill>
-              <a:highlight>
-                <a:srgbClr val="F3F3F3"/>
-              </a:highlight>
-              <a:latin typeface="Courier New"/>
-              <a:ea typeface="Courier New"/>
-              <a:cs typeface="Courier New"/>
-              <a:sym typeface="Courier New"/>
-            </a:endParaRPr>
-          </a:p>
-          <a:p>
-            <a:pPr indent="0" lvl="0" marL="0" rtl="0" algn="l">
-              <a:spcBef>
-                <a:spcPts val="1200"/>
-              </a:spcBef>
-              <a:spcAft>
-                <a:spcPts val="0"/>
-              </a:spcAft>
-              <a:buClr>
-                <a:schemeClr val="dk1"/>
-              </a:buClr>
-              <a:buSzPct val="104761"/>
-              <a:buFont typeface="Arial"/>
-              <a:buNone/>
-            </a:pPr>
-            <a:r>
-              <a:t/>
-            </a:r>
-            <a:endParaRPr sz="1050">
-              <a:solidFill>
-                <a:srgbClr val="D5D5D5"/>
-              </a:solidFill>
-              <a:highlight>
-                <a:srgbClr val="383838"/>
-              </a:highlight>
-              <a:latin typeface="Courier New"/>
-              <a:ea typeface="Courier New"/>
-              <a:cs typeface="Courier New"/>
-              <a:sym typeface="Courier New"/>
-            </a:endParaRPr>
-          </a:p>
-          <a:p>
-            <a:pPr indent="0" lvl="0" marL="0" rtl="0" algn="l">
-              <a:spcBef>
-                <a:spcPts val="1200"/>
-              </a:spcBef>
-              <a:spcAft>
-                <a:spcPts val="0"/>
-              </a:spcAft>
-              <a:buNone/>
-            </a:pPr>
-            <a:r>
-              <a:t/>
-            </a:r>
-            <a:endParaRPr sz="1050">
-              <a:solidFill>
-                <a:srgbClr val="D5D5D5"/>
-              </a:solidFill>
-              <a:highlight>
-                <a:srgbClr val="383838"/>
-              </a:highlight>
-              <a:latin typeface="Courier New"/>
-              <a:ea typeface="Courier New"/>
-              <a:cs typeface="Courier New"/>
-              <a:sym typeface="Courier New"/>
-            </a:endParaRPr>
-          </a:p>
-          <a:p>
-            <a:pPr indent="0" lvl="0" marL="0" rtl="0" algn="l">
-              <a:spcBef>
-                <a:spcPts val="1200"/>
-              </a:spcBef>
-              <a:spcAft>
-                <a:spcPts val="0"/>
-              </a:spcAft>
-              <a:buNone/>
-            </a:pPr>
-            <a:r>
-              <a:t/>
-            </a:r>
-            <a:endParaRPr sz="1050">
-              <a:solidFill>
-                <a:srgbClr val="D5D5D5"/>
-              </a:solidFill>
-              <a:highlight>
-                <a:srgbClr val="383838"/>
-              </a:highlight>
-              <a:latin typeface="Courier New"/>
-              <a:ea typeface="Courier New"/>
-              <a:cs typeface="Courier New"/>
-              <a:sym typeface="Courier New"/>
-            </a:endParaRPr>
-          </a:p>
-          <a:p>
-            <a:pPr indent="0" lvl="0" marL="0" rtl="0" algn="l">
-              <a:spcBef>
-                <a:spcPts val="1200"/>
-              </a:spcBef>
-              <a:spcAft>
-                <a:spcPts val="1200"/>
-              </a:spcAft>
-              <a:buNone/>
-            </a:pPr>
-            <a:r>
-              <a:t/>
-            </a:r>
-            <a:endParaRPr sz="1050">
-              <a:solidFill>
-                <a:srgbClr val="D5D5D5"/>
-              </a:solidFill>
-              <a:highlight>
-                <a:srgbClr val="383838"/>
-              </a:highlight>
-              <a:latin typeface="Courier New"/>
-              <a:ea typeface="Courier New"/>
-              <a:cs typeface="Courier New"/>
-              <a:sym typeface="Courier New"/>
-            </a:endParaRPr>
+            <a:endParaRPr/>
           </a:p>
         </p:txBody>
       </p:sp>
-      <p:cxnSp>
-        <p:nvCxnSpPr>
-          <p:cNvPr id="74" name="Google Shape;74;p16"/>
-          <p:cNvCxnSpPr/>
-          <p:nvPr/>
-        </p:nvCxnSpPr>
-        <p:spPr>
-          <a:xfrm flipH="1" rot="10800000">
-            <a:off x="311700" y="2132750"/>
-            <a:ext cx="7942800" cy="55200"/>
-          </a:xfrm>
-          <a:prstGeom prst="straightConnector1">
-            <a:avLst/>
-          </a:prstGeom>
-          <a:noFill/>
-          <a:ln cap="flat" cmpd="sng" w="9525">
-            <a:solidFill>
-              <a:schemeClr val="dk2"/>
-            </a:solidFill>
-            <a:prstDash val="solid"/>
-            <a:round/>
-            <a:headEnd len="med" w="med" type="none"/>
-            <a:tailEnd len="med" w="med" type="none"/>
-          </a:ln>
-        </p:spPr>
-      </p:cxnSp>
     </p:spTree>
   </p:cSld>
   <p:clrMapOvr>
@@ -7148,7 +9975,7 @@
         </p:nvSpPr>
         <p:spPr>
           <a:xfrm>
-            <a:off x="311700" y="445025"/>
+            <a:off x="311700" y="124125"/>
             <a:ext cx="8520600" cy="572700"/>
           </a:xfrm>
           <a:prstGeom prst="rect">
@@ -7172,32 +9999,140 @@
             </a:pPr>
             <a:r>
               <a:rPr lang="en"/>
-              <a:t>Data Cleaning </a:t>
+              <a:t>Database Instance</a:t>
             </a:r>
             <a:endParaRPr/>
+          </a:p>
+        </p:txBody>
+      </p:sp>
+      <p:pic>
+        <p:nvPicPr>
+          <p:cNvPr id="80" name="Google Shape;80;p17"/>
+          <p:cNvPicPr preferRelativeResize="0"/>
+          <p:nvPr/>
+        </p:nvPicPr>
+        <p:blipFill>
+          <a:blip r:embed="rId3">
+            <a:alphaModFix/>
+          </a:blip>
+          <a:stretch>
+            <a:fillRect/>
+          </a:stretch>
+        </p:blipFill>
+        <p:spPr>
+          <a:xfrm>
+            <a:off x="83450" y="4344450"/>
+            <a:ext cx="8839202" cy="379409"/>
+          </a:xfrm>
+          <a:prstGeom prst="rect">
+            <a:avLst/>
+          </a:prstGeom>
+          <a:noFill/>
+          <a:ln>
+            <a:noFill/>
+          </a:ln>
+        </p:spPr>
+      </p:pic>
+      <p:pic>
+        <p:nvPicPr>
+          <p:cNvPr id="81" name="Google Shape;81;p17"/>
+          <p:cNvPicPr preferRelativeResize="0"/>
+          <p:nvPr/>
+        </p:nvPicPr>
+        <p:blipFill>
+          <a:blip r:embed="rId4">
+            <a:alphaModFix/>
+          </a:blip>
+          <a:stretch>
+            <a:fillRect/>
+          </a:stretch>
+        </p:blipFill>
+        <p:spPr>
+          <a:xfrm>
+            <a:off x="83450" y="2689388"/>
+            <a:ext cx="8839199" cy="588002"/>
+          </a:xfrm>
+          <a:prstGeom prst="rect">
+            <a:avLst/>
+          </a:prstGeom>
+          <a:noFill/>
+          <a:ln>
+            <a:noFill/>
+          </a:ln>
+        </p:spPr>
+      </p:pic>
+      <p:sp>
+        <p:nvSpPr>
+          <p:cNvPr id="82" name="Google Shape;82;p17"/>
+          <p:cNvSpPr txBox="1"/>
+          <p:nvPr/>
+        </p:nvSpPr>
+        <p:spPr>
+          <a:xfrm>
+            <a:off x="376850" y="2192075"/>
+            <a:ext cx="2951100" cy="303300"/>
+          </a:xfrm>
+          <a:prstGeom prst="rect">
+            <a:avLst/>
+          </a:prstGeom>
+          <a:noFill/>
+          <a:ln>
+            <a:noFill/>
+          </a:ln>
+        </p:spPr>
+        <p:txBody>
+          <a:bodyPr anchorCtr="0" anchor="t" bIns="91425" lIns="91425" spcFirstLastPara="1" rIns="91425" wrap="square" tIns="91425">
+            <a:noAutofit/>
+          </a:bodyPr>
+          <a:lstStyle/>
+          <a:p>
+            <a:pPr indent="0" lvl="0" marL="0" rtl="0" algn="l">
+              <a:spcBef>
+                <a:spcPts val="0"/>
+              </a:spcBef>
+              <a:spcAft>
+                <a:spcPts val="0"/>
+              </a:spcAft>
+              <a:buNone/>
+            </a:pPr>
+            <a:r>
+              <a:rPr b="1" lang="en" sz="1800">
+                <a:solidFill>
+                  <a:schemeClr val="dk2"/>
+                </a:solidFill>
+              </a:rPr>
+              <a:t>Source 2: met-artists.csv</a:t>
+            </a:r>
+            <a:endParaRPr b="1" sz="1800">
+              <a:solidFill>
+                <a:schemeClr val="dk2"/>
+              </a:solidFill>
+            </a:endParaRPr>
           </a:p>
         </p:txBody>
       </p:sp>
       <p:sp>
         <p:nvSpPr>
-          <p:cNvPr id="80" name="Google Shape;80;p17"/>
+          <p:cNvPr id="83" name="Google Shape;83;p17"/>
           <p:cNvSpPr txBox="1"/>
-          <p:nvPr>
-            <p:ph idx="1" type="body"/>
-          </p:nvPr>
+          <p:nvPr/>
         </p:nvSpPr>
         <p:spPr>
           <a:xfrm>
-            <a:off x="311700" y="1152475"/>
-            <a:ext cx="8520600" cy="3416400"/>
+            <a:off x="376850" y="3678625"/>
+            <a:ext cx="3254400" cy="264600"/>
           </a:xfrm>
           <a:prstGeom prst="rect">
             <a:avLst/>
           </a:prstGeom>
+          <a:noFill/>
+          <a:ln>
+            <a:noFill/>
+          </a:ln>
         </p:spPr>
         <p:txBody>
           <a:bodyPr anchorCtr="0" anchor="t" bIns="91425" lIns="91425" spcFirstLastPara="1" rIns="91425" wrap="square" tIns="91425">
-            <a:normAutofit fontScale="92500" lnSpcReduction="10000"/>
+            <a:noAutofit/>
           </a:bodyPr>
           <a:lstStyle/>
           <a:p>
@@ -7211,319 +10146,103 @@
               <a:buNone/>
             </a:pPr>
             <a:r>
-              <a:rPr lang="en" sz="1400">
+              <a:rPr b="1" lang="en" sz="1800">
                 <a:solidFill>
-                  <a:srgbClr val="212529"/>
+                  <a:schemeClr val="dk2"/>
                 </a:solidFill>
-                <a:highlight>
-                  <a:srgbClr val="FFFFFF"/>
-                </a:highlight>
-                <a:latin typeface="Roboto"/>
-                <a:ea typeface="Roboto"/>
-                <a:cs typeface="Roboto"/>
-                <a:sym typeface="Roboto"/>
               </a:rPr>
-              <a:t>1. Multiple artists for a record, delimited by a </a:t>
-            </a:r>
-            <a:r>
-              <a:rPr lang="en" sz="1400">
+              <a:t>Target Schema met-objects.csv</a:t>
+            </a:r>
+            <a:endParaRPr b="1" sz="1800">
+              <a:solidFill>
+                <a:schemeClr val="dk2"/>
+              </a:solidFill>
+            </a:endParaRPr>
+          </a:p>
+        </p:txBody>
+      </p:sp>
+      <p:pic>
+        <p:nvPicPr>
+          <p:cNvPr id="84" name="Google Shape;84;p17"/>
+          <p:cNvPicPr preferRelativeResize="0"/>
+          <p:nvPr/>
+        </p:nvPicPr>
+        <p:blipFill>
+          <a:blip r:embed="rId5">
+            <a:alphaModFix/>
+          </a:blip>
+          <a:stretch>
+            <a:fillRect/>
+          </a:stretch>
+        </p:blipFill>
+        <p:spPr>
+          <a:xfrm>
+            <a:off x="102500" y="1110925"/>
+            <a:ext cx="8801100" cy="542925"/>
+          </a:xfrm>
+          <a:prstGeom prst="rect">
+            <a:avLst/>
+          </a:prstGeom>
+          <a:noFill/>
+          <a:ln>
+            <a:noFill/>
+          </a:ln>
+        </p:spPr>
+      </p:pic>
+      <p:sp>
+        <p:nvSpPr>
+          <p:cNvPr id="85" name="Google Shape;85;p17"/>
+          <p:cNvSpPr txBox="1"/>
+          <p:nvPr/>
+        </p:nvSpPr>
+        <p:spPr>
+          <a:xfrm>
+            <a:off x="376850" y="606975"/>
+            <a:ext cx="3488700" cy="513900"/>
+          </a:xfrm>
+          <a:prstGeom prst="rect">
+            <a:avLst/>
+          </a:prstGeom>
+          <a:noFill/>
+          <a:ln>
+            <a:noFill/>
+          </a:ln>
+        </p:spPr>
+        <p:txBody>
+          <a:bodyPr anchorCtr="0" anchor="t" bIns="91425" lIns="91425" spcFirstLastPara="1" rIns="91425" wrap="square" tIns="91425">
+            <a:noAutofit/>
+          </a:bodyPr>
+          <a:lstStyle/>
+          <a:p>
+            <a:pPr indent="0" lvl="0" marL="0" rtl="0" algn="l">
+              <a:spcBef>
+                <a:spcPts val="0"/>
+              </a:spcBef>
+              <a:spcAft>
+                <a:spcPts val="0"/>
+              </a:spcAft>
+              <a:buNone/>
+            </a:pPr>
+            <a:r>
+              <a:rPr b="1" lang="en" sz="1800">
                 <a:solidFill>
-                  <a:srgbClr val="212529"/>
+                  <a:schemeClr val="dk2"/>
                 </a:solidFill>
-                <a:highlight>
-                  <a:srgbClr val="FFFFFF"/>
-                </a:highlight>
-                <a:latin typeface="Roboto"/>
-                <a:ea typeface="Roboto"/>
-                <a:cs typeface="Roboto"/>
-                <a:sym typeface="Roboto"/>
               </a:rPr>
-              <a:t>separator</a:t>
-            </a:r>
-            <a:r>
-              <a:rPr lang="en" sz="1400">
+              <a:t>Source 1:  moma</a:t>
+            </a:r>
+            <a:r>
+              <a:rPr b="1" lang="en" sz="1800">
                 <a:solidFill>
-                  <a:srgbClr val="212529"/>
+                  <a:schemeClr val="dk2"/>
                 </a:solidFill>
-                <a:highlight>
-                  <a:srgbClr val="FFFFFF"/>
-                </a:highlight>
-                <a:latin typeface="Roboto"/>
-                <a:ea typeface="Roboto"/>
-                <a:cs typeface="Roboto"/>
-                <a:sym typeface="Roboto"/>
               </a:rPr>
-              <a:t> and each artist should be accredited to the record. Explode the entries by delimiter.</a:t>
-            </a:r>
-            <a:endParaRPr sz="1400">
+              <a:t>-artist.csv</a:t>
+            </a:r>
+            <a:endParaRPr b="1" sz="1800">
               <a:solidFill>
-                <a:srgbClr val="212529"/>
+                <a:schemeClr val="dk2"/>
               </a:solidFill>
-              <a:highlight>
-                <a:srgbClr val="FFFFFF"/>
-              </a:highlight>
-              <a:latin typeface="Roboto"/>
-              <a:ea typeface="Roboto"/>
-              <a:cs typeface="Roboto"/>
-              <a:sym typeface="Roboto"/>
-            </a:endParaRPr>
-          </a:p>
-          <a:p>
-            <a:pPr indent="0" lvl="0" marL="0" rtl="0" algn="l">
-              <a:spcBef>
-                <a:spcPts val="1200"/>
-              </a:spcBef>
-              <a:spcAft>
-                <a:spcPts val="0"/>
-              </a:spcAft>
-              <a:buNone/>
-            </a:pPr>
-            <a:r>
-              <a:rPr lang="en" sz="1400">
-                <a:solidFill>
-                  <a:srgbClr val="212529"/>
-                </a:solidFill>
-                <a:highlight>
-                  <a:srgbClr val="FFFFFF"/>
-                </a:highlight>
-                <a:latin typeface="Roboto"/>
-                <a:ea typeface="Roboto"/>
-                <a:cs typeface="Roboto"/>
-                <a:sym typeface="Roboto"/>
-              </a:rPr>
-              <a:t>2. Some of the accession years are not dates so they should be ignored.</a:t>
-            </a:r>
-            <a:endParaRPr sz="1400">
-              <a:solidFill>
-                <a:srgbClr val="212529"/>
-              </a:solidFill>
-              <a:highlight>
-                <a:srgbClr val="FFFFFF"/>
-              </a:highlight>
-              <a:latin typeface="Roboto"/>
-              <a:ea typeface="Roboto"/>
-              <a:cs typeface="Roboto"/>
-              <a:sym typeface="Roboto"/>
-            </a:endParaRPr>
-          </a:p>
-          <a:p>
-            <a:pPr indent="0" lvl="0" marL="0" rtl="0" algn="l">
-              <a:spcBef>
-                <a:spcPts val="1200"/>
-              </a:spcBef>
-              <a:spcAft>
-                <a:spcPts val="0"/>
-              </a:spcAft>
-              <a:buNone/>
-            </a:pPr>
-            <a:r>
-              <a:rPr lang="en" sz="1400">
-                <a:solidFill>
-                  <a:srgbClr val="212529"/>
-                </a:solidFill>
-                <a:highlight>
-                  <a:srgbClr val="FFFFFF"/>
-                </a:highlight>
-                <a:latin typeface="Roboto"/>
-                <a:ea typeface="Roboto"/>
-                <a:cs typeface="Roboto"/>
-                <a:sym typeface="Roboto"/>
-              </a:rPr>
-              <a:t>3. Some artists are anonymous, unknown or identified by the location rather than an </a:t>
-            </a:r>
-            <a:r>
-              <a:rPr lang="en" sz="1400">
-                <a:solidFill>
-                  <a:srgbClr val="212529"/>
-                </a:solidFill>
-                <a:highlight>
-                  <a:srgbClr val="FFFFFF"/>
-                </a:highlight>
-                <a:latin typeface="Roboto"/>
-                <a:ea typeface="Roboto"/>
-                <a:cs typeface="Roboto"/>
-                <a:sym typeface="Roboto"/>
-              </a:rPr>
-              <a:t>actual</a:t>
-            </a:r>
-            <a:r>
-              <a:rPr lang="en" sz="1400">
-                <a:solidFill>
-                  <a:srgbClr val="212529"/>
-                </a:solidFill>
-                <a:highlight>
-                  <a:srgbClr val="FFFFFF"/>
-                </a:highlight>
-                <a:latin typeface="Roboto"/>
-                <a:ea typeface="Roboto"/>
-                <a:cs typeface="Roboto"/>
-                <a:sym typeface="Roboto"/>
-              </a:rPr>
-              <a:t> name so they should befittingly named "anonymous". </a:t>
-            </a:r>
-            <a:endParaRPr sz="1400">
-              <a:solidFill>
-                <a:srgbClr val="212529"/>
-              </a:solidFill>
-              <a:highlight>
-                <a:srgbClr val="FFFFFF"/>
-              </a:highlight>
-              <a:latin typeface="Roboto"/>
-              <a:ea typeface="Roboto"/>
-              <a:cs typeface="Roboto"/>
-              <a:sym typeface="Roboto"/>
-            </a:endParaRPr>
-          </a:p>
-          <a:p>
-            <a:pPr indent="0" lvl="0" marL="0" rtl="0" algn="l">
-              <a:spcBef>
-                <a:spcPts val="1200"/>
-              </a:spcBef>
-              <a:spcAft>
-                <a:spcPts val="0"/>
-              </a:spcAft>
-              <a:buNone/>
-            </a:pPr>
-            <a:r>
-              <a:rPr lang="en" sz="1400">
-                <a:solidFill>
-                  <a:srgbClr val="212529"/>
-                </a:solidFill>
-                <a:highlight>
-                  <a:srgbClr val="FFFFFF"/>
-                </a:highlight>
-                <a:latin typeface="Roboto"/>
-                <a:ea typeface="Roboto"/>
-                <a:cs typeface="Roboto"/>
-                <a:sym typeface="Roboto"/>
-              </a:rPr>
-              <a:t>4. Certain Begin Dates are after the End date. Certain dates don't specify B.C or A.D and others are 0. Fill such entries with NaN</a:t>
-            </a:r>
-            <a:endParaRPr sz="1400">
-              <a:solidFill>
-                <a:srgbClr val="212529"/>
-              </a:solidFill>
-              <a:highlight>
-                <a:srgbClr val="FFFFFF"/>
-              </a:highlight>
-              <a:latin typeface="Roboto"/>
-              <a:ea typeface="Roboto"/>
-              <a:cs typeface="Roboto"/>
-              <a:sym typeface="Roboto"/>
-            </a:endParaRPr>
-          </a:p>
-          <a:p>
-            <a:pPr indent="0" lvl="0" marL="0" rtl="0" algn="l">
-              <a:spcBef>
-                <a:spcPts val="1200"/>
-              </a:spcBef>
-              <a:spcAft>
-                <a:spcPts val="0"/>
-              </a:spcAft>
-              <a:buNone/>
-            </a:pPr>
-            <a:r>
-              <a:rPr lang="en" sz="1400">
-                <a:solidFill>
-                  <a:srgbClr val="212529"/>
-                </a:solidFill>
-                <a:highlight>
-                  <a:srgbClr val="FFFFFF"/>
-                </a:highlight>
-                <a:latin typeface="Roboto"/>
-                <a:ea typeface="Roboto"/>
-                <a:cs typeface="Roboto"/>
-                <a:sym typeface="Roboto"/>
-              </a:rPr>
-              <a:t>5. The medium column has upper case and lower case so standardizing the Artist Name and Medium columns.</a:t>
-            </a:r>
-            <a:endParaRPr sz="1400">
-              <a:solidFill>
-                <a:srgbClr val="212529"/>
-              </a:solidFill>
-              <a:highlight>
-                <a:srgbClr val="FFFFFF"/>
-              </a:highlight>
-              <a:latin typeface="Roboto"/>
-              <a:ea typeface="Roboto"/>
-              <a:cs typeface="Roboto"/>
-              <a:sym typeface="Roboto"/>
-            </a:endParaRPr>
-          </a:p>
-          <a:p>
-            <a:pPr indent="0" lvl="0" marL="0" rtl="0" algn="l">
-              <a:spcBef>
-                <a:spcPts val="1200"/>
-              </a:spcBef>
-              <a:spcAft>
-                <a:spcPts val="0"/>
-              </a:spcAft>
-              <a:buNone/>
-            </a:pPr>
-            <a:r>
-              <a:rPr lang="en" sz="1400">
-                <a:solidFill>
-                  <a:schemeClr val="dk1"/>
-                </a:solidFill>
-                <a:highlight>
-                  <a:srgbClr val="FFFFFF"/>
-                </a:highlight>
-                <a:latin typeface="Roboto"/>
-                <a:ea typeface="Roboto"/>
-                <a:cs typeface="Roboto"/>
-                <a:sym typeface="Roboto"/>
-              </a:rPr>
-              <a:t>6. </a:t>
-            </a:r>
-            <a:r>
-              <a:rPr lang="en" sz="1350">
-                <a:solidFill>
-                  <a:schemeClr val="dk1"/>
-                </a:solidFill>
-                <a:latin typeface="Roboto"/>
-                <a:ea typeface="Roboto"/>
-                <a:cs typeface="Roboto"/>
-                <a:sym typeface="Roboto"/>
-              </a:rPr>
-              <a:t>Handling missing information by merging information from other data sources on certain columns. Using unsupervised learning techniques such as Hierarchical Clustering techniques.</a:t>
-            </a:r>
-            <a:endParaRPr sz="1350">
-              <a:solidFill>
-                <a:schemeClr val="dk1"/>
-              </a:solidFill>
-              <a:highlight>
-                <a:srgbClr val="FFFFFF"/>
-              </a:highlight>
-              <a:latin typeface="Roboto"/>
-              <a:ea typeface="Roboto"/>
-              <a:cs typeface="Roboto"/>
-              <a:sym typeface="Roboto"/>
-            </a:endParaRPr>
-          </a:p>
-          <a:p>
-            <a:pPr indent="0" lvl="0" marL="0" rtl="0" algn="l">
-              <a:spcBef>
-                <a:spcPts val="1200"/>
-              </a:spcBef>
-              <a:spcAft>
-                <a:spcPts val="1200"/>
-              </a:spcAft>
-              <a:buNone/>
-            </a:pPr>
-            <a:r>
-              <a:t/>
-            </a:r>
-            <a:endParaRPr sz="1200">
-              <a:solidFill>
-                <a:srgbClr val="212529"/>
-              </a:solidFill>
-              <a:highlight>
-                <a:srgbClr val="FFFFFF"/>
-              </a:highlight>
-              <a:latin typeface="Roboto"/>
-              <a:ea typeface="Roboto"/>
-              <a:cs typeface="Roboto"/>
-              <a:sym typeface="Roboto"/>
             </a:endParaRPr>
           </a:p>
         </p:txBody>
@@ -7541,7 +10260,7 @@
   <p:cSld>
     <p:spTree>
       <p:nvGrpSpPr>
-        <p:cNvPr id="84" name="Shape 84"/>
+        <p:cNvPr id="89" name="Shape 89"/>
         <p:cNvGrpSpPr/>
         <p:nvPr/>
       </p:nvGrpSpPr>
@@ -7555,7 +10274,7 @@
       </p:grpSpPr>
       <p:sp>
         <p:nvSpPr>
-          <p:cNvPr id="85" name="Google Shape;85;p18"/>
+          <p:cNvPr id="90" name="Google Shape;90;p18"/>
           <p:cNvSpPr txBox="1"/>
           <p:nvPr>
             <p:ph type="title"/>
@@ -7587,7 +10306,7 @@
             </a:pPr>
             <a:r>
               <a:rPr lang="en"/>
-              <a:t>Data Preparation	</a:t>
+              <a:t>Data Cleaning </a:t>
             </a:r>
             <a:endParaRPr/>
           </a:p>
@@ -7595,7 +10314,7 @@
       </p:sp>
       <p:sp>
         <p:nvSpPr>
-          <p:cNvPr id="86" name="Google Shape;86;p18"/>
+          <p:cNvPr id="91" name="Google Shape;91;p18"/>
           <p:cNvSpPr txBox="1"/>
           <p:nvPr>
             <p:ph idx="1" type="body"/>
@@ -7603,7 +10322,7 @@
         </p:nvSpPr>
         <p:spPr>
           <a:xfrm>
-            <a:off x="311700" y="1095775"/>
+            <a:off x="311700" y="1152475"/>
             <a:ext cx="8520600" cy="3416400"/>
           </a:xfrm>
           <a:prstGeom prst="rect">
@@ -7612,7 +10331,7 @@
         </p:spPr>
         <p:txBody>
           <a:bodyPr anchorCtr="0" anchor="t" bIns="91425" lIns="91425" spcFirstLastPara="1" rIns="91425" wrap="square" tIns="91425">
-            <a:normAutofit lnSpcReduction="10000"/>
+            <a:normAutofit fontScale="92500" lnSpcReduction="20000"/>
           </a:bodyPr>
           <a:lstStyle/>
           <a:p>
@@ -7626,13 +10345,65 @@
               <a:buNone/>
             </a:pPr>
             <a:r>
-              <a:rPr lang="en"/>
-              <a:t>1. Schema Matching: create a common schema that matches across the various sources to answer queries across the various data sets.</a:t>
-            </a:r>
-            <a:endParaRPr/>
-          </a:p>
-          <a:p>
-            <a:pPr indent="457200" lvl="0" marL="1371600" rtl="0" algn="l">
+              <a:rPr lang="en" sz="1400">
+                <a:solidFill>
+                  <a:srgbClr val="212529"/>
+                </a:solidFill>
+                <a:highlight>
+                  <a:srgbClr val="FFFFFF"/>
+                </a:highlight>
+                <a:latin typeface="Roboto"/>
+                <a:ea typeface="Roboto"/>
+                <a:cs typeface="Roboto"/>
+                <a:sym typeface="Roboto"/>
+              </a:rPr>
+              <a:t>1. Multiple artists for a record, delimited by a </a:t>
+            </a:r>
+            <a:r>
+              <a:rPr lang="en" sz="1400">
+                <a:solidFill>
+                  <a:srgbClr val="212529"/>
+                </a:solidFill>
+                <a:highlight>
+                  <a:srgbClr val="FFFFFF"/>
+                </a:highlight>
+                <a:latin typeface="Roboto"/>
+                <a:ea typeface="Roboto"/>
+                <a:cs typeface="Roboto"/>
+                <a:sym typeface="Roboto"/>
+              </a:rPr>
+              <a:t>separator</a:t>
+            </a:r>
+            <a:r>
+              <a:rPr lang="en" sz="1400">
+                <a:solidFill>
+                  <a:srgbClr val="212529"/>
+                </a:solidFill>
+                <a:highlight>
+                  <a:srgbClr val="FFFFFF"/>
+                </a:highlight>
+                <a:latin typeface="Roboto"/>
+                <a:ea typeface="Roboto"/>
+                <a:cs typeface="Roboto"/>
+                <a:sym typeface="Roboto"/>
+              </a:rPr>
+              <a:t> and each artist should be accredited to the record. Exploded the entries by delimiter.</a:t>
+            </a:r>
+            <a:endParaRPr sz="1400">
+              <a:solidFill>
+                <a:srgbClr val="212529"/>
+              </a:solidFill>
+              <a:highlight>
+                <a:srgbClr val="FFFFFF"/>
+              </a:highlight>
+              <a:latin typeface="Roboto"/>
+              <a:ea typeface="Roboto"/>
+              <a:cs typeface="Roboto"/>
+              <a:sym typeface="Roboto"/>
+            </a:endParaRPr>
+          </a:p>
+          <a:p>
+            <a:pPr indent="0" lvl="0" marL="0" rtl="0" algn="l">
               <a:spcBef>
                 <a:spcPts val="1200"/>
               </a:spcBef>
@@ -7642,10 +10413,32 @@
               <a:buNone/>
             </a:pPr>
             <a:r>
-              <a:rPr lang="en"/>
-              <a:t>Q(Name, birth year, death year, nationality)</a:t>
-            </a:r>
-            <a:endParaRPr/>
+              <a:rPr lang="en" sz="1400">
+                <a:solidFill>
+                  <a:srgbClr val="212529"/>
+                </a:solidFill>
+                <a:highlight>
+                  <a:srgbClr val="FFFFFF"/>
+                </a:highlight>
+                <a:latin typeface="Roboto"/>
+                <a:ea typeface="Roboto"/>
+                <a:cs typeface="Roboto"/>
+                <a:sym typeface="Roboto"/>
+              </a:rPr>
+              <a:t>2. Some of the accession years are not dates so they should be ignored by setting to NaN.</a:t>
+            </a:r>
+            <a:endParaRPr sz="1400">
+              <a:solidFill>
+                <a:srgbClr val="212529"/>
+              </a:solidFill>
+              <a:highlight>
+                <a:srgbClr val="FFFFFF"/>
+              </a:highlight>
+              <a:latin typeface="Roboto"/>
+              <a:ea typeface="Roboto"/>
+              <a:cs typeface="Roboto"/>
+              <a:sym typeface="Roboto"/>
+            </a:endParaRPr>
           </a:p>
           <a:p>
             <a:pPr indent="0" lvl="0" marL="0" rtl="0" algn="l">
@@ -7658,10 +10451,62 @@
               <a:buNone/>
             </a:pPr>
             <a:r>
-              <a:rPr lang="en"/>
-              <a:t>2. Aggregate the data such that a single artist id is generated for all the unique artists by matching ULAN identifiers and matching first name last name by using fuzzy matcher.</a:t>
-            </a:r>
-            <a:endParaRPr/>
+              <a:rPr lang="en" sz="1400">
+                <a:solidFill>
+                  <a:srgbClr val="212529"/>
+                </a:solidFill>
+                <a:highlight>
+                  <a:srgbClr val="FFFFFF"/>
+                </a:highlight>
+                <a:latin typeface="Roboto"/>
+                <a:ea typeface="Roboto"/>
+                <a:cs typeface="Roboto"/>
+                <a:sym typeface="Roboto"/>
+              </a:rPr>
+              <a:t>3. Some artists are anonymous, unknown or identified by the location rather than an </a:t>
+            </a:r>
+            <a:r>
+              <a:rPr lang="en" sz="1400">
+                <a:solidFill>
+                  <a:srgbClr val="212529"/>
+                </a:solidFill>
+                <a:highlight>
+                  <a:srgbClr val="FFFFFF"/>
+                </a:highlight>
+                <a:latin typeface="Roboto"/>
+                <a:ea typeface="Roboto"/>
+                <a:cs typeface="Roboto"/>
+                <a:sym typeface="Roboto"/>
+              </a:rPr>
+              <a:t>actual</a:t>
+            </a:r>
+            <a:r>
+              <a:rPr lang="en" sz="1400">
+                <a:solidFill>
+                  <a:srgbClr val="212529"/>
+                </a:solidFill>
+                <a:highlight>
+                  <a:srgbClr val="FFFFFF"/>
+                </a:highlight>
+                <a:latin typeface="Roboto"/>
+                <a:ea typeface="Roboto"/>
+                <a:cs typeface="Roboto"/>
+                <a:sym typeface="Roboto"/>
+              </a:rPr>
+              <a:t> name so they should befittingly named "anonymous". </a:t>
+            </a:r>
+            <a:endParaRPr sz="1400">
+              <a:solidFill>
+                <a:srgbClr val="212529"/>
+              </a:solidFill>
+              <a:highlight>
+                <a:srgbClr val="FFFFFF"/>
+              </a:highlight>
+              <a:latin typeface="Roboto"/>
+              <a:ea typeface="Roboto"/>
+              <a:cs typeface="Roboto"/>
+              <a:sym typeface="Roboto"/>
+            </a:endParaRPr>
           </a:p>
           <a:p>
             <a:pPr indent="0" lvl="0" marL="0" rtl="0" algn="l">
@@ -7669,19 +10514,163 @@
                 <a:spcPts val="1200"/>
               </a:spcBef>
               <a:spcAft>
+                <a:spcPts val="0"/>
+              </a:spcAft>
+              <a:buNone/>
+            </a:pPr>
+            <a:r>
+              <a:rPr lang="en" sz="1400">
+                <a:solidFill>
+                  <a:srgbClr val="212529"/>
+                </a:solidFill>
+                <a:highlight>
+                  <a:srgbClr val="FFFFFF"/>
+                </a:highlight>
+                <a:latin typeface="Roboto"/>
+                <a:ea typeface="Roboto"/>
+                <a:cs typeface="Roboto"/>
+                <a:sym typeface="Roboto"/>
+              </a:rPr>
+              <a:t>4. Certain Begin Dates are after the End date. Certain dates don't specify B.C or A.D and others are 0. Fill such entries with NaN</a:t>
+            </a:r>
+            <a:endParaRPr sz="1400">
+              <a:solidFill>
+                <a:srgbClr val="212529"/>
+              </a:solidFill>
+              <a:highlight>
+                <a:srgbClr val="FFFFFF"/>
+              </a:highlight>
+              <a:latin typeface="Roboto"/>
+              <a:ea typeface="Roboto"/>
+              <a:cs typeface="Roboto"/>
+              <a:sym typeface="Roboto"/>
+            </a:endParaRPr>
+          </a:p>
+          <a:p>
+            <a:pPr indent="0" lvl="0" marL="0" rtl="0" algn="l">
+              <a:spcBef>
                 <a:spcPts val="1200"/>
-              </a:spcAft>
-              <a:buNone/>
-            </a:pPr>
-            <a:r>
-              <a:rPr lang="en"/>
-              <a:t>3. </a:t>
-            </a:r>
-            <a:r>
-              <a:rPr lang="en"/>
-              <a:t>Archives may have been duplicated and the information about certain artists and their nationality, ethnicity could be differing, so majority voting aggregation of such records after identifying copies by using edit distance , Jaccard distance. </a:t>
-            </a:r>
-            <a:endParaRPr/>
+              </a:spcBef>
+              <a:spcAft>
+                <a:spcPts val="0"/>
+              </a:spcAft>
+              <a:buNone/>
+            </a:pPr>
+            <a:r>
+              <a:rPr lang="en" sz="1400">
+                <a:solidFill>
+                  <a:srgbClr val="212529"/>
+                </a:solidFill>
+                <a:highlight>
+                  <a:srgbClr val="FFFFFF"/>
+                </a:highlight>
+                <a:latin typeface="Roboto"/>
+                <a:ea typeface="Roboto"/>
+                <a:cs typeface="Roboto"/>
+                <a:sym typeface="Roboto"/>
+              </a:rPr>
+              <a:t>5. The nationality column had upper case and lower case so standardizing the Artist Name and Nationality columns.</a:t>
+            </a:r>
+            <a:endParaRPr sz="1400">
+              <a:solidFill>
+                <a:srgbClr val="212529"/>
+              </a:solidFill>
+              <a:highlight>
+                <a:srgbClr val="FFFFFF"/>
+              </a:highlight>
+              <a:latin typeface="Roboto"/>
+              <a:ea typeface="Roboto"/>
+              <a:cs typeface="Roboto"/>
+              <a:sym typeface="Roboto"/>
+            </a:endParaRPr>
+          </a:p>
+          <a:p>
+            <a:pPr indent="0" lvl="0" marL="0" rtl="0" algn="l">
+              <a:spcBef>
+                <a:spcPts val="1200"/>
+              </a:spcBef>
+              <a:spcAft>
+                <a:spcPts val="0"/>
+              </a:spcAft>
+              <a:buNone/>
+            </a:pPr>
+            <a:r>
+              <a:rPr lang="en" sz="1400">
+                <a:solidFill>
+                  <a:schemeClr val="dk1"/>
+                </a:solidFill>
+                <a:highlight>
+                  <a:srgbClr val="FFFFFF"/>
+                </a:highlight>
+                <a:latin typeface="Roboto"/>
+                <a:ea typeface="Roboto"/>
+                <a:cs typeface="Roboto"/>
+                <a:sym typeface="Roboto"/>
+              </a:rPr>
+              <a:t>6. </a:t>
+            </a:r>
+            <a:r>
+              <a:rPr lang="en" sz="1350">
+                <a:solidFill>
+                  <a:schemeClr val="dk1"/>
+                </a:solidFill>
+                <a:latin typeface="Roboto"/>
+                <a:ea typeface="Roboto"/>
+                <a:cs typeface="Roboto"/>
+                <a:sym typeface="Roboto"/>
+              </a:rPr>
+              <a:t>Handling missing information by merging information from other data sources on certain columns. Using unsupervised learning techniques such as Hierarchical Clustering techniques.</a:t>
+            </a:r>
+            <a:endParaRPr sz="1350">
+              <a:solidFill>
+                <a:schemeClr val="dk1"/>
+              </a:solidFill>
+              <a:highlight>
+                <a:srgbClr val="FFFFFF"/>
+              </a:highlight>
+              <a:latin typeface="Roboto"/>
+              <a:ea typeface="Roboto"/>
+              <a:cs typeface="Roboto"/>
+              <a:sym typeface="Roboto"/>
+            </a:endParaRPr>
+          </a:p>
+          <a:p>
+            <a:pPr indent="0" lvl="0" marL="0" rtl="0" algn="l">
+              <a:spcBef>
+                <a:spcPts val="1200"/>
+              </a:spcBef>
+              <a:spcAft>
+                <a:spcPts val="1200"/>
+              </a:spcAft>
+              <a:buNone/>
+            </a:pPr>
+            <a:r>
+              <a:rPr lang="en" sz="1200">
+                <a:solidFill>
+                  <a:srgbClr val="212529"/>
+                </a:solidFill>
+                <a:highlight>
+                  <a:srgbClr val="FFFFFF"/>
+                </a:highlight>
+                <a:latin typeface="Roboto"/>
+                <a:ea typeface="Roboto"/>
+                <a:cs typeface="Roboto"/>
+                <a:sym typeface="Roboto"/>
+              </a:rPr>
+              <a:t>7. ULAN id needed to parsed from URL to check for equivalence.</a:t>
+            </a:r>
+            <a:endParaRPr sz="1200">
+              <a:solidFill>
+                <a:srgbClr val="212529"/>
+              </a:solidFill>
+              <a:highlight>
+                <a:srgbClr val="FFFFFF"/>
+              </a:highlight>
+              <a:latin typeface="Roboto"/>
+              <a:ea typeface="Roboto"/>
+              <a:cs typeface="Roboto"/>
+              <a:sym typeface="Roboto"/>
+            </a:endParaRPr>
           </a:p>
         </p:txBody>
       </p:sp>
@@ -7698,7 +10687,7 @@
   <p:cSld>
     <p:spTree>
       <p:nvGrpSpPr>
-        <p:cNvPr id="90" name="Shape 90"/>
+        <p:cNvPr id="95" name="Shape 95"/>
         <p:cNvGrpSpPr/>
         <p:nvPr/>
       </p:nvGrpSpPr>
@@ -7712,7 +10701,7 @@
       </p:grpSpPr>
       <p:sp>
         <p:nvSpPr>
-          <p:cNvPr id="91" name="Google Shape;91;p19"/>
+          <p:cNvPr id="96" name="Google Shape;96;p19"/>
           <p:cNvSpPr txBox="1"/>
           <p:nvPr>
             <p:ph type="title"/>
@@ -7744,7 +10733,7 @@
             </a:pPr>
             <a:r>
               <a:rPr lang="en"/>
-              <a:t>Data Analysis</a:t>
+              <a:t>Schema Matching</a:t>
             </a:r>
             <a:endParaRPr/>
           </a:p>
@@ -7752,7 +10741,7 @@
       </p:sp>
       <p:sp>
         <p:nvSpPr>
-          <p:cNvPr id="92" name="Google Shape;92;p19"/>
+          <p:cNvPr id="97" name="Google Shape;97;p19"/>
           <p:cNvSpPr txBox="1"/>
           <p:nvPr>
             <p:ph idx="1" type="body"/>
@@ -7778,68 +10767,74 @@
                 <a:spcPts val="0"/>
               </a:spcBef>
               <a:spcAft>
-                <a:spcPts val="0"/>
+                <a:spcPts val="1200"/>
               </a:spcAft>
               <a:buNone/>
             </a:pPr>
             <a:r>
               <a:rPr lang="en"/>
-              <a:t>1. P</a:t>
-            </a:r>
-            <a:r>
-              <a:rPr lang="en"/>
-              <a:t>lot the ratio of art accessions from various nationalities across the years or answer and other visualizations from a common collective data source.</a:t>
+              <a:t>1. Calculate the Jaro, Jaro Winkler Similarity and the Levenshtein Distance and take the average of these three between pairwise attribute names to identify which attributes are closest match pairwise.</a:t>
             </a:r>
             <a:endParaRPr/>
-          </a:p>
-          <a:p>
-            <a:pPr indent="0" lvl="0" marL="0" rtl="0" algn="l">
-              <a:spcBef>
-                <a:spcPts val="1200"/>
-              </a:spcBef>
-              <a:spcAft>
-                <a:spcPts val="0"/>
-              </a:spcAft>
-              <a:buNone/>
-            </a:pPr>
-            <a:r>
-              <a:rPr lang="en"/>
-              <a:t>2. Plot the nationality and medium of the artists by the eras. It could be possible that certain mediums began to wear out with advent of evolving trends in craftsmanship.</a:t>
-            </a:r>
-            <a:endParaRPr/>
-          </a:p>
-          <a:p>
-            <a:pPr indent="0" lvl="0" marL="0" rtl="0" algn="l">
-              <a:spcBef>
-                <a:spcPts val="1200"/>
-              </a:spcBef>
-              <a:spcAft>
-                <a:spcPts val="0"/>
-              </a:spcAft>
-              <a:buNone/>
-            </a:pPr>
-            <a:r>
-              <a:t/>
-            </a:r>
-            <a:endParaRPr/>
-          </a:p>
-          <a:p>
-            <a:pPr indent="0" lvl="0" marL="0" rtl="0" algn="l">
-              <a:spcBef>
-                <a:spcPts val="1200"/>
-              </a:spcBef>
-              <a:spcAft>
-                <a:spcPts val="1200"/>
-              </a:spcAft>
-              <a:buNone/>
-            </a:pPr>
-            <a:r>
-              <a:t/>
-            </a:r>
-            <a:endParaRPr b="1"/>
           </a:p>
         </p:txBody>
       </p:sp>
+      <p:pic>
+        <p:nvPicPr>
+          <p:cNvPr id="98" name="Google Shape;98;p19"/>
+          <p:cNvPicPr preferRelativeResize="0"/>
+          <p:nvPr/>
+        </p:nvPicPr>
+        <p:blipFill>
+          <a:blip r:embed="rId3">
+            <a:alphaModFix/>
+          </a:blip>
+          <a:stretch>
+            <a:fillRect/>
+          </a:stretch>
+        </p:blipFill>
+        <p:spPr>
+          <a:xfrm>
+            <a:off x="1143000" y="1963450"/>
+            <a:ext cx="4240075" cy="3180049"/>
+          </a:xfrm>
+          <a:prstGeom prst="rect">
+            <a:avLst/>
+          </a:prstGeom>
+          <a:noFill/>
+          <a:ln>
+            <a:noFill/>
+          </a:ln>
+        </p:spPr>
+      </p:pic>
+      <p:pic>
+        <p:nvPicPr>
+          <p:cNvPr id="99" name="Google Shape;99;p19"/>
+          <p:cNvPicPr preferRelativeResize="0"/>
+          <p:nvPr/>
+        </p:nvPicPr>
+        <p:blipFill>
+          <a:blip r:embed="rId4">
+            <a:alphaModFix/>
+          </a:blip>
+          <a:stretch>
+            <a:fillRect/>
+          </a:stretch>
+        </p:blipFill>
+        <p:spPr>
+          <a:xfrm>
+            <a:off x="4662232" y="2571750"/>
+            <a:ext cx="4394768" cy="1769225"/>
+          </a:xfrm>
+          <a:prstGeom prst="rect">
+            <a:avLst/>
+          </a:prstGeom>
+          <a:noFill/>
+          <a:ln>
+            <a:noFill/>
+          </a:ln>
+        </p:spPr>
+      </p:pic>
     </p:spTree>
   </p:cSld>
   <p:clrMapOvr>
@@ -7853,7 +10848,7 @@
   <p:cSld>
     <p:spTree>
       <p:nvGrpSpPr>
-        <p:cNvPr id="96" name="Shape 96"/>
+        <p:cNvPr id="103" name="Shape 103"/>
         <p:cNvGrpSpPr/>
         <p:nvPr/>
       </p:nvGrpSpPr>
@@ -7867,7 +10862,7 @@
       </p:grpSpPr>
       <p:sp>
         <p:nvSpPr>
-          <p:cNvPr id="97" name="Google Shape;97;p20"/>
+          <p:cNvPr id="104" name="Google Shape;104;p20"/>
           <p:cNvSpPr txBox="1"/>
           <p:nvPr>
             <p:ph type="title"/>
@@ -7899,55 +10894,68 @@
             </a:pPr>
             <a:r>
               <a:rPr lang="en"/>
-              <a:t>Future Work	</a:t>
+              <a:t>Matchings found by similarity score</a:t>
             </a:r>
             <a:endParaRPr/>
           </a:p>
         </p:txBody>
       </p:sp>
-      <p:sp>
-        <p:nvSpPr>
-          <p:cNvPr id="98" name="Google Shape;98;p20"/>
-          <p:cNvSpPr txBox="1"/>
-          <p:nvPr>
-            <p:ph idx="1" type="body"/>
-          </p:nvPr>
-        </p:nvSpPr>
+      <p:pic>
+        <p:nvPicPr>
+          <p:cNvPr id="105" name="Google Shape;105;p20"/>
+          <p:cNvPicPr preferRelativeResize="0"/>
+          <p:nvPr/>
+        </p:nvPicPr>
+        <p:blipFill>
+          <a:blip r:embed="rId3">
+            <a:alphaModFix/>
+          </a:blip>
+          <a:stretch>
+            <a:fillRect/>
+          </a:stretch>
+        </p:blipFill>
         <p:spPr>
           <a:xfrm>
             <a:off x="311700" y="1152475"/>
-            <a:ext cx="8520600" cy="3416400"/>
+            <a:ext cx="3167850" cy="3745125"/>
           </a:xfrm>
           <a:prstGeom prst="rect">
             <a:avLst/>
           </a:prstGeom>
+          <a:noFill/>
+          <a:ln>
+            <a:noFill/>
+          </a:ln>
+        </p:spPr>
+      </p:pic>
+      <p:sp>
+        <p:nvSpPr>
+          <p:cNvPr id="106" name="Google Shape;106;p20"/>
+          <p:cNvSpPr txBox="1"/>
+          <p:nvPr/>
+        </p:nvSpPr>
+        <p:spPr>
+          <a:xfrm>
+            <a:off x="4375875" y="533200"/>
+            <a:ext cx="3461100" cy="484500"/>
+          </a:xfrm>
+          <a:prstGeom prst="rect">
+            <a:avLst/>
+          </a:prstGeom>
+          <a:noFill/>
+          <a:ln>
+            <a:noFill/>
+          </a:ln>
         </p:spPr>
         <p:txBody>
           <a:bodyPr anchorCtr="0" anchor="t" bIns="91425" lIns="91425" spcFirstLastPara="1" rIns="91425" wrap="square" tIns="91425">
-            <a:normAutofit/>
+            <a:noAutofit/>
           </a:bodyPr>
           <a:lstStyle/>
           <a:p>
-            <a:pPr indent="-342900" lvl="0" marL="457200" rtl="0" algn="l">
-              <a:spcBef>
-                <a:spcPts val="0"/>
-              </a:spcBef>
-              <a:spcAft>
-                <a:spcPts val="0"/>
-              </a:spcAft>
-              <a:buSzPts val="1800"/>
-              <a:buChar char="●"/>
-            </a:pPr>
-            <a:r>
-              <a:rPr lang="en"/>
-              <a:t>Identify denial constraints, FDs, counterfactuals, rules and regression models that can predict for some anonymous art work who could have been the artist!</a:t>
-            </a:r>
-            <a:endParaRPr/>
-          </a:p>
-          <a:p>
-            <a:pPr indent="0" lvl="0" marL="457200" rtl="0" algn="l">
-              <a:spcBef>
-                <a:spcPts val="1200"/>
+            <a:pPr indent="0" lvl="0" marL="0" rtl="0" algn="l">
+              <a:spcBef>
+                <a:spcPts val="0"/>
               </a:spcBef>
               <a:spcAft>
                 <a:spcPts val="0"/>
@@ -7957,27 +10965,42 @@
             <a:r>
               <a:t/>
             </a:r>
-            <a:endParaRPr/>
-          </a:p>
-          <a:p>
-            <a:pPr indent="-342900" lvl="0" marL="457200" rtl="0" algn="l">
-              <a:spcBef>
-                <a:spcPts val="1200"/>
-              </a:spcBef>
-              <a:spcAft>
-                <a:spcPts val="0"/>
-              </a:spcAft>
-              <a:buSzPts val="1800"/>
-              <a:buChar char="●"/>
-            </a:pPr>
-            <a:r>
-              <a:rPr lang="en"/>
-              <a:t>Using  unsupervised learning algorithms such Latent Dirichlet Allocation to automatically fill missing value, K - means clustering algorithm and re-run analysis experiments.</a:t>
-            </a:r>
-            <a:endParaRPr/>
+            <a:endParaRPr b="1" sz="1800">
+              <a:solidFill>
+                <a:schemeClr val="dk2"/>
+              </a:solidFill>
+            </a:endParaRPr>
           </a:p>
         </p:txBody>
       </p:sp>
+      <p:pic>
+        <p:nvPicPr>
+          <p:cNvPr id="107" name="Google Shape;107;p20"/>
+          <p:cNvPicPr preferRelativeResize="0"/>
+          <p:nvPr/>
+        </p:nvPicPr>
+        <p:blipFill>
+          <a:blip r:embed="rId4">
+            <a:alphaModFix/>
+          </a:blip>
+          <a:stretch>
+            <a:fillRect/>
+          </a:stretch>
+        </p:blipFill>
+        <p:spPr>
+          <a:xfrm>
+            <a:off x="4100800" y="1114550"/>
+            <a:ext cx="4233041" cy="3820975"/>
+          </a:xfrm>
+          <a:prstGeom prst="rect">
+            <a:avLst/>
+          </a:prstGeom>
+          <a:noFill/>
+          <a:ln>
+            <a:noFill/>
+          </a:ln>
+        </p:spPr>
+      </p:pic>
     </p:spTree>
   </p:cSld>
   <p:clrMapOvr>
@@ -7991,7 +11014,7 @@
   <p:cSld>
     <p:spTree>
       <p:nvGrpSpPr>
-        <p:cNvPr id="102" name="Shape 102"/>
+        <p:cNvPr id="111" name="Shape 111"/>
         <p:cNvGrpSpPr/>
         <p:nvPr/>
       </p:nvGrpSpPr>
@@ -8005,7 +11028,7 @@
       </p:grpSpPr>
       <p:sp>
         <p:nvSpPr>
-          <p:cNvPr id="103" name="Google Shape;103;p21"/>
+          <p:cNvPr id="112" name="Google Shape;112;p21"/>
           <p:cNvSpPr txBox="1"/>
           <p:nvPr>
             <p:ph type="title"/>
@@ -8037,7 +11060,7 @@
             </a:pPr>
             <a:r>
               <a:rPr lang="en"/>
-              <a:t>Citations</a:t>
+              <a:t>Apply functional based dependency repair</a:t>
             </a:r>
             <a:endParaRPr/>
           </a:p>
@@ -8045,7 +11068,7 @@
       </p:sp>
       <p:sp>
         <p:nvSpPr>
-          <p:cNvPr id="104" name="Google Shape;104;p21"/>
+          <p:cNvPr id="113" name="Google Shape;113;p21"/>
           <p:cNvSpPr txBox="1"/>
           <p:nvPr>
             <p:ph idx="1" type="body"/>
@@ -8076,13 +11099,12 @@
               <a:buNone/>
             </a:pPr>
             <a:r>
-              <a:rPr lang="en" u="sng">
-                <a:solidFill>
-                  <a:schemeClr val="hlink"/>
-                </a:solidFill>
-                <a:hlinkClick r:id="rId3"/>
-              </a:rPr>
-              <a:t>https://github.com/IITTeaching/cs520-f23-group-23/blob/main/main-520-project/data%20curation%20project.txt</a:t>
+              <a:rPr lang="en"/>
+              <a:t>We </a:t>
+            </a:r>
+            <a:r>
+              <a:rPr lang="en"/>
+              <a:t>have identified the following functional dependency</a:t>
             </a:r>
             <a:endParaRPr/>
           </a:p>
@@ -8097,6 +11119,54 @@
               <a:buNone/>
             </a:pPr>
             <a:r>
+              <a:rPr lang="en"/>
+              <a:t>full_name -&gt; nationality</a:t>
+            </a:r>
+            <a:endParaRPr/>
+          </a:p>
+          <a:p>
+            <a:pPr indent="0" lvl="0" marL="0" rtl="0" algn="l">
+              <a:spcBef>
+                <a:spcPts val="1200"/>
+              </a:spcBef>
+              <a:spcAft>
+                <a:spcPts val="0"/>
+              </a:spcAft>
+              <a:buNone/>
+            </a:pPr>
+            <a:r>
+              <a:rPr lang="en"/>
+              <a:t>full_name -&gt; birth_date</a:t>
+            </a:r>
+            <a:endParaRPr/>
+          </a:p>
+          <a:p>
+            <a:pPr indent="0" lvl="0" marL="0" rtl="0" algn="l">
+              <a:spcBef>
+                <a:spcPts val="1200"/>
+              </a:spcBef>
+              <a:spcAft>
+                <a:spcPts val="0"/>
+              </a:spcAft>
+              <a:buNone/>
+            </a:pPr>
+            <a:r>
+              <a:rPr lang="en"/>
+              <a:t>full_name -&gt; death_date</a:t>
+            </a:r>
+            <a:endParaRPr/>
+          </a:p>
+          <a:p>
+            <a:pPr indent="0" lvl="0" marL="0" rtl="0" algn="l">
+              <a:spcBef>
+                <a:spcPts val="1200"/>
+              </a:spcBef>
+              <a:spcAft>
+                <a:spcPts val="0"/>
+              </a:spcAft>
+              <a:buNone/>
+            </a:pPr>
+            <a:r>
               <a:t/>
             </a:r>
             <a:endParaRPr/>
@@ -8107,26 +11177,62 @@
                 <a:spcPts val="1200"/>
               </a:spcBef>
               <a:spcAft>
+                <a:spcPts val="0"/>
+              </a:spcAft>
+              <a:buNone/>
+            </a:pPr>
+            <a:r>
+              <a:rPr b="1" lang="en"/>
+              <a:t>FD Conflicts are resolved</a:t>
+            </a:r>
+            <a:endParaRPr b="1"/>
+          </a:p>
+          <a:p>
+            <a:pPr indent="0" lvl="0" marL="0" rtl="0" algn="l">
+              <a:spcBef>
                 <a:spcPts val="1200"/>
-              </a:spcAft>
-              <a:buNone/>
-            </a:pPr>
-            <a:r>
-              <a:rPr lang="en"/>
-              <a:t>We base our work on the data released by these museums. These were chosen because they endorse the CC0 license, </a:t>
-            </a:r>
-            <a:r>
-              <a:rPr lang="en"/>
-              <a:t>allowing a free and unrestricted use of the data.</a:t>
-            </a:r>
-            <a:r>
-              <a:rPr lang="en"/>
-              <a:t> </a:t>
-            </a:r>
-            <a:endParaRPr/>
+              </a:spcBef>
+              <a:spcAft>
+                <a:spcPts val="1200"/>
+              </a:spcAft>
+              <a:buNone/>
+            </a:pPr>
+            <a:r>
+              <a:rPr b="1" lang="en"/>
+              <a:t>by popular vote.</a:t>
+            </a:r>
+            <a:endParaRPr b="1"/>
           </a:p>
         </p:txBody>
       </p:sp>
+      <p:pic>
+        <p:nvPicPr>
+          <p:cNvPr id="114" name="Google Shape;114;p21"/>
+          <p:cNvPicPr preferRelativeResize="0"/>
+          <p:nvPr/>
+        </p:nvPicPr>
+        <p:blipFill>
+          <a:blip r:embed="rId3">
+            <a:alphaModFix/>
+          </a:blip>
+          <a:stretch>
+            <a:fillRect/>
+          </a:stretch>
+        </p:blipFill>
+        <p:spPr>
+          <a:xfrm>
+            <a:off x="3359224" y="1534050"/>
+            <a:ext cx="5784775" cy="3416400"/>
+          </a:xfrm>
+          <a:prstGeom prst="rect">
+            <a:avLst/>
+          </a:prstGeom>
+          <a:noFill/>
+          <a:ln>
+            <a:noFill/>
+          </a:ln>
+        </p:spPr>
+      </p:pic>
     </p:spTree>
   </p:cSld>
   <p:clrMapOvr>
@@ -8136,6 +11242,285 @@
 </file>
 
 <file path=ppt/theme/theme1.xml><?xml version="1.0" encoding="utf-8"?>
+<a:theme xmlns:a="http://schemas.openxmlformats.org/drawingml/2006/main" xmlns:r="http://schemas.openxmlformats.org/officeDocument/2006/relationships">
+  <a:themeElements>
+    <a:clrScheme name="Default">
+      <a:dk1>
+        <a:srgbClr val="000000"/>
+      </a:dk1>
+      <a:lt1>
+        <a:srgbClr val="FFFFFF"/>
+      </a:lt1>
+      <a:dk2>
+        <a:srgbClr val="158158"/>
+      </a:dk2>
+      <a:lt2>
+        <a:srgbClr val="F3F3F3"/>
+      </a:lt2>
+      <a:accent1>
+        <a:srgbClr val="058DC7"/>
+      </a:accent1>
+      <a:accent2>
+        <a:srgbClr val="50B432"/>
+      </a:accent2>
+      <a:accent3>
+        <a:srgbClr val="ED561B"/>
+      </a:accent3>
+      <a:accent4>
+        <a:srgbClr val="EDEF00"/>
+      </a:accent4>
+      <a:accent5>
+        <a:srgbClr val="24CBE5"/>
+      </a:accent5>
+      <a:accent6>
+        <a:srgbClr val="64E572"/>
+      </a:accent6>
+      <a:hlink>
+        <a:srgbClr val="2200CC"/>
+      </a:hlink>
+      <a:folHlink>
+        <a:srgbClr val="551A8B"/>
+      </a:folHlink>
+    </a:clrScheme>
+    <a:fontScheme name="Office">
+      <a:majorFont>
+        <a:latin typeface="Arial"/>
+        <a:ea typeface=""/>
+        <a:cs typeface=""/>
+        <a:font script="Jpan" typeface="ＭＳ Ｐゴシック"/>
+        <a:font script="Hang" typeface="맑은 고딕"/>
+        <a:font script="Hans" typeface="宋体"/>
+        <a:font script="Hant" typeface="新細明體"/>
+        <a:font script="Arab" typeface="Times New Roman"/>
+        <a:font script="Hebr" typeface="Times New Roman"/>
+        <a:font script="Thai" typeface="Angsana New"/>
+        <a:font script="Ethi" typeface="Nyala"/>
+        <a:font script="Beng" typeface="Vrinda"/>
+        <a:font script="Gujr" typeface="Shruti"/>
+        <a:font script="Khmr" typeface="MoolBoran"/>
+        <a:font script="Knda" typeface="Tunga"/>
+        <a:font script="Guru" typeface="Raavi"/>
+        <a:font script="Cans" typeface="Euphemia"/>
+        <a:font script="Cher" typeface="Plantagenet Cherokee"/>
+        <a:font script="Yiii" typeface="Microsoft Yi Baiti"/>
+        <a:font script="Tibt" typeface="Microsoft Himalaya"/>
+        <a:font script="Thaa" typeface="MV Boli"/>
+        <a:font script="Deva" typeface="Mangal"/>
+        <a:font script="Telu" typeface="Gautami"/>
+        <a:font script="Taml" typeface="Latha"/>
+        <a:font script="Syrc" typeface="Estrangelo Edessa"/>
+        <a:font script="Orya" typeface="Kalinga"/>
+        <a:font script="Mlym" typeface="Kartika"/>
+        <a:font script="Laoo" typeface="DokChampa"/>
+        <a:font script="Sinh" typeface="Iskoola Pota"/>
+        <a:font script="Mong" typeface="Mongolian Baiti"/>
+        <a:font script="Viet" typeface="Times New Roman"/>
+        <a:font script="Uigh" typeface="Microsoft Uighur"/>
+        <a:font script="Geor" typeface="Sylfaen"/>
+      </a:majorFont>
+      <a:minorFont>
+        <a:latin typeface="Arial"/>
+        <a:ea typeface=""/>
+        <a:cs typeface=""/>
+        <a:font script="Jpan" typeface="ＭＳ Ｐゴシック"/>
+        <a:font script="Hang" typeface="맑은 고딕"/>
+        <a:font script="Hans" typeface="宋体"/>
+        <a:font script="Hant" typeface="新細明體"/>
+        <a:font script="Arab" typeface="Arial"/>
+        <a:font script="Hebr" typeface="Arial"/>
+        <a:font script="Thai" typeface="Cordia New"/>
+        <a:font script="Ethi" typeface="Nyala"/>
+        <a:font script="Beng" typeface="Vrinda"/>
+        <a:font script="Gujr" typeface="Shruti"/>
+        <a:font script="Khmr" typeface="DaunPenh"/>
+        <a:font script="Knda" typeface="Tunga"/>
+        <a:font script="Guru" typeface="Raavi"/>
+        <a:font script="Cans" typeface="Euphemia"/>
+        <a:font script="Cher" typeface="Plantagenet Cherokee"/>
+        <a:font script="Yiii" typeface="Microsoft Yi Baiti"/>
+        <a:font script="Tibt" typeface="Microsoft Himalaya"/>
+        <a:font script="Thaa" typeface="MV Boli"/>
+        <a:font script="Deva" typeface="Mangal"/>
+        <a:font script="Telu" typeface="Gautami"/>
+        <a:font script="Taml" typeface="Latha"/>
+        <a:font script="Syrc" typeface="Estrangelo Edessa"/>
+        <a:font script="Orya" typeface="Kalinga"/>
+        <a:font script="Mlym" typeface="Kartika"/>
+        <a:font script="Laoo" typeface="DokChampa"/>
+        <a:font script="Sinh" typeface="Iskoola Pota"/>
+        <a:font script="Mong" typeface="Mongolian Baiti"/>
+        <a:font script="Viet" typeface="Arial"/>
+        <a:font script="Uigh" typeface="Microsoft Uighur"/>
+        <a:font script="Geor" typeface="Sylfaen"/>
+      </a:minorFont>
+    </a:fontScheme>
+    <a:fmtScheme name="Office">
+      <a:fillStyleLst>
+        <a:solidFill>
+          <a:schemeClr val="phClr"/>
+        </a:solidFill>
+        <a:gradFill rotWithShape="1">
+          <a:gsLst>
+            <a:gs pos="0">
+              <a:schemeClr val="phClr">
+                <a:tint val="50000"/>
+                <a:satMod val="300000"/>
+              </a:schemeClr>
+            </a:gs>
+            <a:gs pos="35000">
+              <a:schemeClr val="phClr">
+                <a:tint val="37000"/>
+                <a:satMod val="300000"/>
+              </a:schemeClr>
+            </a:gs>
+            <a:gs pos="100000">
+              <a:schemeClr val="phClr">
+                <a:tint val="15000"/>
+                <a:satMod val="350000"/>
+              </a:schemeClr>
+            </a:gs>
+          </a:gsLst>
+          <a:lin ang="16200000" scaled="1"/>
+        </a:gradFill>
+        <a:gradFill rotWithShape="1">
+          <a:gsLst>
+            <a:gs pos="0">
+              <a:schemeClr val="phClr">
+                <a:tint val="100000"/>
+                <a:shade val="100000"/>
+                <a:satMod val="130000"/>
+              </a:schemeClr>
+            </a:gs>
+            <a:gs pos="100000">
+              <a:schemeClr val="phClr">
+                <a:tint val="50000"/>
+                <a:shade val="100000"/>
+                <a:satMod val="350000"/>
+              </a:schemeClr>
+            </a:gs>
+          </a:gsLst>
+          <a:lin ang="16200000" scaled="0"/>
+        </a:gradFill>
+      </a:fillStyleLst>
+      <a:lnStyleLst>
+        <a:ln w="9525" cap="flat" cmpd="sng" algn="ctr">
+          <a:solidFill>
+            <a:schemeClr val="phClr">
+              <a:shade val="95000"/>
+              <a:satMod val="105000"/>
+            </a:schemeClr>
+          </a:solidFill>
+          <a:prstDash val="solid"/>
+        </a:ln>
+        <a:ln w="25400" cap="flat" cmpd="sng" algn="ctr">
+          <a:solidFill>
+            <a:schemeClr val="phClr"/>
+          </a:solidFill>
+          <a:prstDash val="solid"/>
+        </a:ln>
+        <a:ln w="38100" cap="flat" cmpd="sng" algn="ctr">
+          <a:solidFill>
+            <a:schemeClr val="phClr"/>
+          </a:solidFill>
+          <a:prstDash val="solid"/>
+        </a:ln>
+      </a:lnStyleLst>
+      <a:effectStyleLst>
+        <a:effectStyle>
+          <a:effectLst>
+            <a:outerShdw blurRad="40000" dist="20000" dir="5400000" rotWithShape="0">
+              <a:srgbClr val="000000">
+                <a:alpha val="38000"/>
+              </a:srgbClr>
+            </a:outerShdw>
+          </a:effectLst>
+        </a:effectStyle>
+        <a:effectStyle>
+          <a:effectLst>
+            <a:outerShdw blurRad="40000" dist="23000" dir="5400000" rotWithShape="0">
+              <a:srgbClr val="000000">
+                <a:alpha val="35000"/>
+              </a:srgbClr>
+            </a:outerShdw>
+          </a:effectLst>
+        </a:effectStyle>
+        <a:effectStyle>
+          <a:effectLst>
+            <a:outerShdw blurRad="40000" dist="23000" dir="5400000" rotWithShape="0">
+              <a:srgbClr val="000000">
+                <a:alpha val="35000"/>
+              </a:srgbClr>
+            </a:outerShdw>
+          </a:effectLst>
+          <a:scene3d>
+            <a:camera prst="orthographicFront">
+              <a:rot lat="0" lon="0" rev="0"/>
+            </a:camera>
+            <a:lightRig rig="threePt" dir="t">
+              <a:rot lat="0" lon="0" rev="1200000"/>
+            </a:lightRig>
+          </a:scene3d>
+          <a:sp3d>
+            <a:bevelT w="63500" h="25400"/>
+          </a:sp3d>
+        </a:effectStyle>
+      </a:effectStyleLst>
+      <a:bgFillStyleLst>
+        <a:solidFill>
+          <a:schemeClr val="phClr"/>
+        </a:solidFill>
+        <a:gradFill rotWithShape="1">
+          <a:gsLst>
+            <a:gs pos="0">
+              <a:schemeClr val="phClr">
+                <a:tint val="40000"/>
+                <a:satMod val="350000"/>
+              </a:schemeClr>
+            </a:gs>
+            <a:gs pos="40000">
+              <a:schemeClr val="phClr">
+                <a:tint val="45000"/>
+                <a:shade val="99000"/>
+                <a:satMod val="350000"/>
+              </a:schemeClr>
+            </a:gs>
+            <a:gs pos="100000">
+              <a:schemeClr val="phClr">
+                <a:shade val="20000"/>
+                <a:satMod val="255000"/>
+              </a:schemeClr>
+            </a:gs>
+          </a:gsLst>
+          <a:path path="circle">
+            <a:fillToRect l="50000" t="-80000" r="50000" b="180000"/>
+          </a:path>
+        </a:gradFill>
+        <a:gradFill rotWithShape="1">
+          <a:gsLst>
+            <a:gs pos="0">
+              <a:schemeClr val="phClr">
+                <a:tint val="80000"/>
+                <a:satMod val="300000"/>
+              </a:schemeClr>
+            </a:gs>
+            <a:gs pos="100000">
+              <a:schemeClr val="phClr">
+                <a:shade val="30000"/>
+                <a:satMod val="200000"/>
+              </a:schemeClr>
+            </a:gs>
+          </a:gsLst>
+          <a:path path="circle">
+            <a:fillToRect l="50000" t="50000" r="50000" b="50000"/>
+          </a:path>
+        </a:gradFill>
+      </a:bgFillStyleLst>
+    </a:fmtScheme>
+  </a:themeElements>
+</a:theme>
+</file>
+
+<file path=ppt/theme/theme2.xml><?xml version="1.0" encoding="utf-8"?>
 <a:theme xmlns:a="http://schemas.openxmlformats.org/drawingml/2006/main" xmlns:r="http://schemas.openxmlformats.org/officeDocument/2006/relationships" name="Simple Light">
   <a:themeElements>
     <a:clrScheme name="Simple Light">
@@ -8412,283 +11797,4 @@
     </a:fmtScheme>
   </a:themeElements>
 </a:theme>
-</file>
-
-<file path=ppt/theme/theme2.xml><?xml version="1.0" encoding="utf-8"?>
-<a:theme xmlns:a="http://schemas.openxmlformats.org/drawingml/2006/main" xmlns:r="http://schemas.openxmlformats.org/officeDocument/2006/relationships">
-  <a:themeElements>
-    <a:clrScheme name="Default">
-      <a:dk1>
-        <a:srgbClr val="000000"/>
-      </a:dk1>
-      <a:lt1>
-        <a:srgbClr val="FFFFFF"/>
-      </a:lt1>
-      <a:dk2>
-        <a:srgbClr val="158158"/>
-      </a:dk2>
-      <a:lt2>
-        <a:srgbClr val="F3F3F3"/>
-      </a:lt2>
-      <a:accent1>
-        <a:srgbClr val="058DC7"/>
-      </a:accent1>
-      <a:accent2>
-        <a:srgbClr val="50B432"/>
-      </a:accent2>
-      <a:accent3>
-        <a:srgbClr val="ED561B"/>
-      </a:accent3>
-      <a:accent4>
-        <a:srgbClr val="EDEF00"/>
-      </a:accent4>
-      <a:accent5>
-        <a:srgbClr val="24CBE5"/>
-      </a:accent5>
-      <a:accent6>
-        <a:srgbClr val="64E572"/>
-      </a:accent6>
-      <a:hlink>
-        <a:srgbClr val="2200CC"/>
-      </a:hlink>
-      <a:folHlink>
-        <a:srgbClr val="551A8B"/>
-      </a:folHlink>
-    </a:clrScheme>
-    <a:fontScheme name="Office">
-      <a:majorFont>
-        <a:latin typeface="Arial"/>
-        <a:ea typeface=""/>
-        <a:cs typeface=""/>
-        <a:font script="Jpan" typeface="ＭＳ Ｐゴシック"/>
-        <a:font script="Hang" typeface="맑은 고딕"/>
-        <a:font script="Hans" typeface="宋体"/>
-        <a:font script="Hant" typeface="新細明體"/>
-        <a:font script="Arab" typeface="Times New Roman"/>
-        <a:font script="Hebr" typeface="Times New Roman"/>
-        <a:font script="Thai" typeface="Angsana New"/>
-        <a:font script="Ethi" typeface="Nyala"/>
-        <a:font script="Beng" typeface="Vrinda"/>
-        <a:font script="Gujr" typeface="Shruti"/>
-        <a:font script="Khmr" typeface="MoolBoran"/>
-        <a:font script="Knda" typeface="Tunga"/>
-        <a:font script="Guru" typeface="Raavi"/>
-        <a:font script="Cans" typeface="Euphemia"/>
-        <a:font script="Cher" typeface="Plantagenet Cherokee"/>
-        <a:font script="Yiii" typeface="Microsoft Yi Baiti"/>
-        <a:font script="Tibt" typeface="Microsoft Himalaya"/>
-        <a:font script="Thaa" typeface="MV Boli"/>
-        <a:font script="Deva" typeface="Mangal"/>
-        <a:font script="Telu" typeface="Gautami"/>
-        <a:font script="Taml" typeface="Latha"/>
-        <a:font script="Syrc" typeface="Estrangelo Edessa"/>
-        <a:font script="Orya" typeface="Kalinga"/>
-        <a:font script="Mlym" typeface="Kartika"/>
-        <a:font script="Laoo" typeface="DokChampa"/>
-        <a:font script="Sinh" typeface="Iskoola Pota"/>
-        <a:font script="Mong" typeface="Mongolian Baiti"/>
-        <a:font script="Viet" typeface="Times New Roman"/>
-        <a:font script="Uigh" typeface="Microsoft Uighur"/>
-        <a:font script="Geor" typeface="Sylfaen"/>
-      </a:majorFont>
-      <a:minorFont>
-        <a:latin typeface="Arial"/>
-        <a:ea typeface=""/>
-        <a:cs typeface=""/>
-        <a:font script="Jpan" typeface="ＭＳ Ｐゴシック"/>
-        <a:font script="Hang" typeface="맑은 고딕"/>
-        <a:font script="Hans" typeface="宋体"/>
-        <a:font script="Hant" typeface="新細明體"/>
-        <a:font script="Arab" typeface="Arial"/>
-        <a:font script="Hebr" typeface="Arial"/>
-        <a:font script="Thai" typeface="Cordia New"/>
-        <a:font script="Ethi" typeface="Nyala"/>
-        <a:font script="Beng" typeface="Vrinda"/>
-        <a:font script="Gujr" typeface="Shruti"/>
-        <a:font script="Khmr" typeface="DaunPenh"/>
-        <a:font script="Knda" typeface="Tunga"/>
-        <a:font script="Guru" typeface="Raavi"/>
-        <a:font script="Cans" typeface="Euphemia"/>
-        <a:font script="Cher" typeface="Plantagenet Cherokee"/>
-        <a:font script="Yiii" typeface="Microsoft Yi Baiti"/>
-        <a:font script="Tibt" typeface="Microsoft Himalaya"/>
-        <a:font script="Thaa" typeface="MV Boli"/>
-        <a:font script="Deva" typeface="Mangal"/>
-        <a:font script="Telu" typeface="Gautami"/>
-        <a:font script="Taml" typeface="Latha"/>
-        <a:font script="Syrc" typeface="Estrangelo Edessa"/>
-        <a:font script="Orya" typeface="Kalinga"/>
-        <a:font script="Mlym" typeface="Kartika"/>
-        <a:font script="Laoo" typeface="DokChampa"/>
-        <a:font script="Sinh" typeface="Iskoola Pota"/>
-        <a:font script="Mong" typeface="Mongolian Baiti"/>
-        <a:font script="Viet" typeface="Arial"/>
-        <a:font script="Uigh" typeface="Microsoft Uighur"/>
-        <a:font script="Geor" typeface="Sylfaen"/>
-      </a:minorFont>
-    </a:fontScheme>
-    <a:fmtScheme name="Office">
-      <a:fillStyleLst>
-        <a:solidFill>
-          <a:schemeClr val="phClr"/>
-        </a:solidFill>
-        <a:gradFill rotWithShape="1">
-          <a:gsLst>
-            <a:gs pos="0">
-              <a:schemeClr val="phClr">
-                <a:tint val="50000"/>
-                <a:satMod val="300000"/>
-              </a:schemeClr>
-            </a:gs>
-            <a:gs pos="35000">
-              <a:schemeClr val="phClr">
-                <a:tint val="37000"/>
-                <a:satMod val="300000"/>
-              </a:schemeClr>
-            </a:gs>
-            <a:gs pos="100000">
-              <a:schemeClr val="phClr">
-                <a:tint val="15000"/>
-                <a:satMod val="350000"/>
-              </a:schemeClr>
-            </a:gs>
-          </a:gsLst>
-          <a:lin ang="16200000" scaled="1"/>
-        </a:gradFill>
-        <a:gradFill rotWithShape="1">
-          <a:gsLst>
-            <a:gs pos="0">
-              <a:schemeClr val="phClr">
-                <a:tint val="100000"/>
-                <a:shade val="100000"/>
-                <a:satMod val="130000"/>
-              </a:schemeClr>
-            </a:gs>
-            <a:gs pos="100000">
-              <a:schemeClr val="phClr">
-                <a:tint val="50000"/>
-                <a:shade val="100000"/>
-                <a:satMod val="350000"/>
-              </a:schemeClr>
-            </a:gs>
-          </a:gsLst>
-          <a:lin ang="16200000" scaled="0"/>
-        </a:gradFill>
-      </a:fillStyleLst>
-      <a:lnStyleLst>
-        <a:ln w="9525" cap="flat" cmpd="sng" algn="ctr">
-          <a:solidFill>
-            <a:schemeClr val="phClr">
-              <a:shade val="95000"/>
-              <a:satMod val="105000"/>
-            </a:schemeClr>
-          </a:solidFill>
-          <a:prstDash val="solid"/>
-        </a:ln>
-        <a:ln w="25400" cap="flat" cmpd="sng" algn="ctr">
-          <a:solidFill>
-            <a:schemeClr val="phClr"/>
-          </a:solidFill>
-          <a:prstDash val="solid"/>
-        </a:ln>
-        <a:ln w="38100" cap="flat" cmpd="sng" algn="ctr">
-          <a:solidFill>
-            <a:schemeClr val="phClr"/>
-          </a:solidFill>
-          <a:prstDash val="solid"/>
-        </a:ln>
-      </a:lnStyleLst>
-      <a:effectStyleLst>
-        <a:effectStyle>
-          <a:effectLst>
-            <a:outerShdw blurRad="40000" dist="20000" dir="5400000" rotWithShape="0">
-              <a:srgbClr val="000000">
-                <a:alpha val="38000"/>
-              </a:srgbClr>
-            </a:outerShdw>
-          </a:effectLst>
-        </a:effectStyle>
-        <a:effectStyle>
-          <a:effectLst>
-            <a:outerShdw blurRad="40000" dist="23000" dir="5400000" rotWithShape="0">
-              <a:srgbClr val="000000">
-                <a:alpha val="35000"/>
-              </a:srgbClr>
-            </a:outerShdw>
-          </a:effectLst>
-        </a:effectStyle>
-        <a:effectStyle>
-          <a:effectLst>
-            <a:outerShdw blurRad="40000" dist="23000" dir="5400000" rotWithShape="0">
-              <a:srgbClr val="000000">
-                <a:alpha val="35000"/>
-              </a:srgbClr>
-            </a:outerShdw>
-          </a:effectLst>
-          <a:scene3d>
-            <a:camera prst="orthographicFront">
-              <a:rot lat="0" lon="0" rev="0"/>
-            </a:camera>
-            <a:lightRig rig="threePt" dir="t">
-              <a:rot lat="0" lon="0" rev="1200000"/>
-            </a:lightRig>
-          </a:scene3d>
-          <a:sp3d>
-            <a:bevelT w="63500" h="25400"/>
-          </a:sp3d>
-        </a:effectStyle>
-      </a:effectStyleLst>
-      <a:bgFillStyleLst>
-        <a:solidFill>
-          <a:schemeClr val="phClr"/>
-        </a:solidFill>
-        <a:gradFill rotWithShape="1">
-          <a:gsLst>
-            <a:gs pos="0">
-              <a:schemeClr val="phClr">
-                <a:tint val="40000"/>
-                <a:satMod val="350000"/>
-              </a:schemeClr>
-            </a:gs>
-            <a:gs pos="40000">
-              <a:schemeClr val="phClr">
-                <a:tint val="45000"/>
-                <a:shade val="99000"/>
-                <a:satMod val="350000"/>
-              </a:schemeClr>
-            </a:gs>
-            <a:gs pos="100000">
-              <a:schemeClr val="phClr">
-                <a:shade val="20000"/>
-                <a:satMod val="255000"/>
-              </a:schemeClr>
-            </a:gs>
-          </a:gsLst>
-          <a:path path="circle">
-            <a:fillToRect l="50000" t="-80000" r="50000" b="180000"/>
-          </a:path>
-        </a:gradFill>
-        <a:gradFill rotWithShape="1">
-          <a:gsLst>
-            <a:gs pos="0">
-              <a:schemeClr val="phClr">
-                <a:tint val="80000"/>
-                <a:satMod val="300000"/>
-              </a:schemeClr>
-            </a:gs>
-            <a:gs pos="100000">
-              <a:schemeClr val="phClr">
-                <a:shade val="30000"/>
-                <a:satMod val="200000"/>
-              </a:schemeClr>
-            </a:gs>
-          </a:gsLst>
-          <a:path path="circle">
-            <a:fillToRect l="50000" t="50000" r="50000" b="50000"/>
-          </a:path>
-        </a:gradFill>
-      </a:bgFillStyleLst>
-    </a:fmtScheme>
-  </a:themeElements>
-</a:theme>
 </file>
--- a/main-520-project/CS 520 Data Curation.pptx
+++ b/main-520-project/CS 520 Data Curation.pptx
@@ -28,16 +28,19 @@
     <p:sldId id="273" r:id="rId23"/>
     <p:sldId id="274" r:id="rId24"/>
     <p:sldId id="275" r:id="rId25"/>
+    <p:sldId id="276" r:id="rId26"/>
+    <p:sldId id="277" r:id="rId27"/>
+    <p:sldId id="278" r:id="rId28"/>
   </p:sldIdLst>
   <p:sldSz cy="5143500" cx="9144000"/>
   <p:notesSz cx="6858000" cy="9144000"/>
   <p:embeddedFontLst>
     <p:embeddedFont>
       <p:font typeface="Roboto"/>
-      <p:regular r:id="rId26"/>
-      <p:bold r:id="rId27"/>
-      <p:italic r:id="rId28"/>
-      <p:boldItalic r:id="rId29"/>
+      <p:regular r:id="rId29"/>
+      <p:bold r:id="rId30"/>
+      <p:italic r:id="rId31"/>
+      <p:boldItalic r:id="rId32"/>
     </p:embeddedFont>
   </p:embeddedFontLst>
   <p:defaultTextStyle>
@@ -931,7 +934,7 @@
       </p:grpSpPr>
       <p:sp>
         <p:nvSpPr>
-          <p:cNvPr id="122" name="Google Shape;122;g2a0fe4a4a0f_1_34:notes"/>
+          <p:cNvPr id="122" name="Google Shape;122;g2a10a4776de_0_0:notes"/>
           <p:cNvSpPr/>
           <p:nvPr>
             <p:ph idx="2" type="sldImg"/>
@@ -966,7 +969,7 @@
       </p:sp>
       <p:sp>
         <p:nvSpPr>
-          <p:cNvPr id="123" name="Google Shape;123;g2a0fe4a4a0f_1_34:notes"/>
+          <p:cNvPr id="123" name="Google Shape;123;g2a10a4776de_0_0:notes"/>
           <p:cNvSpPr txBox="1"/>
           <p:nvPr>
             <p:ph idx="1" type="body"/>
@@ -1030,7 +1033,7 @@
       </p:grpSpPr>
       <p:sp>
         <p:nvSpPr>
-          <p:cNvPr id="128" name="Google Shape;128;g2a0fe4a4a0f_1_62:notes"/>
+          <p:cNvPr id="128" name="Google Shape;128;g2a0fe4a4a0f_1_34:notes"/>
           <p:cNvSpPr/>
           <p:nvPr>
             <p:ph idx="2" type="sldImg"/>
@@ -1065,7 +1068,7 @@
       </p:sp>
       <p:sp>
         <p:nvSpPr>
-          <p:cNvPr id="129" name="Google Shape;129;g2a0fe4a4a0f_1_62:notes"/>
+          <p:cNvPr id="129" name="Google Shape;129;g2a0fe4a4a0f_1_34:notes"/>
           <p:cNvSpPr txBox="1"/>
           <p:nvPr>
             <p:ph idx="1" type="body"/>
@@ -1129,7 +1132,7 @@
       </p:grpSpPr>
       <p:sp>
         <p:nvSpPr>
-          <p:cNvPr id="134" name="Google Shape;134;g2a0fe4a4a0f_1_50:notes"/>
+          <p:cNvPr id="134" name="Google Shape;134;g2a0fe4a4a0f_1_62:notes"/>
           <p:cNvSpPr/>
           <p:nvPr>
             <p:ph idx="2" type="sldImg"/>
@@ -1164,7 +1167,7 @@
       </p:sp>
       <p:sp>
         <p:nvSpPr>
-          <p:cNvPr id="135" name="Google Shape;135;g2a0fe4a4a0f_1_50:notes"/>
+          <p:cNvPr id="135" name="Google Shape;135;g2a0fe4a4a0f_1_62:notes"/>
           <p:cNvSpPr txBox="1"/>
           <p:nvPr>
             <p:ph idx="1" type="body"/>
@@ -1228,7 +1231,7 @@
       </p:grpSpPr>
       <p:sp>
         <p:nvSpPr>
-          <p:cNvPr id="140" name="Google Shape;140;g2a0fe4a4a0f_1_67:notes"/>
+          <p:cNvPr id="140" name="Google Shape;140;g2a10a4776de_0_15:notes"/>
           <p:cNvSpPr/>
           <p:nvPr>
             <p:ph idx="2" type="sldImg"/>
@@ -1263,7 +1266,7 @@
       </p:sp>
       <p:sp>
         <p:nvSpPr>
-          <p:cNvPr id="141" name="Google Shape;141;g2a0fe4a4a0f_1_67:notes"/>
+          <p:cNvPr id="141" name="Google Shape;141;g2a10a4776de_0_15:notes"/>
           <p:cNvSpPr txBox="1"/>
           <p:nvPr>
             <p:ph idx="1" type="body"/>
@@ -1313,7 +1316,7 @@
   <p:cSld>
     <p:spTree>
       <p:nvGrpSpPr>
-        <p:cNvPr id="146" name="Shape 146"/>
+        <p:cNvPr id="145" name="Shape 145"/>
         <p:cNvGrpSpPr/>
         <p:nvPr/>
       </p:nvGrpSpPr>
@@ -1327,7 +1330,7 @@
       </p:grpSpPr>
       <p:sp>
         <p:nvSpPr>
-          <p:cNvPr id="147" name="Google Shape;147;g2a0fe4a4a0f_1_57:notes"/>
+          <p:cNvPr id="146" name="Google Shape;146;g2a10a4776de_0_10:notes"/>
           <p:cNvSpPr/>
           <p:nvPr>
             <p:ph idx="2" type="sldImg"/>
@@ -1362,7 +1365,7 @@
       </p:sp>
       <p:sp>
         <p:nvSpPr>
-          <p:cNvPr id="148" name="Google Shape;148;g2a0fe4a4a0f_1_57:notes"/>
+          <p:cNvPr id="147" name="Google Shape;147;g2a10a4776de_0_10:notes"/>
           <p:cNvSpPr txBox="1"/>
           <p:nvPr>
             <p:ph idx="1" type="body"/>
@@ -1412,7 +1415,7 @@
   <p:cSld>
     <p:spTree>
       <p:nvGrpSpPr>
-        <p:cNvPr id="153" name="Shape 153"/>
+        <p:cNvPr id="151" name="Shape 151"/>
         <p:cNvGrpSpPr/>
         <p:nvPr/>
       </p:nvGrpSpPr>
@@ -1426,7 +1429,7 @@
       </p:grpSpPr>
       <p:sp>
         <p:nvSpPr>
-          <p:cNvPr id="154" name="Google Shape;154;g295a4782ee7_0_37:notes"/>
+          <p:cNvPr id="152" name="Google Shape;152;g2a0fe4a4a0f_1_50:notes"/>
           <p:cNvSpPr/>
           <p:nvPr>
             <p:ph idx="2" type="sldImg"/>
@@ -1461,7 +1464,7 @@
       </p:sp>
       <p:sp>
         <p:nvSpPr>
-          <p:cNvPr id="155" name="Google Shape;155;g295a4782ee7_0_37:notes"/>
+          <p:cNvPr id="153" name="Google Shape;153;g2a0fe4a4a0f_1_50:notes"/>
           <p:cNvSpPr txBox="1"/>
           <p:nvPr>
             <p:ph idx="1" type="body"/>
@@ -1511,7 +1514,7 @@
   <p:cSld>
     <p:spTree>
       <p:nvGrpSpPr>
-        <p:cNvPr id="161" name="Shape 161"/>
+        <p:cNvPr id="157" name="Shape 157"/>
         <p:cNvGrpSpPr/>
         <p:nvPr/>
       </p:nvGrpSpPr>
@@ -1525,7 +1528,7 @@
       </p:grpSpPr>
       <p:sp>
         <p:nvSpPr>
-          <p:cNvPr id="162" name="Google Shape;162;g2a0fe4a4a0f_1_78:notes"/>
+          <p:cNvPr id="158" name="Google Shape;158;g2a0fe4a4a0f_1_67:notes"/>
           <p:cNvSpPr/>
           <p:nvPr>
             <p:ph idx="2" type="sldImg"/>
@@ -1560,7 +1563,7 @@
       </p:sp>
       <p:sp>
         <p:nvSpPr>
-          <p:cNvPr id="163" name="Google Shape;163;g2a0fe4a4a0f_1_78:notes"/>
+          <p:cNvPr id="159" name="Google Shape;159;g2a0fe4a4a0f_1_67:notes"/>
           <p:cNvSpPr txBox="1"/>
           <p:nvPr>
             <p:ph idx="1" type="body"/>
@@ -1610,7 +1613,7 @@
   <p:cSld>
     <p:spTree>
       <p:nvGrpSpPr>
-        <p:cNvPr id="169" name="Shape 169"/>
+        <p:cNvPr id="164" name="Shape 164"/>
         <p:cNvGrpSpPr/>
         <p:nvPr/>
       </p:nvGrpSpPr>
@@ -1624,7 +1627,7 @@
       </p:grpSpPr>
       <p:sp>
         <p:nvSpPr>
-          <p:cNvPr id="170" name="Google Shape;170;g295a4782ee7_0_44:notes"/>
+          <p:cNvPr id="165" name="Google Shape;165;g2a0fe4a4a0f_1_57:notes"/>
           <p:cNvSpPr/>
           <p:nvPr>
             <p:ph idx="2" type="sldImg"/>
@@ -1659,7 +1662,7 @@
       </p:sp>
       <p:sp>
         <p:nvSpPr>
-          <p:cNvPr id="171" name="Google Shape;171;g295a4782ee7_0_44:notes"/>
+          <p:cNvPr id="166" name="Google Shape;166;g2a0fe4a4a0f_1_57:notes"/>
           <p:cNvSpPr txBox="1"/>
           <p:nvPr>
             <p:ph idx="1" type="body"/>
@@ -1709,7 +1712,7 @@
   <p:cSld>
     <p:spTree>
       <p:nvGrpSpPr>
-        <p:cNvPr id="175" name="Shape 175"/>
+        <p:cNvPr id="171" name="Shape 171"/>
         <p:cNvGrpSpPr/>
         <p:nvPr/>
       </p:nvGrpSpPr>
@@ -1723,7 +1726,7 @@
       </p:grpSpPr>
       <p:sp>
         <p:nvSpPr>
-          <p:cNvPr id="176" name="Google Shape;176;g2961ba04e30_0_0:notes"/>
+          <p:cNvPr id="172" name="Google Shape;172;g295a4782ee7_0_37:notes"/>
           <p:cNvSpPr/>
           <p:nvPr>
             <p:ph idx="2" type="sldImg"/>
@@ -1758,7 +1761,7 @@
       </p:sp>
       <p:sp>
         <p:nvSpPr>
-          <p:cNvPr id="177" name="Google Shape;177;g2961ba04e30_0_0:notes"/>
+          <p:cNvPr id="173" name="Google Shape;173;g295a4782ee7_0_37:notes"/>
           <p:cNvSpPr txBox="1"/>
           <p:nvPr>
             <p:ph idx="1" type="body"/>
@@ -1907,7 +1910,7 @@
   <p:cSld>
     <p:spTree>
       <p:nvGrpSpPr>
-        <p:cNvPr id="181" name="Shape 181"/>
+        <p:cNvPr id="179" name="Shape 179"/>
         <p:cNvGrpSpPr/>
         <p:nvPr/>
       </p:nvGrpSpPr>
@@ -1921,7 +1924,7 @@
       </p:grpSpPr>
       <p:sp>
         <p:nvSpPr>
-          <p:cNvPr id="182" name="Google Shape;182;g295a4782ee7_0_55:notes"/>
+          <p:cNvPr id="180" name="Google Shape;180;g2a0fe4a4a0f_1_78:notes"/>
           <p:cNvSpPr/>
           <p:nvPr>
             <p:ph idx="2" type="sldImg"/>
@@ -1956,7 +1959,304 @@
       </p:sp>
       <p:sp>
         <p:nvSpPr>
-          <p:cNvPr id="183" name="Google Shape;183;g295a4782ee7_0_55:notes"/>
+          <p:cNvPr id="181" name="Google Shape;181;g2a0fe4a4a0f_1_78:notes"/>
+          <p:cNvSpPr txBox="1"/>
+          <p:nvPr>
+            <p:ph idx="1" type="body"/>
+          </p:nvPr>
+        </p:nvSpPr>
+        <p:spPr>
+          <a:xfrm>
+            <a:off x="685800" y="4343400"/>
+            <a:ext cx="5486400" cy="4114800"/>
+          </a:xfrm>
+          <a:prstGeom prst="rect">
+            <a:avLst/>
+          </a:prstGeom>
+        </p:spPr>
+        <p:txBody>
+          <a:bodyPr anchorCtr="0" anchor="t" bIns="91425" lIns="91425" spcFirstLastPara="1" rIns="91425" wrap="square" tIns="91425">
+            <a:noAutofit/>
+          </a:bodyPr>
+          <a:lstStyle/>
+          <a:p>
+            <a:pPr indent="0" lvl="0" marL="0" rtl="0" algn="l">
+              <a:spcBef>
+                <a:spcPts val="0"/>
+              </a:spcBef>
+              <a:spcAft>
+                <a:spcPts val="0"/>
+              </a:spcAft>
+              <a:buNone/>
+            </a:pPr>
+            <a:r>
+              <a:t/>
+            </a:r>
+            <a:endParaRPr/>
+          </a:p>
+        </p:txBody>
+      </p:sp>
+    </p:spTree>
+  </p:cSld>
+  <p:clrMapOvr>
+    <a:masterClrMapping/>
+  </p:clrMapOvr>
+</p:notes>
+</file>
+
+<file path=ppt/notesSlides/notesSlide21.xml><?xml version="1.0" encoding="utf-8"?>
+<p:notes xmlns:a="http://schemas.openxmlformats.org/drawingml/2006/main" xmlns:r="http://schemas.openxmlformats.org/officeDocument/2006/relationships" xmlns:mc="http://schemas.openxmlformats.org/markup-compatibility/2006" xmlns:mv="urn:schemas-microsoft-com:mac:vml" xmlns:p="http://schemas.openxmlformats.org/presentationml/2006/main" xmlns:c="http://schemas.openxmlformats.org/drawingml/2006/chart" xmlns:dgm="http://schemas.openxmlformats.org/drawingml/2006/diagram" xmlns:o="urn:schemas-microsoft-com:office:office" xmlns:v="urn:schemas-microsoft-com:vml" xmlns:pvml="urn:schemas-microsoft-com:office:powerpoint" xmlns:com="http://schemas.openxmlformats.org/drawingml/2006/compatibility" xmlns:p14="http://schemas.microsoft.com/office/powerpoint/2010/main" xmlns:p15="http://schemas.microsoft.com/office/powerpoint/2012/main" xmlns:ahyp="http://schemas.microsoft.com/office/drawing/2018/hyperlinkcolor" showMasterPhAnim="0" showMasterSp="0">
+  <p:cSld>
+    <p:spTree>
+      <p:nvGrpSpPr>
+        <p:cNvPr id="187" name="Shape 187"/>
+        <p:cNvGrpSpPr/>
+        <p:nvPr/>
+      </p:nvGrpSpPr>
+      <p:grpSpPr>
+        <a:xfrm>
+          <a:off x="0" y="0"/>
+          <a:ext cx="0" cy="0"/>
+          <a:chOff x="0" y="0"/>
+          <a:chExt cx="0" cy="0"/>
+        </a:xfrm>
+      </p:grpSpPr>
+      <p:sp>
+        <p:nvSpPr>
+          <p:cNvPr id="188" name="Google Shape;188;g295a4782ee7_0_44:notes"/>
+          <p:cNvSpPr/>
+          <p:nvPr>
+            <p:ph idx="2" type="sldImg"/>
+          </p:nvPr>
+        </p:nvSpPr>
+        <p:spPr>
+          <a:xfrm>
+            <a:off x="381300" y="685800"/>
+            <a:ext cx="6096000" cy="3429000"/>
+          </a:xfrm>
+          <a:custGeom>
+            <a:rect b="b" l="l" r="r" t="t"/>
+            <a:pathLst>
+              <a:path extrusionOk="0" h="120000" w="120000">
+                <a:moveTo>
+                  <a:pt x="0" y="0"/>
+                </a:moveTo>
+                <a:lnTo>
+                  <a:pt x="120000" y="0"/>
+                </a:lnTo>
+                <a:lnTo>
+                  <a:pt x="120000" y="120000"/>
+                </a:lnTo>
+                <a:lnTo>
+                  <a:pt x="0" y="120000"/>
+                </a:lnTo>
+                <a:close/>
+              </a:path>
+            </a:pathLst>
+          </a:custGeom>
+        </p:spPr>
+      </p:sp>
+      <p:sp>
+        <p:nvSpPr>
+          <p:cNvPr id="189" name="Google Shape;189;g295a4782ee7_0_44:notes"/>
+          <p:cNvSpPr txBox="1"/>
+          <p:nvPr>
+            <p:ph idx="1" type="body"/>
+          </p:nvPr>
+        </p:nvSpPr>
+        <p:spPr>
+          <a:xfrm>
+            <a:off x="685800" y="4343400"/>
+            <a:ext cx="5486400" cy="4114800"/>
+          </a:xfrm>
+          <a:prstGeom prst="rect">
+            <a:avLst/>
+          </a:prstGeom>
+        </p:spPr>
+        <p:txBody>
+          <a:bodyPr anchorCtr="0" anchor="t" bIns="91425" lIns="91425" spcFirstLastPara="1" rIns="91425" wrap="square" tIns="91425">
+            <a:noAutofit/>
+          </a:bodyPr>
+          <a:lstStyle/>
+          <a:p>
+            <a:pPr indent="0" lvl="0" marL="0" rtl="0" algn="l">
+              <a:spcBef>
+                <a:spcPts val="0"/>
+              </a:spcBef>
+              <a:spcAft>
+                <a:spcPts val="0"/>
+              </a:spcAft>
+              <a:buNone/>
+            </a:pPr>
+            <a:r>
+              <a:t/>
+            </a:r>
+            <a:endParaRPr/>
+          </a:p>
+        </p:txBody>
+      </p:sp>
+    </p:spTree>
+  </p:cSld>
+  <p:clrMapOvr>
+    <a:masterClrMapping/>
+  </p:clrMapOvr>
+</p:notes>
+</file>
+
+<file path=ppt/notesSlides/notesSlide22.xml><?xml version="1.0" encoding="utf-8"?>
+<p:notes xmlns:a="http://schemas.openxmlformats.org/drawingml/2006/main" xmlns:r="http://schemas.openxmlformats.org/officeDocument/2006/relationships" xmlns:mc="http://schemas.openxmlformats.org/markup-compatibility/2006" xmlns:mv="urn:schemas-microsoft-com:mac:vml" xmlns:p="http://schemas.openxmlformats.org/presentationml/2006/main" xmlns:c="http://schemas.openxmlformats.org/drawingml/2006/chart" xmlns:dgm="http://schemas.openxmlformats.org/drawingml/2006/diagram" xmlns:o="urn:schemas-microsoft-com:office:office" xmlns:v="urn:schemas-microsoft-com:vml" xmlns:pvml="urn:schemas-microsoft-com:office:powerpoint" xmlns:com="http://schemas.openxmlformats.org/drawingml/2006/compatibility" xmlns:p14="http://schemas.microsoft.com/office/powerpoint/2010/main" xmlns:p15="http://schemas.microsoft.com/office/powerpoint/2012/main" xmlns:ahyp="http://schemas.microsoft.com/office/drawing/2018/hyperlinkcolor" showMasterPhAnim="0" showMasterSp="0">
+  <p:cSld>
+    <p:spTree>
+      <p:nvGrpSpPr>
+        <p:cNvPr id="193" name="Shape 193"/>
+        <p:cNvGrpSpPr/>
+        <p:nvPr/>
+      </p:nvGrpSpPr>
+      <p:grpSpPr>
+        <a:xfrm>
+          <a:off x="0" y="0"/>
+          <a:ext cx="0" cy="0"/>
+          <a:chOff x="0" y="0"/>
+          <a:chExt cx="0" cy="0"/>
+        </a:xfrm>
+      </p:grpSpPr>
+      <p:sp>
+        <p:nvSpPr>
+          <p:cNvPr id="194" name="Google Shape;194;g2961ba04e30_0_0:notes"/>
+          <p:cNvSpPr/>
+          <p:nvPr>
+            <p:ph idx="2" type="sldImg"/>
+          </p:nvPr>
+        </p:nvSpPr>
+        <p:spPr>
+          <a:xfrm>
+            <a:off x="381300" y="685800"/>
+            <a:ext cx="6096000" cy="3429000"/>
+          </a:xfrm>
+          <a:custGeom>
+            <a:rect b="b" l="l" r="r" t="t"/>
+            <a:pathLst>
+              <a:path extrusionOk="0" h="120000" w="120000">
+                <a:moveTo>
+                  <a:pt x="0" y="0"/>
+                </a:moveTo>
+                <a:lnTo>
+                  <a:pt x="120000" y="0"/>
+                </a:lnTo>
+                <a:lnTo>
+                  <a:pt x="120000" y="120000"/>
+                </a:lnTo>
+                <a:lnTo>
+                  <a:pt x="0" y="120000"/>
+                </a:lnTo>
+                <a:close/>
+              </a:path>
+            </a:pathLst>
+          </a:custGeom>
+        </p:spPr>
+      </p:sp>
+      <p:sp>
+        <p:nvSpPr>
+          <p:cNvPr id="195" name="Google Shape;195;g2961ba04e30_0_0:notes"/>
+          <p:cNvSpPr txBox="1"/>
+          <p:nvPr>
+            <p:ph idx="1" type="body"/>
+          </p:nvPr>
+        </p:nvSpPr>
+        <p:spPr>
+          <a:xfrm>
+            <a:off x="685800" y="4343400"/>
+            <a:ext cx="5486400" cy="4114800"/>
+          </a:xfrm>
+          <a:prstGeom prst="rect">
+            <a:avLst/>
+          </a:prstGeom>
+        </p:spPr>
+        <p:txBody>
+          <a:bodyPr anchorCtr="0" anchor="t" bIns="91425" lIns="91425" spcFirstLastPara="1" rIns="91425" wrap="square" tIns="91425">
+            <a:noAutofit/>
+          </a:bodyPr>
+          <a:lstStyle/>
+          <a:p>
+            <a:pPr indent="0" lvl="0" marL="0" rtl="0" algn="l">
+              <a:spcBef>
+                <a:spcPts val="0"/>
+              </a:spcBef>
+              <a:spcAft>
+                <a:spcPts val="0"/>
+              </a:spcAft>
+              <a:buNone/>
+            </a:pPr>
+            <a:r>
+              <a:t/>
+            </a:r>
+            <a:endParaRPr/>
+          </a:p>
+        </p:txBody>
+      </p:sp>
+    </p:spTree>
+  </p:cSld>
+  <p:clrMapOvr>
+    <a:masterClrMapping/>
+  </p:clrMapOvr>
+</p:notes>
+</file>
+
+<file path=ppt/notesSlides/notesSlide23.xml><?xml version="1.0" encoding="utf-8"?>
+<p:notes xmlns:a="http://schemas.openxmlformats.org/drawingml/2006/main" xmlns:r="http://schemas.openxmlformats.org/officeDocument/2006/relationships" xmlns:mc="http://schemas.openxmlformats.org/markup-compatibility/2006" xmlns:mv="urn:schemas-microsoft-com:mac:vml" xmlns:p="http://schemas.openxmlformats.org/presentationml/2006/main" xmlns:c="http://schemas.openxmlformats.org/drawingml/2006/chart" xmlns:dgm="http://schemas.openxmlformats.org/drawingml/2006/diagram" xmlns:o="urn:schemas-microsoft-com:office:office" xmlns:v="urn:schemas-microsoft-com:vml" xmlns:pvml="urn:schemas-microsoft-com:office:powerpoint" xmlns:com="http://schemas.openxmlformats.org/drawingml/2006/compatibility" xmlns:p14="http://schemas.microsoft.com/office/powerpoint/2010/main" xmlns:p15="http://schemas.microsoft.com/office/powerpoint/2012/main" xmlns:ahyp="http://schemas.microsoft.com/office/drawing/2018/hyperlinkcolor" showMasterPhAnim="0" showMasterSp="0">
+  <p:cSld>
+    <p:spTree>
+      <p:nvGrpSpPr>
+        <p:cNvPr id="199" name="Shape 199"/>
+        <p:cNvGrpSpPr/>
+        <p:nvPr/>
+      </p:nvGrpSpPr>
+      <p:grpSpPr>
+        <a:xfrm>
+          <a:off x="0" y="0"/>
+          <a:ext cx="0" cy="0"/>
+          <a:chOff x="0" y="0"/>
+          <a:chExt cx="0" cy="0"/>
+        </a:xfrm>
+      </p:grpSpPr>
+      <p:sp>
+        <p:nvSpPr>
+          <p:cNvPr id="200" name="Google Shape;200;g295a4782ee7_0_55:notes"/>
+          <p:cNvSpPr/>
+          <p:nvPr>
+            <p:ph idx="2" type="sldImg"/>
+          </p:nvPr>
+        </p:nvSpPr>
+        <p:spPr>
+          <a:xfrm>
+            <a:off x="381300" y="685800"/>
+            <a:ext cx="6096000" cy="3429000"/>
+          </a:xfrm>
+          <a:custGeom>
+            <a:rect b="b" l="l" r="r" t="t"/>
+            <a:pathLst>
+              <a:path extrusionOk="0" h="120000" w="120000">
+                <a:moveTo>
+                  <a:pt x="0" y="0"/>
+                </a:moveTo>
+                <a:lnTo>
+                  <a:pt x="120000" y="0"/>
+                </a:lnTo>
+                <a:lnTo>
+                  <a:pt x="120000" y="120000"/>
+                </a:lnTo>
+                <a:lnTo>
+                  <a:pt x="0" y="120000"/>
+                </a:lnTo>
+                <a:close/>
+              </a:path>
+            </a:pathLst>
+          </a:custGeom>
+        </p:spPr>
+      </p:sp>
+      <p:sp>
+        <p:nvSpPr>
+          <p:cNvPr id="201" name="Google Shape;201;g295a4782ee7_0_55:notes"/>
           <p:cNvSpPr txBox="1"/>
           <p:nvPr>
             <p:ph idx="1" type="body"/>
@@ -7607,40 +7907,108 @@
             </a:pPr>
             <a:r>
               <a:rPr lang="en"/>
-              <a:t>Entity Resolution using Sorted Neighborhood</a:t>
+              <a:t>Entity Resolution</a:t>
             </a:r>
             <a:endParaRPr/>
           </a:p>
         </p:txBody>
       </p:sp>
-      <p:pic>
-        <p:nvPicPr>
+      <p:sp>
+        <p:nvSpPr>
           <p:cNvPr id="126" name="Google Shape;126;p23"/>
-          <p:cNvPicPr preferRelativeResize="0"/>
-          <p:nvPr/>
-        </p:nvPicPr>
-        <p:blipFill>
-          <a:blip r:embed="rId3">
-            <a:alphaModFix/>
-          </a:blip>
-          <a:stretch>
-            <a:fillRect/>
-          </a:stretch>
-        </p:blipFill>
-        <p:spPr>
-          <a:xfrm>
-            <a:off x="986349" y="1187375"/>
-            <a:ext cx="8310055" cy="3416399"/>
+          <p:cNvSpPr txBox="1"/>
+          <p:nvPr>
+            <p:ph idx="1" type="body"/>
+          </p:nvPr>
+        </p:nvSpPr>
+        <p:spPr>
+          <a:xfrm>
+            <a:off x="311700" y="1152475"/>
+            <a:ext cx="8520600" cy="3416400"/>
           </a:xfrm>
           <a:prstGeom prst="rect">
             <a:avLst/>
           </a:prstGeom>
-          <a:noFill/>
-          <a:ln>
-            <a:noFill/>
-          </a:ln>
-        </p:spPr>
-      </p:pic>
+        </p:spPr>
+        <p:txBody>
+          <a:bodyPr anchorCtr="0" anchor="t" bIns="91425" lIns="91425" spcFirstLastPara="1" rIns="91425" wrap="square" tIns="91425">
+            <a:normAutofit/>
+          </a:bodyPr>
+          <a:lstStyle/>
+          <a:p>
+            <a:pPr indent="0" lvl="0" marL="0" rtl="0" algn="l">
+              <a:spcBef>
+                <a:spcPts val="0"/>
+              </a:spcBef>
+              <a:spcAft>
+                <a:spcPts val="0"/>
+              </a:spcAft>
+              <a:buNone/>
+            </a:pPr>
+            <a:r>
+              <a:rPr lang="en"/>
+              <a:t>We have so far a large dataset with </a:t>
+            </a:r>
+            <a:r>
+              <a:rPr lang="en"/>
+              <a:t>data frames</a:t>
+            </a:r>
+            <a:r>
+              <a:rPr lang="en"/>
+              <a:t> from various sources that have been integrated to one mediated schema, however, we must deduplicate records.</a:t>
+            </a:r>
+            <a:endParaRPr/>
+          </a:p>
+          <a:p>
+            <a:pPr indent="0" lvl="0" marL="0" rtl="0" algn="l">
+              <a:spcBef>
+                <a:spcPts val="1200"/>
+              </a:spcBef>
+              <a:spcAft>
+                <a:spcPts val="0"/>
+              </a:spcAft>
+              <a:buNone/>
+            </a:pPr>
+            <a:r>
+              <a:rPr lang="en"/>
+              <a:t>We evaluate three possible approaches for entity resolution:</a:t>
+            </a:r>
+            <a:endParaRPr/>
+          </a:p>
+          <a:p>
+            <a:pPr indent="0" lvl="0" marL="0" rtl="0" algn="l">
+              <a:spcBef>
+                <a:spcPts val="1200"/>
+              </a:spcBef>
+              <a:spcAft>
+                <a:spcPts val="0"/>
+              </a:spcAft>
+              <a:buNone/>
+            </a:pPr>
+            <a:r>
+              <a:rPr lang="en"/>
+              <a:t>1. Sorted Neighborhood</a:t>
+            </a:r>
+            <a:endParaRPr/>
+          </a:p>
+          <a:p>
+            <a:pPr indent="0" lvl="0" marL="0" rtl="0" algn="l">
+              <a:spcBef>
+                <a:spcPts val="1200"/>
+              </a:spcBef>
+              <a:spcAft>
+                <a:spcPts val="1200"/>
+              </a:spcAft>
+              <a:buNone/>
+            </a:pPr>
+            <a:r>
+              <a:rPr lang="en"/>
+              <a:t>2. Logistic Regression classifier</a:t>
+            </a:r>
+            <a:endParaRPr/>
+          </a:p>
+        </p:txBody>
+      </p:sp>
     </p:spTree>
   </p:cSld>
   <p:clrMapOvr>
@@ -7700,127 +8068,40 @@
             </a:pPr>
             <a:r>
               <a:rPr lang="en"/>
-              <a:t>Candidate pair scoring</a:t>
+              <a:t>Sorted Neighborhood</a:t>
             </a:r>
             <a:endParaRPr/>
           </a:p>
         </p:txBody>
       </p:sp>
-      <p:sp>
-        <p:nvSpPr>
+      <p:pic>
+        <p:nvPicPr>
           <p:cNvPr id="132" name="Google Shape;132;p24"/>
-          <p:cNvSpPr txBox="1"/>
-          <p:nvPr>
-            <p:ph idx="1" type="body"/>
-          </p:nvPr>
-        </p:nvSpPr>
-        <p:spPr>
-          <a:xfrm>
-            <a:off x="311700" y="1152475"/>
-            <a:ext cx="8520600" cy="3416400"/>
+          <p:cNvPicPr preferRelativeResize="0"/>
+          <p:nvPr/>
+        </p:nvPicPr>
+        <p:blipFill>
+          <a:blip r:embed="rId3">
+            <a:alphaModFix/>
+          </a:blip>
+          <a:stretch>
+            <a:fillRect/>
+          </a:stretch>
+        </p:blipFill>
+        <p:spPr>
+          <a:xfrm>
+            <a:off x="986349" y="1187375"/>
+            <a:ext cx="8310055" cy="3416399"/>
           </a:xfrm>
           <a:prstGeom prst="rect">
             <a:avLst/>
           </a:prstGeom>
-        </p:spPr>
-        <p:txBody>
-          <a:bodyPr anchorCtr="0" anchor="t" bIns="91425" lIns="91425" spcFirstLastPara="1" rIns="91425" wrap="square" tIns="91425">
-            <a:normAutofit/>
-          </a:bodyPr>
-          <a:lstStyle/>
-          <a:p>
-            <a:pPr indent="0" lvl="0" marL="0" rtl="0" algn="l">
-              <a:spcBef>
-                <a:spcPts val="0"/>
-              </a:spcBef>
-              <a:spcAft>
-                <a:spcPts val="0"/>
-              </a:spcAft>
-              <a:buNone/>
-            </a:pPr>
-            <a:r>
-              <a:rPr lang="en"/>
-              <a:t>The similarity scores for candidates pairs are calculated by various attributes.</a:t>
-            </a:r>
-            <a:endParaRPr/>
-          </a:p>
-          <a:p>
-            <a:pPr indent="0" lvl="0" marL="0" rtl="0" algn="l">
-              <a:spcBef>
-                <a:spcPts val="1200"/>
-              </a:spcBef>
-              <a:spcAft>
-                <a:spcPts val="0"/>
-              </a:spcAft>
-              <a:buNone/>
-            </a:pPr>
-            <a:r>
-              <a:rPr lang="en"/>
-              <a:t>1. </a:t>
-            </a:r>
-            <a:r>
-              <a:rPr lang="en"/>
-              <a:t>Exact matching on full_name</a:t>
-            </a:r>
-            <a:endParaRPr/>
-          </a:p>
-          <a:p>
-            <a:pPr indent="0" lvl="0" marL="0" rtl="0" algn="l">
-              <a:spcBef>
-                <a:spcPts val="1200"/>
-              </a:spcBef>
-              <a:spcAft>
-                <a:spcPts val="0"/>
-              </a:spcAft>
-              <a:buNone/>
-            </a:pPr>
-            <a:r>
-              <a:rPr lang="en"/>
-              <a:t>2. Exact matching on ULAN id </a:t>
-            </a:r>
-            <a:endParaRPr/>
-          </a:p>
-          <a:p>
-            <a:pPr indent="0" lvl="0" marL="0" rtl="0" algn="l">
-              <a:spcBef>
-                <a:spcPts val="1200"/>
-              </a:spcBef>
-              <a:spcAft>
-                <a:spcPts val="0"/>
-              </a:spcAft>
-              <a:buNone/>
-            </a:pPr>
-            <a:r>
-              <a:rPr lang="en"/>
-              <a:t>3. </a:t>
-            </a:r>
-            <a:r>
-              <a:rPr lang="en"/>
-              <a:t>Fuzzy Matching</a:t>
-            </a:r>
-            <a:r>
-              <a:rPr lang="en"/>
-              <a:t> on artist names</a:t>
-            </a:r>
-            <a:endParaRPr/>
-          </a:p>
-          <a:p>
-            <a:pPr indent="0" lvl="0" marL="0" rtl="0" algn="l">
-              <a:spcBef>
-                <a:spcPts val="1200"/>
-              </a:spcBef>
-              <a:spcAft>
-                <a:spcPts val="1200"/>
-              </a:spcAft>
-              <a:buNone/>
-            </a:pPr>
-            <a:r>
-              <a:t/>
-            </a:r>
-            <a:endParaRPr/>
-          </a:p>
-        </p:txBody>
-      </p:sp>
+          <a:noFill/>
+          <a:ln>
+            <a:noFill/>
+          </a:ln>
+        </p:spPr>
+      </p:pic>
     </p:spTree>
   </p:cSld>
   <p:clrMapOvr>
@@ -7880,40 +8161,128 @@
             </a:pPr>
             <a:r>
               <a:rPr lang="en"/>
-              <a:t>Center Clustering</a:t>
+              <a:t>Candidate pair scoring</a:t>
             </a:r>
             <a:endParaRPr/>
           </a:p>
         </p:txBody>
       </p:sp>
-      <p:pic>
-        <p:nvPicPr>
+      <p:sp>
+        <p:nvSpPr>
           <p:cNvPr id="138" name="Google Shape;138;p25"/>
-          <p:cNvPicPr preferRelativeResize="0"/>
-          <p:nvPr/>
-        </p:nvPicPr>
-        <p:blipFill>
-          <a:blip r:embed="rId3">
-            <a:alphaModFix/>
-          </a:blip>
-          <a:stretch>
-            <a:fillRect/>
-          </a:stretch>
-        </p:blipFill>
-        <p:spPr>
-          <a:xfrm>
-            <a:off x="1035051" y="1017725"/>
-            <a:ext cx="8261347" cy="3821099"/>
+          <p:cNvSpPr txBox="1"/>
+          <p:nvPr>
+            <p:ph idx="1" type="body"/>
+          </p:nvPr>
+        </p:nvSpPr>
+        <p:spPr>
+          <a:xfrm>
+            <a:off x="311700" y="1152475"/>
+            <a:ext cx="8520600" cy="3416400"/>
           </a:xfrm>
           <a:prstGeom prst="rect">
             <a:avLst/>
           </a:prstGeom>
-          <a:noFill/>
-          <a:ln>
-            <a:noFill/>
-          </a:ln>
-        </p:spPr>
-      </p:pic>
+        </p:spPr>
+        <p:txBody>
+          <a:bodyPr anchorCtr="0" anchor="t" bIns="91425" lIns="91425" spcFirstLastPara="1" rIns="91425" wrap="square" tIns="91425">
+            <a:normAutofit/>
+          </a:bodyPr>
+          <a:lstStyle/>
+          <a:p>
+            <a:pPr indent="0" lvl="0" marL="0" rtl="0" algn="l">
+              <a:spcBef>
+                <a:spcPts val="0"/>
+              </a:spcBef>
+              <a:spcAft>
+                <a:spcPts val="0"/>
+              </a:spcAft>
+              <a:buNone/>
+            </a:pPr>
+            <a:r>
+              <a:rPr lang="en"/>
+              <a:t>The similarity scores for candidates pairs are calculated by various attributes.</a:t>
+            </a:r>
+            <a:endParaRPr/>
+          </a:p>
+          <a:p>
+            <a:pPr indent="0" lvl="0" marL="0" rtl="0" algn="l">
+              <a:spcBef>
+                <a:spcPts val="1200"/>
+              </a:spcBef>
+              <a:spcAft>
+                <a:spcPts val="0"/>
+              </a:spcAft>
+              <a:buNone/>
+            </a:pPr>
+            <a:r>
+              <a:rPr lang="en"/>
+              <a:t>1. </a:t>
+            </a:r>
+            <a:r>
+              <a:rPr lang="en"/>
+              <a:t>Exact matching on full_name</a:t>
+            </a:r>
+            <a:endParaRPr/>
+          </a:p>
+          <a:p>
+            <a:pPr indent="0" lvl="0" marL="0" rtl="0" algn="l">
+              <a:spcBef>
+                <a:spcPts val="1200"/>
+              </a:spcBef>
+              <a:spcAft>
+                <a:spcPts val="0"/>
+              </a:spcAft>
+              <a:buNone/>
+            </a:pPr>
+            <a:r>
+              <a:rPr lang="en"/>
+              <a:t>2. Exact matching on ULAN id </a:t>
+            </a:r>
+            <a:endParaRPr/>
+          </a:p>
+          <a:p>
+            <a:pPr indent="0" lvl="0" marL="0" rtl="0" algn="l">
+              <a:spcBef>
+                <a:spcPts val="1200"/>
+              </a:spcBef>
+              <a:spcAft>
+                <a:spcPts val="0"/>
+              </a:spcAft>
+              <a:buNone/>
+            </a:pPr>
+            <a:r>
+              <a:rPr lang="en"/>
+              <a:t>3. </a:t>
+            </a:r>
+            <a:r>
+              <a:rPr lang="en"/>
+              <a:t>Fuzzy Matching</a:t>
+            </a:r>
+            <a:r>
+              <a:rPr lang="en"/>
+              <a:t> on artist names - cosine similarity of names</a:t>
+            </a:r>
+            <a:endParaRPr/>
+          </a:p>
+          <a:p>
+            <a:pPr indent="0" lvl="0" marL="0" rtl="0" algn="l">
+              <a:spcBef>
+                <a:spcPts val="1200"/>
+              </a:spcBef>
+              <a:spcAft>
+                <a:spcPts val="1200"/>
+              </a:spcAft>
+              <a:buNone/>
+            </a:pPr>
+            <a:r>
+              <a:rPr lang="en"/>
+              <a:t>4. Exact matching on nationality</a:t>
+            </a:r>
+            <a:endParaRPr/>
+          </a:p>
+        </p:txBody>
+      </p:sp>
     </p:spTree>
   </p:cSld>
   <p:clrMapOvr>
@@ -7949,7 +8318,7 @@
         </p:nvSpPr>
         <p:spPr>
           <a:xfrm>
-            <a:off x="311700" y="348475"/>
+            <a:off x="311700" y="445025"/>
             <a:ext cx="8520600" cy="572700"/>
           </a:xfrm>
           <a:prstGeom prst="rect">
@@ -7973,7 +8342,7 @@
             </a:pPr>
             <a:r>
               <a:rPr lang="en"/>
-              <a:t>Resulting Dataset</a:t>
+              <a:t>Logistic Regression classifier</a:t>
             </a:r>
             <a:endParaRPr/>
           </a:p>
@@ -7995,8 +8364,8 @@
         </p:blipFill>
         <p:spPr>
           <a:xfrm>
-            <a:off x="1066400" y="795700"/>
-            <a:ext cx="6591825" cy="4347801"/>
+            <a:off x="221725" y="946875"/>
+            <a:ext cx="6898274" cy="4099376"/>
           </a:xfrm>
           <a:prstGeom prst="rect">
             <a:avLst/>
@@ -8007,53 +8376,6 @@
           </a:ln>
         </p:spPr>
       </p:pic>
-      <p:sp>
-        <p:nvSpPr>
-          <p:cNvPr id="145" name="Google Shape;145;p26"/>
-          <p:cNvSpPr/>
-          <p:nvPr/>
-        </p:nvSpPr>
-        <p:spPr>
-          <a:xfrm>
-            <a:off x="1562825" y="2160350"/>
-            <a:ext cx="5943300" cy="411300"/>
-          </a:xfrm>
-          <a:prstGeom prst="rect">
-            <a:avLst/>
-          </a:prstGeom>
-          <a:noFill/>
-          <a:ln cap="flat" cmpd="sng" w="9525">
-            <a:solidFill>
-              <a:srgbClr val="FF0000"/>
-            </a:solidFill>
-            <a:prstDash val="solid"/>
-            <a:round/>
-            <a:headEnd len="sm" w="sm" type="none"/>
-            <a:tailEnd len="sm" w="sm" type="none"/>
-          </a:ln>
-        </p:spPr>
-        <p:txBody>
-          <a:bodyPr anchorCtr="0" anchor="ctr" bIns="91425" lIns="91425" spcFirstLastPara="1" rIns="91425" wrap="square" tIns="91425">
-            <a:noAutofit/>
-          </a:bodyPr>
-          <a:lstStyle/>
-          <a:p>
-            <a:pPr indent="0" lvl="0" marL="0" rtl="0" algn="ctr">
-              <a:spcBef>
-                <a:spcPts val="0"/>
-              </a:spcBef>
-              <a:spcAft>
-                <a:spcPts val="0"/>
-              </a:spcAft>
-              <a:buNone/>
-            </a:pPr>
-            <a:r>
-              <a:t/>
-            </a:r>
-            <a:endParaRPr/>
-          </a:p>
-        </p:txBody>
-      </p:sp>
     </p:spTree>
   </p:cSld>
   <p:clrMapOvr>
@@ -8067,7 +8389,7 @@
   <p:cSld>
     <p:spTree>
       <p:nvGrpSpPr>
-        <p:cNvPr id="149" name="Shape 149"/>
+        <p:cNvPr id="148" name="Shape 148"/>
         <p:cNvGrpSpPr/>
         <p:nvPr/>
       </p:nvGrpSpPr>
@@ -8081,7 +8403,7 @@
       </p:grpSpPr>
       <p:sp>
         <p:nvSpPr>
-          <p:cNvPr id="150" name="Google Shape;150;p27"/>
+          <p:cNvPr id="149" name="Google Shape;149;p27"/>
           <p:cNvSpPr txBox="1"/>
           <p:nvPr>
             <p:ph type="title"/>
@@ -8113,34 +8435,10 @@
             </a:pPr>
             <a:r>
               <a:rPr lang="en"/>
-              <a:t>Aggregate the clusters</a:t>
+              <a:t>Logistic regression classifier</a:t>
             </a:r>
             <a:endParaRPr/>
           </a:p>
-        </p:txBody>
-      </p:sp>
-      <p:sp>
-        <p:nvSpPr>
-          <p:cNvPr id="151" name="Google Shape;151;p27"/>
-          <p:cNvSpPr txBox="1"/>
-          <p:nvPr>
-            <p:ph idx="1" type="body"/>
-          </p:nvPr>
-        </p:nvSpPr>
-        <p:spPr>
-          <a:xfrm>
-            <a:off x="311700" y="1152475"/>
-            <a:ext cx="8520600" cy="3416400"/>
-          </a:xfrm>
-          <a:prstGeom prst="rect">
-            <a:avLst/>
-          </a:prstGeom>
-        </p:spPr>
-        <p:txBody>
-          <a:bodyPr anchorCtr="0" anchor="t" bIns="91425" lIns="91425" spcFirstLastPara="1" rIns="91425" wrap="square" tIns="91425">
-            <a:normAutofit/>
-          </a:bodyPr>
-          <a:lstStyle/>
           <a:p>
             <a:pPr indent="0" lvl="0" marL="0" rtl="0" algn="l">
               <a:spcBef>
@@ -8152,24 +8450,39 @@
               <a:buNone/>
             </a:pPr>
             <a:r>
+              <a:t/>
+            </a:r>
+            <a:endParaRPr/>
+          </a:p>
+          <a:p>
+            <a:pPr indent="0" lvl="0" marL="0" rtl="0" algn="l">
+              <a:spcBef>
+                <a:spcPts val="0"/>
+              </a:spcBef>
+              <a:spcAft>
+                <a:spcPts val="0"/>
+              </a:spcAft>
+              <a:buNone/>
+            </a:pPr>
+            <a:r>
               <a:rPr lang="en"/>
-              <a:t>1. Cluster id for each record and records in a cluster map to same entity.</a:t>
+              <a:t>F1-score:</a:t>
             </a:r>
             <a:endParaRPr/>
           </a:p>
           <a:p>
             <a:pPr indent="0" lvl="0" marL="0" rtl="0" algn="l">
               <a:spcBef>
-                <a:spcPts val="1200"/>
-              </a:spcBef>
-              <a:spcAft>
-                <a:spcPts val="1200"/>
+                <a:spcPts val="0"/>
+              </a:spcBef>
+              <a:spcAft>
+                <a:spcPts val="0"/>
               </a:spcAft>
               <a:buNone/>
             </a:pPr>
             <a:r>
               <a:rPr lang="en"/>
-              <a:t>2. Aggregate values such as gender, nationality, birth_year, death_year and also provide a column for the most popular source provider of this record to create a single record for each artist.</a:t>
+              <a:t>0.86</a:t>
             </a:r>
             <a:endParaRPr/>
           </a:p>
@@ -8177,7 +8490,7 @@
       </p:sp>
       <p:pic>
         <p:nvPicPr>
-          <p:cNvPr id="152" name="Google Shape;152;p27"/>
+          <p:cNvPr id="150" name="Google Shape;150;p27"/>
           <p:cNvPicPr preferRelativeResize="0"/>
           <p:nvPr/>
         </p:nvPicPr>
@@ -8191,8 +8504,8 @@
         </p:blipFill>
         <p:spPr>
           <a:xfrm>
-            <a:off x="3521525" y="2882938"/>
-            <a:ext cx="2514600" cy="1685925"/>
+            <a:off x="2348225" y="1017725"/>
+            <a:ext cx="6069825" cy="4058725"/>
           </a:xfrm>
           <a:prstGeom prst="rect">
             <a:avLst/>
@@ -8216,7 +8529,7 @@
   <p:cSld>
     <p:spTree>
       <p:nvGrpSpPr>
-        <p:cNvPr id="156" name="Shape 156"/>
+        <p:cNvPr id="154" name="Shape 154"/>
         <p:cNvGrpSpPr/>
         <p:nvPr/>
       </p:nvGrpSpPr>
@@ -8230,7 +8543,7 @@
       </p:grpSpPr>
       <p:sp>
         <p:nvSpPr>
-          <p:cNvPr id="157" name="Google Shape;157;p28"/>
+          <p:cNvPr id="155" name="Google Shape;155;p28"/>
           <p:cNvSpPr txBox="1"/>
           <p:nvPr>
             <p:ph type="title"/>
@@ -8262,108 +8575,15 @@
             </a:pPr>
             <a:r>
               <a:rPr lang="en"/>
-              <a:t>Exploratory Data Analysis on </a:t>
-            </a:r>
-            <a:r>
-              <a:rPr lang="en"/>
-              <a:t>cleaned data</a:t>
+              <a:t>Center Clustering</a:t>
             </a:r>
             <a:endParaRPr/>
-          </a:p>
-        </p:txBody>
-      </p:sp>
-      <p:sp>
-        <p:nvSpPr>
-          <p:cNvPr id="158" name="Google Shape;158;p28"/>
-          <p:cNvSpPr txBox="1"/>
-          <p:nvPr>
-            <p:ph idx="1" type="body"/>
-          </p:nvPr>
-        </p:nvSpPr>
-        <p:spPr>
-          <a:xfrm>
-            <a:off x="311700" y="1152475"/>
-            <a:ext cx="8520600" cy="3416400"/>
-          </a:xfrm>
-          <a:prstGeom prst="rect">
-            <a:avLst/>
-          </a:prstGeom>
-        </p:spPr>
-        <p:txBody>
-          <a:bodyPr anchorCtr="0" anchor="t" bIns="91425" lIns="91425" spcFirstLastPara="1" rIns="91425" wrap="square" tIns="91425">
-            <a:normAutofit/>
-          </a:bodyPr>
-          <a:lstStyle/>
-          <a:p>
-            <a:pPr indent="0" lvl="0" marL="0" rtl="0" algn="l">
-              <a:spcBef>
-                <a:spcPts val="0"/>
-              </a:spcBef>
-              <a:spcAft>
-                <a:spcPts val="0"/>
-              </a:spcAft>
-              <a:buNone/>
-            </a:pPr>
-            <a:r>
-              <a:rPr lang="en"/>
-              <a:t>1. P</a:t>
-            </a:r>
-            <a:r>
-              <a:rPr lang="en"/>
-              <a:t>lot the ratio of art accessions from various nationalities across the years or answer and other visualizations from a common collective data source.</a:t>
-            </a:r>
-            <a:endParaRPr/>
-          </a:p>
-          <a:p>
-            <a:pPr indent="0" lvl="0" marL="0" rtl="0" algn="l">
-              <a:spcBef>
-                <a:spcPts val="1200"/>
-              </a:spcBef>
-              <a:spcAft>
-                <a:spcPts val="0"/>
-              </a:spcAft>
-              <a:buNone/>
-            </a:pPr>
-            <a:r>
-              <a:t/>
-            </a:r>
-            <a:endParaRPr/>
-          </a:p>
-          <a:p>
-            <a:pPr indent="0" lvl="0" marL="0" rtl="0" algn="l">
-              <a:spcBef>
-                <a:spcPts val="1200"/>
-              </a:spcBef>
-              <a:spcAft>
-                <a:spcPts val="0"/>
-              </a:spcAft>
-              <a:buNone/>
-            </a:pPr>
-            <a:r>
-              <a:t/>
-            </a:r>
-            <a:endParaRPr/>
-          </a:p>
-          <a:p>
-            <a:pPr indent="0" lvl="0" marL="0" rtl="0" algn="l">
-              <a:spcBef>
-                <a:spcPts val="1200"/>
-              </a:spcBef>
-              <a:spcAft>
-                <a:spcPts val="1200"/>
-              </a:spcAft>
-              <a:buNone/>
-            </a:pPr>
-            <a:r>
-              <a:t/>
-            </a:r>
-            <a:endParaRPr b="1"/>
           </a:p>
         </p:txBody>
       </p:sp>
       <p:pic>
         <p:nvPicPr>
-          <p:cNvPr id="159" name="Google Shape;159;p28"/>
+          <p:cNvPr id="156" name="Google Shape;156;p28"/>
           <p:cNvPicPr preferRelativeResize="0"/>
           <p:nvPr/>
         </p:nvPicPr>
@@ -8377,8 +8597,8 @@
         </p:blipFill>
         <p:spPr>
           <a:xfrm>
-            <a:off x="773550" y="1984175"/>
-            <a:ext cx="6139599" cy="2897475"/>
+            <a:off x="1035051" y="1017725"/>
+            <a:ext cx="8261347" cy="3821099"/>
           </a:xfrm>
           <a:prstGeom prst="rect">
             <a:avLst/>
@@ -8389,72 +8609,6 @@
           </a:ln>
         </p:spPr>
       </p:pic>
-      <p:sp>
-        <p:nvSpPr>
-          <p:cNvPr id="160" name="Google Shape;160;p28"/>
-          <p:cNvSpPr txBox="1"/>
-          <p:nvPr/>
-        </p:nvSpPr>
-        <p:spPr>
-          <a:xfrm>
-            <a:off x="3713975" y="3470375"/>
-            <a:ext cx="2220000" cy="703200"/>
-          </a:xfrm>
-          <a:prstGeom prst="rect">
-            <a:avLst/>
-          </a:prstGeom>
-          <a:noFill/>
-          <a:ln>
-            <a:noFill/>
-          </a:ln>
-        </p:spPr>
-        <p:txBody>
-          <a:bodyPr anchorCtr="0" anchor="t" bIns="91425" lIns="91425" spcFirstLastPara="1" rIns="91425" wrap="square" tIns="91425">
-            <a:noAutofit/>
-          </a:bodyPr>
-          <a:lstStyle/>
-          <a:p>
-            <a:pPr indent="0" lvl="0" marL="0" rtl="0" algn="l">
-              <a:spcBef>
-                <a:spcPts val="0"/>
-              </a:spcBef>
-              <a:spcAft>
-                <a:spcPts val="0"/>
-              </a:spcAft>
-              <a:buNone/>
-            </a:pPr>
-            <a:r>
-              <a:rPr lang="en" sz="1800">
-                <a:solidFill>
-                  <a:schemeClr val="dk2"/>
-                </a:solidFill>
-              </a:rPr>
-              <a:t>many </a:t>
-            </a:r>
-            <a:r>
-              <a:rPr lang="en" sz="1800">
-                <a:solidFill>
-                  <a:schemeClr val="dk2"/>
-                </a:solidFill>
-              </a:rPr>
-              <a:t>nationalities</a:t>
-            </a:r>
-            <a:r>
-              <a:rPr lang="en" sz="1800">
-                <a:solidFill>
-                  <a:schemeClr val="dk2"/>
-                </a:solidFill>
-              </a:rPr>
-              <a:t> are nan</a:t>
-            </a:r>
-            <a:endParaRPr sz="1800">
-              <a:solidFill>
-                <a:schemeClr val="dk2"/>
-              </a:solidFill>
-            </a:endParaRPr>
-          </a:p>
-        </p:txBody>
-      </p:sp>
     </p:spTree>
   </p:cSld>
   <p:clrMapOvr>
@@ -8468,7 +8622,7 @@
   <p:cSld>
     <p:spTree>
       <p:nvGrpSpPr>
-        <p:cNvPr id="164" name="Shape 164"/>
+        <p:cNvPr id="160" name="Shape 160"/>
         <p:cNvGrpSpPr/>
         <p:nvPr/>
       </p:nvGrpSpPr>
@@ -8482,7 +8636,7 @@
       </p:grpSpPr>
       <p:sp>
         <p:nvSpPr>
-          <p:cNvPr id="165" name="Google Shape;165;p29"/>
+          <p:cNvPr id="161" name="Google Shape;161;p29"/>
           <p:cNvSpPr txBox="1"/>
           <p:nvPr>
             <p:ph type="title"/>
@@ -8490,7 +8644,7 @@
         </p:nvSpPr>
         <p:spPr>
           <a:xfrm>
-            <a:off x="311700" y="445025"/>
+            <a:off x="311700" y="348475"/>
             <a:ext cx="8520600" cy="572700"/>
           </a:xfrm>
           <a:prstGeom prst="rect">
@@ -8514,148 +8668,7 @@
             </a:pPr>
             <a:r>
               <a:rPr lang="en"/>
-              <a:t>Impute Missing Values</a:t>
-            </a:r>
-            <a:endParaRPr/>
-          </a:p>
-        </p:txBody>
-      </p:sp>
-      <p:sp>
-        <p:nvSpPr>
-          <p:cNvPr id="166" name="Google Shape;166;p29"/>
-          <p:cNvSpPr txBox="1"/>
-          <p:nvPr>
-            <p:ph idx="1" type="body"/>
-          </p:nvPr>
-        </p:nvSpPr>
-        <p:spPr>
-          <a:xfrm>
-            <a:off x="311700" y="1152475"/>
-            <a:ext cx="2740500" cy="3297000"/>
-          </a:xfrm>
-          <a:prstGeom prst="rect">
-            <a:avLst/>
-          </a:prstGeom>
-        </p:spPr>
-        <p:txBody>
-          <a:bodyPr anchorCtr="0" anchor="t" bIns="91425" lIns="91425" spcFirstLastPara="1" rIns="91425" wrap="square" tIns="91425">
-            <a:normAutofit fontScale="62500" lnSpcReduction="10000"/>
-          </a:bodyPr>
-          <a:lstStyle/>
-          <a:p>
-            <a:pPr indent="0" lvl="0" marL="0" rtl="0" algn="l">
-              <a:spcBef>
-                <a:spcPts val="0"/>
-              </a:spcBef>
-              <a:spcAft>
-                <a:spcPts val="0"/>
-              </a:spcAft>
-              <a:buNone/>
-            </a:pPr>
-            <a:r>
-              <a:rPr lang="en"/>
-              <a:t>Used </a:t>
-            </a:r>
-            <a:r>
-              <a:rPr lang="en"/>
-              <a:t>multilayer</a:t>
-            </a:r>
-            <a:r>
-              <a:rPr lang="en"/>
-              <a:t> perceptron to </a:t>
-            </a:r>
-            <a:r>
-              <a:rPr lang="en"/>
-              <a:t>impute missing nationality values for nationality and evaluate null information on columns.</a:t>
-            </a:r>
-            <a:endParaRPr/>
-          </a:p>
-          <a:p>
-            <a:pPr indent="0" lvl="0" marL="0" rtl="0" algn="l">
-              <a:spcBef>
-                <a:spcPts val="1200"/>
-              </a:spcBef>
-              <a:spcAft>
-                <a:spcPts val="0"/>
-              </a:spcAft>
-              <a:buClr>
-                <a:schemeClr val="dk1"/>
-              </a:buClr>
-              <a:buSzPct val="104761"/>
-              <a:buFont typeface="Arial"/>
-              <a:buNone/>
-            </a:pPr>
-            <a:r>
-              <a:rPr lang="en" sz="1050">
-                <a:solidFill>
-                  <a:schemeClr val="dk1"/>
-                </a:solidFill>
-                <a:highlight>
-                  <a:srgbClr val="FFFFFF"/>
-                </a:highlight>
-                <a:latin typeface="Courier New"/>
-                <a:ea typeface="Courier New"/>
-                <a:cs typeface="Courier New"/>
-                <a:sym typeface="Courier New"/>
-              </a:rPr>
-              <a:t>{'Object_Number': (0, 0.0), 'Object_ID': (0, 0.0), 'Department': (0, 0.0), 'AccessionYear': (168, 0.004882443546746491), 'Object_Name': (110, 0.0031968380365602024), 'Title': (533, 0.015490133395332617), 'Culture': (29364, 0.8533813827777617), 'Period': (33502, 0.9736406172803627), 'Object_Date': (1373, 0.03990235112906507), 'Object_Begin_Date': (0, 0.0), 'Object_End_Date': (0, 0.0), 'Artist_Display_Name': (0, 0.0), 'FirstName': (0, 0.0), 'LastName': (0, 0.0), 'first': (0, 0.0), 'last': (0, 0.0), 'full_name': (0, 0.0), 'nationality': (0, 0.0), 'birth_year': (530, 0.01540294690342643), 'death_year': (1861, 0.054084687145804874), 'gender': (0, 0.0)}</a:t>
-            </a:r>
-            <a:endParaRPr sz="1050">
-              <a:solidFill>
-                <a:schemeClr val="dk1"/>
-              </a:solidFill>
-              <a:highlight>
-                <a:srgbClr val="FFFFFF"/>
-              </a:highlight>
-              <a:latin typeface="Courier New"/>
-              <a:ea typeface="Courier New"/>
-              <a:cs typeface="Courier New"/>
-              <a:sym typeface="Courier New"/>
-            </a:endParaRPr>
-          </a:p>
-          <a:p>
-            <a:pPr indent="0" lvl="0" marL="0" rtl="0" algn="l">
-              <a:spcBef>
-                <a:spcPts val="1200"/>
-              </a:spcBef>
-              <a:spcAft>
-                <a:spcPts val="0"/>
-              </a:spcAft>
-              <a:buClr>
-                <a:schemeClr val="dk1"/>
-              </a:buClr>
-              <a:buSzPct val="104761"/>
-              <a:buFont typeface="Arial"/>
-              <a:buNone/>
-            </a:pPr>
-            <a:r>
-              <a:t/>
-            </a:r>
-            <a:endParaRPr sz="1050">
-              <a:solidFill>
-                <a:schemeClr val="dk1"/>
-              </a:solidFill>
-              <a:highlight>
-                <a:srgbClr val="FFFFFF"/>
-              </a:highlight>
-              <a:latin typeface="Courier New"/>
-              <a:ea typeface="Courier New"/>
-              <a:cs typeface="Courier New"/>
-              <a:sym typeface="Courier New"/>
-            </a:endParaRPr>
-          </a:p>
-          <a:p>
-            <a:pPr indent="0" lvl="0" marL="0" rtl="0" algn="l">
-              <a:spcBef>
-                <a:spcPts val="1200"/>
-              </a:spcBef>
-              <a:spcAft>
-                <a:spcPts val="1200"/>
-              </a:spcAft>
-              <a:buNone/>
-            </a:pPr>
-            <a:r>
-              <a:t/>
+              <a:t>Data Integration</a:t>
             </a:r>
             <a:endParaRPr/>
           </a:p>
@@ -8663,7 +8676,7 @@
       </p:sp>
       <p:pic>
         <p:nvPicPr>
-          <p:cNvPr id="167" name="Google Shape;167;p29"/>
+          <p:cNvPr id="162" name="Google Shape;162;p29"/>
           <p:cNvPicPr preferRelativeResize="0"/>
           <p:nvPr/>
         </p:nvPicPr>
@@ -8677,8 +8690,8 @@
         </p:blipFill>
         <p:spPr>
           <a:xfrm>
-            <a:off x="3509500" y="1225625"/>
-            <a:ext cx="5516901" cy="2692250"/>
+            <a:off x="1066400" y="1050650"/>
+            <a:ext cx="6205275" cy="4092850"/>
           </a:xfrm>
           <a:prstGeom prst="rect">
             <a:avLst/>
@@ -8691,14 +8704,14 @@
       </p:pic>
       <p:sp>
         <p:nvSpPr>
-          <p:cNvPr id="168" name="Google Shape;168;p29"/>
+          <p:cNvPr id="163" name="Google Shape;163;p29"/>
           <p:cNvSpPr/>
           <p:nvPr/>
         </p:nvSpPr>
         <p:spPr>
           <a:xfrm>
-            <a:off x="321750" y="3373850"/>
-            <a:ext cx="1254900" cy="138000"/>
+            <a:off x="1521450" y="2160350"/>
+            <a:ext cx="5667600" cy="572700"/>
           </a:xfrm>
           <a:prstGeom prst="rect">
             <a:avLst/>
@@ -8749,7 +8762,7 @@
   <p:cSld>
     <p:spTree>
       <p:nvGrpSpPr>
-        <p:cNvPr id="172" name="Shape 172"/>
+        <p:cNvPr id="167" name="Shape 167"/>
         <p:cNvGrpSpPr/>
         <p:nvPr/>
       </p:nvGrpSpPr>
@@ -8763,7 +8776,7 @@
       </p:grpSpPr>
       <p:sp>
         <p:nvSpPr>
-          <p:cNvPr id="173" name="Google Shape;173;p30"/>
+          <p:cNvPr id="168" name="Google Shape;168;p30"/>
           <p:cNvSpPr txBox="1"/>
           <p:nvPr>
             <p:ph type="title"/>
@@ -8795,7 +8808,7 @@
             </a:pPr>
             <a:r>
               <a:rPr lang="en"/>
-              <a:t>Data Curation Overview</a:t>
+              <a:t>Data Fusion</a:t>
             </a:r>
             <a:endParaRPr/>
           </a:p>
@@ -8803,7 +8816,7 @@
       </p:sp>
       <p:sp>
         <p:nvSpPr>
-          <p:cNvPr id="174" name="Google Shape;174;p30"/>
+          <p:cNvPr id="169" name="Google Shape;169;p30"/>
           <p:cNvSpPr txBox="1"/>
           <p:nvPr>
             <p:ph idx="1" type="body"/>
@@ -8811,7 +8824,7 @@
         </p:nvSpPr>
         <p:spPr>
           <a:xfrm>
-            <a:off x="311700" y="1095775"/>
+            <a:off x="311700" y="1152475"/>
             <a:ext cx="8520600" cy="3416400"/>
           </a:xfrm>
           <a:prstGeom prst="rect">
@@ -8820,7 +8833,7 @@
         </p:spPr>
         <p:txBody>
           <a:bodyPr anchorCtr="0" anchor="t" bIns="91425" lIns="91425" spcFirstLastPara="1" rIns="91425" wrap="square" tIns="91425">
-            <a:normAutofit lnSpcReduction="10000"/>
+            <a:normAutofit/>
           </a:bodyPr>
           <a:lstStyle/>
           <a:p>
@@ -8834,13 +8847,13 @@
               <a:buNone/>
             </a:pPr>
             <a:r>
-              <a:rPr lang="en"/>
-              <a:t>1. Schema Matching: create a common schema that matches across the various sources to answer queries across the various data sets.</a:t>
-            </a:r>
-            <a:endParaRPr/>
-          </a:p>
-          <a:p>
-            <a:pPr indent="457200" lvl="0" marL="1371600" rtl="0" algn="l">
+              <a:rPr lang="en" sz="1500"/>
+              <a:t>1. Cluster id for each record and records in a cluster map to same entity.</a:t>
+            </a:r>
+            <a:endParaRPr sz="1500"/>
+          </a:p>
+          <a:p>
+            <a:pPr indent="0" lvl="0" marL="0" rtl="0" algn="l">
               <a:spcBef>
                 <a:spcPts val="1200"/>
               </a:spcBef>
@@ -8850,10 +8863,10 @@
               <a:buNone/>
             </a:pPr>
             <a:r>
-              <a:rPr lang="en"/>
-              <a:t>Q(Name, birth year, death year, nationality)</a:t>
-            </a:r>
-            <a:endParaRPr/>
+              <a:rPr lang="en" sz="1500"/>
+              <a:t>2. Aggregate values such as gender, nationality, birth_year, death_year and also provide a column for the most popular source provider of this record to create a single record for each artist.</a:t>
+            </a:r>
+            <a:endParaRPr sz="1500"/>
           </a:p>
           <a:p>
             <a:pPr indent="0" lvl="0" marL="0" rtl="0" algn="l">
@@ -8866,13 +8879,27 @@
               <a:buNone/>
             </a:pPr>
             <a:r>
-              <a:rPr lang="en"/>
-              <a:t>2. Aggregate the data such that a single artist id is generated for all the unique artists by matching ULAN identifiers and matching first name last name by using fuzzy matcher.</a:t>
-            </a:r>
-            <a:endParaRPr/>
-          </a:p>
-          <a:p>
-            <a:pPr indent="0" lvl="0" marL="0" rtl="0" algn="l">
+              <a:rPr lang="en" sz="1500"/>
+              <a:t>3. . Probabilistic record linkage between Met Artists and Met Objects based on full_name.</a:t>
+            </a:r>
+            <a:r>
+              <a:rPr lang="en" sz="1500">
+                <a:latin typeface="Cambria"/>
+                <a:ea typeface="Cambria"/>
+                <a:cs typeface="Cambria"/>
+                <a:sym typeface="Cambria"/>
+              </a:rPr>
+              <a:t> </a:t>
+            </a:r>
+            <a:endParaRPr sz="1500">
+              <a:latin typeface="Cambria"/>
+              <a:ea typeface="Cambria"/>
+              <a:cs typeface="Cambria"/>
+              <a:sym typeface="Cambria"/>
+            </a:endParaRPr>
+          </a:p>
+          <a:p>
+            <a:pPr indent="457200" lvl="0" marL="0" rtl="0" algn="l">
               <a:spcBef>
                 <a:spcPts val="1200"/>
               </a:spcBef>
@@ -8882,17 +8909,87 @@
               <a:buNone/>
             </a:pPr>
             <a:r>
-              <a:rPr lang="en"/>
-              <a:t>3. </a:t>
-            </a:r>
-            <a:r>
-              <a:rPr lang="en"/>
-              <a:t>Archives may have been duplicated and the information about certain artists and their nationality, ethnicity could be differing, so majority voting aggregation of such records after identifying copies by using edit distance , Jaccard distance. </a:t>
-            </a:r>
-            <a:endParaRPr/>
+              <a:rPr lang="en" sz="750">
+                <a:solidFill>
+                  <a:schemeClr val="dk1"/>
+                </a:solidFill>
+                <a:highlight>
+                  <a:srgbClr val="FFFFFF"/>
+                </a:highlight>
+                <a:latin typeface="Cambria"/>
+                <a:ea typeface="Cambria"/>
+                <a:cs typeface="Cambria"/>
+                <a:sym typeface="Cambria"/>
+              </a:rPr>
+              <a:t>The </a:t>
+            </a:r>
+            <a:r>
+              <a:rPr b="1" lang="en" sz="750">
+                <a:solidFill>
+                  <a:schemeClr val="dk1"/>
+                </a:solidFill>
+                <a:highlight>
+                  <a:srgbClr val="FFFFFF"/>
+                </a:highlight>
+                <a:latin typeface="Cambria"/>
+                <a:ea typeface="Cambria"/>
+                <a:cs typeface="Cambria"/>
+                <a:sym typeface="Cambria"/>
+              </a:rPr>
+              <a:t>Fellegi-Sunter</a:t>
+            </a:r>
+            <a:r>
+              <a:rPr lang="en" sz="750">
+                <a:solidFill>
+                  <a:schemeClr val="dk1"/>
+                </a:solidFill>
+                <a:highlight>
+                  <a:srgbClr val="FFFFFF"/>
+                </a:highlight>
+                <a:latin typeface="Cambria"/>
+                <a:ea typeface="Cambria"/>
+                <a:cs typeface="Cambria"/>
+                <a:sym typeface="Cambria"/>
+              </a:rPr>
+              <a:t> model compares selected similar fields in two records and calculates a similarity score, or a weighted probability of the two records being the same entity.</a:t>
+            </a:r>
+            <a:endParaRPr sz="1500">
+              <a:latin typeface="Cambria"/>
+              <a:ea typeface="Cambria"/>
+              <a:cs typeface="Cambria"/>
+              <a:sym typeface="Cambria"/>
+            </a:endParaRPr>
           </a:p>
         </p:txBody>
       </p:sp>
+      <p:pic>
+        <p:nvPicPr>
+          <p:cNvPr id="170" name="Google Shape;170;p30"/>
+          <p:cNvPicPr preferRelativeResize="0"/>
+          <p:nvPr/>
+        </p:nvPicPr>
+        <p:blipFill>
+          <a:blip r:embed="rId3">
+            <a:alphaModFix/>
+          </a:blip>
+          <a:stretch>
+            <a:fillRect/>
+          </a:stretch>
+        </p:blipFill>
+        <p:spPr>
+          <a:xfrm>
+            <a:off x="2832050" y="2961150"/>
+            <a:ext cx="2397963" cy="1607725"/>
+          </a:xfrm>
+          <a:prstGeom prst="rect">
+            <a:avLst/>
+          </a:prstGeom>
+          <a:noFill/>
+          <a:ln>
+            <a:noFill/>
+          </a:ln>
+        </p:spPr>
+      </p:pic>
     </p:spTree>
   </p:cSld>
   <p:clrMapOvr>
@@ -8906,7 +9003,7 @@
   <p:cSld>
     <p:spTree>
       <p:nvGrpSpPr>
-        <p:cNvPr id="178" name="Shape 178"/>
+        <p:cNvPr id="174" name="Shape 174"/>
         <p:cNvGrpSpPr/>
         <p:nvPr/>
       </p:nvGrpSpPr>
@@ -8920,7 +9017,7 @@
       </p:grpSpPr>
       <p:sp>
         <p:nvSpPr>
-          <p:cNvPr id="179" name="Google Shape;179;p31"/>
+          <p:cNvPr id="175" name="Google Shape;175;p31"/>
           <p:cNvSpPr txBox="1"/>
           <p:nvPr>
             <p:ph type="title"/>
@@ -8952,7 +9049,11 @@
             </a:pPr>
             <a:r>
               <a:rPr lang="en"/>
-              <a:t>Future Work	</a:t>
+              <a:t>Exploratory Data Analysis on aggregated</a:t>
+            </a:r>
+            <a:r>
+              <a:rPr lang="en"/>
+              <a:t> data</a:t>
             </a:r>
             <a:endParaRPr/>
           </a:p>
@@ -8960,7 +9061,7 @@
       </p:sp>
       <p:sp>
         <p:nvSpPr>
-          <p:cNvPr id="180" name="Google Shape;180;p31"/>
+          <p:cNvPr id="176" name="Google Shape;176;p31"/>
           <p:cNvSpPr txBox="1"/>
           <p:nvPr>
             <p:ph idx="1" type="body"/>
@@ -8981,55 +9082,163 @@
           </a:bodyPr>
           <a:lstStyle/>
           <a:p>
-            <a:pPr indent="-342900" lvl="0" marL="457200" rtl="0" algn="l">
-              <a:spcBef>
-                <a:spcPts val="0"/>
-              </a:spcBef>
-              <a:spcAft>
-                <a:spcPts val="0"/>
-              </a:spcAft>
-              <a:buSzPts val="1800"/>
-              <a:buChar char="●"/>
+            <a:pPr indent="0" lvl="0" marL="0" rtl="0" algn="l">
+              <a:spcBef>
+                <a:spcPts val="0"/>
+              </a:spcBef>
+              <a:spcAft>
+                <a:spcPts val="0"/>
+              </a:spcAft>
+              <a:buNone/>
             </a:pPr>
             <a:r>
               <a:rPr lang="en"/>
-              <a:t>Identify denial constraints, FDs,regression models that can predict for some anonymous art work who could have been the artist!</a:t>
+              <a:t>1. P</a:t>
+            </a:r>
+            <a:r>
+              <a:rPr lang="en"/>
+              <a:t>lot the ratio of art accessions from various nationalities across the years or answer and other visualizations from a common collective data source.</a:t>
             </a:r>
             <a:endParaRPr/>
           </a:p>
           <a:p>
-            <a:pPr indent="-342900" lvl="0" marL="457200" rtl="0" algn="l">
-              <a:spcBef>
-                <a:spcPts val="0"/>
-              </a:spcBef>
-              <a:spcAft>
-                <a:spcPts val="0"/>
-              </a:spcAft>
-              <a:buSzPts val="1800"/>
-              <a:buChar char="●"/>
-            </a:pPr>
-            <a:r>
-              <a:rPr lang="en"/>
-              <a:t>Using  unsupervised learning algorithms such Latent Dirichlet Allocation to automatically fill missing value, K - means clustering algorithm and re-run analysis experiments.</a:t>
+            <a:pPr indent="0" lvl="0" marL="0" rtl="0" algn="l">
+              <a:spcBef>
+                <a:spcPts val="1200"/>
+              </a:spcBef>
+              <a:spcAft>
+                <a:spcPts val="0"/>
+              </a:spcAft>
+              <a:buNone/>
+            </a:pPr>
+            <a:r>
+              <a:t/>
             </a:r>
             <a:endParaRPr/>
           </a:p>
           <a:p>
-            <a:pPr indent="-342900" lvl="0" marL="457200" rtl="0" algn="l">
-              <a:spcBef>
-                <a:spcPts val="0"/>
-              </a:spcBef>
-              <a:spcAft>
-                <a:spcPts val="0"/>
-              </a:spcAft>
-              <a:buSzPts val="1800"/>
-              <a:buChar char="●"/>
-            </a:pPr>
-            <a:r>
-              <a:rPr lang="en"/>
-              <a:t>Imputation of missing values was done by multilayer perceptron which is non-interpretable . So counterfactuals and rules could be identified which could explain why a nationality was selected by the black-box classifier.</a:t>
+            <a:pPr indent="0" lvl="0" marL="0" rtl="0" algn="l">
+              <a:spcBef>
+                <a:spcPts val="1200"/>
+              </a:spcBef>
+              <a:spcAft>
+                <a:spcPts val="0"/>
+              </a:spcAft>
+              <a:buNone/>
+            </a:pPr>
+            <a:r>
+              <a:t/>
             </a:r>
             <a:endParaRPr/>
+          </a:p>
+          <a:p>
+            <a:pPr indent="0" lvl="0" marL="0" rtl="0" algn="l">
+              <a:spcBef>
+                <a:spcPts val="1200"/>
+              </a:spcBef>
+              <a:spcAft>
+                <a:spcPts val="1200"/>
+              </a:spcAft>
+              <a:buNone/>
+            </a:pPr>
+            <a:r>
+              <a:t/>
+            </a:r>
+            <a:endParaRPr b="1"/>
+          </a:p>
+        </p:txBody>
+      </p:sp>
+      <p:pic>
+        <p:nvPicPr>
+          <p:cNvPr id="177" name="Google Shape;177;p31"/>
+          <p:cNvPicPr preferRelativeResize="0"/>
+          <p:nvPr/>
+        </p:nvPicPr>
+        <p:blipFill>
+          <a:blip r:embed="rId3">
+            <a:alphaModFix/>
+          </a:blip>
+          <a:stretch>
+            <a:fillRect/>
+          </a:stretch>
+        </p:blipFill>
+        <p:spPr>
+          <a:xfrm>
+            <a:off x="773550" y="1984175"/>
+            <a:ext cx="6139599" cy="2897475"/>
+          </a:xfrm>
+          <a:prstGeom prst="rect">
+            <a:avLst/>
+          </a:prstGeom>
+          <a:noFill/>
+          <a:ln>
+            <a:noFill/>
+          </a:ln>
+        </p:spPr>
+      </p:pic>
+      <p:sp>
+        <p:nvSpPr>
+          <p:cNvPr id="178" name="Google Shape;178;p31"/>
+          <p:cNvSpPr txBox="1"/>
+          <p:nvPr/>
+        </p:nvSpPr>
+        <p:spPr>
+          <a:xfrm>
+            <a:off x="3713975" y="3470375"/>
+            <a:ext cx="2220000" cy="703200"/>
+          </a:xfrm>
+          <a:prstGeom prst="rect">
+            <a:avLst/>
+          </a:prstGeom>
+          <a:noFill/>
+          <a:ln>
+            <a:noFill/>
+          </a:ln>
+        </p:spPr>
+        <p:txBody>
+          <a:bodyPr anchorCtr="0" anchor="t" bIns="91425" lIns="91425" spcFirstLastPara="1" rIns="91425" wrap="square" tIns="91425">
+            <a:noAutofit/>
+          </a:bodyPr>
+          <a:lstStyle/>
+          <a:p>
+            <a:pPr indent="0" lvl="0" marL="0" rtl="0" algn="l">
+              <a:spcBef>
+                <a:spcPts val="0"/>
+              </a:spcBef>
+              <a:spcAft>
+                <a:spcPts val="0"/>
+              </a:spcAft>
+              <a:buNone/>
+            </a:pPr>
+            <a:r>
+              <a:rPr lang="en" sz="1800">
+                <a:solidFill>
+                  <a:schemeClr val="dk2"/>
+                </a:solidFill>
+              </a:rPr>
+              <a:t>many </a:t>
+            </a:r>
+            <a:r>
+              <a:rPr lang="en" sz="1800">
+                <a:solidFill>
+                  <a:schemeClr val="dk2"/>
+                </a:solidFill>
+              </a:rPr>
+              <a:t>nationalities</a:t>
+            </a:r>
+            <a:r>
+              <a:rPr lang="en" sz="1800">
+                <a:solidFill>
+                  <a:schemeClr val="dk2"/>
+                </a:solidFill>
+              </a:rPr>
+              <a:t> are nan</a:t>
+            </a:r>
+            <a:endParaRPr sz="1800">
+              <a:solidFill>
+                <a:schemeClr val="dk2"/>
+              </a:solidFill>
+            </a:endParaRPr>
           </a:p>
         </p:txBody>
       </p:sp>
@@ -9216,7 +9425,7 @@
   <p:cSld>
     <p:spTree>
       <p:nvGrpSpPr>
-        <p:cNvPr id="184" name="Shape 184"/>
+        <p:cNvPr id="182" name="Shape 182"/>
         <p:cNvGrpSpPr/>
         <p:nvPr/>
       </p:nvGrpSpPr>
@@ -9230,7 +9439,7 @@
       </p:grpSpPr>
       <p:sp>
         <p:nvSpPr>
-          <p:cNvPr id="185" name="Google Shape;185;p32"/>
+          <p:cNvPr id="183" name="Google Shape;183;p32"/>
           <p:cNvSpPr txBox="1"/>
           <p:nvPr>
             <p:ph type="title"/>
@@ -9262,7 +9471,7 @@
             </a:pPr>
             <a:r>
               <a:rPr lang="en"/>
-              <a:t>Citations</a:t>
+              <a:t>Impute Missing Values</a:t>
             </a:r>
             <a:endParaRPr/>
           </a:p>
@@ -9270,7 +9479,585 @@
       </p:sp>
       <p:sp>
         <p:nvSpPr>
+          <p:cNvPr id="184" name="Google Shape;184;p32"/>
+          <p:cNvSpPr txBox="1"/>
+          <p:nvPr>
+            <p:ph idx="1" type="body"/>
+          </p:nvPr>
+        </p:nvSpPr>
+        <p:spPr>
+          <a:xfrm>
+            <a:off x="311700" y="1152475"/>
+            <a:ext cx="2740500" cy="3297000"/>
+          </a:xfrm>
+          <a:prstGeom prst="rect">
+            <a:avLst/>
+          </a:prstGeom>
+        </p:spPr>
+        <p:txBody>
+          <a:bodyPr anchorCtr="0" anchor="t" bIns="91425" lIns="91425" spcFirstLastPara="1" rIns="91425" wrap="square" tIns="91425">
+            <a:normAutofit fontScale="62500" lnSpcReduction="10000"/>
+          </a:bodyPr>
+          <a:lstStyle/>
+          <a:p>
+            <a:pPr indent="0" lvl="0" marL="0" rtl="0" algn="l">
+              <a:spcBef>
+                <a:spcPts val="0"/>
+              </a:spcBef>
+              <a:spcAft>
+                <a:spcPts val="0"/>
+              </a:spcAft>
+              <a:buNone/>
+            </a:pPr>
+            <a:r>
+              <a:rPr lang="en"/>
+              <a:t>Used </a:t>
+            </a:r>
+            <a:r>
+              <a:rPr lang="en"/>
+              <a:t>multilayer</a:t>
+            </a:r>
+            <a:r>
+              <a:rPr lang="en"/>
+              <a:t> perceptron to </a:t>
+            </a:r>
+            <a:r>
+              <a:rPr lang="en"/>
+              <a:t>impute missing nationality values for nationality and evaluate null information on columns.</a:t>
+            </a:r>
+            <a:endParaRPr/>
+          </a:p>
+          <a:p>
+            <a:pPr indent="0" lvl="0" marL="0" rtl="0" algn="l">
+              <a:spcBef>
+                <a:spcPts val="1200"/>
+              </a:spcBef>
+              <a:spcAft>
+                <a:spcPts val="0"/>
+              </a:spcAft>
+              <a:buClr>
+                <a:schemeClr val="dk1"/>
+              </a:buClr>
+              <a:buSzPct val="104761"/>
+              <a:buFont typeface="Arial"/>
+              <a:buNone/>
+            </a:pPr>
+            <a:r>
+              <a:rPr lang="en" sz="1050">
+                <a:solidFill>
+                  <a:schemeClr val="dk1"/>
+                </a:solidFill>
+                <a:highlight>
+                  <a:srgbClr val="FFFFFF"/>
+                </a:highlight>
+                <a:latin typeface="Courier New"/>
+                <a:ea typeface="Courier New"/>
+                <a:cs typeface="Courier New"/>
+                <a:sym typeface="Courier New"/>
+              </a:rPr>
+              <a:t>{'Object_Number': (0, 0.0), 'Object_ID': (0, 0.0), 'Department': (0, 0.0), 'AccessionYear': (168, 0.004882443546746491), 'Object_Name': (110, 0.0031968380365602024), 'Title': (533, 0.015490133395332617), 'Culture': (29364, 0.8533813827777617), 'Period': (33502, 0.9736406172803627), 'Object_Date': (1373, 0.03990235112906507), 'Object_Begin_Date': (0, 0.0), 'Object_End_Date': (0, 0.0), 'Artist_Display_Name': (0, 0.0), 'FirstName': (0, 0.0), 'LastName': (0, 0.0), 'first': (0, 0.0), 'last': (0, 0.0), 'full_name': (0, 0.0), 'nationality': (0, 0.0), 'birth_year': (530, 0.01540294690342643), 'death_year': (1861, 0.054084687145804874), 'gender': (0, 0.0)}</a:t>
+            </a:r>
+            <a:endParaRPr sz="1050">
+              <a:solidFill>
+                <a:schemeClr val="dk1"/>
+              </a:solidFill>
+              <a:highlight>
+                <a:srgbClr val="FFFFFF"/>
+              </a:highlight>
+              <a:latin typeface="Courier New"/>
+              <a:ea typeface="Courier New"/>
+              <a:cs typeface="Courier New"/>
+              <a:sym typeface="Courier New"/>
+            </a:endParaRPr>
+          </a:p>
+          <a:p>
+            <a:pPr indent="0" lvl="0" marL="0" rtl="0" algn="l">
+              <a:spcBef>
+                <a:spcPts val="1200"/>
+              </a:spcBef>
+              <a:spcAft>
+                <a:spcPts val="0"/>
+              </a:spcAft>
+              <a:buClr>
+                <a:schemeClr val="dk1"/>
+              </a:buClr>
+              <a:buSzPct val="104761"/>
+              <a:buFont typeface="Arial"/>
+              <a:buNone/>
+            </a:pPr>
+            <a:r>
+              <a:t/>
+            </a:r>
+            <a:endParaRPr sz="1050">
+              <a:solidFill>
+                <a:schemeClr val="dk1"/>
+              </a:solidFill>
+              <a:highlight>
+                <a:srgbClr val="FFFFFF"/>
+              </a:highlight>
+              <a:latin typeface="Courier New"/>
+              <a:ea typeface="Courier New"/>
+              <a:cs typeface="Courier New"/>
+              <a:sym typeface="Courier New"/>
+            </a:endParaRPr>
+          </a:p>
+          <a:p>
+            <a:pPr indent="0" lvl="0" marL="0" rtl="0" algn="l">
+              <a:spcBef>
+                <a:spcPts val="1200"/>
+              </a:spcBef>
+              <a:spcAft>
+                <a:spcPts val="1200"/>
+              </a:spcAft>
+              <a:buNone/>
+            </a:pPr>
+            <a:r>
+              <a:t/>
+            </a:r>
+            <a:endParaRPr/>
+          </a:p>
+        </p:txBody>
+      </p:sp>
+      <p:pic>
+        <p:nvPicPr>
+          <p:cNvPr id="185" name="Google Shape;185;p32"/>
+          <p:cNvPicPr preferRelativeResize="0"/>
+          <p:nvPr/>
+        </p:nvPicPr>
+        <p:blipFill>
+          <a:blip r:embed="rId3">
+            <a:alphaModFix/>
+          </a:blip>
+          <a:stretch>
+            <a:fillRect/>
+          </a:stretch>
+        </p:blipFill>
+        <p:spPr>
+          <a:xfrm>
+            <a:off x="3627100" y="1225625"/>
+            <a:ext cx="5516901" cy="2692250"/>
+          </a:xfrm>
+          <a:prstGeom prst="rect">
+            <a:avLst/>
+          </a:prstGeom>
+          <a:noFill/>
+          <a:ln>
+            <a:noFill/>
+          </a:ln>
+        </p:spPr>
+      </p:pic>
+      <p:sp>
+        <p:nvSpPr>
           <p:cNvPr id="186" name="Google Shape;186;p32"/>
+          <p:cNvSpPr/>
+          <p:nvPr/>
+        </p:nvSpPr>
+        <p:spPr>
+          <a:xfrm>
+            <a:off x="321750" y="3373850"/>
+            <a:ext cx="1254900" cy="138000"/>
+          </a:xfrm>
+          <a:prstGeom prst="rect">
+            <a:avLst/>
+          </a:prstGeom>
+          <a:noFill/>
+          <a:ln cap="flat" cmpd="sng" w="9525">
+            <a:solidFill>
+              <a:srgbClr val="FF0000"/>
+            </a:solidFill>
+            <a:prstDash val="solid"/>
+            <a:round/>
+            <a:headEnd len="sm" w="sm" type="none"/>
+            <a:tailEnd len="sm" w="sm" type="none"/>
+          </a:ln>
+        </p:spPr>
+        <p:txBody>
+          <a:bodyPr anchorCtr="0" anchor="ctr" bIns="91425" lIns="91425" spcFirstLastPara="1" rIns="91425" wrap="square" tIns="91425">
+            <a:noAutofit/>
+          </a:bodyPr>
+          <a:lstStyle/>
+          <a:p>
+            <a:pPr indent="0" lvl="0" marL="0" rtl="0" algn="ctr">
+              <a:spcBef>
+                <a:spcPts val="0"/>
+              </a:spcBef>
+              <a:spcAft>
+                <a:spcPts val="0"/>
+              </a:spcAft>
+              <a:buNone/>
+            </a:pPr>
+            <a:r>
+              <a:t/>
+            </a:r>
+            <a:endParaRPr/>
+          </a:p>
+        </p:txBody>
+      </p:sp>
+    </p:spTree>
+  </p:cSld>
+  <p:clrMapOvr>
+    <a:masterClrMapping/>
+  </p:clrMapOvr>
+</p:sld>
+</file>
+
+<file path=ppt/slides/slide21.xml><?xml version="1.0" encoding="utf-8"?>
+<p:sld xmlns:a="http://schemas.openxmlformats.org/drawingml/2006/main" xmlns:r="http://schemas.openxmlformats.org/officeDocument/2006/relationships" xmlns:mc="http://schemas.openxmlformats.org/markup-compatibility/2006" xmlns:mv="urn:schemas-microsoft-com:mac:vml" xmlns:p="http://schemas.openxmlformats.org/presentationml/2006/main" xmlns:c="http://schemas.openxmlformats.org/drawingml/2006/chart" xmlns:dgm="http://schemas.openxmlformats.org/drawingml/2006/diagram" xmlns:o="urn:schemas-microsoft-com:office:office" xmlns:v="urn:schemas-microsoft-com:vml" xmlns:pvml="urn:schemas-microsoft-com:office:powerpoint" xmlns:com="http://schemas.openxmlformats.org/drawingml/2006/compatibility" xmlns:p14="http://schemas.microsoft.com/office/powerpoint/2010/main" xmlns:p15="http://schemas.microsoft.com/office/powerpoint/2012/main" xmlns:ahyp="http://schemas.microsoft.com/office/drawing/2018/hyperlinkcolor">
+  <p:cSld>
+    <p:spTree>
+      <p:nvGrpSpPr>
+        <p:cNvPr id="190" name="Shape 190"/>
+        <p:cNvGrpSpPr/>
+        <p:nvPr/>
+      </p:nvGrpSpPr>
+      <p:grpSpPr>
+        <a:xfrm>
+          <a:off x="0" y="0"/>
+          <a:ext cx="0" cy="0"/>
+          <a:chOff x="0" y="0"/>
+          <a:chExt cx="0" cy="0"/>
+        </a:xfrm>
+      </p:grpSpPr>
+      <p:sp>
+        <p:nvSpPr>
+          <p:cNvPr id="191" name="Google Shape;191;p33"/>
+          <p:cNvSpPr txBox="1"/>
+          <p:nvPr>
+            <p:ph type="title"/>
+          </p:nvPr>
+        </p:nvSpPr>
+        <p:spPr>
+          <a:xfrm>
+            <a:off x="311700" y="445025"/>
+            <a:ext cx="8520600" cy="572700"/>
+          </a:xfrm>
+          <a:prstGeom prst="rect">
+            <a:avLst/>
+          </a:prstGeom>
+        </p:spPr>
+        <p:txBody>
+          <a:bodyPr anchorCtr="0" anchor="t" bIns="91425" lIns="91425" spcFirstLastPara="1" rIns="91425" wrap="square" tIns="91425">
+            <a:normAutofit fontScale="90000"/>
+          </a:bodyPr>
+          <a:lstStyle/>
+          <a:p>
+            <a:pPr indent="0" lvl="0" marL="0" rtl="0" algn="l">
+              <a:spcBef>
+                <a:spcPts val="0"/>
+              </a:spcBef>
+              <a:spcAft>
+                <a:spcPts val="0"/>
+              </a:spcAft>
+              <a:buNone/>
+            </a:pPr>
+            <a:r>
+              <a:rPr lang="en"/>
+              <a:t>Data Curation Overview</a:t>
+            </a:r>
+            <a:endParaRPr/>
+          </a:p>
+        </p:txBody>
+      </p:sp>
+      <p:sp>
+        <p:nvSpPr>
+          <p:cNvPr id="192" name="Google Shape;192;p33"/>
+          <p:cNvSpPr txBox="1"/>
+          <p:nvPr>
+            <p:ph idx="1" type="body"/>
+          </p:nvPr>
+        </p:nvSpPr>
+        <p:spPr>
+          <a:xfrm>
+            <a:off x="311700" y="1095775"/>
+            <a:ext cx="8520600" cy="3416400"/>
+          </a:xfrm>
+          <a:prstGeom prst="rect">
+            <a:avLst/>
+          </a:prstGeom>
+        </p:spPr>
+        <p:txBody>
+          <a:bodyPr anchorCtr="0" anchor="t" bIns="91425" lIns="91425" spcFirstLastPara="1" rIns="91425" wrap="square" tIns="91425">
+            <a:normAutofit lnSpcReduction="10000"/>
+          </a:bodyPr>
+          <a:lstStyle/>
+          <a:p>
+            <a:pPr indent="0" lvl="0" marL="0" rtl="0" algn="l">
+              <a:spcBef>
+                <a:spcPts val="0"/>
+              </a:spcBef>
+              <a:spcAft>
+                <a:spcPts val="0"/>
+              </a:spcAft>
+              <a:buNone/>
+            </a:pPr>
+            <a:r>
+              <a:rPr lang="en"/>
+              <a:t>1. Schema Matching: create a common schema that matches across the various sources to answer queries across the various data sets.</a:t>
+            </a:r>
+            <a:endParaRPr/>
+          </a:p>
+          <a:p>
+            <a:pPr indent="457200" lvl="0" marL="1371600" rtl="0" algn="l">
+              <a:spcBef>
+                <a:spcPts val="1200"/>
+              </a:spcBef>
+              <a:spcAft>
+                <a:spcPts val="0"/>
+              </a:spcAft>
+              <a:buNone/>
+            </a:pPr>
+            <a:r>
+              <a:rPr lang="en"/>
+              <a:t>Q(Name, birth year, death year, nationality)</a:t>
+            </a:r>
+            <a:endParaRPr/>
+          </a:p>
+          <a:p>
+            <a:pPr indent="0" lvl="0" marL="0" rtl="0" algn="l">
+              <a:spcBef>
+                <a:spcPts val="1200"/>
+              </a:spcBef>
+              <a:spcAft>
+                <a:spcPts val="0"/>
+              </a:spcAft>
+              <a:buNone/>
+            </a:pPr>
+            <a:r>
+              <a:rPr lang="en"/>
+              <a:t>2. Aggregate the data such that a single artist id is generated for all the unique artists by matching ULAN identifiers and matching first name last name by using fuzzy matcher.</a:t>
+            </a:r>
+            <a:endParaRPr/>
+          </a:p>
+          <a:p>
+            <a:pPr indent="0" lvl="0" marL="0" rtl="0" algn="l">
+              <a:spcBef>
+                <a:spcPts val="1200"/>
+              </a:spcBef>
+              <a:spcAft>
+                <a:spcPts val="1200"/>
+              </a:spcAft>
+              <a:buNone/>
+            </a:pPr>
+            <a:r>
+              <a:rPr lang="en"/>
+              <a:t>3. </a:t>
+            </a:r>
+            <a:r>
+              <a:rPr lang="en"/>
+              <a:t>Archives may have been duplicated and the information about certain artists and their nationality, ethnicity could be differing, so majority voting aggregation of such records after identifying copies by using edit distance , Jaccard distance. </a:t>
+            </a:r>
+            <a:endParaRPr/>
+          </a:p>
+        </p:txBody>
+      </p:sp>
+    </p:spTree>
+  </p:cSld>
+  <p:clrMapOvr>
+    <a:masterClrMapping/>
+  </p:clrMapOvr>
+</p:sld>
+</file>
+
+<file path=ppt/slides/slide22.xml><?xml version="1.0" encoding="utf-8"?>
+<p:sld xmlns:a="http://schemas.openxmlformats.org/drawingml/2006/main" xmlns:r="http://schemas.openxmlformats.org/officeDocument/2006/relationships" xmlns:mc="http://schemas.openxmlformats.org/markup-compatibility/2006" xmlns:mv="urn:schemas-microsoft-com:mac:vml" xmlns:p="http://schemas.openxmlformats.org/presentationml/2006/main" xmlns:c="http://schemas.openxmlformats.org/drawingml/2006/chart" xmlns:dgm="http://schemas.openxmlformats.org/drawingml/2006/diagram" xmlns:o="urn:schemas-microsoft-com:office:office" xmlns:v="urn:schemas-microsoft-com:vml" xmlns:pvml="urn:schemas-microsoft-com:office:powerpoint" xmlns:com="http://schemas.openxmlformats.org/drawingml/2006/compatibility" xmlns:p14="http://schemas.microsoft.com/office/powerpoint/2010/main" xmlns:p15="http://schemas.microsoft.com/office/powerpoint/2012/main" xmlns:ahyp="http://schemas.microsoft.com/office/drawing/2018/hyperlinkcolor">
+  <p:cSld>
+    <p:spTree>
+      <p:nvGrpSpPr>
+        <p:cNvPr id="196" name="Shape 196"/>
+        <p:cNvGrpSpPr/>
+        <p:nvPr/>
+      </p:nvGrpSpPr>
+      <p:grpSpPr>
+        <a:xfrm>
+          <a:off x="0" y="0"/>
+          <a:ext cx="0" cy="0"/>
+          <a:chOff x="0" y="0"/>
+          <a:chExt cx="0" cy="0"/>
+        </a:xfrm>
+      </p:grpSpPr>
+      <p:sp>
+        <p:nvSpPr>
+          <p:cNvPr id="197" name="Google Shape;197;p34"/>
+          <p:cNvSpPr txBox="1"/>
+          <p:nvPr>
+            <p:ph type="title"/>
+          </p:nvPr>
+        </p:nvSpPr>
+        <p:spPr>
+          <a:xfrm>
+            <a:off x="311700" y="445025"/>
+            <a:ext cx="8520600" cy="572700"/>
+          </a:xfrm>
+          <a:prstGeom prst="rect">
+            <a:avLst/>
+          </a:prstGeom>
+        </p:spPr>
+        <p:txBody>
+          <a:bodyPr anchorCtr="0" anchor="t" bIns="91425" lIns="91425" spcFirstLastPara="1" rIns="91425" wrap="square" tIns="91425">
+            <a:normAutofit fontScale="90000"/>
+          </a:bodyPr>
+          <a:lstStyle/>
+          <a:p>
+            <a:pPr indent="0" lvl="0" marL="0" rtl="0" algn="l">
+              <a:spcBef>
+                <a:spcPts val="0"/>
+              </a:spcBef>
+              <a:spcAft>
+                <a:spcPts val="0"/>
+              </a:spcAft>
+              <a:buNone/>
+            </a:pPr>
+            <a:r>
+              <a:rPr lang="en"/>
+              <a:t>Future Work	</a:t>
+            </a:r>
+            <a:endParaRPr/>
+          </a:p>
+        </p:txBody>
+      </p:sp>
+      <p:sp>
+        <p:nvSpPr>
+          <p:cNvPr id="198" name="Google Shape;198;p34"/>
+          <p:cNvSpPr txBox="1"/>
+          <p:nvPr>
+            <p:ph idx="1" type="body"/>
+          </p:nvPr>
+        </p:nvSpPr>
+        <p:spPr>
+          <a:xfrm>
+            <a:off x="311700" y="1152475"/>
+            <a:ext cx="8520600" cy="3416400"/>
+          </a:xfrm>
+          <a:prstGeom prst="rect">
+            <a:avLst/>
+          </a:prstGeom>
+        </p:spPr>
+        <p:txBody>
+          <a:bodyPr anchorCtr="0" anchor="t" bIns="91425" lIns="91425" spcFirstLastPara="1" rIns="91425" wrap="square" tIns="91425">
+            <a:normAutofit/>
+          </a:bodyPr>
+          <a:lstStyle/>
+          <a:p>
+            <a:pPr indent="-342900" lvl="0" marL="457200" rtl="0" algn="l">
+              <a:spcBef>
+                <a:spcPts val="0"/>
+              </a:spcBef>
+              <a:spcAft>
+                <a:spcPts val="0"/>
+              </a:spcAft>
+              <a:buSzPts val="1800"/>
+              <a:buChar char="●"/>
+            </a:pPr>
+            <a:r>
+              <a:rPr lang="en"/>
+              <a:t>Identify denial constraints, FDs,regression models that can predict for some anonymous art work who could have been the artist!</a:t>
+            </a:r>
+            <a:endParaRPr/>
+          </a:p>
+          <a:p>
+            <a:pPr indent="-342900" lvl="0" marL="457200" rtl="0" algn="l">
+              <a:spcBef>
+                <a:spcPts val="0"/>
+              </a:spcBef>
+              <a:spcAft>
+                <a:spcPts val="0"/>
+              </a:spcAft>
+              <a:buSzPts val="1800"/>
+              <a:buChar char="●"/>
+            </a:pPr>
+            <a:r>
+              <a:rPr lang="en"/>
+              <a:t>Using  unsupervised learning algorithms such Latent Dirichlet Allocation to automatically fill missing value, K - means clustering algorithm and re-run analysis experiments.</a:t>
+            </a:r>
+            <a:endParaRPr/>
+          </a:p>
+          <a:p>
+            <a:pPr indent="-342900" lvl="0" marL="457200" rtl="0" algn="l">
+              <a:spcBef>
+                <a:spcPts val="0"/>
+              </a:spcBef>
+              <a:spcAft>
+                <a:spcPts val="0"/>
+              </a:spcAft>
+              <a:buSzPts val="1800"/>
+              <a:buChar char="●"/>
+            </a:pPr>
+            <a:r>
+              <a:rPr lang="en"/>
+              <a:t>Imputation of missing values was done by multilayer perceptron which is non-interpretable . So counterfactuals and rules could be identified which could explain why a nationality was selected by the black-box classifier.</a:t>
+            </a:r>
+            <a:endParaRPr/>
+          </a:p>
+        </p:txBody>
+      </p:sp>
+    </p:spTree>
+  </p:cSld>
+  <p:clrMapOvr>
+    <a:masterClrMapping/>
+  </p:clrMapOvr>
+</p:sld>
+</file>
+
+<file path=ppt/slides/slide23.xml><?xml version="1.0" encoding="utf-8"?>
+<p:sld xmlns:a="http://schemas.openxmlformats.org/drawingml/2006/main" xmlns:r="http://schemas.openxmlformats.org/officeDocument/2006/relationships" xmlns:mc="http://schemas.openxmlformats.org/markup-compatibility/2006" xmlns:mv="urn:schemas-microsoft-com:mac:vml" xmlns:p="http://schemas.openxmlformats.org/presentationml/2006/main" xmlns:c="http://schemas.openxmlformats.org/drawingml/2006/chart" xmlns:dgm="http://schemas.openxmlformats.org/drawingml/2006/diagram" xmlns:o="urn:schemas-microsoft-com:office:office" xmlns:v="urn:schemas-microsoft-com:vml" xmlns:pvml="urn:schemas-microsoft-com:office:powerpoint" xmlns:com="http://schemas.openxmlformats.org/drawingml/2006/compatibility" xmlns:p14="http://schemas.microsoft.com/office/powerpoint/2010/main" xmlns:p15="http://schemas.microsoft.com/office/powerpoint/2012/main" xmlns:ahyp="http://schemas.microsoft.com/office/drawing/2018/hyperlinkcolor">
+  <p:cSld>
+    <p:spTree>
+      <p:nvGrpSpPr>
+        <p:cNvPr id="202" name="Shape 202"/>
+        <p:cNvGrpSpPr/>
+        <p:nvPr/>
+      </p:nvGrpSpPr>
+      <p:grpSpPr>
+        <a:xfrm>
+          <a:off x="0" y="0"/>
+          <a:ext cx="0" cy="0"/>
+          <a:chOff x="0" y="0"/>
+          <a:chExt cx="0" cy="0"/>
+        </a:xfrm>
+      </p:grpSpPr>
+      <p:sp>
+        <p:nvSpPr>
+          <p:cNvPr id="203" name="Google Shape;203;p35"/>
+          <p:cNvSpPr txBox="1"/>
+          <p:nvPr>
+            <p:ph type="title"/>
+          </p:nvPr>
+        </p:nvSpPr>
+        <p:spPr>
+          <a:xfrm>
+            <a:off x="311700" y="445025"/>
+            <a:ext cx="8520600" cy="572700"/>
+          </a:xfrm>
+          <a:prstGeom prst="rect">
+            <a:avLst/>
+          </a:prstGeom>
+        </p:spPr>
+        <p:txBody>
+          <a:bodyPr anchorCtr="0" anchor="t" bIns="91425" lIns="91425" spcFirstLastPara="1" rIns="91425" wrap="square" tIns="91425">
+            <a:normAutofit fontScale="90000"/>
+          </a:bodyPr>
+          <a:lstStyle/>
+          <a:p>
+            <a:pPr indent="0" lvl="0" marL="0" rtl="0" algn="l">
+              <a:spcBef>
+                <a:spcPts val="0"/>
+              </a:spcBef>
+              <a:spcAft>
+                <a:spcPts val="0"/>
+              </a:spcAft>
+              <a:buNone/>
+            </a:pPr>
+            <a:r>
+              <a:rPr lang="en"/>
+              <a:t>Citations</a:t>
+            </a:r>
+            <a:endParaRPr/>
+          </a:p>
+        </p:txBody>
+      </p:sp>
+      <p:sp>
+        <p:nvSpPr>
+          <p:cNvPr id="204" name="Google Shape;204;p35"/>
           <p:cNvSpPr txBox="1"/>
           <p:nvPr>
             <p:ph idx="1" type="body"/>
@@ -9332,7 +10119,7 @@
                 <a:spcPts val="1200"/>
               </a:spcBef>
               <a:spcAft>
-                <a:spcPts val="1200"/>
+                <a:spcPts val="0"/>
               </a:spcAft>
               <a:buNone/>
             </a:pPr>
@@ -9347,6 +10134,30 @@
             <a:r>
               <a:rPr lang="en"/>
               <a:t> </a:t>
+            </a:r>
+            <a:endParaRPr/>
+          </a:p>
+          <a:p>
+            <a:pPr indent="0" lvl="0" marL="0" rtl="0" algn="l">
+              <a:spcBef>
+                <a:spcPts val="1200"/>
+              </a:spcBef>
+              <a:spcAft>
+                <a:spcPts val="1200"/>
+              </a:spcAft>
+              <a:buNone/>
+            </a:pPr>
+            <a:r>
+              <a:rPr lang="en"/>
+              <a:t>Open source software such as Scikit-learn, Jellyfish, Pandas and </a:t>
+            </a:r>
+            <a:r>
+              <a:rPr lang="en"/>
+              <a:t>Vizier DB</a:t>
+            </a:r>
+            <a:r>
+              <a:rPr lang="en"/>
+              <a:t>.</a:t>
             </a:r>
             <a:endParaRPr/>
           </a:p>
@@ -10894,7 +11705,7 @@
             </a:pPr>
             <a:r>
               <a:rPr lang="en"/>
-              <a:t>Matchings found by similarity score</a:t>
+              <a:t>Schema Matches found via similarity score</a:t>
             </a:r>
             <a:endParaRPr/>
           </a:p>

--- a/main-520-project/CS 520 Data Curation.pptx
+++ b/main-520-project/CS 520 Data Curation.pptx
@@ -8504,8 +8504,8 @@
         </p:blipFill>
         <p:spPr>
           <a:xfrm>
-            <a:off x="2348225" y="1017725"/>
-            <a:ext cx="6069825" cy="4058725"/>
+            <a:off x="3038300" y="1180525"/>
+            <a:ext cx="5310801" cy="3551174"/>
           </a:xfrm>
           <a:prstGeom prst="rect">
             <a:avLst/>

--- a/main-520-project/CS 520 Data Curation.pptx
+++ b/main-520-project/CS 520 Data Curation.pptx
@@ -31,16 +31,17 @@
     <p:sldId id="276" r:id="rId26"/>
     <p:sldId id="277" r:id="rId27"/>
     <p:sldId id="278" r:id="rId28"/>
+    <p:sldId id="279" r:id="rId29"/>
   </p:sldIdLst>
   <p:sldSz cy="5143500" cx="9144000"/>
   <p:notesSz cx="6858000" cy="9144000"/>
   <p:embeddedFontLst>
     <p:embeddedFont>
       <p:font typeface="Roboto"/>
-      <p:regular r:id="rId29"/>
-      <p:bold r:id="rId30"/>
-      <p:italic r:id="rId31"/>
-      <p:boldItalic r:id="rId32"/>
+      <p:regular r:id="rId30"/>
+      <p:bold r:id="rId31"/>
+      <p:italic r:id="rId32"/>
+      <p:boldItalic r:id="rId33"/>
     </p:embeddedFont>
   </p:embeddedFontLst>
   <p:defaultTextStyle>
@@ -821,7 +822,7 @@
   <p:cSld>
     <p:spTree>
       <p:nvGrpSpPr>
-        <p:cNvPr id="115" name="Shape 115"/>
+        <p:cNvPr id="116" name="Shape 116"/>
         <p:cNvGrpSpPr/>
         <p:nvPr/>
       </p:nvGrpSpPr>
@@ -835,7 +836,7 @@
       </p:grpSpPr>
       <p:sp>
         <p:nvSpPr>
-          <p:cNvPr id="116" name="Google Shape;116;g2a0fe4a4a0f_1_42:notes"/>
+          <p:cNvPr id="117" name="Google Shape;117;g2a0fe4a4a0f_1_28:notes"/>
           <p:cNvSpPr/>
           <p:nvPr>
             <p:ph idx="2" type="sldImg"/>
@@ -870,7 +871,7 @@
       </p:sp>
       <p:sp>
         <p:nvSpPr>
-          <p:cNvPr id="117" name="Google Shape;117;g2a0fe4a4a0f_1_42:notes"/>
+          <p:cNvPr id="118" name="Google Shape;118;g2a0fe4a4a0f_1_28:notes"/>
           <p:cNvSpPr txBox="1"/>
           <p:nvPr>
             <p:ph idx="1" type="body"/>
@@ -920,7 +921,7 @@
   <p:cSld>
     <p:spTree>
       <p:nvGrpSpPr>
-        <p:cNvPr id="121" name="Shape 121"/>
+        <p:cNvPr id="123" name="Shape 123"/>
         <p:cNvGrpSpPr/>
         <p:nvPr/>
       </p:nvGrpSpPr>
@@ -934,7 +935,7 @@
       </p:grpSpPr>
       <p:sp>
         <p:nvSpPr>
-          <p:cNvPr id="122" name="Google Shape;122;g2a10a4776de_0_0:notes"/>
+          <p:cNvPr id="124" name="Google Shape;124;g2a0fe4a4a0f_1_42:notes"/>
           <p:cNvSpPr/>
           <p:nvPr>
             <p:ph idx="2" type="sldImg"/>
@@ -969,7 +970,7 @@
       </p:sp>
       <p:sp>
         <p:nvSpPr>
-          <p:cNvPr id="123" name="Google Shape;123;g2a10a4776de_0_0:notes"/>
+          <p:cNvPr id="125" name="Google Shape;125;g2a0fe4a4a0f_1_42:notes"/>
           <p:cNvSpPr txBox="1"/>
           <p:nvPr>
             <p:ph idx="1" type="body"/>
@@ -1019,7 +1020,7 @@
   <p:cSld>
     <p:spTree>
       <p:nvGrpSpPr>
-        <p:cNvPr id="127" name="Shape 127"/>
+        <p:cNvPr id="129" name="Shape 129"/>
         <p:cNvGrpSpPr/>
         <p:nvPr/>
       </p:nvGrpSpPr>
@@ -1033,7 +1034,7 @@
       </p:grpSpPr>
       <p:sp>
         <p:nvSpPr>
-          <p:cNvPr id="128" name="Google Shape;128;g2a0fe4a4a0f_1_34:notes"/>
+          <p:cNvPr id="130" name="Google Shape;130;g2a10a4776de_0_0:notes"/>
           <p:cNvSpPr/>
           <p:nvPr>
             <p:ph idx="2" type="sldImg"/>
@@ -1068,7 +1069,7 @@
       </p:sp>
       <p:sp>
         <p:nvSpPr>
-          <p:cNvPr id="129" name="Google Shape;129;g2a0fe4a4a0f_1_34:notes"/>
+          <p:cNvPr id="131" name="Google Shape;131;g2a10a4776de_0_0:notes"/>
           <p:cNvSpPr txBox="1"/>
           <p:nvPr>
             <p:ph idx="1" type="body"/>
@@ -1118,7 +1119,7 @@
   <p:cSld>
     <p:spTree>
       <p:nvGrpSpPr>
-        <p:cNvPr id="133" name="Shape 133"/>
+        <p:cNvPr id="135" name="Shape 135"/>
         <p:cNvGrpSpPr/>
         <p:nvPr/>
       </p:nvGrpSpPr>
@@ -1132,7 +1133,7 @@
       </p:grpSpPr>
       <p:sp>
         <p:nvSpPr>
-          <p:cNvPr id="134" name="Google Shape;134;g2a0fe4a4a0f_1_62:notes"/>
+          <p:cNvPr id="136" name="Google Shape;136;g2a0fe4a4a0f_1_34:notes"/>
           <p:cNvSpPr/>
           <p:nvPr>
             <p:ph idx="2" type="sldImg"/>
@@ -1167,7 +1168,7 @@
       </p:sp>
       <p:sp>
         <p:nvSpPr>
-          <p:cNvPr id="135" name="Google Shape;135;g2a0fe4a4a0f_1_62:notes"/>
+          <p:cNvPr id="137" name="Google Shape;137;g2a0fe4a4a0f_1_34:notes"/>
           <p:cNvSpPr txBox="1"/>
           <p:nvPr>
             <p:ph idx="1" type="body"/>
@@ -1217,7 +1218,7 @@
   <p:cSld>
     <p:spTree>
       <p:nvGrpSpPr>
-        <p:cNvPr id="139" name="Shape 139"/>
+        <p:cNvPr id="141" name="Shape 141"/>
         <p:cNvGrpSpPr/>
         <p:nvPr/>
       </p:nvGrpSpPr>
@@ -1231,7 +1232,7 @@
       </p:grpSpPr>
       <p:sp>
         <p:nvSpPr>
-          <p:cNvPr id="140" name="Google Shape;140;g2a10a4776de_0_15:notes"/>
+          <p:cNvPr id="142" name="Google Shape;142;g2a0fe4a4a0f_1_62:notes"/>
           <p:cNvSpPr/>
           <p:nvPr>
             <p:ph idx="2" type="sldImg"/>
@@ -1266,7 +1267,7 @@
       </p:sp>
       <p:sp>
         <p:nvSpPr>
-          <p:cNvPr id="141" name="Google Shape;141;g2a10a4776de_0_15:notes"/>
+          <p:cNvPr id="143" name="Google Shape;143;g2a0fe4a4a0f_1_62:notes"/>
           <p:cNvSpPr txBox="1"/>
           <p:nvPr>
             <p:ph idx="1" type="body"/>
@@ -1316,7 +1317,7 @@
   <p:cSld>
     <p:spTree>
       <p:nvGrpSpPr>
-        <p:cNvPr id="145" name="Shape 145"/>
+        <p:cNvPr id="147" name="Shape 147"/>
         <p:cNvGrpSpPr/>
         <p:nvPr/>
       </p:nvGrpSpPr>
@@ -1330,7 +1331,7 @@
       </p:grpSpPr>
       <p:sp>
         <p:nvSpPr>
-          <p:cNvPr id="146" name="Google Shape;146;g2a10a4776de_0_10:notes"/>
+          <p:cNvPr id="148" name="Google Shape;148;g2a10a4776de_0_15:notes"/>
           <p:cNvSpPr/>
           <p:nvPr>
             <p:ph idx="2" type="sldImg"/>
@@ -1365,7 +1366,7 @@
       </p:sp>
       <p:sp>
         <p:nvSpPr>
-          <p:cNvPr id="147" name="Google Shape;147;g2a10a4776de_0_10:notes"/>
+          <p:cNvPr id="149" name="Google Shape;149;g2a10a4776de_0_15:notes"/>
           <p:cNvSpPr txBox="1"/>
           <p:nvPr>
             <p:ph idx="1" type="body"/>
@@ -1415,7 +1416,7 @@
   <p:cSld>
     <p:spTree>
       <p:nvGrpSpPr>
-        <p:cNvPr id="151" name="Shape 151"/>
+        <p:cNvPr id="153" name="Shape 153"/>
         <p:cNvGrpSpPr/>
         <p:nvPr/>
       </p:nvGrpSpPr>
@@ -1429,7 +1430,7 @@
       </p:grpSpPr>
       <p:sp>
         <p:nvSpPr>
-          <p:cNvPr id="152" name="Google Shape;152;g2a0fe4a4a0f_1_50:notes"/>
+          <p:cNvPr id="154" name="Google Shape;154;g2a10a4776de_0_10:notes"/>
           <p:cNvSpPr/>
           <p:nvPr>
             <p:ph idx="2" type="sldImg"/>
@@ -1464,7 +1465,7 @@
       </p:sp>
       <p:sp>
         <p:nvSpPr>
-          <p:cNvPr id="153" name="Google Shape;153;g2a0fe4a4a0f_1_50:notes"/>
+          <p:cNvPr id="155" name="Google Shape;155;g2a10a4776de_0_10:notes"/>
           <p:cNvSpPr txBox="1"/>
           <p:nvPr>
             <p:ph idx="1" type="body"/>
@@ -1514,7 +1515,7 @@
   <p:cSld>
     <p:spTree>
       <p:nvGrpSpPr>
-        <p:cNvPr id="157" name="Shape 157"/>
+        <p:cNvPr id="159" name="Shape 159"/>
         <p:cNvGrpSpPr/>
         <p:nvPr/>
       </p:nvGrpSpPr>
@@ -1528,7 +1529,7 @@
       </p:grpSpPr>
       <p:sp>
         <p:nvSpPr>
-          <p:cNvPr id="158" name="Google Shape;158;g2a0fe4a4a0f_1_67:notes"/>
+          <p:cNvPr id="160" name="Google Shape;160;g2a0fe4a4a0f_1_50:notes"/>
           <p:cNvSpPr/>
           <p:nvPr>
             <p:ph idx="2" type="sldImg"/>
@@ -1563,7 +1564,7 @@
       </p:sp>
       <p:sp>
         <p:nvSpPr>
-          <p:cNvPr id="159" name="Google Shape;159;g2a0fe4a4a0f_1_67:notes"/>
+          <p:cNvPr id="161" name="Google Shape;161;g2a0fe4a4a0f_1_50:notes"/>
           <p:cNvSpPr txBox="1"/>
           <p:nvPr>
             <p:ph idx="1" type="body"/>
@@ -1613,7 +1614,7 @@
   <p:cSld>
     <p:spTree>
       <p:nvGrpSpPr>
-        <p:cNvPr id="164" name="Shape 164"/>
+        <p:cNvPr id="165" name="Shape 165"/>
         <p:cNvGrpSpPr/>
         <p:nvPr/>
       </p:nvGrpSpPr>
@@ -1627,7 +1628,7 @@
       </p:grpSpPr>
       <p:sp>
         <p:nvSpPr>
-          <p:cNvPr id="165" name="Google Shape;165;g2a0fe4a4a0f_1_57:notes"/>
+          <p:cNvPr id="166" name="Google Shape;166;g2a0fe4a4a0f_1_67:notes"/>
           <p:cNvSpPr/>
           <p:nvPr>
             <p:ph idx="2" type="sldImg"/>
@@ -1662,7 +1663,7 @@
       </p:sp>
       <p:sp>
         <p:nvSpPr>
-          <p:cNvPr id="166" name="Google Shape;166;g2a0fe4a4a0f_1_57:notes"/>
+          <p:cNvPr id="167" name="Google Shape;167;g2a0fe4a4a0f_1_67:notes"/>
           <p:cNvSpPr txBox="1"/>
           <p:nvPr>
             <p:ph idx="1" type="body"/>
@@ -1712,7 +1713,7 @@
   <p:cSld>
     <p:spTree>
       <p:nvGrpSpPr>
-        <p:cNvPr id="171" name="Shape 171"/>
+        <p:cNvPr id="172" name="Shape 172"/>
         <p:cNvGrpSpPr/>
         <p:nvPr/>
       </p:nvGrpSpPr>
@@ -1726,7 +1727,7 @@
       </p:grpSpPr>
       <p:sp>
         <p:nvSpPr>
-          <p:cNvPr id="172" name="Google Shape;172;g295a4782ee7_0_37:notes"/>
+          <p:cNvPr id="173" name="Google Shape;173;g2a0fe4a4a0f_1_57:notes"/>
           <p:cNvSpPr/>
           <p:nvPr>
             <p:ph idx="2" type="sldImg"/>
@@ -1761,7 +1762,7 @@
       </p:sp>
       <p:sp>
         <p:nvSpPr>
-          <p:cNvPr id="173" name="Google Shape;173;g295a4782ee7_0_37:notes"/>
+          <p:cNvPr id="174" name="Google Shape;174;g2a0fe4a4a0f_1_57:notes"/>
           <p:cNvSpPr txBox="1"/>
           <p:nvPr>
             <p:ph idx="1" type="body"/>
@@ -1924,7 +1925,7 @@
       </p:grpSpPr>
       <p:sp>
         <p:nvSpPr>
-          <p:cNvPr id="180" name="Google Shape;180;g2a0fe4a4a0f_1_78:notes"/>
+          <p:cNvPr id="180" name="Google Shape;180;g295a4782ee7_0_37:notes"/>
           <p:cNvSpPr/>
           <p:nvPr>
             <p:ph idx="2" type="sldImg"/>
@@ -1959,7 +1960,7 @@
       </p:sp>
       <p:sp>
         <p:nvSpPr>
-          <p:cNvPr id="181" name="Google Shape;181;g2a0fe4a4a0f_1_78:notes"/>
+          <p:cNvPr id="181" name="Google Shape;181;g295a4782ee7_0_37:notes"/>
           <p:cNvSpPr txBox="1"/>
           <p:nvPr>
             <p:ph idx="1" type="body"/>
@@ -2023,7 +2024,7 @@
       </p:grpSpPr>
       <p:sp>
         <p:nvSpPr>
-          <p:cNvPr id="188" name="Google Shape;188;g295a4782ee7_0_44:notes"/>
+          <p:cNvPr id="188" name="Google Shape;188;g2a0fe4a4a0f_1_78:notes"/>
           <p:cNvSpPr/>
           <p:nvPr>
             <p:ph idx="2" type="sldImg"/>
@@ -2058,7 +2059,7 @@
       </p:sp>
       <p:sp>
         <p:nvSpPr>
-          <p:cNvPr id="189" name="Google Shape;189;g295a4782ee7_0_44:notes"/>
+          <p:cNvPr id="189" name="Google Shape;189;g2a0fe4a4a0f_1_78:notes"/>
           <p:cNvSpPr txBox="1"/>
           <p:nvPr>
             <p:ph idx="1" type="body"/>
@@ -2108,7 +2109,7 @@
   <p:cSld>
     <p:spTree>
       <p:nvGrpSpPr>
-        <p:cNvPr id="193" name="Shape 193"/>
+        <p:cNvPr id="195" name="Shape 195"/>
         <p:cNvGrpSpPr/>
         <p:nvPr/>
       </p:nvGrpSpPr>
@@ -2122,7 +2123,7 @@
       </p:grpSpPr>
       <p:sp>
         <p:nvSpPr>
-          <p:cNvPr id="194" name="Google Shape;194;g2961ba04e30_0_0:notes"/>
+          <p:cNvPr id="196" name="Google Shape;196;g295a4782ee7_0_44:notes"/>
           <p:cNvSpPr/>
           <p:nvPr>
             <p:ph idx="2" type="sldImg"/>
@@ -2157,7 +2158,7 @@
       </p:sp>
       <p:sp>
         <p:nvSpPr>
-          <p:cNvPr id="195" name="Google Shape;195;g2961ba04e30_0_0:notes"/>
+          <p:cNvPr id="197" name="Google Shape;197;g295a4782ee7_0_44:notes"/>
           <p:cNvSpPr txBox="1"/>
           <p:nvPr>
             <p:ph idx="1" type="body"/>
@@ -2207,7 +2208,7 @@
   <p:cSld>
     <p:spTree>
       <p:nvGrpSpPr>
-        <p:cNvPr id="199" name="Shape 199"/>
+        <p:cNvPr id="201" name="Shape 201"/>
         <p:cNvGrpSpPr/>
         <p:nvPr/>
       </p:nvGrpSpPr>
@@ -2221,7 +2222,7 @@
       </p:grpSpPr>
       <p:sp>
         <p:nvSpPr>
-          <p:cNvPr id="200" name="Google Shape;200;g295a4782ee7_0_55:notes"/>
+          <p:cNvPr id="202" name="Google Shape;202;g2961ba04e30_0_0:notes"/>
           <p:cNvSpPr/>
           <p:nvPr>
             <p:ph idx="2" type="sldImg"/>
@@ -2256,7 +2257,106 @@
       </p:sp>
       <p:sp>
         <p:nvSpPr>
-          <p:cNvPr id="201" name="Google Shape;201;g295a4782ee7_0_55:notes"/>
+          <p:cNvPr id="203" name="Google Shape;203;g2961ba04e30_0_0:notes"/>
+          <p:cNvSpPr txBox="1"/>
+          <p:nvPr>
+            <p:ph idx="1" type="body"/>
+          </p:nvPr>
+        </p:nvSpPr>
+        <p:spPr>
+          <a:xfrm>
+            <a:off x="685800" y="4343400"/>
+            <a:ext cx="5486400" cy="4114800"/>
+          </a:xfrm>
+          <a:prstGeom prst="rect">
+            <a:avLst/>
+          </a:prstGeom>
+        </p:spPr>
+        <p:txBody>
+          <a:bodyPr anchorCtr="0" anchor="t" bIns="91425" lIns="91425" spcFirstLastPara="1" rIns="91425" wrap="square" tIns="91425">
+            <a:noAutofit/>
+          </a:bodyPr>
+          <a:lstStyle/>
+          <a:p>
+            <a:pPr indent="0" lvl="0" marL="0" rtl="0" algn="l">
+              <a:spcBef>
+                <a:spcPts val="0"/>
+              </a:spcBef>
+              <a:spcAft>
+                <a:spcPts val="0"/>
+              </a:spcAft>
+              <a:buNone/>
+            </a:pPr>
+            <a:r>
+              <a:t/>
+            </a:r>
+            <a:endParaRPr/>
+          </a:p>
+        </p:txBody>
+      </p:sp>
+    </p:spTree>
+  </p:cSld>
+  <p:clrMapOvr>
+    <a:masterClrMapping/>
+  </p:clrMapOvr>
+</p:notes>
+</file>
+
+<file path=ppt/notesSlides/notesSlide24.xml><?xml version="1.0" encoding="utf-8"?>
+<p:notes xmlns:a="http://schemas.openxmlformats.org/drawingml/2006/main" xmlns:r="http://schemas.openxmlformats.org/officeDocument/2006/relationships" xmlns:mc="http://schemas.openxmlformats.org/markup-compatibility/2006" xmlns:mv="urn:schemas-microsoft-com:mac:vml" xmlns:p="http://schemas.openxmlformats.org/presentationml/2006/main" xmlns:c="http://schemas.openxmlformats.org/drawingml/2006/chart" xmlns:dgm="http://schemas.openxmlformats.org/drawingml/2006/diagram" xmlns:o="urn:schemas-microsoft-com:office:office" xmlns:v="urn:schemas-microsoft-com:vml" xmlns:pvml="urn:schemas-microsoft-com:office:powerpoint" xmlns:com="http://schemas.openxmlformats.org/drawingml/2006/compatibility" xmlns:p14="http://schemas.microsoft.com/office/powerpoint/2010/main" xmlns:p15="http://schemas.microsoft.com/office/powerpoint/2012/main" xmlns:ahyp="http://schemas.microsoft.com/office/drawing/2018/hyperlinkcolor" showMasterPhAnim="0" showMasterSp="0">
+  <p:cSld>
+    <p:spTree>
+      <p:nvGrpSpPr>
+        <p:cNvPr id="207" name="Shape 207"/>
+        <p:cNvGrpSpPr/>
+        <p:nvPr/>
+      </p:nvGrpSpPr>
+      <p:grpSpPr>
+        <a:xfrm>
+          <a:off x="0" y="0"/>
+          <a:ext cx="0" cy="0"/>
+          <a:chOff x="0" y="0"/>
+          <a:chExt cx="0" cy="0"/>
+        </a:xfrm>
+      </p:grpSpPr>
+      <p:sp>
+        <p:nvSpPr>
+          <p:cNvPr id="208" name="Google Shape;208;g295a4782ee7_0_55:notes"/>
+          <p:cNvSpPr/>
+          <p:nvPr>
+            <p:ph idx="2" type="sldImg"/>
+          </p:nvPr>
+        </p:nvSpPr>
+        <p:spPr>
+          <a:xfrm>
+            <a:off x="381300" y="685800"/>
+            <a:ext cx="6096000" cy="3429000"/>
+          </a:xfrm>
+          <a:custGeom>
+            <a:rect b="b" l="l" r="r" t="t"/>
+            <a:pathLst>
+              <a:path extrusionOk="0" h="120000" w="120000">
+                <a:moveTo>
+                  <a:pt x="0" y="0"/>
+                </a:moveTo>
+                <a:lnTo>
+                  <a:pt x="120000" y="0"/>
+                </a:lnTo>
+                <a:lnTo>
+                  <a:pt x="120000" y="120000"/>
+                </a:lnTo>
+                <a:lnTo>
+                  <a:pt x="0" y="120000"/>
+                </a:lnTo>
+                <a:close/>
+              </a:path>
+            </a:pathLst>
+          </a:custGeom>
+        </p:spPr>
+      </p:sp>
+      <p:sp>
+        <p:nvSpPr>
+          <p:cNvPr id="209" name="Google Shape;209;g295a4782ee7_0_55:notes"/>
           <p:cNvSpPr txBox="1"/>
           <p:nvPr>
             <p:ph idx="1" type="body"/>
@@ -2405,7 +2505,7 @@
   <p:cSld>
     <p:spTree>
       <p:nvGrpSpPr>
-        <p:cNvPr id="69" name="Shape 69"/>
+        <p:cNvPr id="70" name="Shape 70"/>
         <p:cNvGrpSpPr/>
         <p:nvPr/>
       </p:nvGrpSpPr>
@@ -2419,7 +2519,7 @@
       </p:grpSpPr>
       <p:sp>
         <p:nvSpPr>
-          <p:cNvPr id="70" name="Google Shape;70;g295a4782ee7_0_15:notes"/>
+          <p:cNvPr id="71" name="Google Shape;71;g295a4782ee7_0_15:notes"/>
           <p:cNvSpPr/>
           <p:nvPr>
             <p:ph idx="2" type="sldImg"/>
@@ -2454,7 +2554,7 @@
       </p:sp>
       <p:sp>
         <p:nvSpPr>
-          <p:cNvPr id="71" name="Google Shape;71;g295a4782ee7_0_15:notes"/>
+          <p:cNvPr id="72" name="Google Shape;72;g295a4782ee7_0_15:notes"/>
           <p:cNvSpPr txBox="1"/>
           <p:nvPr>
             <p:ph idx="1" type="body"/>
@@ -2504,7 +2604,7 @@
   <p:cSld>
     <p:spTree>
       <p:nvGrpSpPr>
-        <p:cNvPr id="75" name="Shape 75"/>
+        <p:cNvPr id="76" name="Shape 76"/>
         <p:cNvGrpSpPr/>
         <p:nvPr/>
       </p:nvGrpSpPr>
@@ -2518,7 +2618,7 @@
       </p:grpSpPr>
       <p:sp>
         <p:nvSpPr>
-          <p:cNvPr id="76" name="Google Shape;76;g2a0fe4a4a0f_1_0:notes"/>
+          <p:cNvPr id="77" name="Google Shape;77;g2a0fe4a4a0f_1_0:notes"/>
           <p:cNvSpPr/>
           <p:nvPr>
             <p:ph idx="2" type="sldImg"/>
@@ -2553,7 +2653,7 @@
       </p:sp>
       <p:sp>
         <p:nvSpPr>
-          <p:cNvPr id="77" name="Google Shape;77;g2a0fe4a4a0f_1_0:notes"/>
+          <p:cNvPr id="78" name="Google Shape;78;g2a0fe4a4a0f_1_0:notes"/>
           <p:cNvSpPr txBox="1"/>
           <p:nvPr>
             <p:ph idx="1" type="body"/>
@@ -2603,7 +2703,7 @@
   <p:cSld>
     <p:spTree>
       <p:nvGrpSpPr>
-        <p:cNvPr id="86" name="Shape 86"/>
+        <p:cNvPr id="87" name="Shape 87"/>
         <p:cNvGrpSpPr/>
         <p:nvPr/>
       </p:nvGrpSpPr>
@@ -2617,7 +2717,7 @@
       </p:grpSpPr>
       <p:sp>
         <p:nvSpPr>
-          <p:cNvPr id="87" name="Google Shape;87;g295a4782ee7_0_20:notes"/>
+          <p:cNvPr id="88" name="Google Shape;88;g295a4782ee7_0_20:notes"/>
           <p:cNvSpPr/>
           <p:nvPr>
             <p:ph idx="2" type="sldImg"/>
@@ -2652,7 +2752,7 @@
       </p:sp>
       <p:sp>
         <p:nvSpPr>
-          <p:cNvPr id="88" name="Google Shape;88;g295a4782ee7_0_20:notes"/>
+          <p:cNvPr id="89" name="Google Shape;89;g295a4782ee7_0_20:notes"/>
           <p:cNvSpPr txBox="1"/>
           <p:nvPr>
             <p:ph idx="1" type="body"/>
@@ -2702,7 +2802,7 @@
   <p:cSld>
     <p:spTree>
       <p:nvGrpSpPr>
-        <p:cNvPr id="92" name="Shape 92"/>
+        <p:cNvPr id="93" name="Shape 93"/>
         <p:cNvGrpSpPr/>
         <p:nvPr/>
       </p:nvGrpSpPr>
@@ -2716,7 +2816,7 @@
       </p:grpSpPr>
       <p:sp>
         <p:nvSpPr>
-          <p:cNvPr id="93" name="Google Shape;93;g2a0fe4a4a0f_0_0:notes"/>
+          <p:cNvPr id="94" name="Google Shape;94;g2a10a4776de_1_11:notes"/>
           <p:cNvSpPr/>
           <p:nvPr>
             <p:ph idx="2" type="sldImg"/>
@@ -2751,7 +2851,7 @@
       </p:sp>
       <p:sp>
         <p:nvSpPr>
-          <p:cNvPr id="94" name="Google Shape;94;g2a0fe4a4a0f_0_0:notes"/>
+          <p:cNvPr id="95" name="Google Shape;95;g2a10a4776de_1_11:notes"/>
           <p:cNvSpPr txBox="1"/>
           <p:nvPr>
             <p:ph idx="1" type="body"/>
@@ -2815,7 +2915,7 @@
       </p:grpSpPr>
       <p:sp>
         <p:nvSpPr>
-          <p:cNvPr id="101" name="Google Shape;101;g2a0fe4a4a0f_1_18:notes"/>
+          <p:cNvPr id="101" name="Google Shape;101;g2a0fe4a4a0f_0_0:notes"/>
           <p:cNvSpPr/>
           <p:nvPr>
             <p:ph idx="2" type="sldImg"/>
@@ -2850,7 +2950,7 @@
       </p:sp>
       <p:sp>
         <p:nvSpPr>
-          <p:cNvPr id="102" name="Google Shape;102;g2a0fe4a4a0f_1_18:notes"/>
+          <p:cNvPr id="102" name="Google Shape;102;g2a0fe4a4a0f_0_0:notes"/>
           <p:cNvSpPr txBox="1"/>
           <p:nvPr>
             <p:ph idx="1" type="body"/>
@@ -2914,7 +3014,7 @@
       </p:grpSpPr>
       <p:sp>
         <p:nvSpPr>
-          <p:cNvPr id="109" name="Google Shape;109;g2a0fe4a4a0f_1_28:notes"/>
+          <p:cNvPr id="109" name="Google Shape;109;g2a0fe4a4a0f_1_18:notes"/>
           <p:cNvSpPr/>
           <p:nvPr>
             <p:ph idx="2" type="sldImg"/>
@@ -2949,7 +3049,7 @@
       </p:sp>
       <p:sp>
         <p:nvSpPr>
-          <p:cNvPr id="110" name="Google Shape;110;g2a0fe4a4a0f_1_28:notes"/>
+          <p:cNvPr id="110" name="Google Shape;110;g2a0fe4a4a0f_1_18:notes"/>
           <p:cNvSpPr txBox="1"/>
           <p:nvPr>
             <p:ph idx="1" type="body"/>
@@ -7768,7 +7868,7 @@
   <p:cSld>
     <p:spTree>
       <p:nvGrpSpPr>
-        <p:cNvPr id="118" name="Shape 118"/>
+        <p:cNvPr id="119" name="Shape 119"/>
         <p:cNvGrpSpPr/>
         <p:nvPr/>
       </p:nvGrpSpPr>
@@ -7782,7 +7882,7 @@
       </p:grpSpPr>
       <p:sp>
         <p:nvSpPr>
-          <p:cNvPr id="119" name="Google Shape;119;p22"/>
+          <p:cNvPr id="120" name="Google Shape;120;p22"/>
           <p:cNvSpPr txBox="1"/>
           <p:nvPr>
             <p:ph type="title"/>
@@ -7814,15 +7914,154 @@
             </a:pPr>
             <a:r>
               <a:rPr lang="en"/>
-              <a:t>Exploratory data analysis</a:t>
+              <a:t>Apply functional based dependency repair</a:t>
             </a:r>
             <a:endParaRPr/>
+          </a:p>
+        </p:txBody>
+      </p:sp>
+      <p:sp>
+        <p:nvSpPr>
+          <p:cNvPr id="121" name="Google Shape;121;p22"/>
+          <p:cNvSpPr txBox="1"/>
+          <p:nvPr>
+            <p:ph idx="1" type="body"/>
+          </p:nvPr>
+        </p:nvSpPr>
+        <p:spPr>
+          <a:xfrm>
+            <a:off x="311700" y="1152475"/>
+            <a:ext cx="8520600" cy="3416400"/>
+          </a:xfrm>
+          <a:prstGeom prst="rect">
+            <a:avLst/>
+          </a:prstGeom>
+        </p:spPr>
+        <p:txBody>
+          <a:bodyPr anchorCtr="0" anchor="t" bIns="91425" lIns="91425" spcFirstLastPara="1" rIns="91425" wrap="square" tIns="91425">
+            <a:normAutofit/>
+          </a:bodyPr>
+          <a:lstStyle/>
+          <a:p>
+            <a:pPr indent="0" lvl="0" marL="0" rtl="0" algn="l">
+              <a:spcBef>
+                <a:spcPts val="0"/>
+              </a:spcBef>
+              <a:spcAft>
+                <a:spcPts val="0"/>
+              </a:spcAft>
+              <a:buNone/>
+            </a:pPr>
+            <a:r>
+              <a:rPr lang="en"/>
+              <a:t>We </a:t>
+            </a:r>
+            <a:r>
+              <a:rPr lang="en"/>
+              <a:t>have identified the following functional dependency</a:t>
+            </a:r>
+            <a:endParaRPr/>
+          </a:p>
+          <a:p>
+            <a:pPr indent="0" lvl="0" marL="0" rtl="0" algn="l">
+              <a:spcBef>
+                <a:spcPts val="1200"/>
+              </a:spcBef>
+              <a:spcAft>
+                <a:spcPts val="0"/>
+              </a:spcAft>
+              <a:buNone/>
+            </a:pPr>
+            <a:r>
+              <a:rPr lang="en"/>
+              <a:t>full_name -&gt; nationality</a:t>
+            </a:r>
+            <a:endParaRPr/>
+          </a:p>
+          <a:p>
+            <a:pPr indent="0" lvl="0" marL="0" rtl="0" algn="l">
+              <a:spcBef>
+                <a:spcPts val="1200"/>
+              </a:spcBef>
+              <a:spcAft>
+                <a:spcPts val="0"/>
+              </a:spcAft>
+              <a:buNone/>
+            </a:pPr>
+            <a:r>
+              <a:rPr lang="en"/>
+              <a:t>full_name -&gt; birth_date</a:t>
+            </a:r>
+            <a:endParaRPr/>
+          </a:p>
+          <a:p>
+            <a:pPr indent="0" lvl="0" marL="0" rtl="0" algn="l">
+              <a:spcBef>
+                <a:spcPts val="1200"/>
+              </a:spcBef>
+              <a:spcAft>
+                <a:spcPts val="0"/>
+              </a:spcAft>
+              <a:buNone/>
+            </a:pPr>
+            <a:r>
+              <a:rPr lang="en"/>
+              <a:t>full_name -&gt; death_date</a:t>
+            </a:r>
+            <a:endParaRPr/>
+          </a:p>
+          <a:p>
+            <a:pPr indent="0" lvl="0" marL="0" rtl="0" algn="l">
+              <a:spcBef>
+                <a:spcPts val="1200"/>
+              </a:spcBef>
+              <a:spcAft>
+                <a:spcPts val="0"/>
+              </a:spcAft>
+              <a:buNone/>
+            </a:pPr>
+            <a:r>
+              <a:t/>
+            </a:r>
+            <a:endParaRPr/>
+          </a:p>
+          <a:p>
+            <a:pPr indent="0" lvl="0" marL="0" rtl="0" algn="l">
+              <a:spcBef>
+                <a:spcPts val="1200"/>
+              </a:spcBef>
+              <a:spcAft>
+                <a:spcPts val="0"/>
+              </a:spcAft>
+              <a:buNone/>
+            </a:pPr>
+            <a:r>
+              <a:rPr b="1" lang="en"/>
+              <a:t>FD Conflicts are resolved</a:t>
+            </a:r>
+            <a:endParaRPr b="1"/>
+          </a:p>
+          <a:p>
+            <a:pPr indent="0" lvl="0" marL="0" rtl="0" algn="l">
+              <a:spcBef>
+                <a:spcPts val="1200"/>
+              </a:spcBef>
+              <a:spcAft>
+                <a:spcPts val="1200"/>
+              </a:spcAft>
+              <a:buNone/>
+            </a:pPr>
+            <a:r>
+              <a:rPr b="1" lang="en"/>
+              <a:t>by popular vote.</a:t>
+            </a:r>
+            <a:endParaRPr b="1"/>
           </a:p>
         </p:txBody>
       </p:sp>
       <p:pic>
         <p:nvPicPr>
-          <p:cNvPr id="120" name="Google Shape;120;p22"/>
+          <p:cNvPr id="122" name="Google Shape;122;p22"/>
           <p:cNvPicPr preferRelativeResize="0"/>
           <p:nvPr/>
         </p:nvPicPr>
@@ -7836,8 +8075,8 @@
         </p:blipFill>
         <p:spPr>
           <a:xfrm>
-            <a:off x="1688025" y="1167525"/>
-            <a:ext cx="5937251" cy="3898225"/>
+            <a:off x="3359224" y="1534050"/>
+            <a:ext cx="5784775" cy="3416400"/>
           </a:xfrm>
           <a:prstGeom prst="rect">
             <a:avLst/>
@@ -7861,7 +8100,7 @@
   <p:cSld>
     <p:spTree>
       <p:nvGrpSpPr>
-        <p:cNvPr id="124" name="Shape 124"/>
+        <p:cNvPr id="126" name="Shape 126"/>
         <p:cNvGrpSpPr/>
         <p:nvPr/>
       </p:nvGrpSpPr>
@@ -7875,7 +8114,7 @@
       </p:grpSpPr>
       <p:sp>
         <p:nvSpPr>
-          <p:cNvPr id="125" name="Google Shape;125;p23"/>
+          <p:cNvPr id="127" name="Google Shape;127;p23"/>
           <p:cNvSpPr txBox="1"/>
           <p:nvPr>
             <p:ph type="title"/>
@@ -7907,108 +8146,40 @@
             </a:pPr>
             <a:r>
               <a:rPr lang="en"/>
-              <a:t>Entity Resolution</a:t>
+              <a:t>Exploratory data analysis</a:t>
             </a:r>
             <a:endParaRPr/>
           </a:p>
         </p:txBody>
       </p:sp>
-      <p:sp>
-        <p:nvSpPr>
-          <p:cNvPr id="126" name="Google Shape;126;p23"/>
-          <p:cNvSpPr txBox="1"/>
-          <p:nvPr>
-            <p:ph idx="1" type="body"/>
-          </p:nvPr>
-        </p:nvSpPr>
-        <p:spPr>
-          <a:xfrm>
-            <a:off x="311700" y="1152475"/>
-            <a:ext cx="8520600" cy="3416400"/>
+      <p:pic>
+        <p:nvPicPr>
+          <p:cNvPr id="128" name="Google Shape;128;p23"/>
+          <p:cNvPicPr preferRelativeResize="0"/>
+          <p:nvPr/>
+        </p:nvPicPr>
+        <p:blipFill>
+          <a:blip r:embed="rId3">
+            <a:alphaModFix/>
+          </a:blip>
+          <a:stretch>
+            <a:fillRect/>
+          </a:stretch>
+        </p:blipFill>
+        <p:spPr>
+          <a:xfrm>
+            <a:off x="1688025" y="1167525"/>
+            <a:ext cx="5937251" cy="3898225"/>
           </a:xfrm>
           <a:prstGeom prst="rect">
             <a:avLst/>
           </a:prstGeom>
-        </p:spPr>
-        <p:txBody>
-          <a:bodyPr anchorCtr="0" anchor="t" bIns="91425" lIns="91425" spcFirstLastPara="1" rIns="91425" wrap="square" tIns="91425">
-            <a:normAutofit/>
-          </a:bodyPr>
-          <a:lstStyle/>
-          <a:p>
-            <a:pPr indent="0" lvl="0" marL="0" rtl="0" algn="l">
-              <a:spcBef>
-                <a:spcPts val="0"/>
-              </a:spcBef>
-              <a:spcAft>
-                <a:spcPts val="0"/>
-              </a:spcAft>
-              <a:buNone/>
-            </a:pPr>
-            <a:r>
-              <a:rPr lang="en"/>
-              <a:t>We have so far a large dataset with </a:t>
-            </a:r>
-            <a:r>
-              <a:rPr lang="en"/>
-              <a:t>data frames</a:t>
-            </a:r>
-            <a:r>
-              <a:rPr lang="en"/>
-              <a:t> from various sources that have been integrated to one mediated schema, however, we must deduplicate records.</a:t>
-            </a:r>
-            <a:endParaRPr/>
-          </a:p>
-          <a:p>
-            <a:pPr indent="0" lvl="0" marL="0" rtl="0" algn="l">
-              <a:spcBef>
-                <a:spcPts val="1200"/>
-              </a:spcBef>
-              <a:spcAft>
-                <a:spcPts val="0"/>
-              </a:spcAft>
-              <a:buNone/>
-            </a:pPr>
-            <a:r>
-              <a:rPr lang="en"/>
-              <a:t>We evaluate three possible approaches for entity resolution:</a:t>
-            </a:r>
-            <a:endParaRPr/>
-          </a:p>
-          <a:p>
-            <a:pPr indent="0" lvl="0" marL="0" rtl="0" algn="l">
-              <a:spcBef>
-                <a:spcPts val="1200"/>
-              </a:spcBef>
-              <a:spcAft>
-                <a:spcPts val="0"/>
-              </a:spcAft>
-              <a:buNone/>
-            </a:pPr>
-            <a:r>
-              <a:rPr lang="en"/>
-              <a:t>1. Sorted Neighborhood</a:t>
-            </a:r>
-            <a:endParaRPr/>
-          </a:p>
-          <a:p>
-            <a:pPr indent="0" lvl="0" marL="0" rtl="0" algn="l">
-              <a:spcBef>
-                <a:spcPts val="1200"/>
-              </a:spcBef>
-              <a:spcAft>
-                <a:spcPts val="1200"/>
-              </a:spcAft>
-              <a:buNone/>
-            </a:pPr>
-            <a:r>
-              <a:rPr lang="en"/>
-              <a:t>2. Logistic Regression classifier</a:t>
-            </a:r>
-            <a:endParaRPr/>
-          </a:p>
-        </p:txBody>
-      </p:sp>
+          <a:noFill/>
+          <a:ln>
+            <a:noFill/>
+          </a:ln>
+        </p:spPr>
+      </p:pic>
     </p:spTree>
   </p:cSld>
   <p:clrMapOvr>
@@ -8022,7 +8193,7 @@
   <p:cSld>
     <p:spTree>
       <p:nvGrpSpPr>
-        <p:cNvPr id="130" name="Shape 130"/>
+        <p:cNvPr id="132" name="Shape 132"/>
         <p:cNvGrpSpPr/>
         <p:nvPr/>
       </p:nvGrpSpPr>
@@ -8036,7 +8207,7 @@
       </p:grpSpPr>
       <p:sp>
         <p:nvSpPr>
-          <p:cNvPr id="131" name="Google Shape;131;p24"/>
+          <p:cNvPr id="133" name="Google Shape;133;p24"/>
           <p:cNvSpPr txBox="1"/>
           <p:nvPr>
             <p:ph type="title"/>
@@ -8068,40 +8239,108 @@
             </a:pPr>
             <a:r>
               <a:rPr lang="en"/>
-              <a:t>Sorted Neighborhood</a:t>
+              <a:t>Entity Resolution</a:t>
             </a:r>
             <a:endParaRPr/>
           </a:p>
         </p:txBody>
       </p:sp>
-      <p:pic>
-        <p:nvPicPr>
-          <p:cNvPr id="132" name="Google Shape;132;p24"/>
-          <p:cNvPicPr preferRelativeResize="0"/>
-          <p:nvPr/>
-        </p:nvPicPr>
-        <p:blipFill>
-          <a:blip r:embed="rId3">
-            <a:alphaModFix/>
-          </a:blip>
-          <a:stretch>
-            <a:fillRect/>
-          </a:stretch>
-        </p:blipFill>
-        <p:spPr>
-          <a:xfrm>
-            <a:off x="986349" y="1187375"/>
-            <a:ext cx="8310055" cy="3416399"/>
+      <p:sp>
+        <p:nvSpPr>
+          <p:cNvPr id="134" name="Google Shape;134;p24"/>
+          <p:cNvSpPr txBox="1"/>
+          <p:nvPr>
+            <p:ph idx="1" type="body"/>
+          </p:nvPr>
+        </p:nvSpPr>
+        <p:spPr>
+          <a:xfrm>
+            <a:off x="311700" y="1152475"/>
+            <a:ext cx="8520600" cy="3416400"/>
           </a:xfrm>
           <a:prstGeom prst="rect">
             <a:avLst/>
           </a:prstGeom>
-          <a:noFill/>
-          <a:ln>
-            <a:noFill/>
-          </a:ln>
-        </p:spPr>
-      </p:pic>
+        </p:spPr>
+        <p:txBody>
+          <a:bodyPr anchorCtr="0" anchor="t" bIns="91425" lIns="91425" spcFirstLastPara="1" rIns="91425" wrap="square" tIns="91425">
+            <a:normAutofit/>
+          </a:bodyPr>
+          <a:lstStyle/>
+          <a:p>
+            <a:pPr indent="0" lvl="0" marL="0" rtl="0" algn="l">
+              <a:spcBef>
+                <a:spcPts val="0"/>
+              </a:spcBef>
+              <a:spcAft>
+                <a:spcPts val="0"/>
+              </a:spcAft>
+              <a:buNone/>
+            </a:pPr>
+            <a:r>
+              <a:rPr lang="en"/>
+              <a:t>We have so far a large dataset with </a:t>
+            </a:r>
+            <a:r>
+              <a:rPr lang="en"/>
+              <a:t>data frames</a:t>
+            </a:r>
+            <a:r>
+              <a:rPr lang="en"/>
+              <a:t> from various sources that have been integrated to one mediated schema, however, we must deduplicate records.</a:t>
+            </a:r>
+            <a:endParaRPr/>
+          </a:p>
+          <a:p>
+            <a:pPr indent="0" lvl="0" marL="0" rtl="0" algn="l">
+              <a:spcBef>
+                <a:spcPts val="1200"/>
+              </a:spcBef>
+              <a:spcAft>
+                <a:spcPts val="0"/>
+              </a:spcAft>
+              <a:buNone/>
+            </a:pPr>
+            <a:r>
+              <a:rPr lang="en"/>
+              <a:t>We evaluate three possible approaches for entity resolution:</a:t>
+            </a:r>
+            <a:endParaRPr/>
+          </a:p>
+          <a:p>
+            <a:pPr indent="0" lvl="0" marL="0" rtl="0" algn="l">
+              <a:spcBef>
+                <a:spcPts val="1200"/>
+              </a:spcBef>
+              <a:spcAft>
+                <a:spcPts val="0"/>
+              </a:spcAft>
+              <a:buNone/>
+            </a:pPr>
+            <a:r>
+              <a:rPr lang="en"/>
+              <a:t>1. Sorted Neighborhood</a:t>
+            </a:r>
+            <a:endParaRPr/>
+          </a:p>
+          <a:p>
+            <a:pPr indent="0" lvl="0" marL="0" rtl="0" algn="l">
+              <a:spcBef>
+                <a:spcPts val="1200"/>
+              </a:spcBef>
+              <a:spcAft>
+                <a:spcPts val="1200"/>
+              </a:spcAft>
+              <a:buNone/>
+            </a:pPr>
+            <a:r>
+              <a:rPr lang="en"/>
+              <a:t>2. Logistic Regression classifier</a:t>
+            </a:r>
+            <a:endParaRPr/>
+          </a:p>
+        </p:txBody>
+      </p:sp>
     </p:spTree>
   </p:cSld>
   <p:clrMapOvr>
@@ -8115,7 +8354,7 @@
   <p:cSld>
     <p:spTree>
       <p:nvGrpSpPr>
-        <p:cNvPr id="136" name="Shape 136"/>
+        <p:cNvPr id="138" name="Shape 138"/>
         <p:cNvGrpSpPr/>
         <p:nvPr/>
       </p:nvGrpSpPr>
@@ -8129,7 +8368,7 @@
       </p:grpSpPr>
       <p:sp>
         <p:nvSpPr>
-          <p:cNvPr id="137" name="Google Shape;137;p25"/>
+          <p:cNvPr id="139" name="Google Shape;139;p25"/>
           <p:cNvSpPr txBox="1"/>
           <p:nvPr>
             <p:ph type="title"/>
@@ -8161,128 +8400,40 @@
             </a:pPr>
             <a:r>
               <a:rPr lang="en"/>
-              <a:t>Candidate pair scoring</a:t>
+              <a:t>Sorted Neighborhood</a:t>
             </a:r>
             <a:endParaRPr/>
           </a:p>
         </p:txBody>
       </p:sp>
-      <p:sp>
-        <p:nvSpPr>
-          <p:cNvPr id="138" name="Google Shape;138;p25"/>
-          <p:cNvSpPr txBox="1"/>
-          <p:nvPr>
-            <p:ph idx="1" type="body"/>
-          </p:nvPr>
-        </p:nvSpPr>
-        <p:spPr>
-          <a:xfrm>
-            <a:off x="311700" y="1152475"/>
-            <a:ext cx="8520600" cy="3416400"/>
+      <p:pic>
+        <p:nvPicPr>
+          <p:cNvPr id="140" name="Google Shape;140;p25"/>
+          <p:cNvPicPr preferRelativeResize="0"/>
+          <p:nvPr/>
+        </p:nvPicPr>
+        <p:blipFill>
+          <a:blip r:embed="rId3">
+            <a:alphaModFix/>
+          </a:blip>
+          <a:stretch>
+            <a:fillRect/>
+          </a:stretch>
+        </p:blipFill>
+        <p:spPr>
+          <a:xfrm>
+            <a:off x="986349" y="1187375"/>
+            <a:ext cx="8310055" cy="3416399"/>
           </a:xfrm>
           <a:prstGeom prst="rect">
             <a:avLst/>
           </a:prstGeom>
-        </p:spPr>
-        <p:txBody>
-          <a:bodyPr anchorCtr="0" anchor="t" bIns="91425" lIns="91425" spcFirstLastPara="1" rIns="91425" wrap="square" tIns="91425">
-            <a:normAutofit/>
-          </a:bodyPr>
-          <a:lstStyle/>
-          <a:p>
-            <a:pPr indent="0" lvl="0" marL="0" rtl="0" algn="l">
-              <a:spcBef>
-                <a:spcPts val="0"/>
-              </a:spcBef>
-              <a:spcAft>
-                <a:spcPts val="0"/>
-              </a:spcAft>
-              <a:buNone/>
-            </a:pPr>
-            <a:r>
-              <a:rPr lang="en"/>
-              <a:t>The similarity scores for candidates pairs are calculated by various attributes.</a:t>
-            </a:r>
-            <a:endParaRPr/>
-          </a:p>
-          <a:p>
-            <a:pPr indent="0" lvl="0" marL="0" rtl="0" algn="l">
-              <a:spcBef>
-                <a:spcPts val="1200"/>
-              </a:spcBef>
-              <a:spcAft>
-                <a:spcPts val="0"/>
-              </a:spcAft>
-              <a:buNone/>
-            </a:pPr>
-            <a:r>
-              <a:rPr lang="en"/>
-              <a:t>1. </a:t>
-            </a:r>
-            <a:r>
-              <a:rPr lang="en"/>
-              <a:t>Exact matching on full_name</a:t>
-            </a:r>
-            <a:endParaRPr/>
-          </a:p>
-          <a:p>
-            <a:pPr indent="0" lvl="0" marL="0" rtl="0" algn="l">
-              <a:spcBef>
-                <a:spcPts val="1200"/>
-              </a:spcBef>
-              <a:spcAft>
-                <a:spcPts val="0"/>
-              </a:spcAft>
-              <a:buNone/>
-            </a:pPr>
-            <a:r>
-              <a:rPr lang="en"/>
-              <a:t>2. Exact matching on ULAN id </a:t>
-            </a:r>
-            <a:endParaRPr/>
-          </a:p>
-          <a:p>
-            <a:pPr indent="0" lvl="0" marL="0" rtl="0" algn="l">
-              <a:spcBef>
-                <a:spcPts val="1200"/>
-              </a:spcBef>
-              <a:spcAft>
-                <a:spcPts val="0"/>
-              </a:spcAft>
-              <a:buNone/>
-            </a:pPr>
-            <a:r>
-              <a:rPr lang="en"/>
-              <a:t>3. </a:t>
-            </a:r>
-            <a:r>
-              <a:rPr lang="en"/>
-              <a:t>Fuzzy Matching</a:t>
-            </a:r>
-            <a:r>
-              <a:rPr lang="en"/>
-              <a:t> on artist names - cosine similarity of names</a:t>
-            </a:r>
-            <a:endParaRPr/>
-          </a:p>
-          <a:p>
-            <a:pPr indent="0" lvl="0" marL="0" rtl="0" algn="l">
-              <a:spcBef>
-                <a:spcPts val="1200"/>
-              </a:spcBef>
-              <a:spcAft>
-                <a:spcPts val="1200"/>
-              </a:spcAft>
-              <a:buNone/>
-            </a:pPr>
-            <a:r>
-              <a:rPr lang="en"/>
-              <a:t>4. Exact matching on nationality</a:t>
-            </a:r>
-            <a:endParaRPr/>
-          </a:p>
-        </p:txBody>
-      </p:sp>
+          <a:noFill/>
+          <a:ln>
+            <a:noFill/>
+          </a:ln>
+        </p:spPr>
+      </p:pic>
     </p:spTree>
   </p:cSld>
   <p:clrMapOvr>
@@ -8296,7 +8447,7 @@
   <p:cSld>
     <p:spTree>
       <p:nvGrpSpPr>
-        <p:cNvPr id="142" name="Shape 142"/>
+        <p:cNvPr id="144" name="Shape 144"/>
         <p:cNvGrpSpPr/>
         <p:nvPr/>
       </p:nvGrpSpPr>
@@ -8310,7 +8461,7 @@
       </p:grpSpPr>
       <p:sp>
         <p:nvSpPr>
-          <p:cNvPr id="143" name="Google Shape;143;p26"/>
+          <p:cNvPr id="145" name="Google Shape;145;p26"/>
           <p:cNvSpPr txBox="1"/>
           <p:nvPr>
             <p:ph type="title"/>
@@ -8342,40 +8493,128 @@
             </a:pPr>
             <a:r>
               <a:rPr lang="en"/>
-              <a:t>Logistic Regression classifier</a:t>
+              <a:t>Candidate pair scoring</a:t>
             </a:r>
             <a:endParaRPr/>
           </a:p>
         </p:txBody>
       </p:sp>
-      <p:pic>
-        <p:nvPicPr>
-          <p:cNvPr id="144" name="Google Shape;144;p26"/>
-          <p:cNvPicPr preferRelativeResize="0"/>
-          <p:nvPr/>
-        </p:nvPicPr>
-        <p:blipFill>
-          <a:blip r:embed="rId3">
-            <a:alphaModFix/>
-          </a:blip>
-          <a:stretch>
-            <a:fillRect/>
-          </a:stretch>
-        </p:blipFill>
-        <p:spPr>
-          <a:xfrm>
-            <a:off x="221725" y="946875"/>
-            <a:ext cx="6898274" cy="4099376"/>
+      <p:sp>
+        <p:nvSpPr>
+          <p:cNvPr id="146" name="Google Shape;146;p26"/>
+          <p:cNvSpPr txBox="1"/>
+          <p:nvPr>
+            <p:ph idx="1" type="body"/>
+          </p:nvPr>
+        </p:nvSpPr>
+        <p:spPr>
+          <a:xfrm>
+            <a:off x="311700" y="1152475"/>
+            <a:ext cx="8520600" cy="3416400"/>
           </a:xfrm>
           <a:prstGeom prst="rect">
             <a:avLst/>
           </a:prstGeom>
-          <a:noFill/>
-          <a:ln>
-            <a:noFill/>
-          </a:ln>
-        </p:spPr>
-      </p:pic>
+        </p:spPr>
+        <p:txBody>
+          <a:bodyPr anchorCtr="0" anchor="t" bIns="91425" lIns="91425" spcFirstLastPara="1" rIns="91425" wrap="square" tIns="91425">
+            <a:normAutofit/>
+          </a:bodyPr>
+          <a:lstStyle/>
+          <a:p>
+            <a:pPr indent="0" lvl="0" marL="0" rtl="0" algn="l">
+              <a:spcBef>
+                <a:spcPts val="0"/>
+              </a:spcBef>
+              <a:spcAft>
+                <a:spcPts val="0"/>
+              </a:spcAft>
+              <a:buNone/>
+            </a:pPr>
+            <a:r>
+              <a:rPr lang="en"/>
+              <a:t>The similarity scores for candidates pairs are calculated by various attributes.</a:t>
+            </a:r>
+            <a:endParaRPr/>
+          </a:p>
+          <a:p>
+            <a:pPr indent="0" lvl="0" marL="0" rtl="0" algn="l">
+              <a:spcBef>
+                <a:spcPts val="1200"/>
+              </a:spcBef>
+              <a:spcAft>
+                <a:spcPts val="0"/>
+              </a:spcAft>
+              <a:buNone/>
+            </a:pPr>
+            <a:r>
+              <a:rPr lang="en"/>
+              <a:t>1. </a:t>
+            </a:r>
+            <a:r>
+              <a:rPr lang="en"/>
+              <a:t>Exact matching on full_name</a:t>
+            </a:r>
+            <a:endParaRPr/>
+          </a:p>
+          <a:p>
+            <a:pPr indent="0" lvl="0" marL="0" rtl="0" algn="l">
+              <a:spcBef>
+                <a:spcPts val="1200"/>
+              </a:spcBef>
+              <a:spcAft>
+                <a:spcPts val="0"/>
+              </a:spcAft>
+              <a:buNone/>
+            </a:pPr>
+            <a:r>
+              <a:rPr lang="en"/>
+              <a:t>2. Exact matching on ULAN id </a:t>
+            </a:r>
+            <a:endParaRPr/>
+          </a:p>
+          <a:p>
+            <a:pPr indent="0" lvl="0" marL="0" rtl="0" algn="l">
+              <a:spcBef>
+                <a:spcPts val="1200"/>
+              </a:spcBef>
+              <a:spcAft>
+                <a:spcPts val="0"/>
+              </a:spcAft>
+              <a:buNone/>
+            </a:pPr>
+            <a:r>
+              <a:rPr lang="en"/>
+              <a:t>3. </a:t>
+            </a:r>
+            <a:r>
+              <a:rPr lang="en"/>
+              <a:t>Fuzzy Matching</a:t>
+            </a:r>
+            <a:r>
+              <a:rPr lang="en"/>
+              <a:t> on artist names - cosine similarity of names</a:t>
+            </a:r>
+            <a:endParaRPr/>
+          </a:p>
+          <a:p>
+            <a:pPr indent="0" lvl="0" marL="0" rtl="0" algn="l">
+              <a:spcBef>
+                <a:spcPts val="1200"/>
+              </a:spcBef>
+              <a:spcAft>
+                <a:spcPts val="1200"/>
+              </a:spcAft>
+              <a:buNone/>
+            </a:pPr>
+            <a:r>
+              <a:rPr lang="en"/>
+              <a:t>4. Exact matching on nationality</a:t>
+            </a:r>
+            <a:endParaRPr/>
+          </a:p>
+        </p:txBody>
+      </p:sp>
     </p:spTree>
   </p:cSld>
   <p:clrMapOvr>
@@ -8389,7 +8628,7 @@
   <p:cSld>
     <p:spTree>
       <p:nvGrpSpPr>
-        <p:cNvPr id="148" name="Shape 148"/>
+        <p:cNvPr id="150" name="Shape 150"/>
         <p:cNvGrpSpPr/>
         <p:nvPr/>
       </p:nvGrpSpPr>
@@ -8403,7 +8642,7 @@
       </p:grpSpPr>
       <p:sp>
         <p:nvSpPr>
-          <p:cNvPr id="149" name="Google Shape;149;p27"/>
+          <p:cNvPr id="151" name="Google Shape;151;p27"/>
           <p:cNvSpPr txBox="1"/>
           <p:nvPr>
             <p:ph type="title"/>
@@ -8435,54 +8674,7 @@
             </a:pPr>
             <a:r>
               <a:rPr lang="en"/>
-              <a:t>Logistic regression classifier</a:t>
-            </a:r>
-            <a:endParaRPr/>
-          </a:p>
-          <a:p>
-            <a:pPr indent="0" lvl="0" marL="0" rtl="0" algn="l">
-              <a:spcBef>
-                <a:spcPts val="0"/>
-              </a:spcBef>
-              <a:spcAft>
-                <a:spcPts val="0"/>
-              </a:spcAft>
-              <a:buNone/>
-            </a:pPr>
-            <a:r>
-              <a:t/>
-            </a:r>
-            <a:endParaRPr/>
-          </a:p>
-          <a:p>
-            <a:pPr indent="0" lvl="0" marL="0" rtl="0" algn="l">
-              <a:spcBef>
-                <a:spcPts val="0"/>
-              </a:spcBef>
-              <a:spcAft>
-                <a:spcPts val="0"/>
-              </a:spcAft>
-              <a:buNone/>
-            </a:pPr>
-            <a:r>
-              <a:rPr lang="en"/>
-              <a:t>F1-score:</a:t>
-            </a:r>
-            <a:endParaRPr/>
-          </a:p>
-          <a:p>
-            <a:pPr indent="0" lvl="0" marL="0" rtl="0" algn="l">
-              <a:spcBef>
-                <a:spcPts val="0"/>
-              </a:spcBef>
-              <a:spcAft>
-                <a:spcPts val="0"/>
-              </a:spcAft>
-              <a:buNone/>
-            </a:pPr>
-            <a:r>
-              <a:rPr lang="en"/>
-              <a:t>0.86</a:t>
+              <a:t>Logistic Regression classifier</a:t>
             </a:r>
             <a:endParaRPr/>
           </a:p>
@@ -8490,7 +8682,7 @@
       </p:sp>
       <p:pic>
         <p:nvPicPr>
-          <p:cNvPr id="150" name="Google Shape;150;p27"/>
+          <p:cNvPr id="152" name="Google Shape;152;p27"/>
           <p:cNvPicPr preferRelativeResize="0"/>
           <p:nvPr/>
         </p:nvPicPr>
@@ -8504,8 +8696,8 @@
         </p:blipFill>
         <p:spPr>
           <a:xfrm>
-            <a:off x="3038300" y="1180525"/>
-            <a:ext cx="5310801" cy="3551174"/>
+            <a:off x="221725" y="1017725"/>
+            <a:ext cx="6779062" cy="4028524"/>
           </a:xfrm>
           <a:prstGeom prst="rect">
             <a:avLst/>
@@ -8529,7 +8721,7 @@
   <p:cSld>
     <p:spTree>
       <p:nvGrpSpPr>
-        <p:cNvPr id="154" name="Shape 154"/>
+        <p:cNvPr id="156" name="Shape 156"/>
         <p:cNvGrpSpPr/>
         <p:nvPr/>
       </p:nvGrpSpPr>
@@ -8543,7 +8735,7 @@
       </p:grpSpPr>
       <p:sp>
         <p:nvSpPr>
-          <p:cNvPr id="155" name="Google Shape;155;p28"/>
+          <p:cNvPr id="157" name="Google Shape;157;p28"/>
           <p:cNvSpPr txBox="1"/>
           <p:nvPr>
             <p:ph type="title"/>
@@ -8575,7 +8767,54 @@
             </a:pPr>
             <a:r>
               <a:rPr lang="en"/>
-              <a:t>Center Clustering</a:t>
+              <a:t>Classifier Performance </a:t>
+            </a:r>
+            <a:endParaRPr/>
+          </a:p>
+          <a:p>
+            <a:pPr indent="0" lvl="0" marL="0" rtl="0" algn="l">
+              <a:spcBef>
+                <a:spcPts val="0"/>
+              </a:spcBef>
+              <a:spcAft>
+                <a:spcPts val="0"/>
+              </a:spcAft>
+              <a:buNone/>
+            </a:pPr>
+            <a:r>
+              <a:t/>
+            </a:r>
+            <a:endParaRPr/>
+          </a:p>
+          <a:p>
+            <a:pPr indent="0" lvl="0" marL="0" rtl="0" algn="l">
+              <a:spcBef>
+                <a:spcPts val="0"/>
+              </a:spcBef>
+              <a:spcAft>
+                <a:spcPts val="0"/>
+              </a:spcAft>
+              <a:buNone/>
+            </a:pPr>
+            <a:r>
+              <a:rPr lang="en"/>
+              <a:t>F1-score:</a:t>
+            </a:r>
+            <a:endParaRPr/>
+          </a:p>
+          <a:p>
+            <a:pPr indent="0" lvl="0" marL="0" rtl="0" algn="l">
+              <a:spcBef>
+                <a:spcPts val="0"/>
+              </a:spcBef>
+              <a:spcAft>
+                <a:spcPts val="0"/>
+              </a:spcAft>
+              <a:buNone/>
+            </a:pPr>
+            <a:r>
+              <a:rPr lang="en"/>
+              <a:t>0.86</a:t>
             </a:r>
             <a:endParaRPr/>
           </a:p>
@@ -8583,7 +8822,7 @@
       </p:sp>
       <p:pic>
         <p:nvPicPr>
-          <p:cNvPr id="156" name="Google Shape;156;p28"/>
+          <p:cNvPr id="158" name="Google Shape;158;p28"/>
           <p:cNvPicPr preferRelativeResize="0"/>
           <p:nvPr/>
         </p:nvPicPr>
@@ -8597,8 +8836,8 @@
         </p:blipFill>
         <p:spPr>
           <a:xfrm>
-            <a:off x="1035051" y="1017725"/>
-            <a:ext cx="8261347" cy="3821099"/>
+            <a:off x="3038300" y="1180525"/>
+            <a:ext cx="5310801" cy="3551174"/>
           </a:xfrm>
           <a:prstGeom prst="rect">
             <a:avLst/>
@@ -8622,7 +8861,7 @@
   <p:cSld>
     <p:spTree>
       <p:nvGrpSpPr>
-        <p:cNvPr id="160" name="Shape 160"/>
+        <p:cNvPr id="162" name="Shape 162"/>
         <p:cNvGrpSpPr/>
         <p:nvPr/>
       </p:nvGrpSpPr>
@@ -8636,7 +8875,7 @@
       </p:grpSpPr>
       <p:sp>
         <p:nvSpPr>
-          <p:cNvPr id="161" name="Google Shape;161;p29"/>
+          <p:cNvPr id="163" name="Google Shape;163;p29"/>
           <p:cNvSpPr txBox="1"/>
           <p:nvPr>
             <p:ph type="title"/>
@@ -8644,7 +8883,7 @@
         </p:nvSpPr>
         <p:spPr>
           <a:xfrm>
-            <a:off x="311700" y="348475"/>
+            <a:off x="311700" y="445025"/>
             <a:ext cx="8520600" cy="572700"/>
           </a:xfrm>
           <a:prstGeom prst="rect">
@@ -8668,7 +8907,7 @@
             </a:pPr>
             <a:r>
               <a:rPr lang="en"/>
-              <a:t>Data Integration</a:t>
+              <a:t>Center Clustering</a:t>
             </a:r>
             <a:endParaRPr/>
           </a:p>
@@ -8676,7 +8915,7 @@
       </p:sp>
       <p:pic>
         <p:nvPicPr>
-          <p:cNvPr id="162" name="Google Shape;162;p29"/>
+          <p:cNvPr id="164" name="Google Shape;164;p29"/>
           <p:cNvPicPr preferRelativeResize="0"/>
           <p:nvPr/>
         </p:nvPicPr>
@@ -8690,8 +8929,8 @@
         </p:blipFill>
         <p:spPr>
           <a:xfrm>
-            <a:off x="1066400" y="1050650"/>
-            <a:ext cx="6205275" cy="4092850"/>
+            <a:off x="1035051" y="1017725"/>
+            <a:ext cx="8261347" cy="3821099"/>
           </a:xfrm>
           <a:prstGeom prst="rect">
             <a:avLst/>
@@ -8702,53 +8941,6 @@
           </a:ln>
         </p:spPr>
       </p:pic>
-      <p:sp>
-        <p:nvSpPr>
-          <p:cNvPr id="163" name="Google Shape;163;p29"/>
-          <p:cNvSpPr/>
-          <p:nvPr/>
-        </p:nvSpPr>
-        <p:spPr>
-          <a:xfrm>
-            <a:off x="1521450" y="2160350"/>
-            <a:ext cx="5667600" cy="572700"/>
-          </a:xfrm>
-          <a:prstGeom prst="rect">
-            <a:avLst/>
-          </a:prstGeom>
-          <a:noFill/>
-          <a:ln cap="flat" cmpd="sng" w="9525">
-            <a:solidFill>
-              <a:srgbClr val="FF0000"/>
-            </a:solidFill>
-            <a:prstDash val="solid"/>
-            <a:round/>
-            <a:headEnd len="sm" w="sm" type="none"/>
-            <a:tailEnd len="sm" w="sm" type="none"/>
-          </a:ln>
-        </p:spPr>
-        <p:txBody>
-          <a:bodyPr anchorCtr="0" anchor="ctr" bIns="91425" lIns="91425" spcFirstLastPara="1" rIns="91425" wrap="square" tIns="91425">
-            <a:noAutofit/>
-          </a:bodyPr>
-          <a:lstStyle/>
-          <a:p>
-            <a:pPr indent="0" lvl="0" marL="0" rtl="0" algn="ctr">
-              <a:spcBef>
-                <a:spcPts val="0"/>
-              </a:spcBef>
-              <a:spcAft>
-                <a:spcPts val="0"/>
-              </a:spcAft>
-              <a:buNone/>
-            </a:pPr>
-            <a:r>
-              <a:t/>
-            </a:r>
-            <a:endParaRPr/>
-          </a:p>
-        </p:txBody>
-      </p:sp>
     </p:spTree>
   </p:cSld>
   <p:clrMapOvr>
@@ -8762,7 +8954,7 @@
   <p:cSld>
     <p:spTree>
       <p:nvGrpSpPr>
-        <p:cNvPr id="167" name="Shape 167"/>
+        <p:cNvPr id="168" name="Shape 168"/>
         <p:cNvGrpSpPr/>
         <p:nvPr/>
       </p:nvGrpSpPr>
@@ -8776,7 +8968,7 @@
       </p:grpSpPr>
       <p:sp>
         <p:nvSpPr>
-          <p:cNvPr id="168" name="Google Shape;168;p30"/>
+          <p:cNvPr id="169" name="Google Shape;169;p30"/>
           <p:cNvSpPr txBox="1"/>
           <p:nvPr>
             <p:ph type="title"/>
@@ -8784,7 +8976,7 @@
         </p:nvSpPr>
         <p:spPr>
           <a:xfrm>
-            <a:off x="311700" y="445025"/>
+            <a:off x="311700" y="348475"/>
             <a:ext cx="8520600" cy="572700"/>
           </a:xfrm>
           <a:prstGeom prst="rect">
@@ -8808,157 +9000,9 @@
             </a:pPr>
             <a:r>
               <a:rPr lang="en"/>
-              <a:t>Data Fusion</a:t>
+              <a:t>Data Integration</a:t>
             </a:r>
             <a:endParaRPr/>
-          </a:p>
-        </p:txBody>
-      </p:sp>
-      <p:sp>
-        <p:nvSpPr>
-          <p:cNvPr id="169" name="Google Shape;169;p30"/>
-          <p:cNvSpPr txBox="1"/>
-          <p:nvPr>
-            <p:ph idx="1" type="body"/>
-          </p:nvPr>
-        </p:nvSpPr>
-        <p:spPr>
-          <a:xfrm>
-            <a:off x="311700" y="1152475"/>
-            <a:ext cx="8520600" cy="3416400"/>
-          </a:xfrm>
-          <a:prstGeom prst="rect">
-            <a:avLst/>
-          </a:prstGeom>
-        </p:spPr>
-        <p:txBody>
-          <a:bodyPr anchorCtr="0" anchor="t" bIns="91425" lIns="91425" spcFirstLastPara="1" rIns="91425" wrap="square" tIns="91425">
-            <a:normAutofit/>
-          </a:bodyPr>
-          <a:lstStyle/>
-          <a:p>
-            <a:pPr indent="0" lvl="0" marL="0" rtl="0" algn="l">
-              <a:spcBef>
-                <a:spcPts val="0"/>
-              </a:spcBef>
-              <a:spcAft>
-                <a:spcPts val="0"/>
-              </a:spcAft>
-              <a:buNone/>
-            </a:pPr>
-            <a:r>
-              <a:rPr lang="en" sz="1500"/>
-              <a:t>1. Cluster id for each record and records in a cluster map to same entity.</a:t>
-            </a:r>
-            <a:endParaRPr sz="1500"/>
-          </a:p>
-          <a:p>
-            <a:pPr indent="0" lvl="0" marL="0" rtl="0" algn="l">
-              <a:spcBef>
-                <a:spcPts val="1200"/>
-              </a:spcBef>
-              <a:spcAft>
-                <a:spcPts val="0"/>
-              </a:spcAft>
-              <a:buNone/>
-            </a:pPr>
-            <a:r>
-              <a:rPr lang="en" sz="1500"/>
-              <a:t>2. Aggregate values such as gender, nationality, birth_year, death_year and also provide a column for the most popular source provider of this record to create a single record for each artist.</a:t>
-            </a:r>
-            <a:endParaRPr sz="1500"/>
-          </a:p>
-          <a:p>
-            <a:pPr indent="0" lvl="0" marL="0" rtl="0" algn="l">
-              <a:spcBef>
-                <a:spcPts val="1200"/>
-              </a:spcBef>
-              <a:spcAft>
-                <a:spcPts val="0"/>
-              </a:spcAft>
-              <a:buNone/>
-            </a:pPr>
-            <a:r>
-              <a:rPr lang="en" sz="1500"/>
-              <a:t>3. . Probabilistic record linkage between Met Artists and Met Objects based on full_name.</a:t>
-            </a:r>
-            <a:r>
-              <a:rPr lang="en" sz="1500">
-                <a:latin typeface="Cambria"/>
-                <a:ea typeface="Cambria"/>
-                <a:cs typeface="Cambria"/>
-                <a:sym typeface="Cambria"/>
-              </a:rPr>
-              <a:t> </a:t>
-            </a:r>
-            <a:endParaRPr sz="1500">
-              <a:latin typeface="Cambria"/>
-              <a:ea typeface="Cambria"/>
-              <a:cs typeface="Cambria"/>
-              <a:sym typeface="Cambria"/>
-            </a:endParaRPr>
-          </a:p>
-          <a:p>
-            <a:pPr indent="457200" lvl="0" marL="0" rtl="0" algn="l">
-              <a:spcBef>
-                <a:spcPts val="1200"/>
-              </a:spcBef>
-              <a:spcAft>
-                <a:spcPts val="1200"/>
-              </a:spcAft>
-              <a:buNone/>
-            </a:pPr>
-            <a:r>
-              <a:rPr lang="en" sz="750">
-                <a:solidFill>
-                  <a:schemeClr val="dk1"/>
-                </a:solidFill>
-                <a:highlight>
-                  <a:srgbClr val="FFFFFF"/>
-                </a:highlight>
-                <a:latin typeface="Cambria"/>
-                <a:ea typeface="Cambria"/>
-                <a:cs typeface="Cambria"/>
-                <a:sym typeface="Cambria"/>
-              </a:rPr>
-              <a:t>The </a:t>
-            </a:r>
-            <a:r>
-              <a:rPr b="1" lang="en" sz="750">
-                <a:solidFill>
-                  <a:schemeClr val="dk1"/>
-                </a:solidFill>
-                <a:highlight>
-                  <a:srgbClr val="FFFFFF"/>
-                </a:highlight>
-                <a:latin typeface="Cambria"/>
-                <a:ea typeface="Cambria"/>
-                <a:cs typeface="Cambria"/>
-                <a:sym typeface="Cambria"/>
-              </a:rPr>
-              <a:t>Fellegi-Sunter</a:t>
-            </a:r>
-            <a:r>
-              <a:rPr lang="en" sz="750">
-                <a:solidFill>
-                  <a:schemeClr val="dk1"/>
-                </a:solidFill>
-                <a:highlight>
-                  <a:srgbClr val="FFFFFF"/>
-                </a:highlight>
-                <a:latin typeface="Cambria"/>
-                <a:ea typeface="Cambria"/>
-                <a:cs typeface="Cambria"/>
-                <a:sym typeface="Cambria"/>
-              </a:rPr>
-              <a:t> model compares selected similar fields in two records and calculates a similarity score, or a weighted probability of the two records being the same entity.</a:t>
-            </a:r>
-            <a:endParaRPr sz="1500">
-              <a:latin typeface="Cambria"/>
-              <a:ea typeface="Cambria"/>
-              <a:cs typeface="Cambria"/>
-              <a:sym typeface="Cambria"/>
-            </a:endParaRPr>
           </a:p>
         </p:txBody>
       </p:sp>
@@ -8978,8 +9022,8 @@
         </p:blipFill>
         <p:spPr>
           <a:xfrm>
-            <a:off x="2832050" y="2961150"/>
-            <a:ext cx="2397963" cy="1607725"/>
+            <a:off x="1066400" y="1050650"/>
+            <a:ext cx="6205275" cy="4092850"/>
           </a:xfrm>
           <a:prstGeom prst="rect">
             <a:avLst/>
@@ -8990,6 +9034,53 @@
           </a:ln>
         </p:spPr>
       </p:pic>
+      <p:sp>
+        <p:nvSpPr>
+          <p:cNvPr id="171" name="Google Shape;171;p30"/>
+          <p:cNvSpPr/>
+          <p:nvPr/>
+        </p:nvSpPr>
+        <p:spPr>
+          <a:xfrm>
+            <a:off x="1521450" y="2160350"/>
+            <a:ext cx="5667600" cy="572700"/>
+          </a:xfrm>
+          <a:prstGeom prst="rect">
+            <a:avLst/>
+          </a:prstGeom>
+          <a:noFill/>
+          <a:ln cap="flat" cmpd="sng" w="9525">
+            <a:solidFill>
+              <a:srgbClr val="FF0000"/>
+            </a:solidFill>
+            <a:prstDash val="solid"/>
+            <a:round/>
+            <a:headEnd len="sm" w="sm" type="none"/>
+            <a:tailEnd len="sm" w="sm" type="none"/>
+          </a:ln>
+        </p:spPr>
+        <p:txBody>
+          <a:bodyPr anchorCtr="0" anchor="ctr" bIns="91425" lIns="91425" spcFirstLastPara="1" rIns="91425" wrap="square" tIns="91425">
+            <a:noAutofit/>
+          </a:bodyPr>
+          <a:lstStyle/>
+          <a:p>
+            <a:pPr indent="0" lvl="0" marL="0" rtl="0" algn="ctr">
+              <a:spcBef>
+                <a:spcPts val="0"/>
+              </a:spcBef>
+              <a:spcAft>
+                <a:spcPts val="0"/>
+              </a:spcAft>
+              <a:buNone/>
+            </a:pPr>
+            <a:r>
+              <a:t/>
+            </a:r>
+            <a:endParaRPr/>
+          </a:p>
+        </p:txBody>
+      </p:sp>
     </p:spTree>
   </p:cSld>
   <p:clrMapOvr>
@@ -9003,7 +9094,7 @@
   <p:cSld>
     <p:spTree>
       <p:nvGrpSpPr>
-        <p:cNvPr id="174" name="Shape 174"/>
+        <p:cNvPr id="175" name="Shape 175"/>
         <p:cNvGrpSpPr/>
         <p:nvPr/>
       </p:nvGrpSpPr>
@@ -9017,7 +9108,7 @@
       </p:grpSpPr>
       <p:sp>
         <p:nvSpPr>
-          <p:cNvPr id="175" name="Google Shape;175;p31"/>
+          <p:cNvPr id="176" name="Google Shape;176;p31"/>
           <p:cNvSpPr txBox="1"/>
           <p:nvPr>
             <p:ph type="title"/>
@@ -9049,11 +9140,7 @@
             </a:pPr>
             <a:r>
               <a:rPr lang="en"/>
-              <a:t>Exploratory Data Analysis on aggregated</a:t>
-            </a:r>
-            <a:r>
-              <a:rPr lang="en"/>
-              <a:t> data</a:t>
+              <a:t>Data Fusion</a:t>
             </a:r>
             <a:endParaRPr/>
           </a:p>
@@ -9061,7 +9148,7 @@
       </p:sp>
       <p:sp>
         <p:nvSpPr>
-          <p:cNvPr id="176" name="Google Shape;176;p31"/>
+          <p:cNvPr id="177" name="Google Shape;177;p31"/>
           <p:cNvSpPr txBox="1"/>
           <p:nvPr>
             <p:ph idx="1" type="body"/>
@@ -9092,14 +9179,10 @@
               <a:buNone/>
             </a:pPr>
             <a:r>
-              <a:rPr lang="en"/>
-              <a:t>1. P</a:t>
-            </a:r>
-            <a:r>
-              <a:rPr lang="en"/>
-              <a:t>lot the ratio of art accessions from various nationalities across the years or answer and other visualizations from a common collective data source.</a:t>
-            </a:r>
-            <a:endParaRPr/>
+              <a:rPr lang="en" sz="1500"/>
+              <a:t>1. Cluster id for each record and records in a cluster map to same entity.</a:t>
+            </a:r>
+            <a:endParaRPr sz="1500"/>
           </a:p>
           <a:p>
             <a:pPr indent="0" lvl="0" marL="0" rtl="0" algn="l">
@@ -9112,9 +9195,10 @@
               <a:buNone/>
             </a:pPr>
             <a:r>
-              <a:t/>
-            </a:r>
-            <a:endParaRPr/>
+              <a:rPr lang="en" sz="1500"/>
+              <a:t>2. Aggregate values such as gender, nationality, birth_year, death_year and also provide a column for the most popular source provider of this record to create a single record for each artist.</a:t>
+            </a:r>
+            <a:endParaRPr sz="1500"/>
           </a:p>
           <a:p>
             <a:pPr indent="0" lvl="0" marL="0" rtl="0" algn="l">
@@ -9127,12 +9211,27 @@
               <a:buNone/>
             </a:pPr>
             <a:r>
-              <a:t/>
-            </a:r>
-            <a:endParaRPr/>
-          </a:p>
-          <a:p>
-            <a:pPr indent="0" lvl="0" marL="0" rtl="0" algn="l">
+              <a:rPr lang="en" sz="1500"/>
+              <a:t>3. . Probabilistic record linkage between Met Artists and Met Objects based on full_name.</a:t>
+            </a:r>
+            <a:r>
+              <a:rPr lang="en" sz="1500">
+                <a:latin typeface="Cambria"/>
+                <a:ea typeface="Cambria"/>
+                <a:cs typeface="Cambria"/>
+                <a:sym typeface="Cambria"/>
+              </a:rPr>
+              <a:t> </a:t>
+            </a:r>
+            <a:endParaRPr sz="1500">
+              <a:latin typeface="Cambria"/>
+              <a:ea typeface="Cambria"/>
+              <a:cs typeface="Cambria"/>
+              <a:sym typeface="Cambria"/>
+            </a:endParaRPr>
+          </a:p>
+          <a:p>
+            <a:pPr indent="457200" lvl="0" marL="0" rtl="0" algn="l">
               <a:spcBef>
                 <a:spcPts val="1200"/>
               </a:spcBef>
@@ -9142,15 +9241,62 @@
               <a:buNone/>
             </a:pPr>
             <a:r>
-              <a:t/>
-            </a:r>
-            <a:endParaRPr b="1"/>
+              <a:rPr lang="en" sz="750">
+                <a:solidFill>
+                  <a:schemeClr val="dk1"/>
+                </a:solidFill>
+                <a:highlight>
+                  <a:srgbClr val="FFFFFF"/>
+                </a:highlight>
+                <a:latin typeface="Cambria"/>
+                <a:ea typeface="Cambria"/>
+                <a:cs typeface="Cambria"/>
+                <a:sym typeface="Cambria"/>
+              </a:rPr>
+              <a:t>The </a:t>
+            </a:r>
+            <a:r>
+              <a:rPr b="1" lang="en" sz="750">
+                <a:solidFill>
+                  <a:schemeClr val="dk1"/>
+                </a:solidFill>
+                <a:highlight>
+                  <a:srgbClr val="FFFFFF"/>
+                </a:highlight>
+                <a:latin typeface="Cambria"/>
+                <a:ea typeface="Cambria"/>
+                <a:cs typeface="Cambria"/>
+                <a:sym typeface="Cambria"/>
+              </a:rPr>
+              <a:t>Fellegi-Sunter</a:t>
+            </a:r>
+            <a:r>
+              <a:rPr lang="en" sz="750">
+                <a:solidFill>
+                  <a:schemeClr val="dk1"/>
+                </a:solidFill>
+                <a:highlight>
+                  <a:srgbClr val="FFFFFF"/>
+                </a:highlight>
+                <a:latin typeface="Cambria"/>
+                <a:ea typeface="Cambria"/>
+                <a:cs typeface="Cambria"/>
+                <a:sym typeface="Cambria"/>
+              </a:rPr>
+              <a:t> model compares selected similar fields in two records and calculates a similarity score, or a weighted probability of the two records being the same entity.</a:t>
+            </a:r>
+            <a:endParaRPr sz="1500">
+              <a:latin typeface="Cambria"/>
+              <a:ea typeface="Cambria"/>
+              <a:cs typeface="Cambria"/>
+              <a:sym typeface="Cambria"/>
+            </a:endParaRPr>
           </a:p>
         </p:txBody>
       </p:sp>
       <p:pic>
         <p:nvPicPr>
-          <p:cNvPr id="177" name="Google Shape;177;p31"/>
+          <p:cNvPr id="178" name="Google Shape;178;p31"/>
           <p:cNvPicPr preferRelativeResize="0"/>
           <p:nvPr/>
         </p:nvPicPr>
@@ -9164,8 +9310,8 @@
         </p:blipFill>
         <p:spPr>
           <a:xfrm>
-            <a:off x="773550" y="1984175"/>
-            <a:ext cx="6139599" cy="2897475"/>
+            <a:off x="2832050" y="2961150"/>
+            <a:ext cx="2397963" cy="1607725"/>
           </a:xfrm>
           <a:prstGeom prst="rect">
             <a:avLst/>
@@ -9176,72 +9322,6 @@
           </a:ln>
         </p:spPr>
       </p:pic>
-      <p:sp>
-        <p:nvSpPr>
-          <p:cNvPr id="178" name="Google Shape;178;p31"/>
-          <p:cNvSpPr txBox="1"/>
-          <p:nvPr/>
-        </p:nvSpPr>
-        <p:spPr>
-          <a:xfrm>
-            <a:off x="3713975" y="3470375"/>
-            <a:ext cx="2220000" cy="703200"/>
-          </a:xfrm>
-          <a:prstGeom prst="rect">
-            <a:avLst/>
-          </a:prstGeom>
-          <a:noFill/>
-          <a:ln>
-            <a:noFill/>
-          </a:ln>
-        </p:spPr>
-        <p:txBody>
-          <a:bodyPr anchorCtr="0" anchor="t" bIns="91425" lIns="91425" spcFirstLastPara="1" rIns="91425" wrap="square" tIns="91425">
-            <a:noAutofit/>
-          </a:bodyPr>
-          <a:lstStyle/>
-          <a:p>
-            <a:pPr indent="0" lvl="0" marL="0" rtl="0" algn="l">
-              <a:spcBef>
-                <a:spcPts val="0"/>
-              </a:spcBef>
-              <a:spcAft>
-                <a:spcPts val="0"/>
-              </a:spcAft>
-              <a:buNone/>
-            </a:pPr>
-            <a:r>
-              <a:rPr lang="en" sz="1800">
-                <a:solidFill>
-                  <a:schemeClr val="dk2"/>
-                </a:solidFill>
-              </a:rPr>
-              <a:t>many </a:t>
-            </a:r>
-            <a:r>
-              <a:rPr lang="en" sz="1800">
-                <a:solidFill>
-                  <a:schemeClr val="dk2"/>
-                </a:solidFill>
-              </a:rPr>
-              <a:t>nationalities</a:t>
-            </a:r>
-            <a:r>
-              <a:rPr lang="en" sz="1800">
-                <a:solidFill>
-                  <a:schemeClr val="dk2"/>
-                </a:solidFill>
-              </a:rPr>
-              <a:t> are nan</a:t>
-            </a:r>
-            <a:endParaRPr sz="1800">
-              <a:solidFill>
-                <a:schemeClr val="dk2"/>
-              </a:solidFill>
-            </a:endParaRPr>
-          </a:p>
-        </p:txBody>
-      </p:sp>
     </p:spTree>
   </p:cSld>
   <p:clrMapOvr>
@@ -9390,7 +9470,7 @@
             </a:pPr>
             <a:r>
               <a:rPr lang="en"/>
-              <a:t>3 .   Art Institute of Chicago consists 22,000 folders of exhibition records dating from 1879 to 1989 from its registrar and curatorial departments.</a:t>
+              <a:t>4 .   Art Institute of Chicago consists 22,000 folders of exhibition records dating from 1879 to 1989 from its registrar and curatorial departments.</a:t>
             </a:r>
             <a:endParaRPr/>
           </a:p>
@@ -9406,7 +9486,7 @@
             </a:pPr>
             <a:r>
               <a:rPr lang="en"/>
-              <a:t>3.   However, The Data is not Curator approved!</a:t>
+              <a:t>5.   However, The Data is not Curator approved!</a:t>
             </a:r>
             <a:endParaRPr/>
           </a:p>
@@ -9471,7 +9551,11 @@
             </a:pPr>
             <a:r>
               <a:rPr lang="en"/>
-              <a:t>Impute Missing Values</a:t>
+              <a:t>Exploratory Data Analysis on aggregated</a:t>
+            </a:r>
+            <a:r>
+              <a:rPr lang="en"/>
+              <a:t> data</a:t>
             </a:r>
             <a:endParaRPr/>
           </a:p>
@@ -9488,7 +9572,7 @@
         <p:spPr>
           <a:xfrm>
             <a:off x="311700" y="1152475"/>
-            <a:ext cx="2740500" cy="3297000"/>
+            <a:ext cx="8520600" cy="3416400"/>
           </a:xfrm>
           <a:prstGeom prst="rect">
             <a:avLst/>
@@ -9496,7 +9580,7 @@
         </p:spPr>
         <p:txBody>
           <a:bodyPr anchorCtr="0" anchor="t" bIns="91425" lIns="91425" spcFirstLastPara="1" rIns="91425" wrap="square" tIns="91425">
-            <a:normAutofit fontScale="62500" lnSpcReduction="10000"/>
+            <a:normAutofit/>
           </a:bodyPr>
           <a:lstStyle/>
           <a:p>
@@ -9511,19 +9595,11 @@
             </a:pPr>
             <a:r>
               <a:rPr lang="en"/>
-              <a:t>Used </a:t>
+              <a:t>1. P</a:t>
             </a:r>
             <a:r>
               <a:rPr lang="en"/>
-              <a:t>multilayer</a:t>
-            </a:r>
-            <a:r>
-              <a:rPr lang="en"/>
-              <a:t> perceptron to </a:t>
-            </a:r>
-            <a:r>
-              <a:rPr lang="en"/>
-              <a:t>impute missing nationality values for nationality and evaluate null information on columns.</a:t>
+              <a:t>lot the art accessions from various nationalities across the years by gender and other visualizations from a common collective data source.</a:t>
             </a:r>
             <a:endParaRPr/>
           </a:p>
@@ -9535,40 +9611,12 @@
               <a:spcAft>
                 <a:spcPts val="0"/>
               </a:spcAft>
-              <a:buClr>
-                <a:schemeClr val="dk1"/>
-              </a:buClr>
-              <a:buSzPct val="104761"/>
-              <a:buFont typeface="Arial"/>
-              <a:buNone/>
-            </a:pPr>
-            <a:r>
-              <a:rPr lang="en" sz="1050">
-                <a:solidFill>
-                  <a:schemeClr val="dk1"/>
-                </a:solidFill>
-                <a:highlight>
-                  <a:srgbClr val="FFFFFF"/>
-                </a:highlight>
-                <a:latin typeface="Courier New"/>
-                <a:ea typeface="Courier New"/>
-                <a:cs typeface="Courier New"/>
-                <a:sym typeface="Courier New"/>
-              </a:rPr>
-              <a:t>{'Object_Number': (0, 0.0), 'Object_ID': (0, 0.0), 'Department': (0, 0.0), 'AccessionYear': (168, 0.004882443546746491), 'Object_Name': (110, 0.0031968380365602024), 'Title': (533, 0.015490133395332617), 'Culture': (29364, 0.8533813827777617), 'Period': (33502, 0.9736406172803627), 'Object_Date': (1373, 0.03990235112906507), 'Object_Begin_Date': (0, 0.0), 'Object_End_Date': (0, 0.0), 'Artist_Display_Name': (0, 0.0), 'FirstName': (0, 0.0), 'LastName': (0, 0.0), 'first': (0, 0.0), 'last': (0, 0.0), 'full_name': (0, 0.0), 'nationality': (0, 0.0), 'birth_year': (530, 0.01540294690342643), 'death_year': (1861, 0.054084687145804874), 'gender': (0, 0.0)}</a:t>
-            </a:r>
-            <a:endParaRPr sz="1050">
-              <a:solidFill>
-                <a:schemeClr val="dk1"/>
-              </a:solidFill>
-              <a:highlight>
-                <a:srgbClr val="FFFFFF"/>
-              </a:highlight>
-              <a:latin typeface="Courier New"/>
-              <a:ea typeface="Courier New"/>
-              <a:cs typeface="Courier New"/>
-              <a:sym typeface="Courier New"/>
-            </a:endParaRPr>
+              <a:buNone/>
+            </a:pPr>
+            <a:r>
+              <a:t/>
+            </a:r>
+            <a:endParaRPr/>
           </a:p>
           <a:p>
             <a:pPr indent="0" lvl="0" marL="0" rtl="0" algn="l">
@@ -9578,28 +9626,12 @@
               <a:spcAft>
                 <a:spcPts val="0"/>
               </a:spcAft>
-              <a:buClr>
-                <a:schemeClr val="dk1"/>
-              </a:buClr>
-              <a:buSzPct val="104761"/>
-              <a:buFont typeface="Arial"/>
               <a:buNone/>
             </a:pPr>
             <a:r>
               <a:t/>
             </a:r>
-            <a:endParaRPr sz="1050">
-              <a:solidFill>
-                <a:schemeClr val="dk1"/>
-              </a:solidFill>
-              <a:highlight>
-                <a:srgbClr val="FFFFFF"/>
-              </a:highlight>
-              <a:latin typeface="Courier New"/>
-              <a:ea typeface="Courier New"/>
-              <a:cs typeface="Courier New"/>
-              <a:sym typeface="Courier New"/>
-            </a:endParaRPr>
+            <a:endParaRPr/>
           </a:p>
           <a:p>
             <a:pPr indent="0" lvl="0" marL="0" rtl="0" algn="l">
@@ -9614,7 +9646,7 @@
             <a:r>
               <a:t/>
             </a:r>
-            <a:endParaRPr/>
+            <a:endParaRPr b="1"/>
           </a:p>
         </p:txBody>
       </p:sp>
@@ -9634,8 +9666,8 @@
         </p:blipFill>
         <p:spPr>
           <a:xfrm>
-            <a:off x="3627100" y="1225625"/>
-            <a:ext cx="5516901" cy="2692250"/>
+            <a:off x="773550" y="1984175"/>
+            <a:ext cx="6139599" cy="2897475"/>
           </a:xfrm>
           <a:prstGeom prst="rect">
             <a:avLst/>
@@ -9649,47 +9681,66 @@
       <p:sp>
         <p:nvSpPr>
           <p:cNvPr id="186" name="Google Shape;186;p32"/>
-          <p:cNvSpPr/>
+          <p:cNvSpPr txBox="1"/>
           <p:nvPr/>
         </p:nvSpPr>
         <p:spPr>
           <a:xfrm>
-            <a:off x="321750" y="3373850"/>
-            <a:ext cx="1254900" cy="138000"/>
+            <a:off x="3713975" y="3470375"/>
+            <a:ext cx="2220000" cy="703200"/>
           </a:xfrm>
           <a:prstGeom prst="rect">
             <a:avLst/>
           </a:prstGeom>
           <a:noFill/>
-          <a:ln cap="flat" cmpd="sng" w="9525">
-            <a:solidFill>
-              <a:srgbClr val="FF0000"/>
-            </a:solidFill>
-            <a:prstDash val="solid"/>
-            <a:round/>
-            <a:headEnd len="sm" w="sm" type="none"/>
-            <a:tailEnd len="sm" w="sm" type="none"/>
+          <a:ln>
+            <a:noFill/>
           </a:ln>
         </p:spPr>
         <p:txBody>
-          <a:bodyPr anchorCtr="0" anchor="ctr" bIns="91425" lIns="91425" spcFirstLastPara="1" rIns="91425" wrap="square" tIns="91425">
+          <a:bodyPr anchorCtr="0" anchor="t" bIns="91425" lIns="91425" spcFirstLastPara="1" rIns="91425" wrap="square" tIns="91425">
             <a:noAutofit/>
           </a:bodyPr>
           <a:lstStyle/>
           <a:p>
-            <a:pPr indent="0" lvl="0" marL="0" rtl="0" algn="ctr">
-              <a:spcBef>
-                <a:spcPts val="0"/>
-              </a:spcBef>
-              <a:spcAft>
-                <a:spcPts val="0"/>
-              </a:spcAft>
-              <a:buNone/>
-            </a:pPr>
-            <a:r>
-              <a:t/>
-            </a:r>
-            <a:endParaRPr/>
+            <a:pPr indent="0" lvl="0" marL="0" rtl="0" algn="l">
+              <a:spcBef>
+                <a:spcPts val="0"/>
+              </a:spcBef>
+              <a:spcAft>
+                <a:spcPts val="0"/>
+              </a:spcAft>
+              <a:buNone/>
+            </a:pPr>
+            <a:r>
+              <a:rPr lang="en" sz="1800">
+                <a:solidFill>
+                  <a:schemeClr val="dk2"/>
+                </a:solidFill>
+              </a:rPr>
+              <a:t>many </a:t>
+            </a:r>
+            <a:r>
+              <a:rPr lang="en" sz="1800">
+                <a:solidFill>
+                  <a:schemeClr val="dk2"/>
+                </a:solidFill>
+              </a:rPr>
+              <a:t>nationalities</a:t>
+            </a:r>
+            <a:r>
+              <a:rPr lang="en" sz="1800">
+                <a:solidFill>
+                  <a:schemeClr val="dk2"/>
+                </a:solidFill>
+              </a:rPr>
+              <a:t> are nan</a:t>
+            </a:r>
+            <a:endParaRPr sz="1800">
+              <a:solidFill>
+                <a:schemeClr val="dk2"/>
+              </a:solidFill>
+            </a:endParaRPr>
           </a:p>
         </p:txBody>
       </p:sp>
@@ -9752,7 +9803,7 @@
             </a:pPr>
             <a:r>
               <a:rPr lang="en"/>
-              <a:t>Data Curation Overview</a:t>
+              <a:t>Impute Missing Values</a:t>
             </a:r>
             <a:endParaRPr/>
           </a:p>
@@ -9768,8 +9819,8 @@
         </p:nvSpPr>
         <p:spPr>
           <a:xfrm>
-            <a:off x="311700" y="1095775"/>
-            <a:ext cx="8520600" cy="3416400"/>
+            <a:off x="311700" y="1152475"/>
+            <a:ext cx="2740500" cy="3297000"/>
           </a:xfrm>
           <a:prstGeom prst="rect">
             <a:avLst/>
@@ -9777,7 +9828,7 @@
         </p:spPr>
         <p:txBody>
           <a:bodyPr anchorCtr="0" anchor="t" bIns="91425" lIns="91425" spcFirstLastPara="1" rIns="91425" wrap="square" tIns="91425">
-            <a:normAutofit lnSpcReduction="10000"/>
+            <a:normAutofit fontScale="62500" lnSpcReduction="10000"/>
           </a:bodyPr>
           <a:lstStyle/>
           <a:p>
@@ -9792,59 +9843,183 @@
             </a:pPr>
             <a:r>
               <a:rPr lang="en"/>
-              <a:t>1. Schema Matching: create a common schema that matches across the various sources to answer queries across the various data sets.</a:t>
+              <a:t>Used </a:t>
+            </a:r>
+            <a:r>
+              <a:rPr lang="en"/>
+              <a:t>multilayer</a:t>
+            </a:r>
+            <a:r>
+              <a:rPr lang="en"/>
+              <a:t> perceptron to </a:t>
+            </a:r>
+            <a:r>
+              <a:rPr lang="en"/>
+              <a:t>impute missing nationality values for nationality and evaluate null information on columns.</a:t>
             </a:r>
             <a:endParaRPr/>
           </a:p>
           <a:p>
-            <a:pPr indent="457200" lvl="0" marL="1371600" rtl="0" algn="l">
+            <a:pPr indent="0" lvl="0" marL="0" rtl="0" algn="l">
               <a:spcBef>
                 <a:spcPts val="1200"/>
               </a:spcBef>
               <a:spcAft>
                 <a:spcPts val="0"/>
               </a:spcAft>
-              <a:buNone/>
-            </a:pPr>
-            <a:r>
-              <a:rPr lang="en"/>
-              <a:t>Q(Name, birth year, death year, nationality)</a:t>
+              <a:buClr>
+                <a:schemeClr val="dk1"/>
+              </a:buClr>
+              <a:buSzPct val="104761"/>
+              <a:buFont typeface="Arial"/>
+              <a:buNone/>
+            </a:pPr>
+            <a:r>
+              <a:rPr lang="en" sz="1050">
+                <a:solidFill>
+                  <a:schemeClr val="dk1"/>
+                </a:solidFill>
+                <a:highlight>
+                  <a:srgbClr val="FFFFFF"/>
+                </a:highlight>
+                <a:latin typeface="Courier New"/>
+                <a:ea typeface="Courier New"/>
+                <a:cs typeface="Courier New"/>
+                <a:sym typeface="Courier New"/>
+              </a:rPr>
+              <a:t>{'Object_Number': (0, 0.0), 'Object_ID': (0, 0.0), 'Department': (0, 0.0), 'AccessionYear': (168, 0.004882443546746491), 'Object_Name': (110, 0.0031968380365602024), 'Title': (533, 0.015490133395332617), 'Culture': (29364, 0.8533813827777617), 'Period': (33502, 0.9736406172803627), 'Object_Date': (1373, 0.03990235112906507), 'Object_Begin_Date': (0, 0.0), 'Object_End_Date': (0, 0.0), 'Artist_Display_Name': (0, 0.0), 'FirstName': (0, 0.0), 'LastName': (0, 0.0), 'first': (0, 0.0), 'last': (0, 0.0), 'full_name': (0, 0.0), 'nationality': (0, 0.0), 'birth_year': (530, 0.01540294690342643), 'death_year': (1861, 0.054084687145804874), 'gender': (0, 0.0)}</a:t>
+            </a:r>
+            <a:endParaRPr sz="1050">
+              <a:solidFill>
+                <a:schemeClr val="dk1"/>
+              </a:solidFill>
+              <a:highlight>
+                <a:srgbClr val="FFFFFF"/>
+              </a:highlight>
+              <a:latin typeface="Courier New"/>
+              <a:ea typeface="Courier New"/>
+              <a:cs typeface="Courier New"/>
+              <a:sym typeface="Courier New"/>
+            </a:endParaRPr>
+          </a:p>
+          <a:p>
+            <a:pPr indent="0" lvl="0" marL="0" rtl="0" algn="l">
+              <a:spcBef>
+                <a:spcPts val="1200"/>
+              </a:spcBef>
+              <a:spcAft>
+                <a:spcPts val="0"/>
+              </a:spcAft>
+              <a:buClr>
+                <a:schemeClr val="dk1"/>
+              </a:buClr>
+              <a:buSzPct val="104761"/>
+              <a:buFont typeface="Arial"/>
+              <a:buNone/>
+            </a:pPr>
+            <a:r>
+              <a:t/>
+            </a:r>
+            <a:endParaRPr sz="1050">
+              <a:solidFill>
+                <a:schemeClr val="dk1"/>
+              </a:solidFill>
+              <a:highlight>
+                <a:srgbClr val="FFFFFF"/>
+              </a:highlight>
+              <a:latin typeface="Courier New"/>
+              <a:ea typeface="Courier New"/>
+              <a:cs typeface="Courier New"/>
+              <a:sym typeface="Courier New"/>
+            </a:endParaRPr>
+          </a:p>
+          <a:p>
+            <a:pPr indent="0" lvl="0" marL="0" rtl="0" algn="l">
+              <a:spcBef>
+                <a:spcPts val="1200"/>
+              </a:spcBef>
+              <a:spcAft>
+                <a:spcPts val="1200"/>
+              </a:spcAft>
+              <a:buNone/>
+            </a:pPr>
+            <a:r>
+              <a:t/>
             </a:r>
             <a:endParaRPr/>
           </a:p>
-          <a:p>
-            <a:pPr indent="0" lvl="0" marL="0" rtl="0" algn="l">
-              <a:spcBef>
-                <a:spcPts val="1200"/>
-              </a:spcBef>
-              <a:spcAft>
-                <a:spcPts val="0"/>
-              </a:spcAft>
-              <a:buNone/>
-            </a:pPr>
-            <a:r>
-              <a:rPr lang="en"/>
-              <a:t>2. Aggregate the data such that a single artist id is generated for all the unique artists by matching ULAN identifiers and matching first name last name by using fuzzy matcher.</a:t>
-            </a:r>
-            <a:endParaRPr/>
-          </a:p>
-          <a:p>
-            <a:pPr indent="0" lvl="0" marL="0" rtl="0" algn="l">
-              <a:spcBef>
-                <a:spcPts val="1200"/>
-              </a:spcBef>
-              <a:spcAft>
-                <a:spcPts val="1200"/>
-              </a:spcAft>
-              <a:buNone/>
-            </a:pPr>
-            <a:r>
-              <a:rPr lang="en"/>
-              <a:t>3. </a:t>
-            </a:r>
-            <a:r>
-              <a:rPr lang="en"/>
-              <a:t>Archives may have been duplicated and the information about certain artists and their nationality, ethnicity could be differing, so majority voting aggregation of such records after identifying copies by using edit distance , Jaccard distance. </a:t>
+        </p:txBody>
+      </p:sp>
+      <p:pic>
+        <p:nvPicPr>
+          <p:cNvPr id="193" name="Google Shape;193;p33"/>
+          <p:cNvPicPr preferRelativeResize="0"/>
+          <p:nvPr/>
+        </p:nvPicPr>
+        <p:blipFill>
+          <a:blip r:embed="rId3">
+            <a:alphaModFix/>
+          </a:blip>
+          <a:stretch>
+            <a:fillRect/>
+          </a:stretch>
+        </p:blipFill>
+        <p:spPr>
+          <a:xfrm>
+            <a:off x="3627100" y="1225625"/>
+            <a:ext cx="5516901" cy="2692250"/>
+          </a:xfrm>
+          <a:prstGeom prst="rect">
+            <a:avLst/>
+          </a:prstGeom>
+          <a:noFill/>
+          <a:ln>
+            <a:noFill/>
+          </a:ln>
+        </p:spPr>
+      </p:pic>
+      <p:sp>
+        <p:nvSpPr>
+          <p:cNvPr id="194" name="Google Shape;194;p33"/>
+          <p:cNvSpPr/>
+          <p:nvPr/>
+        </p:nvSpPr>
+        <p:spPr>
+          <a:xfrm>
+            <a:off x="321750" y="3373850"/>
+            <a:ext cx="1254900" cy="138000"/>
+          </a:xfrm>
+          <a:prstGeom prst="rect">
+            <a:avLst/>
+          </a:prstGeom>
+          <a:noFill/>
+          <a:ln cap="flat" cmpd="sng" w="9525">
+            <a:solidFill>
+              <a:srgbClr val="FF0000"/>
+            </a:solidFill>
+            <a:prstDash val="solid"/>
+            <a:round/>
+            <a:headEnd len="sm" w="sm" type="none"/>
+            <a:tailEnd len="sm" w="sm" type="none"/>
+          </a:ln>
+        </p:spPr>
+        <p:txBody>
+          <a:bodyPr anchorCtr="0" anchor="ctr" bIns="91425" lIns="91425" spcFirstLastPara="1" rIns="91425" wrap="square" tIns="91425">
+            <a:noAutofit/>
+          </a:bodyPr>
+          <a:lstStyle/>
+          <a:p>
+            <a:pPr indent="0" lvl="0" marL="0" rtl="0" algn="ctr">
+              <a:spcBef>
+                <a:spcPts val="0"/>
+              </a:spcBef>
+              <a:spcAft>
+                <a:spcPts val="0"/>
+              </a:spcAft>
+              <a:buNone/>
+            </a:pPr>
+            <a:r>
+              <a:t/>
             </a:r>
             <a:endParaRPr/>
           </a:p>
@@ -9863,7 +10038,7 @@
   <p:cSld>
     <p:spTree>
       <p:nvGrpSpPr>
-        <p:cNvPr id="196" name="Shape 196"/>
+        <p:cNvPr id="198" name="Shape 198"/>
         <p:cNvGrpSpPr/>
         <p:nvPr/>
       </p:nvGrpSpPr>
@@ -9877,7 +10052,7 @@
       </p:grpSpPr>
       <p:sp>
         <p:nvSpPr>
-          <p:cNvPr id="197" name="Google Shape;197;p34"/>
+          <p:cNvPr id="199" name="Google Shape;199;p34"/>
           <p:cNvSpPr txBox="1"/>
           <p:nvPr>
             <p:ph type="title"/>
@@ -9909,7 +10084,7 @@
             </a:pPr>
             <a:r>
               <a:rPr lang="en"/>
-              <a:t>Future Work	</a:t>
+              <a:t>Data Curation Overview</a:t>
             </a:r>
             <a:endParaRPr/>
           </a:p>
@@ -9917,7 +10092,7 @@
       </p:sp>
       <p:sp>
         <p:nvSpPr>
-          <p:cNvPr id="198" name="Google Shape;198;p34"/>
+          <p:cNvPr id="200" name="Google Shape;200;p34"/>
           <p:cNvSpPr txBox="1"/>
           <p:nvPr>
             <p:ph idx="1" type="body"/>
@@ -9925,7 +10100,7 @@
         </p:nvSpPr>
         <p:spPr>
           <a:xfrm>
-            <a:off x="311700" y="1152475"/>
+            <a:off x="311700" y="1095775"/>
             <a:ext cx="8520600" cy="3416400"/>
           </a:xfrm>
           <a:prstGeom prst="rect">
@@ -9934,57 +10109,74 @@
         </p:spPr>
         <p:txBody>
           <a:bodyPr anchorCtr="0" anchor="t" bIns="91425" lIns="91425" spcFirstLastPara="1" rIns="91425" wrap="square" tIns="91425">
-            <a:normAutofit/>
+            <a:normAutofit lnSpcReduction="10000"/>
           </a:bodyPr>
           <a:lstStyle/>
           <a:p>
-            <a:pPr indent="-342900" lvl="0" marL="457200" rtl="0" algn="l">
-              <a:spcBef>
-                <a:spcPts val="0"/>
-              </a:spcBef>
-              <a:spcAft>
-                <a:spcPts val="0"/>
-              </a:spcAft>
-              <a:buSzPts val="1800"/>
-              <a:buChar char="●"/>
+            <a:pPr indent="0" lvl="0" marL="0" rtl="0" algn="l">
+              <a:spcBef>
+                <a:spcPts val="0"/>
+              </a:spcBef>
+              <a:spcAft>
+                <a:spcPts val="0"/>
+              </a:spcAft>
+              <a:buNone/>
             </a:pPr>
             <a:r>
               <a:rPr lang="en"/>
-              <a:t>Identify denial constraints, FDs,regression models that can predict for some anonymous art work who could have been the artist!</a:t>
+              <a:t>1. Schema Matching: create a common schema that matches across the various sources to answer queries across the various data sets.</a:t>
             </a:r>
             <a:endParaRPr/>
           </a:p>
           <a:p>
-            <a:pPr indent="-342900" lvl="0" marL="457200" rtl="0" algn="l">
-              <a:spcBef>
-                <a:spcPts val="0"/>
-              </a:spcBef>
-              <a:spcAft>
-                <a:spcPts val="0"/>
-              </a:spcAft>
-              <a:buSzPts val="1800"/>
-              <a:buChar char="●"/>
+            <a:pPr indent="457200" lvl="0" marL="1371600" rtl="0" algn="l">
+              <a:spcBef>
+                <a:spcPts val="1200"/>
+              </a:spcBef>
+              <a:spcAft>
+                <a:spcPts val="0"/>
+              </a:spcAft>
+              <a:buNone/>
             </a:pPr>
             <a:r>
               <a:rPr lang="en"/>
-              <a:t>Using  unsupervised learning algorithms such Latent Dirichlet Allocation to automatically fill missing value, K - means clustering algorithm and re-run analysis experiments.</a:t>
+              <a:t>Q(Name, birth year, death year, nationality)</a:t>
             </a:r>
             <a:endParaRPr/>
           </a:p>
           <a:p>
-            <a:pPr indent="-342900" lvl="0" marL="457200" rtl="0" algn="l">
-              <a:spcBef>
-                <a:spcPts val="0"/>
-              </a:spcBef>
-              <a:spcAft>
-                <a:spcPts val="0"/>
-              </a:spcAft>
-              <a:buSzPts val="1800"/>
-              <a:buChar char="●"/>
+            <a:pPr indent="0" lvl="0" marL="0" rtl="0" algn="l">
+              <a:spcBef>
+                <a:spcPts val="1200"/>
+              </a:spcBef>
+              <a:spcAft>
+                <a:spcPts val="0"/>
+              </a:spcAft>
+              <a:buNone/>
             </a:pPr>
             <a:r>
               <a:rPr lang="en"/>
-              <a:t>Imputation of missing values was done by multilayer perceptron which is non-interpretable . So counterfactuals and rules could be identified which could explain why a nationality was selected by the black-box classifier.</a:t>
+              <a:t>2. Aggregate the data such that a single artist id is generated for all the unique artists by matching ULAN identifiers and matching first name last name by using fuzzy matcher.</a:t>
+            </a:r>
+            <a:endParaRPr/>
+          </a:p>
+          <a:p>
+            <a:pPr indent="0" lvl="0" marL="0" rtl="0" algn="l">
+              <a:spcBef>
+                <a:spcPts val="1200"/>
+              </a:spcBef>
+              <a:spcAft>
+                <a:spcPts val="1200"/>
+              </a:spcAft>
+              <a:buNone/>
+            </a:pPr>
+            <a:r>
+              <a:rPr lang="en"/>
+              <a:t>3. </a:t>
+            </a:r>
+            <a:r>
+              <a:rPr lang="en"/>
+              <a:t>Archives may have been duplicated and the information about certain artists and their nationality, ethnicity could be differing, so majority voting aggregation of such records after identifying copies by using edit distance , Jaccard distance. </a:t>
             </a:r>
             <a:endParaRPr/>
           </a:p>
@@ -10003,7 +10195,7 @@
   <p:cSld>
     <p:spTree>
       <p:nvGrpSpPr>
-        <p:cNvPr id="202" name="Shape 202"/>
+        <p:cNvPr id="204" name="Shape 204"/>
         <p:cNvGrpSpPr/>
         <p:nvPr/>
       </p:nvGrpSpPr>
@@ -10017,7 +10209,7 @@
       </p:grpSpPr>
       <p:sp>
         <p:nvSpPr>
-          <p:cNvPr id="203" name="Google Shape;203;p35"/>
+          <p:cNvPr id="205" name="Google Shape;205;p35"/>
           <p:cNvSpPr txBox="1"/>
           <p:nvPr>
             <p:ph type="title"/>
@@ -10049,7 +10241,7 @@
             </a:pPr>
             <a:r>
               <a:rPr lang="en"/>
-              <a:t>Citations</a:t>
+              <a:t>Future Work	</a:t>
             </a:r>
             <a:endParaRPr/>
           </a:p>
@@ -10057,7 +10249,147 @@
       </p:sp>
       <p:sp>
         <p:nvSpPr>
-          <p:cNvPr id="204" name="Google Shape;204;p35"/>
+          <p:cNvPr id="206" name="Google Shape;206;p35"/>
+          <p:cNvSpPr txBox="1"/>
+          <p:nvPr>
+            <p:ph idx="1" type="body"/>
+          </p:nvPr>
+        </p:nvSpPr>
+        <p:spPr>
+          <a:xfrm>
+            <a:off x="311700" y="1152475"/>
+            <a:ext cx="8520600" cy="3416400"/>
+          </a:xfrm>
+          <a:prstGeom prst="rect">
+            <a:avLst/>
+          </a:prstGeom>
+        </p:spPr>
+        <p:txBody>
+          <a:bodyPr anchorCtr="0" anchor="t" bIns="91425" lIns="91425" spcFirstLastPara="1" rIns="91425" wrap="square" tIns="91425">
+            <a:normAutofit/>
+          </a:bodyPr>
+          <a:lstStyle/>
+          <a:p>
+            <a:pPr indent="-342900" lvl="0" marL="457200" rtl="0" algn="l">
+              <a:spcBef>
+                <a:spcPts val="0"/>
+              </a:spcBef>
+              <a:spcAft>
+                <a:spcPts val="0"/>
+              </a:spcAft>
+              <a:buSzPts val="1800"/>
+              <a:buChar char="●"/>
+            </a:pPr>
+            <a:r>
+              <a:rPr lang="en"/>
+              <a:t>Identify denial constraints, FDs,regression models that can predict for some anonymous art work who could have been the artist!</a:t>
+            </a:r>
+            <a:endParaRPr/>
+          </a:p>
+          <a:p>
+            <a:pPr indent="-342900" lvl="0" marL="457200" rtl="0" algn="l">
+              <a:spcBef>
+                <a:spcPts val="0"/>
+              </a:spcBef>
+              <a:spcAft>
+                <a:spcPts val="0"/>
+              </a:spcAft>
+              <a:buSzPts val="1800"/>
+              <a:buChar char="●"/>
+            </a:pPr>
+            <a:r>
+              <a:rPr lang="en"/>
+              <a:t>Using  unsupervised learning algorithms such Latent Dirichlet Allocation to automatically fill missing value, K - means clustering algorithm and re-run analysis experiments.</a:t>
+            </a:r>
+            <a:endParaRPr/>
+          </a:p>
+          <a:p>
+            <a:pPr indent="-342900" lvl="0" marL="457200" rtl="0" algn="l">
+              <a:spcBef>
+                <a:spcPts val="0"/>
+              </a:spcBef>
+              <a:spcAft>
+                <a:spcPts val="0"/>
+              </a:spcAft>
+              <a:buSzPts val="1800"/>
+              <a:buChar char="●"/>
+            </a:pPr>
+            <a:r>
+              <a:rPr lang="en"/>
+              <a:t>Imputation of missing values was done by multilayer perceptron which is non-interpretable . So counterfactuals and rules could be identified which could explain why a nationality was selected by the black-box classifier.</a:t>
+            </a:r>
+            <a:endParaRPr/>
+          </a:p>
+        </p:txBody>
+      </p:sp>
+    </p:spTree>
+  </p:cSld>
+  <p:clrMapOvr>
+    <a:masterClrMapping/>
+  </p:clrMapOvr>
+</p:sld>
+</file>
+
+<file path=ppt/slides/slide24.xml><?xml version="1.0" encoding="utf-8"?>
+<p:sld xmlns:a="http://schemas.openxmlformats.org/drawingml/2006/main" xmlns:r="http://schemas.openxmlformats.org/officeDocument/2006/relationships" xmlns:mc="http://schemas.openxmlformats.org/markup-compatibility/2006" xmlns:mv="urn:schemas-microsoft-com:mac:vml" xmlns:p="http://schemas.openxmlformats.org/presentationml/2006/main" xmlns:c="http://schemas.openxmlformats.org/drawingml/2006/chart" xmlns:dgm="http://schemas.openxmlformats.org/drawingml/2006/diagram" xmlns:o="urn:schemas-microsoft-com:office:office" xmlns:v="urn:schemas-microsoft-com:vml" xmlns:pvml="urn:schemas-microsoft-com:office:powerpoint" xmlns:com="http://schemas.openxmlformats.org/drawingml/2006/compatibility" xmlns:p14="http://schemas.microsoft.com/office/powerpoint/2010/main" xmlns:p15="http://schemas.microsoft.com/office/powerpoint/2012/main" xmlns:ahyp="http://schemas.microsoft.com/office/drawing/2018/hyperlinkcolor">
+  <p:cSld>
+    <p:spTree>
+      <p:nvGrpSpPr>
+        <p:cNvPr id="210" name="Shape 210"/>
+        <p:cNvGrpSpPr/>
+        <p:nvPr/>
+      </p:nvGrpSpPr>
+      <p:grpSpPr>
+        <a:xfrm>
+          <a:off x="0" y="0"/>
+          <a:ext cx="0" cy="0"/>
+          <a:chOff x="0" y="0"/>
+          <a:chExt cx="0" cy="0"/>
+        </a:xfrm>
+      </p:grpSpPr>
+      <p:sp>
+        <p:nvSpPr>
+          <p:cNvPr id="211" name="Google Shape;211;p36"/>
+          <p:cNvSpPr txBox="1"/>
+          <p:nvPr>
+            <p:ph type="title"/>
+          </p:nvPr>
+        </p:nvSpPr>
+        <p:spPr>
+          <a:xfrm>
+            <a:off x="311700" y="445025"/>
+            <a:ext cx="8520600" cy="572700"/>
+          </a:xfrm>
+          <a:prstGeom prst="rect">
+            <a:avLst/>
+          </a:prstGeom>
+        </p:spPr>
+        <p:txBody>
+          <a:bodyPr anchorCtr="0" anchor="t" bIns="91425" lIns="91425" spcFirstLastPara="1" rIns="91425" wrap="square" tIns="91425">
+            <a:normAutofit fontScale="90000"/>
+          </a:bodyPr>
+          <a:lstStyle/>
+          <a:p>
+            <a:pPr indent="0" lvl="0" marL="0" rtl="0" algn="l">
+              <a:spcBef>
+                <a:spcPts val="0"/>
+              </a:spcBef>
+              <a:spcAft>
+                <a:spcPts val="0"/>
+              </a:spcAft>
+              <a:buNone/>
+            </a:pPr>
+            <a:r>
+              <a:rPr lang="en"/>
+              <a:t>Citations</a:t>
+            </a:r>
+            <a:endParaRPr/>
+          </a:p>
+        </p:txBody>
+      </p:sp>
+      <p:sp>
+        <p:nvSpPr>
+          <p:cNvPr id="212" name="Google Shape;212;p36"/>
           <p:cNvSpPr txBox="1"/>
           <p:nvPr>
             <p:ph idx="1" type="body"/>
@@ -10433,11 +10765,157 @@
               <a:spcAft>
                 <a:spcPts val="0"/>
               </a:spcAft>
-              <a:buClr>
+              <a:buNone/>
+            </a:pPr>
+            <a:r>
+              <a:rPr b="1" lang="en" sz="1285">
+                <a:solidFill>
+                  <a:schemeClr val="dk1"/>
+                </a:solidFill>
+                <a:highlight>
+                  <a:schemeClr val="lt1"/>
+                </a:highlight>
+                <a:latin typeface="Courier New"/>
+                <a:ea typeface="Courier New"/>
+                <a:cs typeface="Courier New"/>
+                <a:sym typeface="Courier New"/>
+              </a:rPr>
+              <a:t>Average attributes count</a:t>
+            </a:r>
+            <a:r>
+              <a:rPr lang="en" sz="1285">
+                <a:solidFill>
+                  <a:schemeClr val="dk1"/>
+                </a:solidFill>
+                <a:highlight>
+                  <a:schemeClr val="lt1"/>
+                </a:highlight>
+                <a:latin typeface="Courier New"/>
+                <a:ea typeface="Courier New"/>
+                <a:cs typeface="Courier New"/>
+                <a:sym typeface="Courier New"/>
+              </a:rPr>
+              <a:t>: 20 , </a:t>
+            </a:r>
+            <a:r>
+              <a:rPr b="1" lang="en" sz="1285">
+                <a:solidFill>
+                  <a:schemeClr val="dk1"/>
+                </a:solidFill>
+                <a:highlight>
+                  <a:schemeClr val="lt1"/>
+                </a:highlight>
+                <a:latin typeface="Courier New"/>
+                <a:ea typeface="Courier New"/>
+                <a:cs typeface="Courier New"/>
+                <a:sym typeface="Courier New"/>
+              </a:rPr>
+              <a:t>Cumulative </a:t>
+            </a:r>
+            <a:r>
+              <a:rPr b="1" lang="en" sz="1285">
+                <a:solidFill>
+                  <a:schemeClr val="dk1"/>
+                </a:solidFill>
+                <a:highlight>
+                  <a:schemeClr val="lt1"/>
+                </a:highlight>
+                <a:latin typeface="Courier New"/>
+                <a:ea typeface="Courier New"/>
+                <a:cs typeface="Courier New"/>
+                <a:sym typeface="Courier New"/>
+              </a:rPr>
+              <a:t>dataset</a:t>
+            </a:r>
+            <a:r>
+              <a:rPr b="1" lang="en" sz="1285">
+                <a:solidFill>
+                  <a:schemeClr val="dk1"/>
+                </a:solidFill>
+                <a:highlight>
+                  <a:schemeClr val="lt1"/>
+                </a:highlight>
+                <a:latin typeface="Courier New"/>
+                <a:ea typeface="Courier New"/>
+                <a:cs typeface="Courier New"/>
+                <a:sym typeface="Courier New"/>
+              </a:rPr>
+              <a:t> size</a:t>
+            </a:r>
+            <a:r>
+              <a:rPr lang="en" sz="1285">
+                <a:solidFill>
+                  <a:schemeClr val="dk1"/>
+                </a:solidFill>
+                <a:highlight>
+                  <a:schemeClr val="lt1"/>
+                </a:highlight>
+                <a:latin typeface="Courier New"/>
+                <a:ea typeface="Courier New"/>
+                <a:cs typeface="Courier New"/>
+                <a:sym typeface="Courier New"/>
+              </a:rPr>
+              <a:t> : 1GB.</a:t>
+            </a:r>
+            <a:endParaRPr sz="1285">
+              <a:solidFill>
                 <a:schemeClr val="dk1"/>
-              </a:buClr>
-              <a:buSzPct val="104761"/>
-              <a:buFont typeface="Arial"/>
+              </a:solidFill>
+              <a:highlight>
+                <a:schemeClr val="lt1"/>
+              </a:highlight>
+              <a:latin typeface="Courier New"/>
+              <a:ea typeface="Courier New"/>
+              <a:cs typeface="Courier New"/>
+              <a:sym typeface="Courier New"/>
+            </a:endParaRPr>
+          </a:p>
+          <a:p>
+            <a:pPr indent="0" lvl="0" marL="0" rtl="0" algn="l">
+              <a:spcBef>
+                <a:spcPts val="1200"/>
+              </a:spcBef>
+              <a:spcAft>
+                <a:spcPts val="0"/>
+              </a:spcAft>
+              <a:buNone/>
+            </a:pPr>
+            <a:r>
+              <a:rPr lang="en" sz="1285">
+                <a:solidFill>
+                  <a:schemeClr val="dk1"/>
+                </a:solidFill>
+                <a:highlight>
+                  <a:schemeClr val="lt1"/>
+                </a:highlight>
+                <a:latin typeface="Courier New"/>
+                <a:ea typeface="Courier New"/>
+                <a:cs typeface="Courier New"/>
+                <a:sym typeface="Courier New"/>
+              </a:rPr>
+              <a:t>Do stratified sampling of 0.01 using vizierdb tool.</a:t>
+            </a:r>
+            <a:endParaRPr sz="1285">
+              <a:solidFill>
+                <a:schemeClr val="dk1"/>
+              </a:solidFill>
+              <a:highlight>
+                <a:schemeClr val="lt1"/>
+              </a:highlight>
+              <a:latin typeface="Courier New"/>
+              <a:ea typeface="Courier New"/>
+              <a:cs typeface="Courier New"/>
+              <a:sym typeface="Courier New"/>
+            </a:endParaRPr>
+          </a:p>
+          <a:p>
+            <a:pPr indent="0" lvl="0" marL="0" rtl="0" algn="l">
+              <a:spcBef>
+                <a:spcPts val="1200"/>
+              </a:spcBef>
+              <a:spcAft>
+                <a:spcPts val="0"/>
+              </a:spcAft>
               <a:buNone/>
             </a:pPr>
             <a:r>
@@ -10462,7 +10940,7 @@
                 <a:spcPts val="1200"/>
               </a:spcBef>
               <a:spcAft>
-                <a:spcPts val="0"/>
+                <a:spcPts val="1200"/>
               </a:spcAft>
               <a:buNone/>
             </a:pPr>
@@ -10482,58 +10960,6 @@
               <a:sym typeface="Courier New"/>
             </a:endParaRPr>
           </a:p>
-          <a:p>
-            <a:pPr indent="0" lvl="0" marL="0" rtl="0" algn="l">
-              <a:spcBef>
-                <a:spcPts val="1200"/>
-              </a:spcBef>
-              <a:spcAft>
-                <a:spcPts val="0"/>
-              </a:spcAft>
-              <a:buNone/>
-            </a:pPr>
-            <a:r>
-              <a:t/>
-            </a:r>
-            <a:endParaRPr sz="1050">
-              <a:solidFill>
-                <a:srgbClr val="D5D5D5"/>
-              </a:solidFill>
-              <a:highlight>
-                <a:srgbClr val="383838"/>
-              </a:highlight>
-              <a:latin typeface="Courier New"/>
-              <a:ea typeface="Courier New"/>
-              <a:cs typeface="Courier New"/>
-              <a:sym typeface="Courier New"/>
-            </a:endParaRPr>
-          </a:p>
-          <a:p>
-            <a:pPr indent="0" lvl="0" marL="0" rtl="0" algn="l">
-              <a:spcBef>
-                <a:spcPts val="1200"/>
-              </a:spcBef>
-              <a:spcAft>
-                <a:spcPts val="1200"/>
-              </a:spcAft>
-              <a:buNone/>
-            </a:pPr>
-            <a:r>
-              <a:t/>
-            </a:r>
-            <a:endParaRPr sz="1050">
-              <a:solidFill>
-                <a:srgbClr val="D5D5D5"/>
-              </a:solidFill>
-              <a:highlight>
-                <a:srgbClr val="383838"/>
-              </a:highlight>
-              <a:latin typeface="Courier New"/>
-              <a:ea typeface="Courier New"/>
-              <a:cs typeface="Courier New"/>
-              <a:sym typeface="Courier New"/>
-            </a:endParaRPr>
-          </a:p>
         </p:txBody>
       </p:sp>
       <p:cxnSp>
@@ -10545,6 +10971,32 @@
         <p:spPr>
           <a:xfrm flipH="1" rot="10800000">
             <a:off x="311700" y="2132750"/>
+            <a:ext cx="7942800" cy="55200"/>
+          </a:xfrm>
+          <a:prstGeom prst="straightConnector1">
+            <a:avLst/>
+          </a:prstGeom>
+          <a:noFill/>
+          <a:ln cap="flat" cmpd="sng" w="9525">
+            <a:solidFill>
+              <a:schemeClr val="dk2"/>
+            </a:solidFill>
+            <a:prstDash val="solid"/>
+            <a:round/>
+            <a:headEnd len="med" w="med" type="none"/>
+            <a:tailEnd len="med" w="med" type="none"/>
+          </a:ln>
+        </p:spPr>
+      </p:cxnSp>
+      <p:cxnSp>
+        <p:nvCxnSpPr>
+          <p:cNvPr id="69" name="Google Shape;69;p15"/>
+          <p:cNvCxnSpPr/>
+          <p:nvPr/>
+        </p:nvCxnSpPr>
+        <p:spPr>
+          <a:xfrm flipH="1" rot="10800000">
+            <a:off x="367575" y="3165075"/>
             <a:ext cx="7942800" cy="55200"/>
           </a:xfrm>
           <a:prstGeom prst="straightConnector1">
@@ -10575,7 +11027,7 @@
   <p:cSld>
     <p:spTree>
       <p:nvGrpSpPr>
-        <p:cNvPr id="72" name="Shape 72"/>
+        <p:cNvPr id="73" name="Shape 73"/>
         <p:cNvGrpSpPr/>
         <p:nvPr/>
       </p:nvGrpSpPr>
@@ -10589,7 +11041,7 @@
       </p:grpSpPr>
       <p:sp>
         <p:nvSpPr>
-          <p:cNvPr id="73" name="Google Shape;73;p16"/>
+          <p:cNvPr id="74" name="Google Shape;74;p16"/>
           <p:cNvSpPr txBox="1"/>
           <p:nvPr>
             <p:ph type="title"/>
@@ -10629,7 +11081,7 @@
       </p:sp>
       <p:sp>
         <p:nvSpPr>
-          <p:cNvPr id="74" name="Google Shape;74;p16"/>
+          <p:cNvPr id="75" name="Google Shape;75;p16"/>
           <p:cNvSpPr txBox="1"/>
           <p:nvPr>
             <p:ph idx="1" type="body"/>
@@ -10657,14 +11109,25 @@
               <a:spcAft>
                 <a:spcPts val="0"/>
               </a:spcAft>
+              <a:buClr>
+                <a:schemeClr val="dk1"/>
+              </a:buClr>
               <a:buSzPts val="1800"/>
               <a:buAutoNum type="arabicPeriod"/>
             </a:pPr>
             <a:r>
-              <a:rPr lang="en"/>
+              <a:rPr lang="en">
+                <a:solidFill>
+                  <a:schemeClr val="dk1"/>
+                </a:solidFill>
+              </a:rPr>
               <a:t>Curation at Scale is a challenge with such a large scale and so many records</a:t>
             </a:r>
-            <a:endParaRPr/>
+            <a:endParaRPr>
+              <a:solidFill>
+                <a:schemeClr val="dk1"/>
+              </a:solidFill>
+            </a:endParaRPr>
           </a:p>
           <a:p>
             <a:pPr indent="-342900" lvl="0" marL="457200" rtl="0" algn="l">
@@ -10674,14 +11137,25 @@
               <a:spcAft>
                 <a:spcPts val="0"/>
               </a:spcAft>
+              <a:buClr>
+                <a:schemeClr val="dk1"/>
+              </a:buClr>
               <a:buSzPts val="1800"/>
               <a:buAutoNum type="arabicPeriod"/>
             </a:pPr>
             <a:r>
-              <a:rPr lang="en"/>
+              <a:rPr lang="en">
+                <a:solidFill>
+                  <a:schemeClr val="dk1"/>
+                </a:solidFill>
+              </a:rPr>
               <a:t>Incentivizing the Museums that to share their records publicly.</a:t>
             </a:r>
-            <a:endParaRPr/>
+            <a:endParaRPr>
+              <a:solidFill>
+                <a:schemeClr val="dk1"/>
+              </a:solidFill>
+            </a:endParaRPr>
           </a:p>
           <a:p>
             <a:pPr indent="-342900" lvl="0" marL="457200" rtl="0" algn="l">
@@ -10691,14 +11165,25 @@
               <a:spcAft>
                 <a:spcPts val="0"/>
               </a:spcAft>
+              <a:buClr>
+                <a:schemeClr val="dk1"/>
+              </a:buClr>
               <a:buSzPts val="1800"/>
               <a:buAutoNum type="arabicPeriod"/>
             </a:pPr>
             <a:r>
-              <a:rPr lang="en"/>
+              <a:rPr lang="en">
+                <a:solidFill>
+                  <a:schemeClr val="dk1"/>
+                </a:solidFill>
+              </a:rPr>
               <a:t>Data Quality and Validation of Data along with missing information. </a:t>
             </a:r>
-            <a:endParaRPr/>
+            <a:endParaRPr>
+              <a:solidFill>
+                <a:schemeClr val="dk1"/>
+              </a:solidFill>
+            </a:endParaRPr>
           </a:p>
           <a:p>
             <a:pPr indent="-342900" lvl="0" marL="457200" rtl="0" algn="l">
@@ -10708,14 +11193,36 @@
               <a:spcAft>
                 <a:spcPts val="0"/>
               </a:spcAft>
+              <a:buClr>
+                <a:schemeClr val="dk1"/>
+              </a:buClr>
               <a:buSzPts val="1800"/>
               <a:buAutoNum type="arabicPeriod"/>
             </a:pPr>
             <a:r>
-              <a:rPr lang="en"/>
-              <a:t>Trust and Provenance of the data.</a:t>
-            </a:r>
-            <a:endParaRPr/>
+              <a:rPr lang="en">
+                <a:solidFill>
+                  <a:schemeClr val="dk1"/>
+                </a:solidFill>
+              </a:rPr>
+              <a:t>Trust and Provenance of the data </a:t>
+            </a:r>
+            <a:r>
+              <a:rPr lang="en">
+                <a:solidFill>
+                  <a:schemeClr val="dk1"/>
+                </a:solidFill>
+                <a:highlight>
+                  <a:srgbClr val="FFFFFF"/>
+                </a:highlight>
+              </a:rPr>
+              <a:t>without quality data, these new machine learning tools do not add much value to the discourse and use of art.</a:t>
+            </a:r>
+            <a:endParaRPr>
+              <a:solidFill>
+                <a:schemeClr val="dk1"/>
+              </a:solidFill>
+            </a:endParaRPr>
           </a:p>
           <a:p>
             <a:pPr indent="-342900" lvl="0" marL="457200" rtl="0" algn="l">
@@ -10725,12 +11232,38 @@
               <a:spcAft>
                 <a:spcPts val="0"/>
               </a:spcAft>
+              <a:buClr>
+                <a:schemeClr val="dk1"/>
+              </a:buClr>
               <a:buSzPts val="1800"/>
               <a:buAutoNum type="arabicPeriod"/>
             </a:pPr>
             <a:r>
-              <a:rPr lang="en"/>
+              <a:rPr lang="en">
+                <a:solidFill>
+                  <a:schemeClr val="dk1"/>
+                </a:solidFill>
+              </a:rPr>
               <a:t>Schema Matching and Query Containment on mediated schema</a:t>
+            </a:r>
+            <a:endParaRPr>
+              <a:solidFill>
+                <a:schemeClr val="dk1"/>
+              </a:solidFill>
+            </a:endParaRPr>
+          </a:p>
+          <a:p>
+            <a:pPr indent="0" lvl="0" marL="457200" rtl="0" algn="l">
+              <a:spcBef>
+                <a:spcPts val="1200"/>
+              </a:spcBef>
+              <a:spcAft>
+                <a:spcPts val="0"/>
+              </a:spcAft>
+              <a:buNone/>
+            </a:pPr>
+            <a:r>
+              <a:t/>
             </a:r>
             <a:endParaRPr/>
           </a:p>
@@ -10764,7 +11297,7 @@
   <p:cSld>
     <p:spTree>
       <p:nvGrpSpPr>
-        <p:cNvPr id="78" name="Shape 78"/>
+        <p:cNvPr id="79" name="Shape 79"/>
         <p:cNvGrpSpPr/>
         <p:nvPr/>
       </p:nvGrpSpPr>
@@ -10778,7 +11311,7 @@
       </p:grpSpPr>
       <p:sp>
         <p:nvSpPr>
-          <p:cNvPr id="79" name="Google Shape;79;p17"/>
+          <p:cNvPr id="80" name="Google Shape;80;p17"/>
           <p:cNvSpPr txBox="1"/>
           <p:nvPr>
             <p:ph type="title"/>
@@ -10818,7 +11351,7 @@
       </p:sp>
       <p:pic>
         <p:nvPicPr>
-          <p:cNvPr id="80" name="Google Shape;80;p17"/>
+          <p:cNvPr id="81" name="Google Shape;81;p17"/>
           <p:cNvPicPr preferRelativeResize="0"/>
           <p:nvPr/>
         </p:nvPicPr>
@@ -10846,7 +11379,7 @@
       </p:pic>
       <p:pic>
         <p:nvPicPr>
-          <p:cNvPr id="81" name="Google Shape;81;p17"/>
+          <p:cNvPr id="82" name="Google Shape;82;p17"/>
           <p:cNvPicPr preferRelativeResize="0"/>
           <p:nvPr/>
         </p:nvPicPr>
@@ -10874,7 +11407,7 @@
       </p:pic>
       <p:sp>
         <p:nvSpPr>
-          <p:cNvPr id="82" name="Google Shape;82;p17"/>
+          <p:cNvPr id="83" name="Google Shape;83;p17"/>
           <p:cNvSpPr txBox="1"/>
           <p:nvPr/>
         </p:nvSpPr>
@@ -10924,7 +11457,7 @@
       </p:sp>
       <p:sp>
         <p:nvSpPr>
-          <p:cNvPr id="83" name="Google Shape;83;p17"/>
+          <p:cNvPr id="84" name="Google Shape;84;p17"/>
           <p:cNvSpPr txBox="1"/>
           <p:nvPr/>
         </p:nvSpPr>
@@ -10974,7 +11507,7 @@
       </p:sp>
       <p:pic>
         <p:nvPicPr>
-          <p:cNvPr id="84" name="Google Shape;84;p17"/>
+          <p:cNvPr id="85" name="Google Shape;85;p17"/>
           <p:cNvPicPr preferRelativeResize="0"/>
           <p:nvPr/>
         </p:nvPicPr>
@@ -11002,7 +11535,7 @@
       </p:pic>
       <p:sp>
         <p:nvSpPr>
-          <p:cNvPr id="85" name="Google Shape;85;p17"/>
+          <p:cNvPr id="86" name="Google Shape;86;p17"/>
           <p:cNvSpPr txBox="1"/>
           <p:nvPr/>
         </p:nvSpPr>
@@ -11071,7 +11604,7 @@
   <p:cSld>
     <p:spTree>
       <p:nvGrpSpPr>
-        <p:cNvPr id="89" name="Shape 89"/>
+        <p:cNvPr id="90" name="Shape 90"/>
         <p:cNvGrpSpPr/>
         <p:nvPr/>
       </p:nvGrpSpPr>
@@ -11085,7 +11618,7 @@
       </p:grpSpPr>
       <p:sp>
         <p:nvSpPr>
-          <p:cNvPr id="90" name="Google Shape;90;p18"/>
+          <p:cNvPr id="91" name="Google Shape;91;p18"/>
           <p:cNvSpPr txBox="1"/>
           <p:nvPr>
             <p:ph type="title"/>
@@ -11125,7 +11658,7 @@
       </p:sp>
       <p:sp>
         <p:nvSpPr>
-          <p:cNvPr id="91" name="Google Shape;91;p18"/>
+          <p:cNvPr id="92" name="Google Shape;92;p18"/>
           <p:cNvSpPr txBox="1"/>
           <p:nvPr>
             <p:ph idx="1" type="body"/>
@@ -11142,7 +11675,7 @@
         </p:spPr>
         <p:txBody>
           <a:bodyPr anchorCtr="0" anchor="t" bIns="91425" lIns="91425" spcFirstLastPara="1" rIns="91425" wrap="square" tIns="91425">
-            <a:normAutofit fontScale="92500" lnSpcReduction="20000"/>
+            <a:normAutofit fontScale="85000" lnSpcReduction="20000"/>
           </a:bodyPr>
           <a:lstStyle/>
           <a:p>
@@ -11451,7 +11984,7 @@
                 <a:spcPts val="1200"/>
               </a:spcBef>
               <a:spcAft>
-                <a:spcPts val="1200"/>
+                <a:spcPts val="0"/>
               </a:spcAft>
               <a:buNone/>
             </a:pPr>
@@ -11469,6 +12002,44 @@
                 <a:sym typeface="Roboto"/>
               </a:rPr>
               <a:t>7. ULAN id needed to parsed from URL to check for equivalence.</a:t>
+            </a:r>
+            <a:endParaRPr sz="1200">
+              <a:solidFill>
+                <a:srgbClr val="212529"/>
+              </a:solidFill>
+              <a:highlight>
+                <a:srgbClr val="FFFFFF"/>
+              </a:highlight>
+              <a:latin typeface="Roboto"/>
+              <a:ea typeface="Roboto"/>
+              <a:cs typeface="Roboto"/>
+              <a:sym typeface="Roboto"/>
+            </a:endParaRPr>
+          </a:p>
+          <a:p>
+            <a:pPr indent="0" lvl="0" marL="0" rtl="0" algn="l">
+              <a:spcBef>
+                <a:spcPts val="1200"/>
+              </a:spcBef>
+              <a:spcAft>
+                <a:spcPts val="1200"/>
+              </a:spcAft>
+              <a:buNone/>
+            </a:pPr>
+            <a:r>
+              <a:rPr lang="en" sz="1200">
+                <a:solidFill>
+                  <a:srgbClr val="212529"/>
+                </a:solidFill>
+                <a:highlight>
+                  <a:srgbClr val="FFFFFF"/>
+                </a:highlight>
+                <a:latin typeface="Roboto"/>
+                <a:ea typeface="Roboto"/>
+                <a:cs typeface="Roboto"/>
+                <a:sym typeface="Roboto"/>
+              </a:rPr>
+              <a:t>8. Extract the dates from format "MM-DD-YYYY" to YYYY for all datasets.</a:t>
             </a:r>
             <a:endParaRPr sz="1200">
               <a:solidFill>
@@ -11498,7 +12069,7 @@
   <p:cSld>
     <p:spTree>
       <p:nvGrpSpPr>
-        <p:cNvPr id="95" name="Shape 95"/>
+        <p:cNvPr id="96" name="Shape 96"/>
         <p:cNvGrpSpPr/>
         <p:nvPr/>
       </p:nvGrpSpPr>
@@ -11512,7 +12083,7 @@
       </p:grpSpPr>
       <p:sp>
         <p:nvSpPr>
-          <p:cNvPr id="96" name="Google Shape;96;p19"/>
+          <p:cNvPr id="97" name="Google Shape;97;p19"/>
           <p:cNvSpPr txBox="1"/>
           <p:nvPr>
             <p:ph type="title"/>
@@ -11544,7 +12115,7 @@
             </a:pPr>
             <a:r>
               <a:rPr lang="en"/>
-              <a:t>Schema Matching</a:t>
+              <a:t>Data Cleaning</a:t>
             </a:r>
             <a:endParaRPr/>
           </a:p>
@@ -11552,24 +12123,26 @@
       </p:sp>
       <p:sp>
         <p:nvSpPr>
-          <p:cNvPr id="97" name="Google Shape;97;p19"/>
+          <p:cNvPr id="98" name="Google Shape;98;p19"/>
           <p:cNvSpPr txBox="1"/>
-          <p:nvPr>
-            <p:ph idx="1" type="body"/>
-          </p:nvPr>
+          <p:nvPr/>
         </p:nvSpPr>
         <p:spPr>
           <a:xfrm>
-            <a:off x="311700" y="1152475"/>
-            <a:ext cx="8520600" cy="3416400"/>
+            <a:off x="225225" y="1208875"/>
+            <a:ext cx="3957600" cy="3681900"/>
           </a:xfrm>
           <a:prstGeom prst="rect">
             <a:avLst/>
           </a:prstGeom>
+          <a:noFill/>
+          <a:ln>
+            <a:noFill/>
+          </a:ln>
         </p:spPr>
         <p:txBody>
           <a:bodyPr anchorCtr="0" anchor="t" bIns="91425" lIns="91425" spcFirstLastPara="1" rIns="91425" wrap="square" tIns="91425">
-            <a:normAutofit/>
+            <a:noAutofit/>
           </a:bodyPr>
           <a:lstStyle/>
           <a:p>
@@ -11578,21 +12151,204 @@
                 <a:spcPts val="0"/>
               </a:spcBef>
               <a:spcAft>
-                <a:spcPts val="1200"/>
-              </a:spcAft>
-              <a:buNone/>
-            </a:pPr>
-            <a:r>
-              <a:rPr lang="en"/>
-              <a:t>1. Calculate the Jaro, Jaro Winkler Similarity and the Levenshtein Distance and take the average of these three between pairwise attribute names to identify which attributes are closest match pairwise.</a:t>
-            </a:r>
-            <a:endParaRPr/>
+                <a:spcPts val="0"/>
+              </a:spcAft>
+              <a:buNone/>
+            </a:pPr>
+            <a:r>
+              <a:rPr lang="en" sz="1800">
+                <a:solidFill>
+                  <a:schemeClr val="dk2"/>
+                </a:solidFill>
+              </a:rPr>
+              <a:t>Example of cleaning procedure:</a:t>
+            </a:r>
+            <a:endParaRPr sz="1800">
+              <a:solidFill>
+                <a:schemeClr val="dk2"/>
+              </a:solidFill>
+            </a:endParaRPr>
+          </a:p>
+          <a:p>
+            <a:pPr indent="0" lvl="0" marL="0" rtl="0" algn="l">
+              <a:spcBef>
+                <a:spcPts val="0"/>
+              </a:spcBef>
+              <a:spcAft>
+                <a:spcPts val="0"/>
+              </a:spcAft>
+              <a:buNone/>
+            </a:pPr>
+            <a:r>
+              <a:t/>
+            </a:r>
+            <a:endParaRPr sz="1800">
+              <a:solidFill>
+                <a:schemeClr val="dk2"/>
+              </a:solidFill>
+            </a:endParaRPr>
+          </a:p>
+          <a:p>
+            <a:pPr indent="0" lvl="0" marL="0" rtl="0" algn="l">
+              <a:spcBef>
+                <a:spcPts val="0"/>
+              </a:spcBef>
+              <a:spcAft>
+                <a:spcPts val="0"/>
+              </a:spcAft>
+              <a:buNone/>
+            </a:pPr>
+            <a:r>
+              <a:rPr lang="en" sz="1800">
+                <a:solidFill>
+                  <a:schemeClr val="dk2"/>
+                </a:solidFill>
+              </a:rPr>
+              <a:t>1.extract the </a:t>
+            </a:r>
+            <a:r>
+              <a:rPr lang="en" sz="1800">
+                <a:solidFill>
+                  <a:schemeClr val="dk2"/>
+                </a:solidFill>
+              </a:rPr>
+              <a:t>dates</a:t>
+            </a:r>
+            <a:r>
+              <a:rPr lang="en" sz="1800">
+                <a:solidFill>
+                  <a:schemeClr val="dk2"/>
+                </a:solidFill>
+              </a:rPr>
+              <a:t> from certain columns</a:t>
+            </a:r>
+            <a:endParaRPr sz="1800">
+              <a:solidFill>
+                <a:schemeClr val="dk2"/>
+              </a:solidFill>
+            </a:endParaRPr>
+          </a:p>
+          <a:p>
+            <a:pPr indent="0" lvl="0" marL="0" rtl="0" algn="l">
+              <a:spcBef>
+                <a:spcPts val="0"/>
+              </a:spcBef>
+              <a:spcAft>
+                <a:spcPts val="0"/>
+              </a:spcAft>
+              <a:buNone/>
+            </a:pPr>
+            <a:r>
+              <a:t/>
+            </a:r>
+            <a:endParaRPr sz="1800">
+              <a:solidFill>
+                <a:schemeClr val="dk2"/>
+              </a:solidFill>
+            </a:endParaRPr>
+          </a:p>
+          <a:p>
+            <a:pPr indent="0" lvl="0" marL="0" rtl="0" algn="l">
+              <a:spcBef>
+                <a:spcPts val="0"/>
+              </a:spcBef>
+              <a:spcAft>
+                <a:spcPts val="0"/>
+              </a:spcAft>
+              <a:buNone/>
+            </a:pPr>
+            <a:r>
+              <a:rPr lang="en" sz="1800">
+                <a:solidFill>
+                  <a:schemeClr val="dk2"/>
+                </a:solidFill>
+              </a:rPr>
+              <a:t>2.nullify </a:t>
+            </a:r>
+            <a:r>
+              <a:rPr lang="en" sz="1800">
+                <a:solidFill>
+                  <a:schemeClr val="dk2"/>
+                </a:solidFill>
+              </a:rPr>
+              <a:t>dates</a:t>
+            </a:r>
+            <a:r>
+              <a:rPr lang="en" sz="1800">
+                <a:solidFill>
+                  <a:schemeClr val="dk2"/>
+                </a:solidFill>
+              </a:rPr>
+              <a:t> where the start date appear after end date.</a:t>
+            </a:r>
+            <a:endParaRPr sz="1800">
+              <a:solidFill>
+                <a:schemeClr val="dk2"/>
+              </a:solidFill>
+            </a:endParaRPr>
+          </a:p>
+          <a:p>
+            <a:pPr indent="0" lvl="0" marL="0" rtl="0" algn="l">
+              <a:spcBef>
+                <a:spcPts val="0"/>
+              </a:spcBef>
+              <a:spcAft>
+                <a:spcPts val="0"/>
+              </a:spcAft>
+              <a:buNone/>
+            </a:pPr>
+            <a:r>
+              <a:t/>
+            </a:r>
+            <a:endParaRPr sz="1800">
+              <a:solidFill>
+                <a:schemeClr val="dk2"/>
+              </a:solidFill>
+            </a:endParaRPr>
+          </a:p>
+          <a:p>
+            <a:pPr indent="0" lvl="0" marL="0" rtl="0" algn="l">
+              <a:spcBef>
+                <a:spcPts val="0"/>
+              </a:spcBef>
+              <a:spcAft>
+                <a:spcPts val="0"/>
+              </a:spcAft>
+              <a:buNone/>
+            </a:pPr>
+            <a:r>
+              <a:t/>
+            </a:r>
+            <a:endParaRPr sz="1800">
+              <a:solidFill>
+                <a:schemeClr val="dk2"/>
+              </a:solidFill>
+            </a:endParaRPr>
+          </a:p>
+          <a:p>
+            <a:pPr indent="0" lvl="0" marL="0" rtl="0" algn="l">
+              <a:spcBef>
+                <a:spcPts val="0"/>
+              </a:spcBef>
+              <a:spcAft>
+                <a:spcPts val="0"/>
+              </a:spcAft>
+              <a:buNone/>
+            </a:pPr>
+            <a:r>
+              <a:t/>
+            </a:r>
+            <a:endParaRPr sz="1800">
+              <a:solidFill>
+                <a:schemeClr val="dk2"/>
+              </a:solidFill>
+            </a:endParaRPr>
           </a:p>
         </p:txBody>
       </p:sp>
       <p:pic>
         <p:nvPicPr>
-          <p:cNvPr id="98" name="Google Shape;98;p19"/>
+          <p:cNvPr id="99" name="Google Shape;99;p19"/>
           <p:cNvPicPr preferRelativeResize="0"/>
           <p:nvPr/>
         </p:nvPicPr>
@@ -11606,36 +12362,8 @@
         </p:blipFill>
         <p:spPr>
           <a:xfrm>
-            <a:off x="1143000" y="1963450"/>
-            <a:ext cx="4240075" cy="3180049"/>
-          </a:xfrm>
-          <a:prstGeom prst="rect">
-            <a:avLst/>
-          </a:prstGeom>
-          <a:noFill/>
-          <a:ln>
-            <a:noFill/>
-          </a:ln>
-        </p:spPr>
-      </p:pic>
-      <p:pic>
-        <p:nvPicPr>
-          <p:cNvPr id="99" name="Google Shape;99;p19"/>
-          <p:cNvPicPr preferRelativeResize="0"/>
-          <p:nvPr/>
-        </p:nvPicPr>
-        <p:blipFill>
-          <a:blip r:embed="rId4">
-            <a:alphaModFix/>
-          </a:blip>
-          <a:stretch>
-            <a:fillRect/>
-          </a:stretch>
-        </p:blipFill>
-        <p:spPr>
-          <a:xfrm>
-            <a:off x="4662232" y="2571750"/>
-            <a:ext cx="4394768" cy="1769225"/>
+            <a:off x="4266275" y="156138"/>
+            <a:ext cx="4566025" cy="4831233"/>
           </a:xfrm>
           <a:prstGeom prst="rect">
             <a:avLst/>
@@ -11705,7 +12433,47 @@
             </a:pPr>
             <a:r>
               <a:rPr lang="en"/>
-              <a:t>Schema Matches found via similarity score</a:t>
+              <a:t>Schema Matching</a:t>
+            </a:r>
+            <a:endParaRPr/>
+          </a:p>
+        </p:txBody>
+      </p:sp>
+      <p:sp>
+        <p:nvSpPr>
+          <p:cNvPr id="105" name="Google Shape;105;p20"/>
+          <p:cNvSpPr txBox="1"/>
+          <p:nvPr>
+            <p:ph idx="1" type="body"/>
+          </p:nvPr>
+        </p:nvSpPr>
+        <p:spPr>
+          <a:xfrm>
+            <a:off x="311700" y="1152475"/>
+            <a:ext cx="8520600" cy="3416400"/>
+          </a:xfrm>
+          <a:prstGeom prst="rect">
+            <a:avLst/>
+          </a:prstGeom>
+        </p:spPr>
+        <p:txBody>
+          <a:bodyPr anchorCtr="0" anchor="t" bIns="91425" lIns="91425" spcFirstLastPara="1" rIns="91425" wrap="square" tIns="91425">
+            <a:normAutofit/>
+          </a:bodyPr>
+          <a:lstStyle/>
+          <a:p>
+            <a:pPr indent="0" lvl="0" marL="0" rtl="0" algn="l">
+              <a:spcBef>
+                <a:spcPts val="0"/>
+              </a:spcBef>
+              <a:spcAft>
+                <a:spcPts val="1200"/>
+              </a:spcAft>
+              <a:buNone/>
+            </a:pPr>
+            <a:r>
+              <a:rPr lang="en"/>
+              <a:t>1. Calculate the Jaro, Jaro Winkler Similarity and the Levenshtein Distance and take the average of these three between pairwise attribute names to identify which attributes are closest match pairwise.</a:t>
             </a:r>
             <a:endParaRPr/>
           </a:p>
@@ -11713,7 +12481,7 @@
       </p:sp>
       <p:pic>
         <p:nvPicPr>
-          <p:cNvPr id="105" name="Google Shape;105;p20"/>
+          <p:cNvPr id="106" name="Google Shape;106;p20"/>
           <p:cNvPicPr preferRelativeResize="0"/>
           <p:nvPr/>
         </p:nvPicPr>
@@ -11727,8 +12495,8 @@
         </p:blipFill>
         <p:spPr>
           <a:xfrm>
-            <a:off x="311700" y="1152475"/>
-            <a:ext cx="3167850" cy="3745125"/>
+            <a:off x="1143000" y="1963450"/>
+            <a:ext cx="4240075" cy="3180049"/>
           </a:xfrm>
           <a:prstGeom prst="rect">
             <a:avLst/>
@@ -11739,51 +12507,6 @@
           </a:ln>
         </p:spPr>
       </p:pic>
-      <p:sp>
-        <p:nvSpPr>
-          <p:cNvPr id="106" name="Google Shape;106;p20"/>
-          <p:cNvSpPr txBox="1"/>
-          <p:nvPr/>
-        </p:nvSpPr>
-        <p:spPr>
-          <a:xfrm>
-            <a:off x="4375875" y="533200"/>
-            <a:ext cx="3461100" cy="484500"/>
-          </a:xfrm>
-          <a:prstGeom prst="rect">
-            <a:avLst/>
-          </a:prstGeom>
-          <a:noFill/>
-          <a:ln>
-            <a:noFill/>
-          </a:ln>
-        </p:spPr>
-        <p:txBody>
-          <a:bodyPr anchorCtr="0" anchor="t" bIns="91425" lIns="91425" spcFirstLastPara="1" rIns="91425" wrap="square" tIns="91425">
-            <a:noAutofit/>
-          </a:bodyPr>
-          <a:lstStyle/>
-          <a:p>
-            <a:pPr indent="0" lvl="0" marL="0" rtl="0" algn="l">
-              <a:spcBef>
-                <a:spcPts val="0"/>
-              </a:spcBef>
-              <a:spcAft>
-                <a:spcPts val="0"/>
-              </a:spcAft>
-              <a:buNone/>
-            </a:pPr>
-            <a:r>
-              <a:t/>
-            </a:r>
-            <a:endParaRPr b="1" sz="1800">
-              <a:solidFill>
-                <a:schemeClr val="dk2"/>
-              </a:solidFill>
-            </a:endParaRPr>
-          </a:p>
-        </p:txBody>
-      </p:sp>
       <p:pic>
         <p:nvPicPr>
           <p:cNvPr id="107" name="Google Shape;107;p20"/>
@@ -11800,8 +12523,8 @@
         </p:blipFill>
         <p:spPr>
           <a:xfrm>
-            <a:off x="4100800" y="1114550"/>
-            <a:ext cx="4233041" cy="3820975"/>
+            <a:off x="4662232" y="2571750"/>
+            <a:ext cx="4394768" cy="1769225"/>
           </a:xfrm>
           <a:prstGeom prst="rect">
             <a:avLst/>
@@ -11871,154 +12594,15 @@
             </a:pPr>
             <a:r>
               <a:rPr lang="en"/>
-              <a:t>Apply functional based dependency repair</a:t>
+              <a:t>Schema Matches found via similarity score</a:t>
             </a:r>
             <a:endParaRPr/>
-          </a:p>
-        </p:txBody>
-      </p:sp>
-      <p:sp>
-        <p:nvSpPr>
-          <p:cNvPr id="113" name="Google Shape;113;p21"/>
-          <p:cNvSpPr txBox="1"/>
-          <p:nvPr>
-            <p:ph idx="1" type="body"/>
-          </p:nvPr>
-        </p:nvSpPr>
-        <p:spPr>
-          <a:xfrm>
-            <a:off x="311700" y="1152475"/>
-            <a:ext cx="8520600" cy="3416400"/>
-          </a:xfrm>
-          <a:prstGeom prst="rect">
-            <a:avLst/>
-          </a:prstGeom>
-        </p:spPr>
-        <p:txBody>
-          <a:bodyPr anchorCtr="0" anchor="t" bIns="91425" lIns="91425" spcFirstLastPara="1" rIns="91425" wrap="square" tIns="91425">
-            <a:normAutofit/>
-          </a:bodyPr>
-          <a:lstStyle/>
-          <a:p>
-            <a:pPr indent="0" lvl="0" marL="0" rtl="0" algn="l">
-              <a:spcBef>
-                <a:spcPts val="0"/>
-              </a:spcBef>
-              <a:spcAft>
-                <a:spcPts val="0"/>
-              </a:spcAft>
-              <a:buNone/>
-            </a:pPr>
-            <a:r>
-              <a:rPr lang="en"/>
-              <a:t>We </a:t>
-            </a:r>
-            <a:r>
-              <a:rPr lang="en"/>
-              <a:t>have identified the following functional dependency</a:t>
-            </a:r>
-            <a:endParaRPr/>
-          </a:p>
-          <a:p>
-            <a:pPr indent="0" lvl="0" marL="0" rtl="0" algn="l">
-              <a:spcBef>
-                <a:spcPts val="1200"/>
-              </a:spcBef>
-              <a:spcAft>
-                <a:spcPts val="0"/>
-              </a:spcAft>
-              <a:buNone/>
-            </a:pPr>
-            <a:r>
-              <a:rPr lang="en"/>
-              <a:t>full_name -&gt; nationality</a:t>
-            </a:r>
-            <a:endParaRPr/>
-          </a:p>
-          <a:p>
-            <a:pPr indent="0" lvl="0" marL="0" rtl="0" algn="l">
-              <a:spcBef>
-                <a:spcPts val="1200"/>
-              </a:spcBef>
-              <a:spcAft>
-                <a:spcPts val="0"/>
-              </a:spcAft>
-              <a:buNone/>
-            </a:pPr>
-            <a:r>
-              <a:rPr lang="en"/>
-              <a:t>full_name -&gt; birth_date</a:t>
-            </a:r>
-            <a:endParaRPr/>
-          </a:p>
-          <a:p>
-            <a:pPr indent="0" lvl="0" marL="0" rtl="0" algn="l">
-              <a:spcBef>
-                <a:spcPts val="1200"/>
-              </a:spcBef>
-              <a:spcAft>
-                <a:spcPts val="0"/>
-              </a:spcAft>
-              <a:buNone/>
-            </a:pPr>
-            <a:r>
-              <a:rPr lang="en"/>
-              <a:t>full_name -&gt; death_date</a:t>
-            </a:r>
-            <a:endParaRPr/>
-          </a:p>
-          <a:p>
-            <a:pPr indent="0" lvl="0" marL="0" rtl="0" algn="l">
-              <a:spcBef>
-                <a:spcPts val="1200"/>
-              </a:spcBef>
-              <a:spcAft>
-                <a:spcPts val="0"/>
-              </a:spcAft>
-              <a:buNone/>
-            </a:pPr>
-            <a:r>
-              <a:t/>
-            </a:r>
-            <a:endParaRPr/>
-          </a:p>
-          <a:p>
-            <a:pPr indent="0" lvl="0" marL="0" rtl="0" algn="l">
-              <a:spcBef>
-                <a:spcPts val="1200"/>
-              </a:spcBef>
-              <a:spcAft>
-                <a:spcPts val="0"/>
-              </a:spcAft>
-              <a:buNone/>
-            </a:pPr>
-            <a:r>
-              <a:rPr b="1" lang="en"/>
-              <a:t>FD Conflicts are resolved</a:t>
-            </a:r>
-            <a:endParaRPr b="1"/>
-          </a:p>
-          <a:p>
-            <a:pPr indent="0" lvl="0" marL="0" rtl="0" algn="l">
-              <a:spcBef>
-                <a:spcPts val="1200"/>
-              </a:spcBef>
-              <a:spcAft>
-                <a:spcPts val="1200"/>
-              </a:spcAft>
-              <a:buNone/>
-            </a:pPr>
-            <a:r>
-              <a:rPr b="1" lang="en"/>
-              <a:t>by popular vote.</a:t>
-            </a:r>
-            <a:endParaRPr b="1"/>
           </a:p>
         </p:txBody>
       </p:sp>
       <p:pic>
         <p:nvPicPr>
-          <p:cNvPr id="114" name="Google Shape;114;p21"/>
+          <p:cNvPr id="113" name="Google Shape;113;p21"/>
           <p:cNvPicPr preferRelativeResize="0"/>
           <p:nvPr/>
         </p:nvPicPr>
@@ -12032,8 +12616,81 @@
         </p:blipFill>
         <p:spPr>
           <a:xfrm>
-            <a:off x="3359224" y="1534050"/>
-            <a:ext cx="5784775" cy="3416400"/>
+            <a:off x="311700" y="1152475"/>
+            <a:ext cx="3167850" cy="3745125"/>
+          </a:xfrm>
+          <a:prstGeom prst="rect">
+            <a:avLst/>
+          </a:prstGeom>
+          <a:noFill/>
+          <a:ln>
+            <a:noFill/>
+          </a:ln>
+        </p:spPr>
+      </p:pic>
+      <p:sp>
+        <p:nvSpPr>
+          <p:cNvPr id="114" name="Google Shape;114;p21"/>
+          <p:cNvSpPr txBox="1"/>
+          <p:nvPr/>
+        </p:nvSpPr>
+        <p:spPr>
+          <a:xfrm>
+            <a:off x="4375875" y="533200"/>
+            <a:ext cx="3461100" cy="484500"/>
+          </a:xfrm>
+          <a:prstGeom prst="rect">
+            <a:avLst/>
+          </a:prstGeom>
+          <a:noFill/>
+          <a:ln>
+            <a:noFill/>
+          </a:ln>
+        </p:spPr>
+        <p:txBody>
+          <a:bodyPr anchorCtr="0" anchor="t" bIns="91425" lIns="91425" spcFirstLastPara="1" rIns="91425" wrap="square" tIns="91425">
+            <a:noAutofit/>
+          </a:bodyPr>
+          <a:lstStyle/>
+          <a:p>
+            <a:pPr indent="0" lvl="0" marL="0" rtl="0" algn="l">
+              <a:spcBef>
+                <a:spcPts val="0"/>
+              </a:spcBef>
+              <a:spcAft>
+                <a:spcPts val="0"/>
+              </a:spcAft>
+              <a:buNone/>
+            </a:pPr>
+            <a:r>
+              <a:t/>
+            </a:r>
+            <a:endParaRPr b="1" sz="1800">
+              <a:solidFill>
+                <a:schemeClr val="dk2"/>
+              </a:solidFill>
+            </a:endParaRPr>
+          </a:p>
+        </p:txBody>
+      </p:sp>
+      <p:pic>
+        <p:nvPicPr>
+          <p:cNvPr id="115" name="Google Shape;115;p21"/>
+          <p:cNvPicPr preferRelativeResize="0"/>
+          <p:nvPr/>
+        </p:nvPicPr>
+        <p:blipFill>
+          <a:blip r:embed="rId4">
+            <a:alphaModFix/>
+          </a:blip>
+          <a:stretch>
+            <a:fillRect/>
+          </a:stretch>
+        </p:blipFill>
+        <p:spPr>
+          <a:xfrm>
+            <a:off x="4100800" y="1114550"/>
+            <a:ext cx="4233041" cy="3820975"/>
           </a:xfrm>
           <a:prstGeom prst="rect">
             <a:avLst/>
@@ -12053,6 +12710,285 @@
 </file>
 
 <file path=ppt/theme/theme1.xml><?xml version="1.0" encoding="utf-8"?>
+<a:theme xmlns:a="http://schemas.openxmlformats.org/drawingml/2006/main" xmlns:r="http://schemas.openxmlformats.org/officeDocument/2006/relationships" name="Simple Light">
+  <a:themeElements>
+    <a:clrScheme name="Simple Light">
+      <a:dk1>
+        <a:srgbClr val="000000"/>
+      </a:dk1>
+      <a:lt1>
+        <a:srgbClr val="FFFFFF"/>
+      </a:lt1>
+      <a:dk2>
+        <a:srgbClr val="595959"/>
+      </a:dk2>
+      <a:lt2>
+        <a:srgbClr val="EEEEEE"/>
+      </a:lt2>
+      <a:accent1>
+        <a:srgbClr val="4285F4"/>
+      </a:accent1>
+      <a:accent2>
+        <a:srgbClr val="212121"/>
+      </a:accent2>
+      <a:accent3>
+        <a:srgbClr val="78909C"/>
+      </a:accent3>
+      <a:accent4>
+        <a:srgbClr val="FFAB40"/>
+      </a:accent4>
+      <a:accent5>
+        <a:srgbClr val="0097A7"/>
+      </a:accent5>
+      <a:accent6>
+        <a:srgbClr val="EEFF41"/>
+      </a:accent6>
+      <a:hlink>
+        <a:srgbClr val="0097A7"/>
+      </a:hlink>
+      <a:folHlink>
+        <a:srgbClr val="0097A7"/>
+      </a:folHlink>
+    </a:clrScheme>
+    <a:fontScheme name="Office">
+      <a:majorFont>
+        <a:latin typeface="Arial"/>
+        <a:ea typeface=""/>
+        <a:cs typeface=""/>
+        <a:font script="Jpan" typeface="ＭＳ Ｐゴシック"/>
+        <a:font script="Hang" typeface="맑은 고딕"/>
+        <a:font script="Hans" typeface="宋体"/>
+        <a:font script="Hant" typeface="新細明體"/>
+        <a:font script="Arab" typeface="Times New Roman"/>
+        <a:font script="Hebr" typeface="Times New Roman"/>
+        <a:font script="Thai" typeface="Angsana New"/>
+        <a:font script="Ethi" typeface="Nyala"/>
+        <a:font script="Beng" typeface="Vrinda"/>
+        <a:font script="Gujr" typeface="Shruti"/>
+        <a:font script="Khmr" typeface="MoolBoran"/>
+        <a:font script="Knda" typeface="Tunga"/>
+        <a:font script="Guru" typeface="Raavi"/>
+        <a:font script="Cans" typeface="Euphemia"/>
+        <a:font script="Cher" typeface="Plantagenet Cherokee"/>
+        <a:font script="Yiii" typeface="Microsoft Yi Baiti"/>
+        <a:font script="Tibt" typeface="Microsoft Himalaya"/>
+        <a:font script="Thaa" typeface="MV Boli"/>
+        <a:font script="Deva" typeface="Mangal"/>
+        <a:font script="Telu" typeface="Gautami"/>
+        <a:font script="Taml" typeface="Latha"/>
+        <a:font script="Syrc" typeface="Estrangelo Edessa"/>
+        <a:font script="Orya" typeface="Kalinga"/>
+        <a:font script="Mlym" typeface="Kartika"/>
+        <a:font script="Laoo" typeface="DokChampa"/>
+        <a:font script="Sinh" typeface="Iskoola Pota"/>
+        <a:font script="Mong" typeface="Mongolian Baiti"/>
+        <a:font script="Viet" typeface="Times New Roman"/>
+        <a:font script="Uigh" typeface="Microsoft Uighur"/>
+        <a:font script="Geor" typeface="Sylfaen"/>
+      </a:majorFont>
+      <a:minorFont>
+        <a:latin typeface="Arial"/>
+        <a:ea typeface=""/>
+        <a:cs typeface=""/>
+        <a:font script="Jpan" typeface="ＭＳ Ｐゴシック"/>
+        <a:font script="Hang" typeface="맑은 고딕"/>
+        <a:font script="Hans" typeface="宋体"/>
+        <a:font script="Hant" typeface="新細明體"/>
+        <a:font script="Arab" typeface="Arial"/>
+        <a:font script="Hebr" typeface="Arial"/>
+        <a:font script="Thai" typeface="Cordia New"/>
+        <a:font script="Ethi" typeface="Nyala"/>
+        <a:font script="Beng" typeface="Vrinda"/>
+        <a:font script="Gujr" typeface="Shruti"/>
+        <a:font script="Khmr" typeface="DaunPenh"/>
+        <a:font script="Knda" typeface="Tunga"/>
+        <a:font script="Guru" typeface="Raavi"/>
+        <a:font script="Cans" typeface="Euphemia"/>
+        <a:font script="Cher" typeface="Plantagenet Cherokee"/>
+        <a:font script="Yiii" typeface="Microsoft Yi Baiti"/>
+        <a:font script="Tibt" typeface="Microsoft Himalaya"/>
+        <a:font script="Thaa" typeface="MV Boli"/>
+        <a:font script="Deva" typeface="Mangal"/>
+        <a:font script="Telu" typeface="Gautami"/>
+        <a:font script="Taml" typeface="Latha"/>
+        <a:font script="Syrc" typeface="Estrangelo Edessa"/>
+        <a:font script="Orya" typeface="Kalinga"/>
+        <a:font script="Mlym" typeface="Kartika"/>
+        <a:font script="Laoo" typeface="DokChampa"/>
+        <a:font script="Sinh" typeface="Iskoola Pota"/>
+        <a:font script="Mong" typeface="Mongolian Baiti"/>
+        <a:font script="Viet" typeface="Arial"/>
+        <a:font script="Uigh" typeface="Microsoft Uighur"/>
+        <a:font script="Geor" typeface="Sylfaen"/>
+      </a:minorFont>
+    </a:fontScheme>
+    <a:fmtScheme name="Office">
+      <a:fillStyleLst>
+        <a:solidFill>
+          <a:schemeClr val="phClr"/>
+        </a:solidFill>
+        <a:gradFill rotWithShape="1">
+          <a:gsLst>
+            <a:gs pos="0">
+              <a:schemeClr val="phClr">
+                <a:tint val="50000"/>
+                <a:satMod val="300000"/>
+              </a:schemeClr>
+            </a:gs>
+            <a:gs pos="35000">
+              <a:schemeClr val="phClr">
+                <a:tint val="37000"/>
+                <a:satMod val="300000"/>
+              </a:schemeClr>
+            </a:gs>
+            <a:gs pos="100000">
+              <a:schemeClr val="phClr">
+                <a:tint val="15000"/>
+                <a:satMod val="350000"/>
+              </a:schemeClr>
+            </a:gs>
+          </a:gsLst>
+          <a:lin ang="16200000" scaled="1"/>
+        </a:gradFill>
+        <a:gradFill rotWithShape="1">
+          <a:gsLst>
+            <a:gs pos="0">
+              <a:schemeClr val="phClr">
+                <a:tint val="100000"/>
+                <a:shade val="100000"/>
+                <a:satMod val="130000"/>
+              </a:schemeClr>
+            </a:gs>
+            <a:gs pos="100000">
+              <a:schemeClr val="phClr">
+                <a:tint val="50000"/>
+                <a:shade val="100000"/>
+                <a:satMod val="350000"/>
+              </a:schemeClr>
+            </a:gs>
+          </a:gsLst>
+          <a:lin ang="16200000" scaled="0"/>
+        </a:gradFill>
+      </a:fillStyleLst>
+      <a:lnStyleLst>
+        <a:ln w="9525" cap="flat" cmpd="sng" algn="ctr">
+          <a:solidFill>
+            <a:schemeClr val="phClr">
+              <a:shade val="95000"/>
+              <a:satMod val="105000"/>
+            </a:schemeClr>
+          </a:solidFill>
+          <a:prstDash val="solid"/>
+        </a:ln>
+        <a:ln w="25400" cap="flat" cmpd="sng" algn="ctr">
+          <a:solidFill>
+            <a:schemeClr val="phClr"/>
+          </a:solidFill>
+          <a:prstDash val="solid"/>
+        </a:ln>
+        <a:ln w="38100" cap="flat" cmpd="sng" algn="ctr">
+          <a:solidFill>
+            <a:schemeClr val="phClr"/>
+          </a:solidFill>
+          <a:prstDash val="solid"/>
+        </a:ln>
+      </a:lnStyleLst>
+      <a:effectStyleLst>
+        <a:effectStyle>
+          <a:effectLst>
+            <a:outerShdw blurRad="40000" dist="20000" dir="5400000" rotWithShape="0">
+              <a:srgbClr val="000000">
+                <a:alpha val="38000"/>
+              </a:srgbClr>
+            </a:outerShdw>
+          </a:effectLst>
+        </a:effectStyle>
+        <a:effectStyle>
+          <a:effectLst>
+            <a:outerShdw blurRad="40000" dist="23000" dir="5400000" rotWithShape="0">
+              <a:srgbClr val="000000">
+                <a:alpha val="35000"/>
+              </a:srgbClr>
+            </a:outerShdw>
+          </a:effectLst>
+        </a:effectStyle>
+        <a:effectStyle>
+          <a:effectLst>
+            <a:outerShdw blurRad="40000" dist="23000" dir="5400000" rotWithShape="0">
+              <a:srgbClr val="000000">
+                <a:alpha val="35000"/>
+              </a:srgbClr>
+            </a:outerShdw>
+          </a:effectLst>
+          <a:scene3d>
+            <a:camera prst="orthographicFront">
+              <a:rot lat="0" lon="0" rev="0"/>
+            </a:camera>
+            <a:lightRig rig="threePt" dir="t">
+              <a:rot lat="0" lon="0" rev="1200000"/>
+            </a:lightRig>
+          </a:scene3d>
+          <a:sp3d>
+            <a:bevelT w="63500" h="25400"/>
+          </a:sp3d>
+        </a:effectStyle>
+      </a:effectStyleLst>
+      <a:bgFillStyleLst>
+        <a:solidFill>
+          <a:schemeClr val="phClr"/>
+        </a:solidFill>
+        <a:gradFill rotWithShape="1">
+          <a:gsLst>
+            <a:gs pos="0">
+              <a:schemeClr val="phClr">
+                <a:tint val="40000"/>
+                <a:satMod val="350000"/>
+              </a:schemeClr>
+            </a:gs>
+            <a:gs pos="40000">
+              <a:schemeClr val="phClr">
+                <a:tint val="45000"/>
+                <a:shade val="99000"/>
+                <a:satMod val="350000"/>
+              </a:schemeClr>
+            </a:gs>
+            <a:gs pos="100000">
+              <a:schemeClr val="phClr">
+                <a:shade val="20000"/>
+                <a:satMod val="255000"/>
+              </a:schemeClr>
+            </a:gs>
+          </a:gsLst>
+          <a:path path="circle">
+            <a:fillToRect l="50000" t="-80000" r="50000" b="180000"/>
+          </a:path>
+        </a:gradFill>
+        <a:gradFill rotWithShape="1">
+          <a:gsLst>
+            <a:gs pos="0">
+              <a:schemeClr val="phClr">
+                <a:tint val="80000"/>
+                <a:satMod val="300000"/>
+              </a:schemeClr>
+            </a:gs>
+            <a:gs pos="100000">
+              <a:schemeClr val="phClr">
+                <a:shade val="30000"/>
+                <a:satMod val="200000"/>
+              </a:schemeClr>
+            </a:gs>
+          </a:gsLst>
+          <a:path path="circle">
+            <a:fillToRect l="50000" t="50000" r="50000" b="50000"/>
+          </a:path>
+        </a:gradFill>
+      </a:bgFillStyleLst>
+    </a:fmtScheme>
+  </a:themeElements>
+</a:theme>
+</file>
+
+<file path=ppt/theme/theme2.xml><?xml version="1.0" encoding="utf-8"?>
 <a:theme xmlns:a="http://schemas.openxmlformats.org/drawingml/2006/main" xmlns:r="http://schemas.openxmlformats.org/officeDocument/2006/relationships">
   <a:themeElements>
     <a:clrScheme name="Default">
@@ -12329,283 +13265,4 @@
     </a:fmtScheme>
   </a:themeElements>
 </a:theme>
-</file>
-
-<file path=ppt/theme/theme2.xml><?xml version="1.0" encoding="utf-8"?>
-<a:theme xmlns:a="http://schemas.openxmlformats.org/drawingml/2006/main" xmlns:r="http://schemas.openxmlformats.org/officeDocument/2006/relationships" name="Simple Light">
-  <a:themeElements>
-    <a:clrScheme name="Simple Light">
-      <a:dk1>
-        <a:srgbClr val="000000"/>
-      </a:dk1>
-      <a:lt1>
-        <a:srgbClr val="FFFFFF"/>
-      </a:lt1>
-      <a:dk2>
-        <a:srgbClr val="595959"/>
-      </a:dk2>
-      <a:lt2>
-        <a:srgbClr val="EEEEEE"/>
-      </a:lt2>
-      <a:accent1>
-        <a:srgbClr val="4285F4"/>
-      </a:accent1>
-      <a:accent2>
-        <a:srgbClr val="212121"/>
-      </a:accent2>
-      <a:accent3>
-        <a:srgbClr val="78909C"/>
-      </a:accent3>
-      <a:accent4>
-        <a:srgbClr val="FFAB40"/>
-      </a:accent4>
-      <a:accent5>
-        <a:srgbClr val="0097A7"/>
-      </a:accent5>
-      <a:accent6>
-        <a:srgbClr val="EEFF41"/>
-      </a:accent6>
-      <a:hlink>
-        <a:srgbClr val="0097A7"/>
-      </a:hlink>
-      <a:folHlink>
-        <a:srgbClr val="0097A7"/>
-      </a:folHlink>
-    </a:clrScheme>
-    <a:fontScheme name="Office">
-      <a:majorFont>
-        <a:latin typeface="Arial"/>
-        <a:ea typeface=""/>
-        <a:cs typeface=""/>
-        <a:font script="Jpan" typeface="ＭＳ Ｐゴシック"/>
-        <a:font script="Hang" typeface="맑은 고딕"/>
-        <a:font script="Hans" typeface="宋体"/>
-        <a:font script="Hant" typeface="新細明體"/>
-        <a:font script="Arab" typeface="Times New Roman"/>
-        <a:font script="Hebr" typeface="Times New Roman"/>
-        <a:font script="Thai" typeface="Angsana New"/>
-        <a:font script="Ethi" typeface="Nyala"/>
-        <a:font script="Beng" typeface="Vrinda"/>
-        <a:font script="Gujr" typeface="Shruti"/>
-        <a:font script="Khmr" typeface="MoolBoran"/>
-        <a:font script="Knda" typeface="Tunga"/>
-        <a:font script="Guru" typeface="Raavi"/>
-        <a:font script="Cans" typeface="Euphemia"/>
-        <a:font script="Cher" typeface="Plantagenet Cherokee"/>
-        <a:font script="Yiii" typeface="Microsoft Yi Baiti"/>
-        <a:font script="Tibt" typeface="Microsoft Himalaya"/>
-        <a:font script="Thaa" typeface="MV Boli"/>
-        <a:font script="Deva" typeface="Mangal"/>
-        <a:font script="Telu" typeface="Gautami"/>
-        <a:font script="Taml" typeface="Latha"/>
-        <a:font script="Syrc" typeface="Estrangelo Edessa"/>
-        <a:font script="Orya" typeface="Kalinga"/>
-        <a:font script="Mlym" typeface="Kartika"/>
-        <a:font script="Laoo" typeface="DokChampa"/>
-        <a:font script="Sinh" typeface="Iskoola Pota"/>
-        <a:font script="Mong" typeface="Mongolian Baiti"/>
-        <a:font script="Viet" typeface="Times New Roman"/>
-        <a:font script="Uigh" typeface="Microsoft Uighur"/>
-        <a:font script="Geor" typeface="Sylfaen"/>
-      </a:majorFont>
-      <a:minorFont>
-        <a:latin typeface="Arial"/>
-        <a:ea typeface=""/>
-        <a:cs typeface=""/>
-        <a:font script="Jpan" typeface="ＭＳ Ｐゴシック"/>
-        <a:font script="Hang" typeface="맑은 고딕"/>
-        <a:font script="Hans" typeface="宋体"/>
-        <a:font script="Hant" typeface="新細明體"/>
-        <a:font script="Arab" typeface="Arial"/>
-        <a:font script="Hebr" typeface="Arial"/>
-        <a:font script="Thai" typeface="Cordia New"/>
-        <a:font script="Ethi" typeface="Nyala"/>
-        <a:font script="Beng" typeface="Vrinda"/>
-        <a:font script="Gujr" typeface="Shruti"/>
-        <a:font script="Khmr" typeface="DaunPenh"/>
-        <a:font script="Knda" typeface="Tunga"/>
-        <a:font script="Guru" typeface="Raavi"/>
-        <a:font script="Cans" typeface="Euphemia"/>
-        <a:font script="Cher" typeface="Plantagenet Cherokee"/>
-        <a:font script="Yiii" typeface="Microsoft Yi Baiti"/>
-        <a:font script="Tibt" typeface="Microsoft Himalaya"/>
-        <a:font script="Thaa" typeface="MV Boli"/>
-        <a:font script="Deva" typeface="Mangal"/>
-        <a:font script="Telu" typeface="Gautami"/>
-        <a:font script="Taml" typeface="Latha"/>
-        <a:font script="Syrc" typeface="Estrangelo Edessa"/>
-        <a:font script="Orya" typeface="Kalinga"/>
-        <a:font script="Mlym" typeface="Kartika"/>
-        <a:font script="Laoo" typeface="DokChampa"/>
-        <a:font script="Sinh" typeface="Iskoola Pota"/>
-        <a:font script="Mong" typeface="Mongolian Baiti"/>
-        <a:font script="Viet" typeface="Arial"/>
-        <a:font script="Uigh" typeface="Microsoft Uighur"/>
-        <a:font script="Geor" typeface="Sylfaen"/>
-      </a:minorFont>
-    </a:fontScheme>
-    <a:fmtScheme name="Office">
-      <a:fillStyleLst>
-        <a:solidFill>
-          <a:schemeClr val="phClr"/>
-        </a:solidFill>
-        <a:gradFill rotWithShape="1">
-          <a:gsLst>
-            <a:gs pos="0">
-              <a:schemeClr val="phClr">
-                <a:tint val="50000"/>
-                <a:satMod val="300000"/>
-              </a:schemeClr>
-            </a:gs>
-            <a:gs pos="35000">
-              <a:schemeClr val="phClr">
-                <a:tint val="37000"/>
-                <a:satMod val="300000"/>
-              </a:schemeClr>
-            </a:gs>
-            <a:gs pos="100000">
-              <a:schemeClr val="phClr">
-                <a:tint val="15000"/>
-                <a:satMod val="350000"/>
-              </a:schemeClr>
-            </a:gs>
-          </a:gsLst>
-          <a:lin ang="16200000" scaled="1"/>
-        </a:gradFill>
-        <a:gradFill rotWithShape="1">
-          <a:gsLst>
-            <a:gs pos="0">
-              <a:schemeClr val="phClr">
-                <a:tint val="100000"/>
-                <a:shade val="100000"/>
-                <a:satMod val="130000"/>
-              </a:schemeClr>
-            </a:gs>
-            <a:gs pos="100000">
-              <a:schemeClr val="phClr">
-                <a:tint val="50000"/>
-                <a:shade val="100000"/>
-                <a:satMod val="350000"/>
-              </a:schemeClr>
-            </a:gs>
-          </a:gsLst>
-          <a:lin ang="16200000" scaled="0"/>
-        </a:gradFill>
-      </a:fillStyleLst>
-      <a:lnStyleLst>
-        <a:ln w="9525" cap="flat" cmpd="sng" algn="ctr">
-          <a:solidFill>
-            <a:schemeClr val="phClr">
-              <a:shade val="95000"/>
-              <a:satMod val="105000"/>
-            </a:schemeClr>
-          </a:solidFill>
-          <a:prstDash val="solid"/>
-        </a:ln>
-        <a:ln w="25400" cap="flat" cmpd="sng" algn="ctr">
-          <a:solidFill>
-            <a:schemeClr val="phClr"/>
-          </a:solidFill>
-          <a:prstDash val="solid"/>
-        </a:ln>
-        <a:ln w="38100" cap="flat" cmpd="sng" algn="ctr">
-          <a:solidFill>
-            <a:schemeClr val="phClr"/>
-          </a:solidFill>
-          <a:prstDash val="solid"/>
-        </a:ln>
-      </a:lnStyleLst>
-      <a:effectStyleLst>
-        <a:effectStyle>
-          <a:effectLst>
-            <a:outerShdw blurRad="40000" dist="20000" dir="5400000" rotWithShape="0">
-              <a:srgbClr val="000000">
-                <a:alpha val="38000"/>
-              </a:srgbClr>
-            </a:outerShdw>
-          </a:effectLst>
-        </a:effectStyle>
-        <a:effectStyle>
-          <a:effectLst>
-            <a:outerShdw blurRad="40000" dist="23000" dir="5400000" rotWithShape="0">
-              <a:srgbClr val="000000">
-                <a:alpha val="35000"/>
-              </a:srgbClr>
-            </a:outerShdw>
-          </a:effectLst>
-        </a:effectStyle>
-        <a:effectStyle>
-          <a:effectLst>
-            <a:outerShdw blurRad="40000" dist="23000" dir="5400000" rotWithShape="0">
-              <a:srgbClr val="000000">
-                <a:alpha val="35000"/>
-              </a:srgbClr>
-            </a:outerShdw>
-          </a:effectLst>
-          <a:scene3d>
-            <a:camera prst="orthographicFront">
-              <a:rot lat="0" lon="0" rev="0"/>
-            </a:camera>
-            <a:lightRig rig="threePt" dir="t">
-              <a:rot lat="0" lon="0" rev="1200000"/>
-            </a:lightRig>
-          </a:scene3d>
-          <a:sp3d>
-            <a:bevelT w="63500" h="25400"/>
-          </a:sp3d>
-        </a:effectStyle>
-      </a:effectStyleLst>
-      <a:bgFillStyleLst>
-        <a:solidFill>
-          <a:schemeClr val="phClr"/>
-        </a:solidFill>
-        <a:gradFill rotWithShape="1">
-          <a:gsLst>
-            <a:gs pos="0">
-              <a:schemeClr val="phClr">
-                <a:tint val="40000"/>
-                <a:satMod val="350000"/>
-              </a:schemeClr>
-            </a:gs>
-            <a:gs pos="40000">
-              <a:schemeClr val="phClr">
-                <a:tint val="45000"/>
-                <a:shade val="99000"/>
-                <a:satMod val="350000"/>
-              </a:schemeClr>
-            </a:gs>
-            <a:gs pos="100000">
-              <a:schemeClr val="phClr">
-                <a:shade val="20000"/>
-                <a:satMod val="255000"/>
-              </a:schemeClr>
-            </a:gs>
-          </a:gsLst>
-          <a:path path="circle">
-            <a:fillToRect l="50000" t="-80000" r="50000" b="180000"/>
-          </a:path>
-        </a:gradFill>
-        <a:gradFill rotWithShape="1">
-          <a:gsLst>
-            <a:gs pos="0">
-              <a:schemeClr val="phClr">
-                <a:tint val="80000"/>
-                <a:satMod val="300000"/>
-              </a:schemeClr>
-            </a:gs>
-            <a:gs pos="100000">
-              <a:schemeClr val="phClr">
-                <a:shade val="30000"/>
-                <a:satMod val="200000"/>
-              </a:schemeClr>
-            </a:gs>
-          </a:gsLst>
-          <a:path path="circle">
-            <a:fillToRect l="50000" t="50000" r="50000" b="50000"/>
-          </a:path>
-        </a:gradFill>
-      </a:bgFillStyleLst>
-    </a:fmtScheme>
-  </a:themeElements>
-</a:theme>
 </file>